--- a/t-08-heap/תרגול 8.pptx
+++ b/t-08-heap/תרגול 8.pptx
@@ -5,16 +5,27 @@
     <p:sldMasterId id="2147483648" r:id="rId1"/>
   </p:sldMasterIdLst>
   <p:notesMasterIdLst>
-    <p:notesMasterId r:id="rId9"/>
+    <p:notesMasterId r:id="rId20"/>
   </p:notesMasterIdLst>
   <p:sldIdLst>
     <p:sldId id="257" r:id="rId2"/>
     <p:sldId id="258" r:id="rId3"/>
     <p:sldId id="293" r:id="rId4"/>
     <p:sldId id="268" r:id="rId5"/>
-    <p:sldId id="276" r:id="rId6"/>
-    <p:sldId id="300" r:id="rId7"/>
-    <p:sldId id="259" r:id="rId8"/>
+    <p:sldId id="301" r:id="rId6"/>
+    <p:sldId id="276" r:id="rId7"/>
+    <p:sldId id="300" r:id="rId8"/>
+    <p:sldId id="302" r:id="rId9"/>
+    <p:sldId id="303" r:id="rId10"/>
+    <p:sldId id="304" r:id="rId11"/>
+    <p:sldId id="305" r:id="rId12"/>
+    <p:sldId id="306" r:id="rId13"/>
+    <p:sldId id="307" r:id="rId14"/>
+    <p:sldId id="308" r:id="rId15"/>
+    <p:sldId id="309" r:id="rId16"/>
+    <p:sldId id="311" r:id="rId17"/>
+    <p:sldId id="310" r:id="rId18"/>
+    <p:sldId id="259" r:id="rId19"/>
   </p:sldIdLst>
   <p:sldSz cx="12192000" cy="6858000"/>
   <p:notesSz cx="6858000" cy="9144000"/>
@@ -203,7 +214,7 @@
           <a:p>
             <a:fld id="{C267593B-B963-47D8-A2A4-BA759CBCEAC5}" type="datetimeFigureOut">
               <a:rPr lang="en-US" smtClean="0"/>
-              <a:t>1/4/2024</a:t>
+              <a:t>3/10/24</a:t>
             </a:fld>
             <a:endParaRPr lang="en-US"/>
           </a:p>
@@ -554,6 +565,426 @@
 </p:notes>
 </file>
 
+<file path=ppt/notesSlides/notesSlide10.xml><?xml version="1.0" encoding="utf-8"?>
+<p:notes xmlns:a="http://schemas.openxmlformats.org/drawingml/2006/main" xmlns:r="http://schemas.openxmlformats.org/officeDocument/2006/relationships" xmlns:p="http://schemas.openxmlformats.org/presentationml/2006/main">
+  <p:cSld>
+    <p:spTree>
+      <p:nvGrpSpPr>
+        <p:cNvPr id="1" name=""/>
+        <p:cNvGrpSpPr/>
+        <p:nvPr/>
+      </p:nvGrpSpPr>
+      <p:grpSpPr>
+        <a:xfrm>
+          <a:off x="0" y="0"/>
+          <a:ext cx="0" cy="0"/>
+          <a:chOff x="0" y="0"/>
+          <a:chExt cx="0" cy="0"/>
+        </a:xfrm>
+      </p:grpSpPr>
+      <p:sp>
+        <p:nvSpPr>
+          <p:cNvPr id="2" name="Slide Image Placeholder 1"/>
+          <p:cNvSpPr>
+            <a:spLocks noGrp="1" noRot="1" noChangeAspect="1"/>
+          </p:cNvSpPr>
+          <p:nvPr>
+            <p:ph type="sldImg"/>
+          </p:nvPr>
+        </p:nvSpPr>
+        <p:spPr/>
+      </p:sp>
+      <p:sp>
+        <p:nvSpPr>
+          <p:cNvPr id="3" name="Notes Placeholder 2"/>
+          <p:cNvSpPr>
+            <a:spLocks noGrp="1"/>
+          </p:cNvSpPr>
+          <p:nvPr>
+            <p:ph type="body" idx="1"/>
+          </p:nvPr>
+        </p:nvSpPr>
+        <p:spPr/>
+        <p:txBody>
+          <a:bodyPr/>
+          <a:lstStyle/>
+          <a:p>
+            <a:endParaRPr lang="en-US" dirty="0"/>
+          </a:p>
+        </p:txBody>
+      </p:sp>
+      <p:sp>
+        <p:nvSpPr>
+          <p:cNvPr id="4" name="Slide Number Placeholder 3"/>
+          <p:cNvSpPr>
+            <a:spLocks noGrp="1"/>
+          </p:cNvSpPr>
+          <p:nvPr>
+            <p:ph type="sldNum" sz="quarter" idx="10"/>
+          </p:nvPr>
+        </p:nvSpPr>
+        <p:spPr/>
+        <p:txBody>
+          <a:bodyPr/>
+          <a:lstStyle/>
+          <a:p>
+            <a:fld id="{72391380-8262-4EC7-BAB8-26F58A320275}" type="slidenum">
+              <a:rPr lang="en-US" smtClean="0"/>
+              <a:t>13</a:t>
+            </a:fld>
+            <a:endParaRPr lang="en-US"/>
+          </a:p>
+        </p:txBody>
+      </p:sp>
+    </p:spTree>
+    <p:extLst>
+      <p:ext uri="{BB962C8B-B14F-4D97-AF65-F5344CB8AC3E}">
+        <p14:creationId xmlns:p14="http://schemas.microsoft.com/office/powerpoint/2010/main" val="3089899542"/>
+      </p:ext>
+    </p:extLst>
+  </p:cSld>
+  <p:clrMapOvr>
+    <a:masterClrMapping/>
+  </p:clrMapOvr>
+</p:notes>
+</file>
+
+<file path=ppt/notesSlides/notesSlide11.xml><?xml version="1.0" encoding="utf-8"?>
+<p:notes xmlns:a="http://schemas.openxmlformats.org/drawingml/2006/main" xmlns:r="http://schemas.openxmlformats.org/officeDocument/2006/relationships" xmlns:p="http://schemas.openxmlformats.org/presentationml/2006/main">
+  <p:cSld>
+    <p:spTree>
+      <p:nvGrpSpPr>
+        <p:cNvPr id="1" name=""/>
+        <p:cNvGrpSpPr/>
+        <p:nvPr/>
+      </p:nvGrpSpPr>
+      <p:grpSpPr>
+        <a:xfrm>
+          <a:off x="0" y="0"/>
+          <a:ext cx="0" cy="0"/>
+          <a:chOff x="0" y="0"/>
+          <a:chExt cx="0" cy="0"/>
+        </a:xfrm>
+      </p:grpSpPr>
+      <p:sp>
+        <p:nvSpPr>
+          <p:cNvPr id="2" name="Slide Image Placeholder 1"/>
+          <p:cNvSpPr>
+            <a:spLocks noGrp="1" noRot="1" noChangeAspect="1"/>
+          </p:cNvSpPr>
+          <p:nvPr>
+            <p:ph type="sldImg"/>
+          </p:nvPr>
+        </p:nvSpPr>
+        <p:spPr/>
+      </p:sp>
+      <p:sp>
+        <p:nvSpPr>
+          <p:cNvPr id="3" name="Notes Placeholder 2"/>
+          <p:cNvSpPr>
+            <a:spLocks noGrp="1"/>
+          </p:cNvSpPr>
+          <p:nvPr>
+            <p:ph type="body" idx="1"/>
+          </p:nvPr>
+        </p:nvSpPr>
+        <p:spPr/>
+        <p:txBody>
+          <a:bodyPr/>
+          <a:lstStyle/>
+          <a:p>
+            <a:endParaRPr lang="en-US" dirty="0"/>
+          </a:p>
+        </p:txBody>
+      </p:sp>
+      <p:sp>
+        <p:nvSpPr>
+          <p:cNvPr id="4" name="Slide Number Placeholder 3"/>
+          <p:cNvSpPr>
+            <a:spLocks noGrp="1"/>
+          </p:cNvSpPr>
+          <p:nvPr>
+            <p:ph type="sldNum" sz="quarter" idx="10"/>
+          </p:nvPr>
+        </p:nvSpPr>
+        <p:spPr/>
+        <p:txBody>
+          <a:bodyPr/>
+          <a:lstStyle/>
+          <a:p>
+            <a:fld id="{72391380-8262-4EC7-BAB8-26F58A320275}" type="slidenum">
+              <a:rPr lang="en-US" smtClean="0"/>
+              <a:t>14</a:t>
+            </a:fld>
+            <a:endParaRPr lang="en-US"/>
+          </a:p>
+        </p:txBody>
+      </p:sp>
+    </p:spTree>
+    <p:extLst>
+      <p:ext uri="{BB962C8B-B14F-4D97-AF65-F5344CB8AC3E}">
+        <p14:creationId xmlns:p14="http://schemas.microsoft.com/office/powerpoint/2010/main" val="926681284"/>
+      </p:ext>
+    </p:extLst>
+  </p:cSld>
+  <p:clrMapOvr>
+    <a:masterClrMapping/>
+  </p:clrMapOvr>
+</p:notes>
+</file>
+
+<file path=ppt/notesSlides/notesSlide12.xml><?xml version="1.0" encoding="utf-8"?>
+<p:notes xmlns:a="http://schemas.openxmlformats.org/drawingml/2006/main" xmlns:r="http://schemas.openxmlformats.org/officeDocument/2006/relationships" xmlns:p="http://schemas.openxmlformats.org/presentationml/2006/main">
+  <p:cSld>
+    <p:spTree>
+      <p:nvGrpSpPr>
+        <p:cNvPr id="1" name=""/>
+        <p:cNvGrpSpPr/>
+        <p:nvPr/>
+      </p:nvGrpSpPr>
+      <p:grpSpPr>
+        <a:xfrm>
+          <a:off x="0" y="0"/>
+          <a:ext cx="0" cy="0"/>
+          <a:chOff x="0" y="0"/>
+          <a:chExt cx="0" cy="0"/>
+        </a:xfrm>
+      </p:grpSpPr>
+      <p:sp>
+        <p:nvSpPr>
+          <p:cNvPr id="2" name="Slide Image Placeholder 1"/>
+          <p:cNvSpPr>
+            <a:spLocks noGrp="1" noRot="1" noChangeAspect="1"/>
+          </p:cNvSpPr>
+          <p:nvPr>
+            <p:ph type="sldImg"/>
+          </p:nvPr>
+        </p:nvSpPr>
+        <p:spPr/>
+      </p:sp>
+      <p:sp>
+        <p:nvSpPr>
+          <p:cNvPr id="3" name="Notes Placeholder 2"/>
+          <p:cNvSpPr>
+            <a:spLocks noGrp="1"/>
+          </p:cNvSpPr>
+          <p:nvPr>
+            <p:ph type="body" idx="1"/>
+          </p:nvPr>
+        </p:nvSpPr>
+        <p:spPr/>
+        <p:txBody>
+          <a:bodyPr/>
+          <a:lstStyle/>
+          <a:p>
+            <a:endParaRPr lang="en-US" dirty="0"/>
+          </a:p>
+        </p:txBody>
+      </p:sp>
+      <p:sp>
+        <p:nvSpPr>
+          <p:cNvPr id="4" name="Slide Number Placeholder 3"/>
+          <p:cNvSpPr>
+            <a:spLocks noGrp="1"/>
+          </p:cNvSpPr>
+          <p:nvPr>
+            <p:ph type="sldNum" sz="quarter" idx="10"/>
+          </p:nvPr>
+        </p:nvSpPr>
+        <p:spPr/>
+        <p:txBody>
+          <a:bodyPr/>
+          <a:lstStyle/>
+          <a:p>
+            <a:fld id="{72391380-8262-4EC7-BAB8-26F58A320275}" type="slidenum">
+              <a:rPr lang="en-US" smtClean="0"/>
+              <a:t>15</a:t>
+            </a:fld>
+            <a:endParaRPr lang="en-US"/>
+          </a:p>
+        </p:txBody>
+      </p:sp>
+    </p:spTree>
+    <p:extLst>
+      <p:ext uri="{BB962C8B-B14F-4D97-AF65-F5344CB8AC3E}">
+        <p14:creationId xmlns:p14="http://schemas.microsoft.com/office/powerpoint/2010/main" val="3404372294"/>
+      </p:ext>
+    </p:extLst>
+  </p:cSld>
+  <p:clrMapOvr>
+    <a:masterClrMapping/>
+  </p:clrMapOvr>
+</p:notes>
+</file>
+
+<file path=ppt/notesSlides/notesSlide13.xml><?xml version="1.0" encoding="utf-8"?>
+<p:notes xmlns:a="http://schemas.openxmlformats.org/drawingml/2006/main" xmlns:r="http://schemas.openxmlformats.org/officeDocument/2006/relationships" xmlns:p="http://schemas.openxmlformats.org/presentationml/2006/main">
+  <p:cSld>
+    <p:spTree>
+      <p:nvGrpSpPr>
+        <p:cNvPr id="1" name=""/>
+        <p:cNvGrpSpPr/>
+        <p:nvPr/>
+      </p:nvGrpSpPr>
+      <p:grpSpPr>
+        <a:xfrm>
+          <a:off x="0" y="0"/>
+          <a:ext cx="0" cy="0"/>
+          <a:chOff x="0" y="0"/>
+          <a:chExt cx="0" cy="0"/>
+        </a:xfrm>
+      </p:grpSpPr>
+      <p:sp>
+        <p:nvSpPr>
+          <p:cNvPr id="2" name="Slide Image Placeholder 1"/>
+          <p:cNvSpPr>
+            <a:spLocks noGrp="1" noRot="1" noChangeAspect="1"/>
+          </p:cNvSpPr>
+          <p:nvPr>
+            <p:ph type="sldImg"/>
+          </p:nvPr>
+        </p:nvSpPr>
+        <p:spPr/>
+      </p:sp>
+      <p:sp>
+        <p:nvSpPr>
+          <p:cNvPr id="3" name="Notes Placeholder 2"/>
+          <p:cNvSpPr>
+            <a:spLocks noGrp="1"/>
+          </p:cNvSpPr>
+          <p:nvPr>
+            <p:ph type="body" idx="1"/>
+          </p:nvPr>
+        </p:nvSpPr>
+        <p:spPr/>
+        <p:txBody>
+          <a:bodyPr/>
+          <a:lstStyle/>
+          <a:p>
+            <a:endParaRPr lang="en-US" dirty="0"/>
+          </a:p>
+        </p:txBody>
+      </p:sp>
+      <p:sp>
+        <p:nvSpPr>
+          <p:cNvPr id="4" name="Slide Number Placeholder 3"/>
+          <p:cNvSpPr>
+            <a:spLocks noGrp="1"/>
+          </p:cNvSpPr>
+          <p:nvPr>
+            <p:ph type="sldNum" sz="quarter" idx="10"/>
+          </p:nvPr>
+        </p:nvSpPr>
+        <p:spPr/>
+        <p:txBody>
+          <a:bodyPr/>
+          <a:lstStyle/>
+          <a:p>
+            <a:fld id="{72391380-8262-4EC7-BAB8-26F58A320275}" type="slidenum">
+              <a:rPr lang="en-US" smtClean="0"/>
+              <a:t>16</a:t>
+            </a:fld>
+            <a:endParaRPr lang="en-US"/>
+          </a:p>
+        </p:txBody>
+      </p:sp>
+    </p:spTree>
+    <p:extLst>
+      <p:ext uri="{BB962C8B-B14F-4D97-AF65-F5344CB8AC3E}">
+        <p14:creationId xmlns:p14="http://schemas.microsoft.com/office/powerpoint/2010/main" val="1945494639"/>
+      </p:ext>
+    </p:extLst>
+  </p:cSld>
+  <p:clrMapOvr>
+    <a:masterClrMapping/>
+  </p:clrMapOvr>
+</p:notes>
+</file>
+
+<file path=ppt/notesSlides/notesSlide14.xml><?xml version="1.0" encoding="utf-8"?>
+<p:notes xmlns:a="http://schemas.openxmlformats.org/drawingml/2006/main" xmlns:r="http://schemas.openxmlformats.org/officeDocument/2006/relationships" xmlns:p="http://schemas.openxmlformats.org/presentationml/2006/main">
+  <p:cSld>
+    <p:spTree>
+      <p:nvGrpSpPr>
+        <p:cNvPr id="1" name=""/>
+        <p:cNvGrpSpPr/>
+        <p:nvPr/>
+      </p:nvGrpSpPr>
+      <p:grpSpPr>
+        <a:xfrm>
+          <a:off x="0" y="0"/>
+          <a:ext cx="0" cy="0"/>
+          <a:chOff x="0" y="0"/>
+          <a:chExt cx="0" cy="0"/>
+        </a:xfrm>
+      </p:grpSpPr>
+      <p:sp>
+        <p:nvSpPr>
+          <p:cNvPr id="2" name="Slide Image Placeholder 1"/>
+          <p:cNvSpPr>
+            <a:spLocks noGrp="1" noRot="1" noChangeAspect="1"/>
+          </p:cNvSpPr>
+          <p:nvPr>
+            <p:ph type="sldImg"/>
+          </p:nvPr>
+        </p:nvSpPr>
+        <p:spPr/>
+      </p:sp>
+      <p:sp>
+        <p:nvSpPr>
+          <p:cNvPr id="3" name="Notes Placeholder 2"/>
+          <p:cNvSpPr>
+            <a:spLocks noGrp="1"/>
+          </p:cNvSpPr>
+          <p:nvPr>
+            <p:ph type="body" idx="1"/>
+          </p:nvPr>
+        </p:nvSpPr>
+        <p:spPr/>
+        <p:txBody>
+          <a:bodyPr/>
+          <a:lstStyle/>
+          <a:p>
+            <a:endParaRPr lang="en-US" dirty="0"/>
+          </a:p>
+        </p:txBody>
+      </p:sp>
+      <p:sp>
+        <p:nvSpPr>
+          <p:cNvPr id="4" name="Slide Number Placeholder 3"/>
+          <p:cNvSpPr>
+            <a:spLocks noGrp="1"/>
+          </p:cNvSpPr>
+          <p:nvPr>
+            <p:ph type="sldNum" sz="quarter" idx="10"/>
+          </p:nvPr>
+        </p:nvSpPr>
+        <p:spPr/>
+        <p:txBody>
+          <a:bodyPr/>
+          <a:lstStyle/>
+          <a:p>
+            <a:fld id="{72391380-8262-4EC7-BAB8-26F58A320275}" type="slidenum">
+              <a:rPr lang="en-US" smtClean="0"/>
+              <a:t>17</a:t>
+            </a:fld>
+            <a:endParaRPr lang="en-US"/>
+          </a:p>
+        </p:txBody>
+      </p:sp>
+    </p:spTree>
+    <p:extLst>
+      <p:ext uri="{BB962C8B-B14F-4D97-AF65-F5344CB8AC3E}">
+        <p14:creationId xmlns:p14="http://schemas.microsoft.com/office/powerpoint/2010/main" val="2857496763"/>
+      </p:ext>
+    </p:extLst>
+  </p:cSld>
+  <p:clrMapOvr>
+    <a:masterClrMapping/>
+  </p:clrMapOvr>
+</p:notes>
+</file>
+
 <file path=ppt/notesSlides/notesSlide2.xml><?xml version="1.0" encoding="utf-8"?>
 <p:notes xmlns:a="http://schemas.openxmlformats.org/drawingml/2006/main" xmlns:r="http://schemas.openxmlformats.org/officeDocument/2006/relationships" xmlns:p="http://schemas.openxmlformats.org/presentationml/2006/main">
   <p:cSld>
@@ -703,7 +1134,7 @@
           <a:p>
             <a:fld id="{72391380-8262-4EC7-BAB8-26F58A320275}" type="slidenum">
               <a:rPr lang="en-US" smtClean="0"/>
-              <a:t>5</a:t>
+              <a:t>6</a:t>
             </a:fld>
             <a:endParaRPr lang="en-US"/>
           </a:p>
@@ -787,7 +1218,7 @@
           <a:p>
             <a:fld id="{72391380-8262-4EC7-BAB8-26F58A320275}" type="slidenum">
               <a:rPr lang="en-US" smtClean="0"/>
-              <a:t>6</a:t>
+              <a:t>7</a:t>
             </a:fld>
             <a:endParaRPr lang="en-US"/>
           </a:p>
@@ -797,6 +1228,426 @@
     <p:extLst>
       <p:ext uri="{BB962C8B-B14F-4D97-AF65-F5344CB8AC3E}">
         <p14:creationId xmlns:p14="http://schemas.microsoft.com/office/powerpoint/2010/main" val="4103008728"/>
+      </p:ext>
+    </p:extLst>
+  </p:cSld>
+  <p:clrMapOvr>
+    <a:masterClrMapping/>
+  </p:clrMapOvr>
+</p:notes>
+</file>
+
+<file path=ppt/notesSlides/notesSlide5.xml><?xml version="1.0" encoding="utf-8"?>
+<p:notes xmlns:a="http://schemas.openxmlformats.org/drawingml/2006/main" xmlns:r="http://schemas.openxmlformats.org/officeDocument/2006/relationships" xmlns:p="http://schemas.openxmlformats.org/presentationml/2006/main">
+  <p:cSld>
+    <p:spTree>
+      <p:nvGrpSpPr>
+        <p:cNvPr id="1" name=""/>
+        <p:cNvGrpSpPr/>
+        <p:nvPr/>
+      </p:nvGrpSpPr>
+      <p:grpSpPr>
+        <a:xfrm>
+          <a:off x="0" y="0"/>
+          <a:ext cx="0" cy="0"/>
+          <a:chOff x="0" y="0"/>
+          <a:chExt cx="0" cy="0"/>
+        </a:xfrm>
+      </p:grpSpPr>
+      <p:sp>
+        <p:nvSpPr>
+          <p:cNvPr id="2" name="Slide Image Placeholder 1"/>
+          <p:cNvSpPr>
+            <a:spLocks noGrp="1" noRot="1" noChangeAspect="1"/>
+          </p:cNvSpPr>
+          <p:nvPr>
+            <p:ph type="sldImg"/>
+          </p:nvPr>
+        </p:nvSpPr>
+        <p:spPr/>
+      </p:sp>
+      <p:sp>
+        <p:nvSpPr>
+          <p:cNvPr id="3" name="Notes Placeholder 2"/>
+          <p:cNvSpPr>
+            <a:spLocks noGrp="1"/>
+          </p:cNvSpPr>
+          <p:nvPr>
+            <p:ph type="body" idx="1"/>
+          </p:nvPr>
+        </p:nvSpPr>
+        <p:spPr/>
+        <p:txBody>
+          <a:bodyPr/>
+          <a:lstStyle/>
+          <a:p>
+            <a:endParaRPr lang="en-US" dirty="0"/>
+          </a:p>
+        </p:txBody>
+      </p:sp>
+      <p:sp>
+        <p:nvSpPr>
+          <p:cNvPr id="4" name="Slide Number Placeholder 3"/>
+          <p:cNvSpPr>
+            <a:spLocks noGrp="1"/>
+          </p:cNvSpPr>
+          <p:nvPr>
+            <p:ph type="sldNum" sz="quarter" idx="10"/>
+          </p:nvPr>
+        </p:nvSpPr>
+        <p:spPr/>
+        <p:txBody>
+          <a:bodyPr/>
+          <a:lstStyle/>
+          <a:p>
+            <a:fld id="{72391380-8262-4EC7-BAB8-26F58A320275}" type="slidenum">
+              <a:rPr lang="en-US" smtClean="0"/>
+              <a:t>8</a:t>
+            </a:fld>
+            <a:endParaRPr lang="en-US"/>
+          </a:p>
+        </p:txBody>
+      </p:sp>
+    </p:spTree>
+    <p:extLst>
+      <p:ext uri="{BB962C8B-B14F-4D97-AF65-F5344CB8AC3E}">
+        <p14:creationId xmlns:p14="http://schemas.microsoft.com/office/powerpoint/2010/main" val="1188200847"/>
+      </p:ext>
+    </p:extLst>
+  </p:cSld>
+  <p:clrMapOvr>
+    <a:masterClrMapping/>
+  </p:clrMapOvr>
+</p:notes>
+</file>
+
+<file path=ppt/notesSlides/notesSlide6.xml><?xml version="1.0" encoding="utf-8"?>
+<p:notes xmlns:a="http://schemas.openxmlformats.org/drawingml/2006/main" xmlns:r="http://schemas.openxmlformats.org/officeDocument/2006/relationships" xmlns:p="http://schemas.openxmlformats.org/presentationml/2006/main">
+  <p:cSld>
+    <p:spTree>
+      <p:nvGrpSpPr>
+        <p:cNvPr id="1" name=""/>
+        <p:cNvGrpSpPr/>
+        <p:nvPr/>
+      </p:nvGrpSpPr>
+      <p:grpSpPr>
+        <a:xfrm>
+          <a:off x="0" y="0"/>
+          <a:ext cx="0" cy="0"/>
+          <a:chOff x="0" y="0"/>
+          <a:chExt cx="0" cy="0"/>
+        </a:xfrm>
+      </p:grpSpPr>
+      <p:sp>
+        <p:nvSpPr>
+          <p:cNvPr id="2" name="Slide Image Placeholder 1"/>
+          <p:cNvSpPr>
+            <a:spLocks noGrp="1" noRot="1" noChangeAspect="1"/>
+          </p:cNvSpPr>
+          <p:nvPr>
+            <p:ph type="sldImg"/>
+          </p:nvPr>
+        </p:nvSpPr>
+        <p:spPr/>
+      </p:sp>
+      <p:sp>
+        <p:nvSpPr>
+          <p:cNvPr id="3" name="Notes Placeholder 2"/>
+          <p:cNvSpPr>
+            <a:spLocks noGrp="1"/>
+          </p:cNvSpPr>
+          <p:nvPr>
+            <p:ph type="body" idx="1"/>
+          </p:nvPr>
+        </p:nvSpPr>
+        <p:spPr/>
+        <p:txBody>
+          <a:bodyPr/>
+          <a:lstStyle/>
+          <a:p>
+            <a:endParaRPr lang="en-US" dirty="0"/>
+          </a:p>
+        </p:txBody>
+      </p:sp>
+      <p:sp>
+        <p:nvSpPr>
+          <p:cNvPr id="4" name="Slide Number Placeholder 3"/>
+          <p:cNvSpPr>
+            <a:spLocks noGrp="1"/>
+          </p:cNvSpPr>
+          <p:nvPr>
+            <p:ph type="sldNum" sz="quarter" idx="10"/>
+          </p:nvPr>
+        </p:nvSpPr>
+        <p:spPr/>
+        <p:txBody>
+          <a:bodyPr/>
+          <a:lstStyle/>
+          <a:p>
+            <a:fld id="{72391380-8262-4EC7-BAB8-26F58A320275}" type="slidenum">
+              <a:rPr lang="en-US" smtClean="0"/>
+              <a:t>9</a:t>
+            </a:fld>
+            <a:endParaRPr lang="en-US"/>
+          </a:p>
+        </p:txBody>
+      </p:sp>
+    </p:spTree>
+    <p:extLst>
+      <p:ext uri="{BB962C8B-B14F-4D97-AF65-F5344CB8AC3E}">
+        <p14:creationId xmlns:p14="http://schemas.microsoft.com/office/powerpoint/2010/main" val="1813117881"/>
+      </p:ext>
+    </p:extLst>
+  </p:cSld>
+  <p:clrMapOvr>
+    <a:masterClrMapping/>
+  </p:clrMapOvr>
+</p:notes>
+</file>
+
+<file path=ppt/notesSlides/notesSlide7.xml><?xml version="1.0" encoding="utf-8"?>
+<p:notes xmlns:a="http://schemas.openxmlformats.org/drawingml/2006/main" xmlns:r="http://schemas.openxmlformats.org/officeDocument/2006/relationships" xmlns:p="http://schemas.openxmlformats.org/presentationml/2006/main">
+  <p:cSld>
+    <p:spTree>
+      <p:nvGrpSpPr>
+        <p:cNvPr id="1" name=""/>
+        <p:cNvGrpSpPr/>
+        <p:nvPr/>
+      </p:nvGrpSpPr>
+      <p:grpSpPr>
+        <a:xfrm>
+          <a:off x="0" y="0"/>
+          <a:ext cx="0" cy="0"/>
+          <a:chOff x="0" y="0"/>
+          <a:chExt cx="0" cy="0"/>
+        </a:xfrm>
+      </p:grpSpPr>
+      <p:sp>
+        <p:nvSpPr>
+          <p:cNvPr id="2" name="Slide Image Placeholder 1"/>
+          <p:cNvSpPr>
+            <a:spLocks noGrp="1" noRot="1" noChangeAspect="1"/>
+          </p:cNvSpPr>
+          <p:nvPr>
+            <p:ph type="sldImg"/>
+          </p:nvPr>
+        </p:nvSpPr>
+        <p:spPr/>
+      </p:sp>
+      <p:sp>
+        <p:nvSpPr>
+          <p:cNvPr id="3" name="Notes Placeholder 2"/>
+          <p:cNvSpPr>
+            <a:spLocks noGrp="1"/>
+          </p:cNvSpPr>
+          <p:nvPr>
+            <p:ph type="body" idx="1"/>
+          </p:nvPr>
+        </p:nvSpPr>
+        <p:spPr/>
+        <p:txBody>
+          <a:bodyPr/>
+          <a:lstStyle/>
+          <a:p>
+            <a:endParaRPr lang="en-US" dirty="0"/>
+          </a:p>
+        </p:txBody>
+      </p:sp>
+      <p:sp>
+        <p:nvSpPr>
+          <p:cNvPr id="4" name="Slide Number Placeholder 3"/>
+          <p:cNvSpPr>
+            <a:spLocks noGrp="1"/>
+          </p:cNvSpPr>
+          <p:nvPr>
+            <p:ph type="sldNum" sz="quarter" idx="10"/>
+          </p:nvPr>
+        </p:nvSpPr>
+        <p:spPr/>
+        <p:txBody>
+          <a:bodyPr/>
+          <a:lstStyle/>
+          <a:p>
+            <a:fld id="{72391380-8262-4EC7-BAB8-26F58A320275}" type="slidenum">
+              <a:rPr lang="en-US" smtClean="0"/>
+              <a:t>10</a:t>
+            </a:fld>
+            <a:endParaRPr lang="en-US"/>
+          </a:p>
+        </p:txBody>
+      </p:sp>
+    </p:spTree>
+    <p:extLst>
+      <p:ext uri="{BB962C8B-B14F-4D97-AF65-F5344CB8AC3E}">
+        <p14:creationId xmlns:p14="http://schemas.microsoft.com/office/powerpoint/2010/main" val="315821520"/>
+      </p:ext>
+    </p:extLst>
+  </p:cSld>
+  <p:clrMapOvr>
+    <a:masterClrMapping/>
+  </p:clrMapOvr>
+</p:notes>
+</file>
+
+<file path=ppt/notesSlides/notesSlide8.xml><?xml version="1.0" encoding="utf-8"?>
+<p:notes xmlns:a="http://schemas.openxmlformats.org/drawingml/2006/main" xmlns:r="http://schemas.openxmlformats.org/officeDocument/2006/relationships" xmlns:p="http://schemas.openxmlformats.org/presentationml/2006/main">
+  <p:cSld>
+    <p:spTree>
+      <p:nvGrpSpPr>
+        <p:cNvPr id="1" name=""/>
+        <p:cNvGrpSpPr/>
+        <p:nvPr/>
+      </p:nvGrpSpPr>
+      <p:grpSpPr>
+        <a:xfrm>
+          <a:off x="0" y="0"/>
+          <a:ext cx="0" cy="0"/>
+          <a:chOff x="0" y="0"/>
+          <a:chExt cx="0" cy="0"/>
+        </a:xfrm>
+      </p:grpSpPr>
+      <p:sp>
+        <p:nvSpPr>
+          <p:cNvPr id="2" name="Slide Image Placeholder 1"/>
+          <p:cNvSpPr>
+            <a:spLocks noGrp="1" noRot="1" noChangeAspect="1"/>
+          </p:cNvSpPr>
+          <p:nvPr>
+            <p:ph type="sldImg"/>
+          </p:nvPr>
+        </p:nvSpPr>
+        <p:spPr/>
+      </p:sp>
+      <p:sp>
+        <p:nvSpPr>
+          <p:cNvPr id="3" name="Notes Placeholder 2"/>
+          <p:cNvSpPr>
+            <a:spLocks noGrp="1"/>
+          </p:cNvSpPr>
+          <p:nvPr>
+            <p:ph type="body" idx="1"/>
+          </p:nvPr>
+        </p:nvSpPr>
+        <p:spPr/>
+        <p:txBody>
+          <a:bodyPr/>
+          <a:lstStyle/>
+          <a:p>
+            <a:endParaRPr lang="en-US" dirty="0"/>
+          </a:p>
+        </p:txBody>
+      </p:sp>
+      <p:sp>
+        <p:nvSpPr>
+          <p:cNvPr id="4" name="Slide Number Placeholder 3"/>
+          <p:cNvSpPr>
+            <a:spLocks noGrp="1"/>
+          </p:cNvSpPr>
+          <p:nvPr>
+            <p:ph type="sldNum" sz="quarter" idx="10"/>
+          </p:nvPr>
+        </p:nvSpPr>
+        <p:spPr/>
+        <p:txBody>
+          <a:bodyPr/>
+          <a:lstStyle/>
+          <a:p>
+            <a:fld id="{72391380-8262-4EC7-BAB8-26F58A320275}" type="slidenum">
+              <a:rPr lang="en-US" smtClean="0"/>
+              <a:t>11</a:t>
+            </a:fld>
+            <a:endParaRPr lang="en-US"/>
+          </a:p>
+        </p:txBody>
+      </p:sp>
+    </p:spTree>
+    <p:extLst>
+      <p:ext uri="{BB962C8B-B14F-4D97-AF65-F5344CB8AC3E}">
+        <p14:creationId xmlns:p14="http://schemas.microsoft.com/office/powerpoint/2010/main" val="2711430375"/>
+      </p:ext>
+    </p:extLst>
+  </p:cSld>
+  <p:clrMapOvr>
+    <a:masterClrMapping/>
+  </p:clrMapOvr>
+</p:notes>
+</file>
+
+<file path=ppt/notesSlides/notesSlide9.xml><?xml version="1.0" encoding="utf-8"?>
+<p:notes xmlns:a="http://schemas.openxmlformats.org/drawingml/2006/main" xmlns:r="http://schemas.openxmlformats.org/officeDocument/2006/relationships" xmlns:p="http://schemas.openxmlformats.org/presentationml/2006/main">
+  <p:cSld>
+    <p:spTree>
+      <p:nvGrpSpPr>
+        <p:cNvPr id="1" name=""/>
+        <p:cNvGrpSpPr/>
+        <p:nvPr/>
+      </p:nvGrpSpPr>
+      <p:grpSpPr>
+        <a:xfrm>
+          <a:off x="0" y="0"/>
+          <a:ext cx="0" cy="0"/>
+          <a:chOff x="0" y="0"/>
+          <a:chExt cx="0" cy="0"/>
+        </a:xfrm>
+      </p:grpSpPr>
+      <p:sp>
+        <p:nvSpPr>
+          <p:cNvPr id="2" name="Slide Image Placeholder 1"/>
+          <p:cNvSpPr>
+            <a:spLocks noGrp="1" noRot="1" noChangeAspect="1"/>
+          </p:cNvSpPr>
+          <p:nvPr>
+            <p:ph type="sldImg"/>
+          </p:nvPr>
+        </p:nvSpPr>
+        <p:spPr/>
+      </p:sp>
+      <p:sp>
+        <p:nvSpPr>
+          <p:cNvPr id="3" name="Notes Placeholder 2"/>
+          <p:cNvSpPr>
+            <a:spLocks noGrp="1"/>
+          </p:cNvSpPr>
+          <p:nvPr>
+            <p:ph type="body" idx="1"/>
+          </p:nvPr>
+        </p:nvSpPr>
+        <p:spPr/>
+        <p:txBody>
+          <a:bodyPr/>
+          <a:lstStyle/>
+          <a:p>
+            <a:endParaRPr lang="en-US" dirty="0"/>
+          </a:p>
+        </p:txBody>
+      </p:sp>
+      <p:sp>
+        <p:nvSpPr>
+          <p:cNvPr id="4" name="Slide Number Placeholder 3"/>
+          <p:cNvSpPr>
+            <a:spLocks noGrp="1"/>
+          </p:cNvSpPr>
+          <p:nvPr>
+            <p:ph type="sldNum" sz="quarter" idx="10"/>
+          </p:nvPr>
+        </p:nvSpPr>
+        <p:spPr/>
+        <p:txBody>
+          <a:bodyPr/>
+          <a:lstStyle/>
+          <a:p>
+            <a:fld id="{72391380-8262-4EC7-BAB8-26F58A320275}" type="slidenum">
+              <a:rPr lang="en-US" smtClean="0"/>
+              <a:t>12</a:t>
+            </a:fld>
+            <a:endParaRPr lang="en-US"/>
+          </a:p>
+        </p:txBody>
+      </p:sp>
+    </p:spTree>
+    <p:extLst>
+      <p:ext uri="{BB962C8B-B14F-4D97-AF65-F5344CB8AC3E}">
+        <p14:creationId xmlns:p14="http://schemas.microsoft.com/office/powerpoint/2010/main" val="1520305915"/>
       </p:ext>
     </p:extLst>
   </p:cSld>
@@ -953,7 +1804,7 @@
           <a:p>
             <a:fld id="{9FBD9C55-7868-4FF1-8666-2EC1F88A96B2}" type="datetimeFigureOut">
               <a:rPr lang="he-IL" smtClean="0"/>
-              <a:t>כ"ג/טבת/תשפ"ד</a:t>
+              <a:t>ל'.אדר א.תשפ"ד</a:t>
             </a:fld>
             <a:endParaRPr lang="he-IL"/>
           </a:p>
@@ -1151,7 +2002,7 @@
           <a:p>
             <a:fld id="{9FBD9C55-7868-4FF1-8666-2EC1F88A96B2}" type="datetimeFigureOut">
               <a:rPr lang="he-IL" smtClean="0"/>
-              <a:t>כ"ג/טבת/תשפ"ד</a:t>
+              <a:t>ל'.אדר א.תשפ"ד</a:t>
             </a:fld>
             <a:endParaRPr lang="he-IL"/>
           </a:p>
@@ -1359,7 +2210,7 @@
           <a:p>
             <a:fld id="{9FBD9C55-7868-4FF1-8666-2EC1F88A96B2}" type="datetimeFigureOut">
               <a:rPr lang="he-IL" smtClean="0"/>
-              <a:t>כ"ג/טבת/תשפ"ד</a:t>
+              <a:t>ל'.אדר א.תשפ"ד</a:t>
             </a:fld>
             <a:endParaRPr lang="he-IL"/>
           </a:p>
@@ -1557,7 +2408,7 @@
           <a:p>
             <a:fld id="{9FBD9C55-7868-4FF1-8666-2EC1F88A96B2}" type="datetimeFigureOut">
               <a:rPr lang="he-IL" smtClean="0"/>
-              <a:t>כ"ג/טבת/תשפ"ד</a:t>
+              <a:t>ל'.אדר א.תשפ"ד</a:t>
             </a:fld>
             <a:endParaRPr lang="he-IL"/>
           </a:p>
@@ -1832,7 +2683,7 @@
           <a:p>
             <a:fld id="{9FBD9C55-7868-4FF1-8666-2EC1F88A96B2}" type="datetimeFigureOut">
               <a:rPr lang="he-IL" smtClean="0"/>
-              <a:t>כ"ג/טבת/תשפ"ד</a:t>
+              <a:t>ל'.אדר א.תשפ"ד</a:t>
             </a:fld>
             <a:endParaRPr lang="he-IL"/>
           </a:p>
@@ -2097,7 +2948,7 @@
           <a:p>
             <a:fld id="{9FBD9C55-7868-4FF1-8666-2EC1F88A96B2}" type="datetimeFigureOut">
               <a:rPr lang="he-IL" smtClean="0"/>
-              <a:t>כ"ג/טבת/תשפ"ד</a:t>
+              <a:t>ל'.אדר א.תשפ"ד</a:t>
             </a:fld>
             <a:endParaRPr lang="he-IL"/>
           </a:p>
@@ -2509,7 +3360,7 @@
           <a:p>
             <a:fld id="{9FBD9C55-7868-4FF1-8666-2EC1F88A96B2}" type="datetimeFigureOut">
               <a:rPr lang="he-IL" smtClean="0"/>
-              <a:t>כ"ג/טבת/תשפ"ד</a:t>
+              <a:t>ל'.אדר א.תשפ"ד</a:t>
             </a:fld>
             <a:endParaRPr lang="he-IL"/>
           </a:p>
@@ -2650,7 +3501,7 @@
           <a:p>
             <a:fld id="{9FBD9C55-7868-4FF1-8666-2EC1F88A96B2}" type="datetimeFigureOut">
               <a:rPr lang="he-IL" smtClean="0"/>
-              <a:t>כ"ג/טבת/תשפ"ד</a:t>
+              <a:t>ל'.אדר א.תשפ"ד</a:t>
             </a:fld>
             <a:endParaRPr lang="he-IL"/>
           </a:p>
@@ -2763,7 +3614,7 @@
           <a:p>
             <a:fld id="{9FBD9C55-7868-4FF1-8666-2EC1F88A96B2}" type="datetimeFigureOut">
               <a:rPr lang="he-IL" smtClean="0"/>
-              <a:t>כ"ג/טבת/תשפ"ד</a:t>
+              <a:t>ל'.אדר א.תשפ"ד</a:t>
             </a:fld>
             <a:endParaRPr lang="he-IL"/>
           </a:p>
@@ -3074,7 +3925,7 @@
           <a:p>
             <a:fld id="{9FBD9C55-7868-4FF1-8666-2EC1F88A96B2}" type="datetimeFigureOut">
               <a:rPr lang="he-IL" smtClean="0"/>
-              <a:t>כ"ג/טבת/תשפ"ד</a:t>
+              <a:t>ל'.אדר א.תשפ"ד</a:t>
             </a:fld>
             <a:endParaRPr lang="he-IL"/>
           </a:p>
@@ -3362,7 +4213,7 @@
           <a:p>
             <a:fld id="{9FBD9C55-7868-4FF1-8666-2EC1F88A96B2}" type="datetimeFigureOut">
               <a:rPr lang="he-IL" smtClean="0"/>
-              <a:t>כ"ג/טבת/תשפ"ד</a:t>
+              <a:t>ל'.אדר א.תשפ"ד</a:t>
             </a:fld>
             <a:endParaRPr lang="he-IL"/>
           </a:p>
@@ -3603,7 +4454,7 @@
           <a:p>
             <a:fld id="{9FBD9C55-7868-4FF1-8666-2EC1F88A96B2}" type="datetimeFigureOut">
               <a:rPr lang="he-IL" smtClean="0"/>
-              <a:t>כ"ג/טבת/תשפ"ד</a:t>
+              <a:t>ל'.אדר א.תשפ"ד</a:t>
             </a:fld>
             <a:endParaRPr lang="he-IL"/>
           </a:p>
@@ -4064,28 +4915,12 @@
           <a:p>
             <a:pPr algn="ctr" rtl="0"/>
             <a:r>
-              <a:rPr lang="en-US" sz="3600" dirty="0" smtClean="0">
+              <a:rPr lang="en-US" sz="3600" dirty="0">
                 <a:solidFill>
                   <a:schemeClr val="bg1"/>
                 </a:solidFill>
               </a:rPr>
-              <a:t>08 </a:t>
-            </a:r>
-            <a:r>
-              <a:rPr lang="en-US" sz="3600" dirty="0" smtClean="0">
-                <a:solidFill>
-                  <a:schemeClr val="bg1"/>
-                </a:solidFill>
-              </a:rPr>
-              <a:t>– </a:t>
-            </a:r>
-            <a:r>
-              <a:rPr lang="en-US" sz="3600" dirty="0" smtClean="0">
-                <a:solidFill>
-                  <a:schemeClr val="bg1"/>
-                </a:solidFill>
-              </a:rPr>
-              <a:t>Heap</a:t>
+              <a:t>08 – Heap</a:t>
             </a:r>
             <a:endParaRPr lang="en-US" sz="2800" dirty="0">
               <a:solidFill>
@@ -4099,6 +4934,3439 @@
     <p:extLst>
       <p:ext uri="{BB962C8B-B14F-4D97-AF65-F5344CB8AC3E}">
         <p14:creationId xmlns:p14="http://schemas.microsoft.com/office/powerpoint/2010/main" val="2961545640"/>
+      </p:ext>
+    </p:extLst>
+  </p:cSld>
+  <p:clrMapOvr>
+    <a:masterClrMapping/>
+  </p:clrMapOvr>
+</p:sld>
+</file>
+
+<file path=ppt/slides/slide10.xml><?xml version="1.0" encoding="utf-8"?>
+<p:sld xmlns:a="http://schemas.openxmlformats.org/drawingml/2006/main" xmlns:r="http://schemas.openxmlformats.org/officeDocument/2006/relationships" xmlns:p="http://schemas.openxmlformats.org/presentationml/2006/main">
+  <p:cSld>
+    <p:bg>
+      <p:bgPr>
+        <a:blipFill dpi="0" rotWithShape="1">
+          <a:blip r:embed="rId3">
+            <a:lum/>
+          </a:blip>
+          <a:srcRect/>
+          <a:stretch>
+            <a:fillRect/>
+          </a:stretch>
+        </a:blipFill>
+        <a:effectLst/>
+      </p:bgPr>
+    </p:bg>
+    <p:spTree>
+      <p:nvGrpSpPr>
+        <p:cNvPr id="1" name=""/>
+        <p:cNvGrpSpPr/>
+        <p:nvPr/>
+      </p:nvGrpSpPr>
+      <p:grpSpPr>
+        <a:xfrm>
+          <a:off x="0" y="0"/>
+          <a:ext cx="0" cy="0"/>
+          <a:chOff x="0" y="0"/>
+          <a:chExt cx="0" cy="0"/>
+        </a:xfrm>
+      </p:grpSpPr>
+      <p:sp>
+        <p:nvSpPr>
+          <p:cNvPr id="2" name="TextBox 1">
+            <a:extLst>
+              <a:ext uri="{FF2B5EF4-FFF2-40B4-BE49-F238E27FC236}">
+                <a16:creationId xmlns:a16="http://schemas.microsoft.com/office/drawing/2014/main" id="{78B5EC2F-3CF0-A40A-ED3F-7164DDC74817}"/>
+              </a:ext>
+            </a:extLst>
+          </p:cNvPr>
+          <p:cNvSpPr txBox="1"/>
+          <p:nvPr/>
+        </p:nvSpPr>
+        <p:spPr>
+          <a:xfrm>
+            <a:off x="9268460" y="488512"/>
+            <a:ext cx="2044700" cy="738664"/>
+          </a:xfrm>
+          <a:prstGeom prst="rect">
+            <a:avLst/>
+          </a:prstGeom>
+          <a:noFill/>
+        </p:spPr>
+        <p:txBody>
+          <a:bodyPr wrap="square" rtlCol="1">
+            <a:spAutoFit/>
+          </a:bodyPr>
+          <a:lstStyle/>
+          <a:p>
+            <a:pPr fontAlgn="base">
+              <a:spcBef>
+                <a:spcPct val="0"/>
+              </a:spcBef>
+              <a:spcAft>
+                <a:spcPct val="0"/>
+              </a:spcAft>
+              <a:defRPr/>
+            </a:pPr>
+            <a:r>
+              <a:rPr lang="he-IL" sz="4200" b="1" kern="0" dirty="0">
+                <a:solidFill>
+                  <a:srgbClr val="006633"/>
+                </a:solidFill>
+                <a:latin typeface="Garamond"/>
+                <a:ea typeface="+mj-ea"/>
+                <a:cs typeface="Arial"/>
+              </a:rPr>
+              <a:t>שאלה </a:t>
+            </a:r>
+            <a:r>
+              <a:rPr lang="en-US" sz="4200" b="1" kern="0" dirty="0">
+                <a:solidFill>
+                  <a:srgbClr val="006633"/>
+                </a:solidFill>
+                <a:latin typeface="Garamond"/>
+                <a:ea typeface="+mj-ea"/>
+                <a:cs typeface="Arial"/>
+              </a:rPr>
+              <a:t>2</a:t>
+            </a:r>
+          </a:p>
+        </p:txBody>
+      </p:sp>
+      <p:sp>
+        <p:nvSpPr>
+          <p:cNvPr id="6" name="TextBox 5">
+            <a:extLst>
+              <a:ext uri="{FF2B5EF4-FFF2-40B4-BE49-F238E27FC236}">
+                <a16:creationId xmlns:a16="http://schemas.microsoft.com/office/drawing/2014/main" id="{DC6B3E06-7211-1554-F8F2-2D40CD24275B}"/>
+              </a:ext>
+            </a:extLst>
+          </p:cNvPr>
+          <p:cNvSpPr txBox="1"/>
+          <p:nvPr/>
+        </p:nvSpPr>
+        <p:spPr>
+          <a:xfrm>
+            <a:off x="4019758" y="1614483"/>
+            <a:ext cx="6098058" cy="400110"/>
+          </a:xfrm>
+          <a:prstGeom prst="rect">
+            <a:avLst/>
+          </a:prstGeom>
+          <a:noFill/>
+        </p:spPr>
+        <p:txBody>
+          <a:bodyPr wrap="square">
+            <a:spAutoFit/>
+          </a:bodyPr>
+          <a:lstStyle/>
+          <a:p>
+            <a:r>
+              <a:rPr lang="he-IL" sz="2000" dirty="0">
+                <a:solidFill>
+                  <a:srgbClr val="000000"/>
+                </a:solidFill>
+                <a:effectLst/>
+                <a:latin typeface="Arial" panose="020B0604020202020204" pitchFamily="34" charset="0"/>
+              </a:rPr>
+              <a:t>2.1.  תכתבו גרסה לא רקורסיבית לאלגוריתם </a:t>
+            </a:r>
+            <a:r>
+              <a:rPr lang="en-US" sz="2000" dirty="0">
+                <a:solidFill>
+                  <a:srgbClr val="000000"/>
+                </a:solidFill>
+                <a:effectLst/>
+                <a:latin typeface="Arial" panose="020B0604020202020204" pitchFamily="34" charset="0"/>
+              </a:rPr>
+              <a:t>max-</a:t>
+            </a:r>
+            <a:r>
+              <a:rPr lang="en-US" sz="2000" dirty="0" err="1">
+                <a:solidFill>
+                  <a:srgbClr val="000000"/>
+                </a:solidFill>
+                <a:effectLst/>
+                <a:latin typeface="Arial" panose="020B0604020202020204" pitchFamily="34" charset="0"/>
+              </a:rPr>
+              <a:t>heapify</a:t>
+            </a:r>
+            <a:endParaRPr lang="he-IL" sz="2000" dirty="0">
+              <a:solidFill>
+                <a:srgbClr val="000000"/>
+              </a:solidFill>
+              <a:effectLst/>
+              <a:latin typeface="Arial" panose="020B0604020202020204" pitchFamily="34" charset="0"/>
+            </a:endParaRPr>
+          </a:p>
+        </p:txBody>
+      </p:sp>
+      <p:sp>
+        <p:nvSpPr>
+          <p:cNvPr id="7" name="TextBox 6">
+            <a:extLst>
+              <a:ext uri="{FF2B5EF4-FFF2-40B4-BE49-F238E27FC236}">
+                <a16:creationId xmlns:a16="http://schemas.microsoft.com/office/drawing/2014/main" id="{C57A7743-A9BD-74E4-CDDF-7528269A384F}"/>
+              </a:ext>
+            </a:extLst>
+          </p:cNvPr>
+          <p:cNvSpPr txBox="1"/>
+          <p:nvPr/>
+        </p:nvSpPr>
+        <p:spPr>
+          <a:xfrm>
+            <a:off x="4019758" y="2371122"/>
+            <a:ext cx="6098058" cy="400110"/>
+          </a:xfrm>
+          <a:prstGeom prst="rect">
+            <a:avLst/>
+          </a:prstGeom>
+          <a:noFill/>
+        </p:spPr>
+        <p:txBody>
+          <a:bodyPr wrap="square">
+            <a:spAutoFit/>
+          </a:bodyPr>
+          <a:lstStyle/>
+          <a:p>
+            <a:r>
+              <a:rPr lang="he-IL" sz="2000" dirty="0">
+                <a:solidFill>
+                  <a:srgbClr val="000000"/>
+                </a:solidFill>
+                <a:latin typeface="Arial" panose="020B0604020202020204" pitchFamily="34" charset="0"/>
+              </a:rPr>
+              <a:t>2.2. </a:t>
+            </a:r>
+            <a:r>
+              <a:rPr lang="he-IL" sz="2000" dirty="0">
+                <a:solidFill>
+                  <a:srgbClr val="000000"/>
+                </a:solidFill>
+                <a:effectLst/>
+                <a:latin typeface="Arial" panose="020B0604020202020204" pitchFamily="34" charset="0"/>
+              </a:rPr>
+              <a:t> תכתבו גרסה רקורסיבית לאלגוריתם </a:t>
+            </a:r>
+            <a:r>
+              <a:rPr lang="en-US" sz="2000" dirty="0">
+                <a:solidFill>
+                  <a:srgbClr val="000000"/>
+                </a:solidFill>
+                <a:effectLst/>
+                <a:latin typeface="Arial" panose="020B0604020202020204" pitchFamily="34" charset="0"/>
+              </a:rPr>
+              <a:t>max-</a:t>
+            </a:r>
+            <a:r>
+              <a:rPr lang="en-US" sz="2000" dirty="0" err="1">
+                <a:solidFill>
+                  <a:srgbClr val="000000"/>
+                </a:solidFill>
+                <a:effectLst/>
+                <a:latin typeface="Arial" panose="020B0604020202020204" pitchFamily="34" charset="0"/>
+              </a:rPr>
+              <a:t>heapify</a:t>
+            </a:r>
+            <a:endParaRPr lang="he-IL" sz="2000" dirty="0">
+              <a:solidFill>
+                <a:srgbClr val="000000"/>
+              </a:solidFill>
+              <a:effectLst/>
+              <a:latin typeface="Arial" panose="020B0604020202020204" pitchFamily="34" charset="0"/>
+            </a:endParaRPr>
+          </a:p>
+        </p:txBody>
+      </p:sp>
+    </p:spTree>
+    <p:extLst>
+      <p:ext uri="{BB962C8B-B14F-4D97-AF65-F5344CB8AC3E}">
+        <p14:creationId xmlns:p14="http://schemas.microsoft.com/office/powerpoint/2010/main" val="3126593397"/>
+      </p:ext>
+    </p:extLst>
+  </p:cSld>
+  <p:clrMapOvr>
+    <a:masterClrMapping/>
+  </p:clrMapOvr>
+</p:sld>
+</file>
+
+<file path=ppt/slides/slide11.xml><?xml version="1.0" encoding="utf-8"?>
+<p:sld xmlns:a="http://schemas.openxmlformats.org/drawingml/2006/main" xmlns:r="http://schemas.openxmlformats.org/officeDocument/2006/relationships" xmlns:p="http://schemas.openxmlformats.org/presentationml/2006/main">
+  <p:cSld>
+    <p:bg>
+      <p:bgPr>
+        <a:blipFill dpi="0" rotWithShape="1">
+          <a:blip r:embed="rId3">
+            <a:lum/>
+          </a:blip>
+          <a:srcRect/>
+          <a:stretch>
+            <a:fillRect/>
+          </a:stretch>
+        </a:blipFill>
+        <a:effectLst/>
+      </p:bgPr>
+    </p:bg>
+    <p:spTree>
+      <p:nvGrpSpPr>
+        <p:cNvPr id="1" name=""/>
+        <p:cNvGrpSpPr/>
+        <p:nvPr/>
+      </p:nvGrpSpPr>
+      <p:grpSpPr>
+        <a:xfrm>
+          <a:off x="0" y="0"/>
+          <a:ext cx="0" cy="0"/>
+          <a:chOff x="0" y="0"/>
+          <a:chExt cx="0" cy="0"/>
+        </a:xfrm>
+      </p:grpSpPr>
+      <p:sp>
+        <p:nvSpPr>
+          <p:cNvPr id="2" name="TextBox 1">
+            <a:extLst>
+              <a:ext uri="{FF2B5EF4-FFF2-40B4-BE49-F238E27FC236}">
+                <a16:creationId xmlns:a16="http://schemas.microsoft.com/office/drawing/2014/main" id="{78B5EC2F-3CF0-A40A-ED3F-7164DDC74817}"/>
+              </a:ext>
+            </a:extLst>
+          </p:cNvPr>
+          <p:cNvSpPr txBox="1"/>
+          <p:nvPr/>
+        </p:nvSpPr>
+        <p:spPr>
+          <a:xfrm>
+            <a:off x="7018638" y="488512"/>
+            <a:ext cx="4294522" cy="738664"/>
+          </a:xfrm>
+          <a:prstGeom prst="rect">
+            <a:avLst/>
+          </a:prstGeom>
+          <a:noFill/>
+        </p:spPr>
+        <p:txBody>
+          <a:bodyPr wrap="square" rtlCol="1">
+            <a:spAutoFit/>
+          </a:bodyPr>
+          <a:lstStyle/>
+          <a:p>
+            <a:pPr algn="r" fontAlgn="base">
+              <a:spcBef>
+                <a:spcPct val="0"/>
+              </a:spcBef>
+              <a:spcAft>
+                <a:spcPct val="0"/>
+              </a:spcAft>
+              <a:defRPr/>
+            </a:pPr>
+            <a:r>
+              <a:rPr lang="he-IL" sz="4200" b="1" kern="0" dirty="0">
+                <a:solidFill>
+                  <a:srgbClr val="006633"/>
+                </a:solidFill>
+                <a:latin typeface="Garamond"/>
+                <a:ea typeface="+mj-ea"/>
+                <a:cs typeface="Arial"/>
+              </a:rPr>
+              <a:t>פתרון שאלה </a:t>
+            </a:r>
+            <a:r>
+              <a:rPr lang="en-US" sz="4200" b="1" kern="0" dirty="0">
+                <a:solidFill>
+                  <a:srgbClr val="006633"/>
+                </a:solidFill>
+                <a:latin typeface="Garamond"/>
+                <a:ea typeface="+mj-ea"/>
+                <a:cs typeface="Arial"/>
+              </a:rPr>
+              <a:t>2.1. </a:t>
+            </a:r>
+          </a:p>
+        </p:txBody>
+      </p:sp>
+      <p:pic>
+        <p:nvPicPr>
+          <p:cNvPr id="4" name="Picture 3">
+            <a:extLst>
+              <a:ext uri="{FF2B5EF4-FFF2-40B4-BE49-F238E27FC236}">
+                <a16:creationId xmlns:a16="http://schemas.microsoft.com/office/drawing/2014/main" id="{87C9B607-93C3-BCE8-DD6E-43E9AEDDA7D7}"/>
+              </a:ext>
+            </a:extLst>
+          </p:cNvPr>
+          <p:cNvPicPr>
+            <a:picLocks noChangeAspect="1"/>
+          </p:cNvPicPr>
+          <p:nvPr/>
+        </p:nvPicPr>
+        <p:blipFill>
+          <a:blip r:embed="rId4">
+            <a:extLst>
+              <a:ext uri="{28A0092B-C50C-407E-A947-70E740481C1C}">
+                <a14:useLocalDpi xmlns:a14="http://schemas.microsoft.com/office/drawing/2010/main" val="0"/>
+              </a:ext>
+            </a:extLst>
+          </a:blip>
+          <a:stretch>
+            <a:fillRect/>
+          </a:stretch>
+        </p:blipFill>
+        <p:spPr>
+          <a:xfrm>
+            <a:off x="918690" y="1915297"/>
+            <a:ext cx="4241116" cy="2842390"/>
+          </a:xfrm>
+          <a:prstGeom prst="rect">
+            <a:avLst/>
+          </a:prstGeom>
+        </p:spPr>
+      </p:pic>
+      <p:pic>
+        <p:nvPicPr>
+          <p:cNvPr id="8" name="Picture 7" descr="A black text on a white background&#10;&#10;Description automatically generated">
+            <a:extLst>
+              <a:ext uri="{FF2B5EF4-FFF2-40B4-BE49-F238E27FC236}">
+                <a16:creationId xmlns:a16="http://schemas.microsoft.com/office/drawing/2014/main" id="{B918929F-4452-7CBD-F438-03C53AC53F75}"/>
+              </a:ext>
+            </a:extLst>
+          </p:cNvPr>
+          <p:cNvPicPr>
+            <a:picLocks noChangeAspect="1"/>
+          </p:cNvPicPr>
+          <p:nvPr/>
+        </p:nvPicPr>
+        <p:blipFill>
+          <a:blip r:embed="rId5">
+            <a:extLst>
+              <a:ext uri="{28A0092B-C50C-407E-A947-70E740481C1C}">
+                <a14:useLocalDpi xmlns:a14="http://schemas.microsoft.com/office/drawing/2010/main" val="0"/>
+              </a:ext>
+            </a:extLst>
+          </a:blip>
+          <a:stretch>
+            <a:fillRect/>
+          </a:stretch>
+        </p:blipFill>
+        <p:spPr>
+          <a:xfrm>
+            <a:off x="5709678" y="2367430"/>
+            <a:ext cx="4998317" cy="1938123"/>
+          </a:xfrm>
+          <a:prstGeom prst="rect">
+            <a:avLst/>
+          </a:prstGeom>
+        </p:spPr>
+      </p:pic>
+    </p:spTree>
+    <p:extLst>
+      <p:ext uri="{BB962C8B-B14F-4D97-AF65-F5344CB8AC3E}">
+        <p14:creationId xmlns:p14="http://schemas.microsoft.com/office/powerpoint/2010/main" val="3473066248"/>
+      </p:ext>
+    </p:extLst>
+  </p:cSld>
+  <p:clrMapOvr>
+    <a:masterClrMapping/>
+  </p:clrMapOvr>
+</p:sld>
+</file>
+
+<file path=ppt/slides/slide12.xml><?xml version="1.0" encoding="utf-8"?>
+<p:sld xmlns:a="http://schemas.openxmlformats.org/drawingml/2006/main" xmlns:r="http://schemas.openxmlformats.org/officeDocument/2006/relationships" xmlns:p="http://schemas.openxmlformats.org/presentationml/2006/main">
+  <p:cSld>
+    <p:bg>
+      <p:bgPr>
+        <a:blipFill dpi="0" rotWithShape="1">
+          <a:blip r:embed="rId3">
+            <a:lum/>
+          </a:blip>
+          <a:srcRect/>
+          <a:stretch>
+            <a:fillRect/>
+          </a:stretch>
+        </a:blipFill>
+        <a:effectLst/>
+      </p:bgPr>
+    </p:bg>
+    <p:spTree>
+      <p:nvGrpSpPr>
+        <p:cNvPr id="1" name=""/>
+        <p:cNvGrpSpPr/>
+        <p:nvPr/>
+      </p:nvGrpSpPr>
+      <p:grpSpPr>
+        <a:xfrm>
+          <a:off x="0" y="0"/>
+          <a:ext cx="0" cy="0"/>
+          <a:chOff x="0" y="0"/>
+          <a:chExt cx="0" cy="0"/>
+        </a:xfrm>
+      </p:grpSpPr>
+      <p:sp>
+        <p:nvSpPr>
+          <p:cNvPr id="2" name="TextBox 1">
+            <a:extLst>
+              <a:ext uri="{FF2B5EF4-FFF2-40B4-BE49-F238E27FC236}">
+                <a16:creationId xmlns:a16="http://schemas.microsoft.com/office/drawing/2014/main" id="{78B5EC2F-3CF0-A40A-ED3F-7164DDC74817}"/>
+              </a:ext>
+            </a:extLst>
+          </p:cNvPr>
+          <p:cNvSpPr txBox="1"/>
+          <p:nvPr/>
+        </p:nvSpPr>
+        <p:spPr>
+          <a:xfrm>
+            <a:off x="7018638" y="488512"/>
+            <a:ext cx="4294522" cy="738664"/>
+          </a:xfrm>
+          <a:prstGeom prst="rect">
+            <a:avLst/>
+          </a:prstGeom>
+          <a:noFill/>
+        </p:spPr>
+        <p:txBody>
+          <a:bodyPr wrap="square" rtlCol="1">
+            <a:spAutoFit/>
+          </a:bodyPr>
+          <a:lstStyle/>
+          <a:p>
+            <a:pPr algn="r" fontAlgn="base">
+              <a:spcBef>
+                <a:spcPct val="0"/>
+              </a:spcBef>
+              <a:spcAft>
+                <a:spcPct val="0"/>
+              </a:spcAft>
+              <a:defRPr/>
+            </a:pPr>
+            <a:r>
+              <a:rPr lang="he-IL" sz="4200" b="1" kern="0" dirty="0">
+                <a:solidFill>
+                  <a:srgbClr val="006633"/>
+                </a:solidFill>
+                <a:latin typeface="Garamond"/>
+                <a:ea typeface="+mj-ea"/>
+                <a:cs typeface="Arial"/>
+              </a:rPr>
+              <a:t>פתרון שאלה 2.1.</a:t>
+            </a:r>
+            <a:endParaRPr lang="en-US" sz="4200" b="1" kern="0" dirty="0">
+              <a:solidFill>
+                <a:srgbClr val="006633"/>
+              </a:solidFill>
+              <a:latin typeface="Garamond"/>
+              <a:ea typeface="+mj-ea"/>
+              <a:cs typeface="Arial"/>
+            </a:endParaRPr>
+          </a:p>
+        </p:txBody>
+      </p:sp>
+      <p:sp>
+        <p:nvSpPr>
+          <p:cNvPr id="5" name="TextBox 4">
+            <a:extLst>
+              <a:ext uri="{FF2B5EF4-FFF2-40B4-BE49-F238E27FC236}">
+                <a16:creationId xmlns:a16="http://schemas.microsoft.com/office/drawing/2014/main" id="{E1177E8B-5D62-0CC0-B754-1D3A7AECB913}"/>
+              </a:ext>
+            </a:extLst>
+          </p:cNvPr>
+          <p:cNvSpPr txBox="1"/>
+          <p:nvPr/>
+        </p:nvSpPr>
+        <p:spPr>
+          <a:xfrm>
+            <a:off x="1804087" y="1445044"/>
+            <a:ext cx="6675737" cy="4247317"/>
+          </a:xfrm>
+          <a:prstGeom prst="rect">
+            <a:avLst/>
+          </a:prstGeom>
+          <a:noFill/>
+        </p:spPr>
+        <p:txBody>
+          <a:bodyPr wrap="square">
+            <a:spAutoFit/>
+          </a:bodyPr>
+          <a:lstStyle/>
+          <a:p>
+            <a:pPr algn="l" rtl="0"/>
+            <a:r>
+              <a:rPr lang="en-US" b="0" i="0" dirty="0">
+                <a:effectLst/>
+                <a:latin typeface="Söhne Mono"/>
+              </a:rPr>
+              <a:t>Max-</a:t>
+            </a:r>
+            <a:r>
+              <a:rPr lang="en-US" b="0" i="0" dirty="0" err="1">
+                <a:effectLst/>
+                <a:latin typeface="Söhne Mono"/>
+              </a:rPr>
+              <a:t>Heapify</a:t>
+            </a:r>
+            <a:r>
+              <a:rPr lang="en-US" b="0" i="0" dirty="0">
+                <a:effectLst/>
+                <a:latin typeface="Söhne Mono"/>
+              </a:rPr>
+              <a:t>(A, </a:t>
+            </a:r>
+            <a:r>
+              <a:rPr lang="en-US" b="0" i="0" dirty="0" err="1">
+                <a:effectLst/>
+                <a:latin typeface="Söhne Mono"/>
+              </a:rPr>
+              <a:t>i</a:t>
+            </a:r>
+            <a:r>
+              <a:rPr lang="en-US" b="0" i="0" dirty="0">
+                <a:effectLst/>
+                <a:latin typeface="Söhne Mono"/>
+              </a:rPr>
+              <a:t>):</a:t>
+            </a:r>
+            <a:endParaRPr lang="he-IL" b="0" i="0" dirty="0">
+              <a:effectLst/>
+              <a:latin typeface="Söhne Mono"/>
+            </a:endParaRPr>
+          </a:p>
+          <a:p>
+            <a:pPr algn="l" rtl="0"/>
+            <a:endParaRPr lang="he-IL" b="0" i="0" dirty="0">
+              <a:effectLst/>
+              <a:latin typeface="Söhne Mono"/>
+            </a:endParaRPr>
+          </a:p>
+          <a:p>
+            <a:pPr algn="l" rtl="0"/>
+            <a:r>
+              <a:rPr lang="he-IL" dirty="0">
+                <a:latin typeface="Söhne Mono"/>
+              </a:rPr>
+              <a:t>	</a:t>
+            </a:r>
+            <a:r>
+              <a:rPr lang="en-US" b="0" i="0" dirty="0" err="1">
+                <a:effectLst/>
+                <a:latin typeface="Söhne Mono"/>
+              </a:rPr>
+              <a:t>left_child</a:t>
+            </a:r>
+            <a:r>
+              <a:rPr lang="en-US" b="0" i="0" dirty="0">
+                <a:effectLst/>
+                <a:latin typeface="Söhne Mono"/>
+              </a:rPr>
+              <a:t> = 2 * </a:t>
+            </a:r>
+            <a:r>
+              <a:rPr lang="en-US" b="0" i="0" dirty="0" err="1">
+                <a:effectLst/>
+                <a:latin typeface="Söhne Mono"/>
+              </a:rPr>
+              <a:t>i</a:t>
+            </a:r>
+            <a:r>
+              <a:rPr lang="en-US" b="0" i="0" dirty="0">
+                <a:effectLst/>
+                <a:latin typeface="Söhne Mono"/>
+              </a:rPr>
+              <a:t> + 1 </a:t>
+            </a:r>
+            <a:endParaRPr lang="he-IL" b="0" i="0" dirty="0">
+              <a:effectLst/>
+              <a:latin typeface="Söhne Mono"/>
+            </a:endParaRPr>
+          </a:p>
+          <a:p>
+            <a:pPr algn="l" rtl="0"/>
+            <a:r>
+              <a:rPr lang="he-IL" dirty="0">
+                <a:latin typeface="Söhne Mono"/>
+              </a:rPr>
+              <a:t>	</a:t>
+            </a:r>
+            <a:r>
+              <a:rPr lang="en-US" b="0" i="0" dirty="0" err="1">
+                <a:effectLst/>
+                <a:latin typeface="Söhne Mono"/>
+              </a:rPr>
+              <a:t>right_child</a:t>
+            </a:r>
+            <a:r>
+              <a:rPr lang="en-US" b="0" i="0" dirty="0">
+                <a:effectLst/>
+                <a:latin typeface="Söhne Mono"/>
+              </a:rPr>
+              <a:t> = 2 * </a:t>
+            </a:r>
+            <a:r>
+              <a:rPr lang="en-US" b="0" i="0" dirty="0" err="1">
+                <a:effectLst/>
+                <a:latin typeface="Söhne Mono"/>
+              </a:rPr>
+              <a:t>i</a:t>
+            </a:r>
+            <a:r>
+              <a:rPr lang="en-US" b="0" i="0" dirty="0">
+                <a:effectLst/>
+                <a:latin typeface="Söhne Mono"/>
+              </a:rPr>
+              <a:t> + 2 </a:t>
+            </a:r>
+            <a:endParaRPr lang="he-IL" b="0" i="0" dirty="0">
+              <a:effectLst/>
+              <a:latin typeface="Söhne Mono"/>
+            </a:endParaRPr>
+          </a:p>
+          <a:p>
+            <a:pPr algn="l" rtl="0"/>
+            <a:r>
+              <a:rPr lang="he-IL" dirty="0">
+                <a:latin typeface="Söhne Mono"/>
+              </a:rPr>
+              <a:t>	</a:t>
+            </a:r>
+            <a:r>
+              <a:rPr lang="en-US" b="0" i="0" dirty="0">
+                <a:effectLst/>
+                <a:latin typeface="Söhne Mono"/>
+              </a:rPr>
+              <a:t>largest = </a:t>
+            </a:r>
+            <a:r>
+              <a:rPr lang="en-US" b="0" i="0" dirty="0" err="1">
+                <a:effectLst/>
+                <a:latin typeface="Söhne Mono"/>
+              </a:rPr>
+              <a:t>i</a:t>
+            </a:r>
+            <a:r>
+              <a:rPr lang="en-US" b="0" i="0" dirty="0">
+                <a:effectLst/>
+                <a:latin typeface="Söhne Mono"/>
+              </a:rPr>
+              <a:t> </a:t>
+            </a:r>
+            <a:endParaRPr lang="he-IL" b="0" i="0" dirty="0">
+              <a:effectLst/>
+              <a:latin typeface="Söhne Mono"/>
+            </a:endParaRPr>
+          </a:p>
+          <a:p>
+            <a:pPr algn="l" rtl="0"/>
+            <a:endParaRPr lang="he-IL" b="0" i="0" dirty="0">
+              <a:effectLst/>
+              <a:latin typeface="Söhne Mono"/>
+            </a:endParaRPr>
+          </a:p>
+          <a:p>
+            <a:pPr algn="l" rtl="0"/>
+            <a:r>
+              <a:rPr lang="he-IL" dirty="0">
+                <a:latin typeface="Söhne Mono"/>
+              </a:rPr>
+              <a:t>	</a:t>
+            </a:r>
+            <a:r>
+              <a:rPr lang="en-US" b="0" i="0" dirty="0">
+                <a:effectLst/>
+                <a:latin typeface="Söhne Mono"/>
+              </a:rPr>
+              <a:t>if </a:t>
+            </a:r>
+            <a:r>
+              <a:rPr lang="en-US" b="0" i="0" dirty="0" err="1">
+                <a:effectLst/>
+                <a:latin typeface="Söhne Mono"/>
+              </a:rPr>
+              <a:t>left_child</a:t>
+            </a:r>
+            <a:r>
+              <a:rPr lang="en-US" b="0" i="0" dirty="0">
+                <a:effectLst/>
+                <a:latin typeface="Söhne Mono"/>
+              </a:rPr>
+              <a:t> &lt; </a:t>
+            </a:r>
+            <a:r>
+              <a:rPr lang="en-US" b="0" i="0" dirty="0" err="1">
+                <a:effectLst/>
+                <a:latin typeface="Söhne Mono"/>
+              </a:rPr>
+              <a:t>A.heap_size</a:t>
+            </a:r>
+            <a:r>
+              <a:rPr lang="en-US" b="0" i="0" dirty="0">
+                <a:effectLst/>
+                <a:latin typeface="Söhne Mono"/>
+              </a:rPr>
+              <a:t> and A[</a:t>
+            </a:r>
+            <a:r>
+              <a:rPr lang="en-US" b="0" i="0" dirty="0" err="1">
+                <a:effectLst/>
+                <a:latin typeface="Söhne Mono"/>
+              </a:rPr>
+              <a:t>left_child</a:t>
+            </a:r>
+            <a:r>
+              <a:rPr lang="en-US" b="0" i="0" dirty="0">
+                <a:effectLst/>
+                <a:latin typeface="Söhne Mono"/>
+              </a:rPr>
+              <a:t>] &gt; A[largest]: </a:t>
+            </a:r>
+            <a:r>
+              <a:rPr lang="he-IL" b="0" i="0" dirty="0">
+                <a:effectLst/>
+                <a:latin typeface="Söhne Mono"/>
+              </a:rPr>
+              <a:t>			</a:t>
+            </a:r>
+            <a:r>
+              <a:rPr lang="en-US" b="0" i="0" dirty="0">
+                <a:effectLst/>
+                <a:latin typeface="Söhne Mono"/>
+              </a:rPr>
+              <a:t>largest = </a:t>
+            </a:r>
+            <a:r>
+              <a:rPr lang="en-US" b="0" i="0" dirty="0" err="1">
+                <a:effectLst/>
+                <a:latin typeface="Söhne Mono"/>
+              </a:rPr>
+              <a:t>left_child</a:t>
+            </a:r>
+            <a:r>
+              <a:rPr lang="en-US" b="0" i="0" dirty="0">
+                <a:effectLst/>
+                <a:latin typeface="Söhne Mono"/>
+              </a:rPr>
+              <a:t> </a:t>
+            </a:r>
+            <a:endParaRPr lang="he-IL" b="0" i="0" dirty="0">
+              <a:effectLst/>
+              <a:latin typeface="Söhne Mono"/>
+            </a:endParaRPr>
+          </a:p>
+          <a:p>
+            <a:pPr algn="l" rtl="0"/>
+            <a:endParaRPr lang="he-IL" b="0" i="0" dirty="0">
+              <a:effectLst/>
+              <a:latin typeface="Söhne Mono"/>
+            </a:endParaRPr>
+          </a:p>
+          <a:p>
+            <a:pPr algn="l" rtl="0"/>
+            <a:r>
+              <a:rPr lang="he-IL" b="0" i="0" dirty="0">
+                <a:effectLst/>
+                <a:latin typeface="Söhne Mono"/>
+              </a:rPr>
+              <a:t>	</a:t>
+            </a:r>
+            <a:r>
+              <a:rPr lang="en-US" b="0" i="0" dirty="0">
+                <a:effectLst/>
+                <a:latin typeface="Söhne Mono"/>
+              </a:rPr>
+              <a:t>if </a:t>
+            </a:r>
+            <a:r>
+              <a:rPr lang="en-US" b="0" i="0" dirty="0" err="1">
+                <a:effectLst/>
+                <a:latin typeface="Söhne Mono"/>
+              </a:rPr>
+              <a:t>right_child</a:t>
+            </a:r>
+            <a:r>
+              <a:rPr lang="en-US" b="0" i="0" dirty="0">
+                <a:effectLst/>
+                <a:latin typeface="Söhne Mono"/>
+              </a:rPr>
+              <a:t> &lt; </a:t>
+            </a:r>
+            <a:r>
+              <a:rPr lang="en-US" b="0" i="0" dirty="0" err="1">
+                <a:effectLst/>
+                <a:latin typeface="Söhne Mono"/>
+              </a:rPr>
+              <a:t>A.heap_size</a:t>
+            </a:r>
+            <a:r>
+              <a:rPr lang="en-US" b="0" i="0" dirty="0">
+                <a:effectLst/>
+                <a:latin typeface="Söhne Mono"/>
+              </a:rPr>
+              <a:t> and A[</a:t>
+            </a:r>
+            <a:r>
+              <a:rPr lang="en-US" b="0" i="0" dirty="0" err="1">
+                <a:effectLst/>
+                <a:latin typeface="Söhne Mono"/>
+              </a:rPr>
+              <a:t>right_child</a:t>
+            </a:r>
+            <a:r>
+              <a:rPr lang="en-US" b="0" i="0" dirty="0">
+                <a:effectLst/>
+                <a:latin typeface="Söhne Mono"/>
+              </a:rPr>
+              <a:t>] &gt; A[largest]: </a:t>
+            </a:r>
+            <a:r>
+              <a:rPr lang="he-IL" b="0" i="0" dirty="0">
+                <a:effectLst/>
+                <a:latin typeface="Söhne Mono"/>
+              </a:rPr>
+              <a:t>			</a:t>
+            </a:r>
+            <a:r>
+              <a:rPr lang="en-US" b="0" i="0" dirty="0">
+                <a:effectLst/>
+                <a:latin typeface="Söhne Mono"/>
+              </a:rPr>
+              <a:t>largest = </a:t>
+            </a:r>
+            <a:r>
+              <a:rPr lang="en-US" b="0" i="0" dirty="0" err="1">
+                <a:effectLst/>
+                <a:latin typeface="Söhne Mono"/>
+              </a:rPr>
+              <a:t>right_child</a:t>
+            </a:r>
+            <a:r>
+              <a:rPr lang="en-US" b="0" i="0" dirty="0">
+                <a:effectLst/>
+                <a:latin typeface="Söhne Mono"/>
+              </a:rPr>
+              <a:t> </a:t>
+            </a:r>
+            <a:endParaRPr lang="he-IL" b="0" i="0" dirty="0">
+              <a:effectLst/>
+              <a:latin typeface="Söhne Mono"/>
+            </a:endParaRPr>
+          </a:p>
+          <a:p>
+            <a:pPr algn="l" rtl="0"/>
+            <a:endParaRPr lang="he-IL" b="0" i="0" dirty="0">
+              <a:effectLst/>
+              <a:latin typeface="Söhne Mono"/>
+            </a:endParaRPr>
+          </a:p>
+          <a:p>
+            <a:pPr algn="l" rtl="0"/>
+            <a:r>
+              <a:rPr lang="he-IL" dirty="0">
+                <a:latin typeface="Söhne Mono"/>
+              </a:rPr>
+              <a:t>	</a:t>
+            </a:r>
+            <a:r>
+              <a:rPr lang="en-US" b="0" i="0" dirty="0">
+                <a:effectLst/>
+                <a:latin typeface="Söhne Mono"/>
+              </a:rPr>
+              <a:t>if largest != </a:t>
+            </a:r>
+            <a:r>
+              <a:rPr lang="en-US" b="0" i="0" dirty="0" err="1">
+                <a:effectLst/>
+                <a:latin typeface="Söhne Mono"/>
+              </a:rPr>
+              <a:t>i</a:t>
+            </a:r>
+            <a:r>
+              <a:rPr lang="en-US" b="0" i="0" dirty="0">
+                <a:effectLst/>
+                <a:latin typeface="Söhne Mono"/>
+              </a:rPr>
+              <a:t>: </a:t>
+            </a:r>
+            <a:endParaRPr lang="he-IL" b="0" i="0" dirty="0">
+              <a:effectLst/>
+              <a:latin typeface="Söhne Mono"/>
+            </a:endParaRPr>
+          </a:p>
+          <a:p>
+            <a:pPr algn="l" rtl="0"/>
+            <a:r>
+              <a:rPr lang="he-IL" dirty="0">
+                <a:latin typeface="Söhne Mono"/>
+              </a:rPr>
+              <a:t>		</a:t>
+            </a:r>
+            <a:r>
+              <a:rPr lang="en-US" b="0" i="0" dirty="0">
+                <a:effectLst/>
+                <a:latin typeface="Söhne Mono"/>
+              </a:rPr>
+              <a:t>swap A[</a:t>
+            </a:r>
+            <a:r>
+              <a:rPr lang="en-US" b="0" i="0" dirty="0" err="1">
+                <a:effectLst/>
+                <a:latin typeface="Söhne Mono"/>
+              </a:rPr>
+              <a:t>i</a:t>
+            </a:r>
+            <a:r>
+              <a:rPr lang="en-US" b="0" i="0" dirty="0">
+                <a:effectLst/>
+                <a:latin typeface="Söhne Mono"/>
+              </a:rPr>
+              <a:t>] with A[largest] </a:t>
+            </a:r>
+            <a:endParaRPr lang="he-IL" b="0" i="0" dirty="0">
+              <a:effectLst/>
+              <a:latin typeface="Söhne Mono"/>
+            </a:endParaRPr>
+          </a:p>
+          <a:p>
+            <a:pPr algn="l" rtl="0"/>
+            <a:r>
+              <a:rPr lang="he-IL" dirty="0">
+                <a:latin typeface="Söhne Mono"/>
+              </a:rPr>
+              <a:t>		</a:t>
+            </a:r>
+            <a:r>
+              <a:rPr lang="en-US" b="0" i="0" dirty="0">
+                <a:effectLst/>
+                <a:latin typeface="Söhne Mono"/>
+              </a:rPr>
+              <a:t>Max-</a:t>
+            </a:r>
+            <a:r>
+              <a:rPr lang="en-US" b="0" i="0" dirty="0" err="1">
+                <a:effectLst/>
+                <a:latin typeface="Söhne Mono"/>
+              </a:rPr>
+              <a:t>Heapify</a:t>
+            </a:r>
+            <a:r>
+              <a:rPr lang="en-US" b="0" i="0" dirty="0">
+                <a:effectLst/>
+                <a:latin typeface="Söhne Mono"/>
+              </a:rPr>
+              <a:t>(A, largest)</a:t>
+            </a:r>
+            <a:endParaRPr lang="en-IL" dirty="0"/>
+          </a:p>
+        </p:txBody>
+      </p:sp>
+    </p:spTree>
+    <p:extLst>
+      <p:ext uri="{BB962C8B-B14F-4D97-AF65-F5344CB8AC3E}">
+        <p14:creationId xmlns:p14="http://schemas.microsoft.com/office/powerpoint/2010/main" val="1462860810"/>
+      </p:ext>
+    </p:extLst>
+  </p:cSld>
+  <p:clrMapOvr>
+    <a:masterClrMapping/>
+  </p:clrMapOvr>
+  <p:timing>
+    <p:tnLst>
+      <p:par>
+        <p:cTn id="1" dur="indefinite" restart="never" nodeType="tmRoot">
+          <p:childTnLst>
+            <p:seq concurrent="1" nextAc="seek">
+              <p:cTn id="2" dur="indefinite" nodeType="mainSeq">
+                <p:childTnLst>
+                  <p:par>
+                    <p:cTn id="3" fill="hold">
+                      <p:stCondLst>
+                        <p:cond delay="indefinite"/>
+                      </p:stCondLst>
+                      <p:childTnLst>
+                        <p:par>
+                          <p:cTn id="4" fill="hold">
+                            <p:stCondLst>
+                              <p:cond delay="0"/>
+                            </p:stCondLst>
+                            <p:childTnLst>
+                              <p:par>
+                                <p:cTn id="5" presetID="1" presetClass="entr" presetSubtype="0" fill="hold" nodeType="clickEffect">
+                                  <p:stCondLst>
+                                    <p:cond delay="0"/>
+                                  </p:stCondLst>
+                                  <p:childTnLst>
+                                    <p:set>
+                                      <p:cBhvr>
+                                        <p:cTn id="6" dur="1" fill="hold">
+                                          <p:stCondLst>
+                                            <p:cond delay="0"/>
+                                          </p:stCondLst>
+                                        </p:cTn>
+                                        <p:tgtEl>
+                                          <p:spTgt spid="5">
+                                            <p:txEl>
+                                              <p:pRg st="0" end="0"/>
+                                            </p:txEl>
+                                          </p:spTgt>
+                                        </p:tgtEl>
+                                        <p:attrNameLst>
+                                          <p:attrName>style.visibility</p:attrName>
+                                        </p:attrNameLst>
+                                      </p:cBhvr>
+                                      <p:to>
+                                        <p:strVal val="visible"/>
+                                      </p:to>
+                                    </p:set>
+                                  </p:childTnLst>
+                                </p:cTn>
+                              </p:par>
+                            </p:childTnLst>
+                          </p:cTn>
+                        </p:par>
+                      </p:childTnLst>
+                    </p:cTn>
+                  </p:par>
+                  <p:par>
+                    <p:cTn id="7" fill="hold">
+                      <p:stCondLst>
+                        <p:cond delay="indefinite"/>
+                      </p:stCondLst>
+                      <p:childTnLst>
+                        <p:par>
+                          <p:cTn id="8" fill="hold">
+                            <p:stCondLst>
+                              <p:cond delay="0"/>
+                            </p:stCondLst>
+                            <p:childTnLst>
+                              <p:par>
+                                <p:cTn id="9" presetID="1" presetClass="entr" presetSubtype="0" fill="hold" nodeType="clickEffect">
+                                  <p:stCondLst>
+                                    <p:cond delay="0"/>
+                                  </p:stCondLst>
+                                  <p:childTnLst>
+                                    <p:set>
+                                      <p:cBhvr>
+                                        <p:cTn id="10" dur="1" fill="hold">
+                                          <p:stCondLst>
+                                            <p:cond delay="0"/>
+                                          </p:stCondLst>
+                                        </p:cTn>
+                                        <p:tgtEl>
+                                          <p:spTgt spid="5">
+                                            <p:txEl>
+                                              <p:pRg st="2" end="2"/>
+                                            </p:txEl>
+                                          </p:spTgt>
+                                        </p:tgtEl>
+                                        <p:attrNameLst>
+                                          <p:attrName>style.visibility</p:attrName>
+                                        </p:attrNameLst>
+                                      </p:cBhvr>
+                                      <p:to>
+                                        <p:strVal val="visible"/>
+                                      </p:to>
+                                    </p:set>
+                                  </p:childTnLst>
+                                </p:cTn>
+                              </p:par>
+                              <p:par>
+                                <p:cTn id="11" presetID="1" presetClass="entr" presetSubtype="0" fill="hold" nodeType="withEffect">
+                                  <p:stCondLst>
+                                    <p:cond delay="0"/>
+                                  </p:stCondLst>
+                                  <p:childTnLst>
+                                    <p:set>
+                                      <p:cBhvr>
+                                        <p:cTn id="12" dur="1" fill="hold">
+                                          <p:stCondLst>
+                                            <p:cond delay="0"/>
+                                          </p:stCondLst>
+                                        </p:cTn>
+                                        <p:tgtEl>
+                                          <p:spTgt spid="5">
+                                            <p:txEl>
+                                              <p:pRg st="3" end="3"/>
+                                            </p:txEl>
+                                          </p:spTgt>
+                                        </p:tgtEl>
+                                        <p:attrNameLst>
+                                          <p:attrName>style.visibility</p:attrName>
+                                        </p:attrNameLst>
+                                      </p:cBhvr>
+                                      <p:to>
+                                        <p:strVal val="visible"/>
+                                      </p:to>
+                                    </p:set>
+                                  </p:childTnLst>
+                                </p:cTn>
+                              </p:par>
+                              <p:par>
+                                <p:cTn id="13" presetID="1" presetClass="entr" presetSubtype="0" fill="hold" nodeType="withEffect">
+                                  <p:stCondLst>
+                                    <p:cond delay="0"/>
+                                  </p:stCondLst>
+                                  <p:childTnLst>
+                                    <p:set>
+                                      <p:cBhvr>
+                                        <p:cTn id="14" dur="1" fill="hold">
+                                          <p:stCondLst>
+                                            <p:cond delay="0"/>
+                                          </p:stCondLst>
+                                        </p:cTn>
+                                        <p:tgtEl>
+                                          <p:spTgt spid="5">
+                                            <p:txEl>
+                                              <p:pRg st="4" end="4"/>
+                                            </p:txEl>
+                                          </p:spTgt>
+                                        </p:tgtEl>
+                                        <p:attrNameLst>
+                                          <p:attrName>style.visibility</p:attrName>
+                                        </p:attrNameLst>
+                                      </p:cBhvr>
+                                      <p:to>
+                                        <p:strVal val="visible"/>
+                                      </p:to>
+                                    </p:set>
+                                  </p:childTnLst>
+                                </p:cTn>
+                              </p:par>
+                            </p:childTnLst>
+                          </p:cTn>
+                        </p:par>
+                      </p:childTnLst>
+                    </p:cTn>
+                  </p:par>
+                  <p:par>
+                    <p:cTn id="15" fill="hold">
+                      <p:stCondLst>
+                        <p:cond delay="indefinite"/>
+                      </p:stCondLst>
+                      <p:childTnLst>
+                        <p:par>
+                          <p:cTn id="16" fill="hold">
+                            <p:stCondLst>
+                              <p:cond delay="0"/>
+                            </p:stCondLst>
+                            <p:childTnLst>
+                              <p:par>
+                                <p:cTn id="17" presetID="1" presetClass="entr" presetSubtype="0" fill="hold" nodeType="clickEffect">
+                                  <p:stCondLst>
+                                    <p:cond delay="0"/>
+                                  </p:stCondLst>
+                                  <p:childTnLst>
+                                    <p:set>
+                                      <p:cBhvr>
+                                        <p:cTn id="18" dur="1" fill="hold">
+                                          <p:stCondLst>
+                                            <p:cond delay="0"/>
+                                          </p:stCondLst>
+                                        </p:cTn>
+                                        <p:tgtEl>
+                                          <p:spTgt spid="5">
+                                            <p:txEl>
+                                              <p:pRg st="6" end="6"/>
+                                            </p:txEl>
+                                          </p:spTgt>
+                                        </p:tgtEl>
+                                        <p:attrNameLst>
+                                          <p:attrName>style.visibility</p:attrName>
+                                        </p:attrNameLst>
+                                      </p:cBhvr>
+                                      <p:to>
+                                        <p:strVal val="visible"/>
+                                      </p:to>
+                                    </p:set>
+                                  </p:childTnLst>
+                                </p:cTn>
+                              </p:par>
+                            </p:childTnLst>
+                          </p:cTn>
+                        </p:par>
+                      </p:childTnLst>
+                    </p:cTn>
+                  </p:par>
+                  <p:par>
+                    <p:cTn id="19" fill="hold">
+                      <p:stCondLst>
+                        <p:cond delay="indefinite"/>
+                      </p:stCondLst>
+                      <p:childTnLst>
+                        <p:par>
+                          <p:cTn id="20" fill="hold">
+                            <p:stCondLst>
+                              <p:cond delay="0"/>
+                            </p:stCondLst>
+                            <p:childTnLst>
+                              <p:par>
+                                <p:cTn id="21" presetID="1" presetClass="entr" presetSubtype="0" fill="hold" nodeType="clickEffect">
+                                  <p:stCondLst>
+                                    <p:cond delay="0"/>
+                                  </p:stCondLst>
+                                  <p:childTnLst>
+                                    <p:set>
+                                      <p:cBhvr>
+                                        <p:cTn id="22" dur="1" fill="hold">
+                                          <p:stCondLst>
+                                            <p:cond delay="0"/>
+                                          </p:stCondLst>
+                                        </p:cTn>
+                                        <p:tgtEl>
+                                          <p:spTgt spid="5">
+                                            <p:txEl>
+                                              <p:pRg st="8" end="8"/>
+                                            </p:txEl>
+                                          </p:spTgt>
+                                        </p:tgtEl>
+                                        <p:attrNameLst>
+                                          <p:attrName>style.visibility</p:attrName>
+                                        </p:attrNameLst>
+                                      </p:cBhvr>
+                                      <p:to>
+                                        <p:strVal val="visible"/>
+                                      </p:to>
+                                    </p:set>
+                                  </p:childTnLst>
+                                </p:cTn>
+                              </p:par>
+                            </p:childTnLst>
+                          </p:cTn>
+                        </p:par>
+                      </p:childTnLst>
+                    </p:cTn>
+                  </p:par>
+                  <p:par>
+                    <p:cTn id="23" fill="hold">
+                      <p:stCondLst>
+                        <p:cond delay="indefinite"/>
+                      </p:stCondLst>
+                      <p:childTnLst>
+                        <p:par>
+                          <p:cTn id="24" fill="hold">
+                            <p:stCondLst>
+                              <p:cond delay="0"/>
+                            </p:stCondLst>
+                            <p:childTnLst>
+                              <p:par>
+                                <p:cTn id="25" presetID="1" presetClass="entr" presetSubtype="0" fill="hold" nodeType="clickEffect">
+                                  <p:stCondLst>
+                                    <p:cond delay="0"/>
+                                  </p:stCondLst>
+                                  <p:childTnLst>
+                                    <p:set>
+                                      <p:cBhvr>
+                                        <p:cTn id="26" dur="1" fill="hold">
+                                          <p:stCondLst>
+                                            <p:cond delay="0"/>
+                                          </p:stCondLst>
+                                        </p:cTn>
+                                        <p:tgtEl>
+                                          <p:spTgt spid="5">
+                                            <p:txEl>
+                                              <p:pRg st="10" end="10"/>
+                                            </p:txEl>
+                                          </p:spTgt>
+                                        </p:tgtEl>
+                                        <p:attrNameLst>
+                                          <p:attrName>style.visibility</p:attrName>
+                                        </p:attrNameLst>
+                                      </p:cBhvr>
+                                      <p:to>
+                                        <p:strVal val="visible"/>
+                                      </p:to>
+                                    </p:set>
+                                  </p:childTnLst>
+                                </p:cTn>
+                              </p:par>
+                              <p:par>
+                                <p:cTn id="27" presetID="1" presetClass="entr" presetSubtype="0" fill="hold" nodeType="withEffect">
+                                  <p:stCondLst>
+                                    <p:cond delay="0"/>
+                                  </p:stCondLst>
+                                  <p:childTnLst>
+                                    <p:set>
+                                      <p:cBhvr>
+                                        <p:cTn id="28" dur="1" fill="hold">
+                                          <p:stCondLst>
+                                            <p:cond delay="0"/>
+                                          </p:stCondLst>
+                                        </p:cTn>
+                                        <p:tgtEl>
+                                          <p:spTgt spid="5">
+                                            <p:txEl>
+                                              <p:pRg st="11" end="11"/>
+                                            </p:txEl>
+                                          </p:spTgt>
+                                        </p:tgtEl>
+                                        <p:attrNameLst>
+                                          <p:attrName>style.visibility</p:attrName>
+                                        </p:attrNameLst>
+                                      </p:cBhvr>
+                                      <p:to>
+                                        <p:strVal val="visible"/>
+                                      </p:to>
+                                    </p:set>
+                                  </p:childTnLst>
+                                </p:cTn>
+                              </p:par>
+                              <p:par>
+                                <p:cTn id="29" presetID="1" presetClass="entr" presetSubtype="0" fill="hold" nodeType="withEffect">
+                                  <p:stCondLst>
+                                    <p:cond delay="0"/>
+                                  </p:stCondLst>
+                                  <p:childTnLst>
+                                    <p:set>
+                                      <p:cBhvr>
+                                        <p:cTn id="30" dur="1" fill="hold">
+                                          <p:stCondLst>
+                                            <p:cond delay="0"/>
+                                          </p:stCondLst>
+                                        </p:cTn>
+                                        <p:tgtEl>
+                                          <p:spTgt spid="5">
+                                            <p:txEl>
+                                              <p:pRg st="12" end="12"/>
+                                            </p:txEl>
+                                          </p:spTgt>
+                                        </p:tgtEl>
+                                        <p:attrNameLst>
+                                          <p:attrName>style.visibility</p:attrName>
+                                        </p:attrNameLst>
+                                      </p:cBhvr>
+                                      <p:to>
+                                        <p:strVal val="visible"/>
+                                      </p:to>
+                                    </p:set>
+                                  </p:childTnLst>
+                                </p:cTn>
+                              </p:par>
+                            </p:childTnLst>
+                          </p:cTn>
+                        </p:par>
+                      </p:childTnLst>
+                    </p:cTn>
+                  </p:par>
+                </p:childTnLst>
+              </p:cTn>
+              <p:prevCondLst>
+                <p:cond evt="onPrev" delay="0">
+                  <p:tgtEl>
+                    <p:sldTgt/>
+                  </p:tgtEl>
+                </p:cond>
+              </p:prevCondLst>
+              <p:nextCondLst>
+                <p:cond evt="onNext" delay="0">
+                  <p:tgtEl>
+                    <p:sldTgt/>
+                  </p:tgtEl>
+                </p:cond>
+              </p:nextCondLst>
+            </p:seq>
+          </p:childTnLst>
+        </p:cTn>
+      </p:par>
+    </p:tnLst>
+  </p:timing>
+</p:sld>
+</file>
+
+<file path=ppt/slides/slide13.xml><?xml version="1.0" encoding="utf-8"?>
+<p:sld xmlns:a="http://schemas.openxmlformats.org/drawingml/2006/main" xmlns:r="http://schemas.openxmlformats.org/officeDocument/2006/relationships" xmlns:p="http://schemas.openxmlformats.org/presentationml/2006/main">
+  <p:cSld>
+    <p:bg>
+      <p:bgPr>
+        <a:blipFill dpi="0" rotWithShape="1">
+          <a:blip r:embed="rId3">
+            <a:lum/>
+          </a:blip>
+          <a:srcRect/>
+          <a:stretch>
+            <a:fillRect/>
+          </a:stretch>
+        </a:blipFill>
+        <a:effectLst/>
+      </p:bgPr>
+    </p:bg>
+    <p:spTree>
+      <p:nvGrpSpPr>
+        <p:cNvPr id="1" name=""/>
+        <p:cNvGrpSpPr/>
+        <p:nvPr/>
+      </p:nvGrpSpPr>
+      <p:grpSpPr>
+        <a:xfrm>
+          <a:off x="0" y="0"/>
+          <a:ext cx="0" cy="0"/>
+          <a:chOff x="0" y="0"/>
+          <a:chExt cx="0" cy="0"/>
+        </a:xfrm>
+      </p:grpSpPr>
+      <p:sp>
+        <p:nvSpPr>
+          <p:cNvPr id="2" name="TextBox 1">
+            <a:extLst>
+              <a:ext uri="{FF2B5EF4-FFF2-40B4-BE49-F238E27FC236}">
+                <a16:creationId xmlns:a16="http://schemas.microsoft.com/office/drawing/2014/main" id="{78B5EC2F-3CF0-A40A-ED3F-7164DDC74817}"/>
+              </a:ext>
+            </a:extLst>
+          </p:cNvPr>
+          <p:cNvSpPr txBox="1"/>
+          <p:nvPr/>
+        </p:nvSpPr>
+        <p:spPr>
+          <a:xfrm>
+            <a:off x="7018638" y="488512"/>
+            <a:ext cx="4294522" cy="738664"/>
+          </a:xfrm>
+          <a:prstGeom prst="rect">
+            <a:avLst/>
+          </a:prstGeom>
+          <a:noFill/>
+        </p:spPr>
+        <p:txBody>
+          <a:bodyPr wrap="square" rtlCol="1">
+            <a:spAutoFit/>
+          </a:bodyPr>
+          <a:lstStyle/>
+          <a:p>
+            <a:pPr algn="r" fontAlgn="base">
+              <a:spcBef>
+                <a:spcPct val="0"/>
+              </a:spcBef>
+              <a:spcAft>
+                <a:spcPct val="0"/>
+              </a:spcAft>
+              <a:defRPr/>
+            </a:pPr>
+            <a:r>
+              <a:rPr lang="he-IL" sz="4200" b="1" kern="0" dirty="0">
+                <a:solidFill>
+                  <a:srgbClr val="006633"/>
+                </a:solidFill>
+                <a:latin typeface="Garamond"/>
+                <a:ea typeface="+mj-ea"/>
+                <a:cs typeface="Arial"/>
+              </a:rPr>
+              <a:t>פתרון שאלה 2.2.</a:t>
+            </a:r>
+            <a:endParaRPr lang="en-US" sz="4200" b="1" kern="0" dirty="0">
+              <a:solidFill>
+                <a:srgbClr val="006633"/>
+              </a:solidFill>
+              <a:latin typeface="Garamond"/>
+              <a:ea typeface="+mj-ea"/>
+              <a:cs typeface="Arial"/>
+            </a:endParaRPr>
+          </a:p>
+        </p:txBody>
+      </p:sp>
+      <p:sp>
+        <p:nvSpPr>
+          <p:cNvPr id="5" name="TextBox 4">
+            <a:extLst>
+              <a:ext uri="{FF2B5EF4-FFF2-40B4-BE49-F238E27FC236}">
+                <a16:creationId xmlns:a16="http://schemas.microsoft.com/office/drawing/2014/main" id="{E1177E8B-5D62-0CC0-B754-1D3A7AECB913}"/>
+              </a:ext>
+            </a:extLst>
+          </p:cNvPr>
+          <p:cNvSpPr txBox="1"/>
+          <p:nvPr/>
+        </p:nvSpPr>
+        <p:spPr>
+          <a:xfrm>
+            <a:off x="1804087" y="1445044"/>
+            <a:ext cx="7957751" cy="4801314"/>
+          </a:xfrm>
+          <a:prstGeom prst="rect">
+            <a:avLst/>
+          </a:prstGeom>
+          <a:noFill/>
+        </p:spPr>
+        <p:txBody>
+          <a:bodyPr wrap="square">
+            <a:spAutoFit/>
+          </a:bodyPr>
+          <a:lstStyle/>
+          <a:p>
+            <a:pPr algn="l" rtl="0"/>
+            <a:r>
+              <a:rPr lang="en-US" dirty="0"/>
+              <a:t>Max-</a:t>
+            </a:r>
+            <a:r>
+              <a:rPr lang="en-US" dirty="0" err="1"/>
+              <a:t>Heapify</a:t>
+            </a:r>
+            <a:r>
+              <a:rPr lang="en-US" dirty="0"/>
+              <a:t>(A, </a:t>
+            </a:r>
+            <a:r>
+              <a:rPr lang="en-US" dirty="0" err="1"/>
+              <a:t>i</a:t>
+            </a:r>
+            <a:r>
+              <a:rPr lang="en-US" dirty="0"/>
+              <a:t>):</a:t>
+            </a:r>
+            <a:endParaRPr lang="he-IL" dirty="0"/>
+          </a:p>
+          <a:p>
+            <a:pPr algn="l" rtl="0"/>
+            <a:r>
+              <a:rPr lang="he-IL" dirty="0"/>
+              <a:t>	</a:t>
+            </a:r>
+            <a:r>
+              <a:rPr lang="en-US" dirty="0"/>
+              <a:t>while true:</a:t>
+            </a:r>
+            <a:endParaRPr lang="he-IL" dirty="0"/>
+          </a:p>
+          <a:p>
+            <a:pPr algn="l" rtl="0"/>
+            <a:r>
+              <a:rPr lang="he-IL" dirty="0"/>
+              <a:t>		</a:t>
+            </a:r>
+            <a:r>
+              <a:rPr lang="en-US" dirty="0" err="1"/>
+              <a:t>left_child</a:t>
+            </a:r>
+            <a:r>
+              <a:rPr lang="en-US" dirty="0"/>
+              <a:t> = 2 * </a:t>
+            </a:r>
+            <a:r>
+              <a:rPr lang="en-US" dirty="0" err="1"/>
+              <a:t>i</a:t>
+            </a:r>
+            <a:r>
+              <a:rPr lang="en-US" dirty="0"/>
+              <a:t> + 1 </a:t>
+            </a:r>
+            <a:endParaRPr lang="he-IL" dirty="0"/>
+          </a:p>
+          <a:p>
+            <a:pPr algn="l" rtl="0"/>
+            <a:r>
+              <a:rPr lang="he-IL" dirty="0"/>
+              <a:t>		</a:t>
+            </a:r>
+            <a:r>
+              <a:rPr lang="en-US" dirty="0" err="1"/>
+              <a:t>right_child</a:t>
+            </a:r>
+            <a:r>
+              <a:rPr lang="en-US" dirty="0"/>
+              <a:t> = 2 * </a:t>
+            </a:r>
+            <a:r>
+              <a:rPr lang="en-US" dirty="0" err="1"/>
+              <a:t>i</a:t>
+            </a:r>
+            <a:r>
+              <a:rPr lang="en-US" dirty="0"/>
+              <a:t> + 2 </a:t>
+            </a:r>
+            <a:endParaRPr lang="he-IL" dirty="0"/>
+          </a:p>
+          <a:p>
+            <a:pPr algn="l" rtl="0"/>
+            <a:r>
+              <a:rPr lang="he-IL" dirty="0"/>
+              <a:t>		</a:t>
+            </a:r>
+            <a:r>
+              <a:rPr lang="en-US" dirty="0"/>
+              <a:t>largest = </a:t>
+            </a:r>
+            <a:r>
+              <a:rPr lang="en-US" dirty="0" err="1"/>
+              <a:t>i</a:t>
+            </a:r>
+            <a:r>
+              <a:rPr lang="en-US" dirty="0"/>
+              <a:t> </a:t>
+            </a:r>
+            <a:endParaRPr lang="he-IL" dirty="0"/>
+          </a:p>
+          <a:p>
+            <a:pPr algn="l" rtl="0"/>
+            <a:endParaRPr lang="he-IL" dirty="0"/>
+          </a:p>
+          <a:p>
+            <a:pPr algn="l" rtl="0"/>
+            <a:r>
+              <a:rPr lang="he-IL" dirty="0"/>
+              <a:t>		</a:t>
+            </a:r>
+            <a:r>
+              <a:rPr lang="en-US" dirty="0"/>
+              <a:t>if </a:t>
+            </a:r>
+            <a:r>
+              <a:rPr lang="en-US" dirty="0" err="1"/>
+              <a:t>left_child</a:t>
+            </a:r>
+            <a:r>
+              <a:rPr lang="en-US" dirty="0"/>
+              <a:t> &lt; </a:t>
+            </a:r>
+            <a:r>
+              <a:rPr lang="en-US" dirty="0" err="1"/>
+              <a:t>A.heap_size</a:t>
+            </a:r>
+            <a:r>
+              <a:rPr lang="en-US" dirty="0"/>
+              <a:t> and A[</a:t>
+            </a:r>
+            <a:r>
+              <a:rPr lang="en-US" dirty="0" err="1"/>
+              <a:t>left_child</a:t>
+            </a:r>
+            <a:r>
+              <a:rPr lang="en-US" dirty="0"/>
+              <a:t>] &gt; A[largest]: </a:t>
+            </a:r>
+            <a:endParaRPr lang="he-IL" dirty="0"/>
+          </a:p>
+          <a:p>
+            <a:pPr algn="l" rtl="0"/>
+            <a:r>
+              <a:rPr lang="he-IL" dirty="0"/>
+              <a:t>			</a:t>
+            </a:r>
+            <a:r>
+              <a:rPr lang="en-US" dirty="0"/>
+              <a:t>largest = </a:t>
+            </a:r>
+            <a:r>
+              <a:rPr lang="en-US" dirty="0" err="1"/>
+              <a:t>left_child</a:t>
+            </a:r>
+            <a:r>
+              <a:rPr lang="en-US" dirty="0"/>
+              <a:t> </a:t>
+            </a:r>
+            <a:endParaRPr lang="he-IL" dirty="0"/>
+          </a:p>
+          <a:p>
+            <a:pPr algn="l" rtl="0"/>
+            <a:endParaRPr lang="he-IL" dirty="0"/>
+          </a:p>
+          <a:p>
+            <a:pPr algn="l" rtl="0"/>
+            <a:r>
+              <a:rPr lang="he-IL" dirty="0"/>
+              <a:t>		</a:t>
+            </a:r>
+            <a:r>
+              <a:rPr lang="en-US" dirty="0"/>
+              <a:t>if </a:t>
+            </a:r>
+            <a:r>
+              <a:rPr lang="en-US" dirty="0" err="1"/>
+              <a:t>right_child</a:t>
+            </a:r>
+            <a:r>
+              <a:rPr lang="en-US" dirty="0"/>
+              <a:t> &lt; </a:t>
+            </a:r>
+            <a:r>
+              <a:rPr lang="en-US" dirty="0" err="1"/>
+              <a:t>A.heap_size</a:t>
+            </a:r>
+            <a:r>
+              <a:rPr lang="en-US" dirty="0"/>
+              <a:t> and A[</a:t>
+            </a:r>
+            <a:r>
+              <a:rPr lang="en-US" dirty="0" err="1"/>
+              <a:t>right_child</a:t>
+            </a:r>
+            <a:r>
+              <a:rPr lang="en-US" dirty="0"/>
+              <a:t>] &gt; A[largest]:</a:t>
+            </a:r>
+            <a:r>
+              <a:rPr lang="he-IL" dirty="0"/>
+              <a:t>				</a:t>
+            </a:r>
+            <a:r>
+              <a:rPr lang="en-US" dirty="0"/>
+              <a:t>largest = </a:t>
+            </a:r>
+            <a:r>
+              <a:rPr lang="en-US" dirty="0" err="1"/>
+              <a:t>right_child</a:t>
+            </a:r>
+            <a:r>
+              <a:rPr lang="en-US" dirty="0"/>
+              <a:t> </a:t>
+            </a:r>
+            <a:endParaRPr lang="he-IL" dirty="0"/>
+          </a:p>
+          <a:p>
+            <a:pPr algn="l" rtl="0"/>
+            <a:r>
+              <a:rPr lang="he-IL" dirty="0"/>
+              <a:t>	</a:t>
+            </a:r>
+          </a:p>
+          <a:p>
+            <a:pPr algn="l" rtl="0"/>
+            <a:r>
+              <a:rPr lang="he-IL" dirty="0"/>
+              <a:t>		</a:t>
+            </a:r>
+            <a:r>
+              <a:rPr lang="en-US" dirty="0"/>
+              <a:t>if largest == </a:t>
+            </a:r>
+            <a:r>
+              <a:rPr lang="en-US" dirty="0" err="1"/>
+              <a:t>i</a:t>
+            </a:r>
+            <a:r>
+              <a:rPr lang="en-US" dirty="0"/>
+              <a:t>:</a:t>
+            </a:r>
+            <a:endParaRPr lang="he-IL" dirty="0"/>
+          </a:p>
+          <a:p>
+            <a:pPr algn="l" rtl="0"/>
+            <a:r>
+              <a:rPr lang="he-IL" dirty="0"/>
+              <a:t>			</a:t>
+            </a:r>
+            <a:r>
+              <a:rPr lang="en-US" dirty="0"/>
+              <a:t>break </a:t>
+            </a:r>
+            <a:endParaRPr lang="he-IL" dirty="0"/>
+          </a:p>
+          <a:p>
+            <a:pPr algn="l" rtl="0"/>
+            <a:r>
+              <a:rPr lang="he-IL" dirty="0"/>
+              <a:t>		</a:t>
+            </a:r>
+          </a:p>
+          <a:p>
+            <a:pPr algn="l" rtl="0"/>
+            <a:r>
+              <a:rPr lang="he-IL" dirty="0"/>
+              <a:t>		</a:t>
+            </a:r>
+            <a:r>
+              <a:rPr lang="en-US" dirty="0"/>
+              <a:t>swap A[</a:t>
+            </a:r>
+            <a:r>
+              <a:rPr lang="en-US" dirty="0" err="1"/>
+              <a:t>i</a:t>
+            </a:r>
+            <a:r>
+              <a:rPr lang="en-US" dirty="0"/>
+              <a:t>] with A[largest]</a:t>
+            </a:r>
+            <a:endParaRPr lang="he-IL" dirty="0"/>
+          </a:p>
+          <a:p>
+            <a:pPr algn="l" rtl="0"/>
+            <a:r>
+              <a:rPr lang="he-IL" dirty="0"/>
+              <a:t>		</a:t>
+            </a:r>
+            <a:r>
+              <a:rPr lang="en-US" dirty="0"/>
+              <a:t> </a:t>
+            </a:r>
+            <a:r>
+              <a:rPr lang="en-US" dirty="0" err="1"/>
+              <a:t>i</a:t>
+            </a:r>
+            <a:r>
+              <a:rPr lang="en-US" dirty="0"/>
+              <a:t> = largest</a:t>
+            </a:r>
+            <a:endParaRPr lang="en-IL" dirty="0"/>
+          </a:p>
+        </p:txBody>
+      </p:sp>
+    </p:spTree>
+    <p:extLst>
+      <p:ext uri="{BB962C8B-B14F-4D97-AF65-F5344CB8AC3E}">
+        <p14:creationId xmlns:p14="http://schemas.microsoft.com/office/powerpoint/2010/main" val="1159344593"/>
+      </p:ext>
+    </p:extLst>
+  </p:cSld>
+  <p:clrMapOvr>
+    <a:masterClrMapping/>
+  </p:clrMapOvr>
+  <p:timing>
+    <p:tnLst>
+      <p:par>
+        <p:cTn id="1" dur="indefinite" restart="never" nodeType="tmRoot">
+          <p:childTnLst>
+            <p:seq concurrent="1" nextAc="seek">
+              <p:cTn id="2" dur="indefinite" nodeType="mainSeq">
+                <p:childTnLst>
+                  <p:par>
+                    <p:cTn id="3" fill="hold">
+                      <p:stCondLst>
+                        <p:cond delay="indefinite"/>
+                      </p:stCondLst>
+                      <p:childTnLst>
+                        <p:par>
+                          <p:cTn id="4" fill="hold">
+                            <p:stCondLst>
+                              <p:cond delay="0"/>
+                            </p:stCondLst>
+                            <p:childTnLst>
+                              <p:par>
+                                <p:cTn id="5" presetID="1" presetClass="entr" presetSubtype="0" fill="hold" nodeType="clickEffect">
+                                  <p:stCondLst>
+                                    <p:cond delay="0"/>
+                                  </p:stCondLst>
+                                  <p:childTnLst>
+                                    <p:set>
+                                      <p:cBhvr>
+                                        <p:cTn id="6" dur="1" fill="hold">
+                                          <p:stCondLst>
+                                            <p:cond delay="0"/>
+                                          </p:stCondLst>
+                                        </p:cTn>
+                                        <p:tgtEl>
+                                          <p:spTgt spid="5">
+                                            <p:txEl>
+                                              <p:pRg st="0" end="0"/>
+                                            </p:txEl>
+                                          </p:spTgt>
+                                        </p:tgtEl>
+                                        <p:attrNameLst>
+                                          <p:attrName>style.visibility</p:attrName>
+                                        </p:attrNameLst>
+                                      </p:cBhvr>
+                                      <p:to>
+                                        <p:strVal val="visible"/>
+                                      </p:to>
+                                    </p:set>
+                                  </p:childTnLst>
+                                </p:cTn>
+                              </p:par>
+                            </p:childTnLst>
+                          </p:cTn>
+                        </p:par>
+                      </p:childTnLst>
+                    </p:cTn>
+                  </p:par>
+                  <p:par>
+                    <p:cTn id="7" fill="hold">
+                      <p:stCondLst>
+                        <p:cond delay="indefinite"/>
+                      </p:stCondLst>
+                      <p:childTnLst>
+                        <p:par>
+                          <p:cTn id="8" fill="hold">
+                            <p:stCondLst>
+                              <p:cond delay="0"/>
+                            </p:stCondLst>
+                            <p:childTnLst>
+                              <p:par>
+                                <p:cTn id="9" presetID="1" presetClass="entr" presetSubtype="0" fill="hold" nodeType="clickEffect">
+                                  <p:stCondLst>
+                                    <p:cond delay="0"/>
+                                  </p:stCondLst>
+                                  <p:childTnLst>
+                                    <p:set>
+                                      <p:cBhvr>
+                                        <p:cTn id="10" dur="1" fill="hold">
+                                          <p:stCondLst>
+                                            <p:cond delay="0"/>
+                                          </p:stCondLst>
+                                        </p:cTn>
+                                        <p:tgtEl>
+                                          <p:spTgt spid="5">
+                                            <p:txEl>
+                                              <p:pRg st="1" end="1"/>
+                                            </p:txEl>
+                                          </p:spTgt>
+                                        </p:tgtEl>
+                                        <p:attrNameLst>
+                                          <p:attrName>style.visibility</p:attrName>
+                                        </p:attrNameLst>
+                                      </p:cBhvr>
+                                      <p:to>
+                                        <p:strVal val="visible"/>
+                                      </p:to>
+                                    </p:set>
+                                  </p:childTnLst>
+                                </p:cTn>
+                              </p:par>
+                            </p:childTnLst>
+                          </p:cTn>
+                        </p:par>
+                      </p:childTnLst>
+                    </p:cTn>
+                  </p:par>
+                  <p:par>
+                    <p:cTn id="11" fill="hold">
+                      <p:stCondLst>
+                        <p:cond delay="indefinite"/>
+                      </p:stCondLst>
+                      <p:childTnLst>
+                        <p:par>
+                          <p:cTn id="12" fill="hold">
+                            <p:stCondLst>
+                              <p:cond delay="0"/>
+                            </p:stCondLst>
+                            <p:childTnLst>
+                              <p:par>
+                                <p:cTn id="13" presetID="1" presetClass="entr" presetSubtype="0" fill="hold" nodeType="clickEffect">
+                                  <p:stCondLst>
+                                    <p:cond delay="0"/>
+                                  </p:stCondLst>
+                                  <p:childTnLst>
+                                    <p:set>
+                                      <p:cBhvr>
+                                        <p:cTn id="14" dur="1" fill="hold">
+                                          <p:stCondLst>
+                                            <p:cond delay="0"/>
+                                          </p:stCondLst>
+                                        </p:cTn>
+                                        <p:tgtEl>
+                                          <p:spTgt spid="5">
+                                            <p:txEl>
+                                              <p:pRg st="2" end="2"/>
+                                            </p:txEl>
+                                          </p:spTgt>
+                                        </p:tgtEl>
+                                        <p:attrNameLst>
+                                          <p:attrName>style.visibility</p:attrName>
+                                        </p:attrNameLst>
+                                      </p:cBhvr>
+                                      <p:to>
+                                        <p:strVal val="visible"/>
+                                      </p:to>
+                                    </p:set>
+                                  </p:childTnLst>
+                                </p:cTn>
+                              </p:par>
+                              <p:par>
+                                <p:cTn id="15" presetID="1" presetClass="entr" presetSubtype="0" fill="hold" nodeType="withEffect">
+                                  <p:stCondLst>
+                                    <p:cond delay="0"/>
+                                  </p:stCondLst>
+                                  <p:childTnLst>
+                                    <p:set>
+                                      <p:cBhvr>
+                                        <p:cTn id="16" dur="1" fill="hold">
+                                          <p:stCondLst>
+                                            <p:cond delay="0"/>
+                                          </p:stCondLst>
+                                        </p:cTn>
+                                        <p:tgtEl>
+                                          <p:spTgt spid="5">
+                                            <p:txEl>
+                                              <p:pRg st="3" end="3"/>
+                                            </p:txEl>
+                                          </p:spTgt>
+                                        </p:tgtEl>
+                                        <p:attrNameLst>
+                                          <p:attrName>style.visibility</p:attrName>
+                                        </p:attrNameLst>
+                                      </p:cBhvr>
+                                      <p:to>
+                                        <p:strVal val="visible"/>
+                                      </p:to>
+                                    </p:set>
+                                  </p:childTnLst>
+                                </p:cTn>
+                              </p:par>
+                              <p:par>
+                                <p:cTn id="17" presetID="1" presetClass="entr" presetSubtype="0" fill="hold" nodeType="withEffect">
+                                  <p:stCondLst>
+                                    <p:cond delay="0"/>
+                                  </p:stCondLst>
+                                  <p:childTnLst>
+                                    <p:set>
+                                      <p:cBhvr>
+                                        <p:cTn id="18" dur="1" fill="hold">
+                                          <p:stCondLst>
+                                            <p:cond delay="0"/>
+                                          </p:stCondLst>
+                                        </p:cTn>
+                                        <p:tgtEl>
+                                          <p:spTgt spid="5">
+                                            <p:txEl>
+                                              <p:pRg st="4" end="4"/>
+                                            </p:txEl>
+                                          </p:spTgt>
+                                        </p:tgtEl>
+                                        <p:attrNameLst>
+                                          <p:attrName>style.visibility</p:attrName>
+                                        </p:attrNameLst>
+                                      </p:cBhvr>
+                                      <p:to>
+                                        <p:strVal val="visible"/>
+                                      </p:to>
+                                    </p:set>
+                                  </p:childTnLst>
+                                </p:cTn>
+                              </p:par>
+                            </p:childTnLst>
+                          </p:cTn>
+                        </p:par>
+                      </p:childTnLst>
+                    </p:cTn>
+                  </p:par>
+                  <p:par>
+                    <p:cTn id="19" fill="hold">
+                      <p:stCondLst>
+                        <p:cond delay="indefinite"/>
+                      </p:stCondLst>
+                      <p:childTnLst>
+                        <p:par>
+                          <p:cTn id="20" fill="hold">
+                            <p:stCondLst>
+                              <p:cond delay="0"/>
+                            </p:stCondLst>
+                            <p:childTnLst>
+                              <p:par>
+                                <p:cTn id="21" presetID="1" presetClass="entr" presetSubtype="0" fill="hold" nodeType="clickEffect">
+                                  <p:stCondLst>
+                                    <p:cond delay="0"/>
+                                  </p:stCondLst>
+                                  <p:childTnLst>
+                                    <p:set>
+                                      <p:cBhvr>
+                                        <p:cTn id="22" dur="1" fill="hold">
+                                          <p:stCondLst>
+                                            <p:cond delay="0"/>
+                                          </p:stCondLst>
+                                        </p:cTn>
+                                        <p:tgtEl>
+                                          <p:spTgt spid="5">
+                                            <p:txEl>
+                                              <p:pRg st="6" end="6"/>
+                                            </p:txEl>
+                                          </p:spTgt>
+                                        </p:tgtEl>
+                                        <p:attrNameLst>
+                                          <p:attrName>style.visibility</p:attrName>
+                                        </p:attrNameLst>
+                                      </p:cBhvr>
+                                      <p:to>
+                                        <p:strVal val="visible"/>
+                                      </p:to>
+                                    </p:set>
+                                  </p:childTnLst>
+                                </p:cTn>
+                              </p:par>
+                              <p:par>
+                                <p:cTn id="23" presetID="1" presetClass="entr" presetSubtype="0" fill="hold" nodeType="withEffect">
+                                  <p:stCondLst>
+                                    <p:cond delay="0"/>
+                                  </p:stCondLst>
+                                  <p:childTnLst>
+                                    <p:set>
+                                      <p:cBhvr>
+                                        <p:cTn id="24" dur="1" fill="hold">
+                                          <p:stCondLst>
+                                            <p:cond delay="0"/>
+                                          </p:stCondLst>
+                                        </p:cTn>
+                                        <p:tgtEl>
+                                          <p:spTgt spid="5">
+                                            <p:txEl>
+                                              <p:pRg st="7" end="7"/>
+                                            </p:txEl>
+                                          </p:spTgt>
+                                        </p:tgtEl>
+                                        <p:attrNameLst>
+                                          <p:attrName>style.visibility</p:attrName>
+                                        </p:attrNameLst>
+                                      </p:cBhvr>
+                                      <p:to>
+                                        <p:strVal val="visible"/>
+                                      </p:to>
+                                    </p:set>
+                                  </p:childTnLst>
+                                </p:cTn>
+                              </p:par>
+                            </p:childTnLst>
+                          </p:cTn>
+                        </p:par>
+                      </p:childTnLst>
+                    </p:cTn>
+                  </p:par>
+                  <p:par>
+                    <p:cTn id="25" fill="hold">
+                      <p:stCondLst>
+                        <p:cond delay="indefinite"/>
+                      </p:stCondLst>
+                      <p:childTnLst>
+                        <p:par>
+                          <p:cTn id="26" fill="hold">
+                            <p:stCondLst>
+                              <p:cond delay="0"/>
+                            </p:stCondLst>
+                            <p:childTnLst>
+                              <p:par>
+                                <p:cTn id="27" presetID="1" presetClass="entr" presetSubtype="0" fill="hold" nodeType="clickEffect">
+                                  <p:stCondLst>
+                                    <p:cond delay="0"/>
+                                  </p:stCondLst>
+                                  <p:childTnLst>
+                                    <p:set>
+                                      <p:cBhvr>
+                                        <p:cTn id="28" dur="1" fill="hold">
+                                          <p:stCondLst>
+                                            <p:cond delay="0"/>
+                                          </p:stCondLst>
+                                        </p:cTn>
+                                        <p:tgtEl>
+                                          <p:spTgt spid="5">
+                                            <p:txEl>
+                                              <p:pRg st="9" end="9"/>
+                                            </p:txEl>
+                                          </p:spTgt>
+                                        </p:tgtEl>
+                                        <p:attrNameLst>
+                                          <p:attrName>style.visibility</p:attrName>
+                                        </p:attrNameLst>
+                                      </p:cBhvr>
+                                      <p:to>
+                                        <p:strVal val="visible"/>
+                                      </p:to>
+                                    </p:set>
+                                  </p:childTnLst>
+                                </p:cTn>
+                              </p:par>
+                            </p:childTnLst>
+                          </p:cTn>
+                        </p:par>
+                      </p:childTnLst>
+                    </p:cTn>
+                  </p:par>
+                  <p:par>
+                    <p:cTn id="29" fill="hold">
+                      <p:stCondLst>
+                        <p:cond delay="indefinite"/>
+                      </p:stCondLst>
+                      <p:childTnLst>
+                        <p:par>
+                          <p:cTn id="30" fill="hold">
+                            <p:stCondLst>
+                              <p:cond delay="0"/>
+                            </p:stCondLst>
+                            <p:childTnLst>
+                              <p:par>
+                                <p:cTn id="31" presetID="1" presetClass="entr" presetSubtype="0" fill="hold" nodeType="clickEffect">
+                                  <p:stCondLst>
+                                    <p:cond delay="0"/>
+                                  </p:stCondLst>
+                                  <p:childTnLst>
+                                    <p:set>
+                                      <p:cBhvr>
+                                        <p:cTn id="32" dur="1" fill="hold">
+                                          <p:stCondLst>
+                                            <p:cond delay="0"/>
+                                          </p:stCondLst>
+                                        </p:cTn>
+                                        <p:tgtEl>
+                                          <p:spTgt spid="5">
+                                            <p:txEl>
+                                              <p:pRg st="11" end="11"/>
+                                            </p:txEl>
+                                          </p:spTgt>
+                                        </p:tgtEl>
+                                        <p:attrNameLst>
+                                          <p:attrName>style.visibility</p:attrName>
+                                        </p:attrNameLst>
+                                      </p:cBhvr>
+                                      <p:to>
+                                        <p:strVal val="visible"/>
+                                      </p:to>
+                                    </p:set>
+                                  </p:childTnLst>
+                                </p:cTn>
+                              </p:par>
+                              <p:par>
+                                <p:cTn id="33" presetID="1" presetClass="entr" presetSubtype="0" fill="hold" nodeType="withEffect">
+                                  <p:stCondLst>
+                                    <p:cond delay="0"/>
+                                  </p:stCondLst>
+                                  <p:childTnLst>
+                                    <p:set>
+                                      <p:cBhvr>
+                                        <p:cTn id="34" dur="1" fill="hold">
+                                          <p:stCondLst>
+                                            <p:cond delay="0"/>
+                                          </p:stCondLst>
+                                        </p:cTn>
+                                        <p:tgtEl>
+                                          <p:spTgt spid="5">
+                                            <p:txEl>
+                                              <p:pRg st="12" end="12"/>
+                                            </p:txEl>
+                                          </p:spTgt>
+                                        </p:tgtEl>
+                                        <p:attrNameLst>
+                                          <p:attrName>style.visibility</p:attrName>
+                                        </p:attrNameLst>
+                                      </p:cBhvr>
+                                      <p:to>
+                                        <p:strVal val="visible"/>
+                                      </p:to>
+                                    </p:set>
+                                  </p:childTnLst>
+                                </p:cTn>
+                              </p:par>
+                            </p:childTnLst>
+                          </p:cTn>
+                        </p:par>
+                      </p:childTnLst>
+                    </p:cTn>
+                  </p:par>
+                  <p:par>
+                    <p:cTn id="35" fill="hold">
+                      <p:stCondLst>
+                        <p:cond delay="indefinite"/>
+                      </p:stCondLst>
+                      <p:childTnLst>
+                        <p:par>
+                          <p:cTn id="36" fill="hold">
+                            <p:stCondLst>
+                              <p:cond delay="0"/>
+                            </p:stCondLst>
+                            <p:childTnLst>
+                              <p:par>
+                                <p:cTn id="37" presetID="1" presetClass="entr" presetSubtype="0" fill="hold" nodeType="clickEffect">
+                                  <p:stCondLst>
+                                    <p:cond delay="0"/>
+                                  </p:stCondLst>
+                                  <p:childTnLst>
+                                    <p:set>
+                                      <p:cBhvr>
+                                        <p:cTn id="38" dur="1" fill="hold">
+                                          <p:stCondLst>
+                                            <p:cond delay="0"/>
+                                          </p:stCondLst>
+                                        </p:cTn>
+                                        <p:tgtEl>
+                                          <p:spTgt spid="5">
+                                            <p:txEl>
+                                              <p:pRg st="14" end="14"/>
+                                            </p:txEl>
+                                          </p:spTgt>
+                                        </p:tgtEl>
+                                        <p:attrNameLst>
+                                          <p:attrName>style.visibility</p:attrName>
+                                        </p:attrNameLst>
+                                      </p:cBhvr>
+                                      <p:to>
+                                        <p:strVal val="visible"/>
+                                      </p:to>
+                                    </p:set>
+                                  </p:childTnLst>
+                                </p:cTn>
+                              </p:par>
+                              <p:par>
+                                <p:cTn id="39" presetID="1" presetClass="entr" presetSubtype="0" fill="hold" nodeType="withEffect">
+                                  <p:stCondLst>
+                                    <p:cond delay="0"/>
+                                  </p:stCondLst>
+                                  <p:childTnLst>
+                                    <p:set>
+                                      <p:cBhvr>
+                                        <p:cTn id="40" dur="1" fill="hold">
+                                          <p:stCondLst>
+                                            <p:cond delay="0"/>
+                                          </p:stCondLst>
+                                        </p:cTn>
+                                        <p:tgtEl>
+                                          <p:spTgt spid="5">
+                                            <p:txEl>
+                                              <p:pRg st="15" end="15"/>
+                                            </p:txEl>
+                                          </p:spTgt>
+                                        </p:tgtEl>
+                                        <p:attrNameLst>
+                                          <p:attrName>style.visibility</p:attrName>
+                                        </p:attrNameLst>
+                                      </p:cBhvr>
+                                      <p:to>
+                                        <p:strVal val="visible"/>
+                                      </p:to>
+                                    </p:set>
+                                  </p:childTnLst>
+                                </p:cTn>
+                              </p:par>
+                            </p:childTnLst>
+                          </p:cTn>
+                        </p:par>
+                      </p:childTnLst>
+                    </p:cTn>
+                  </p:par>
+                </p:childTnLst>
+              </p:cTn>
+              <p:prevCondLst>
+                <p:cond evt="onPrev" delay="0">
+                  <p:tgtEl>
+                    <p:sldTgt/>
+                  </p:tgtEl>
+                </p:cond>
+              </p:prevCondLst>
+              <p:nextCondLst>
+                <p:cond evt="onNext" delay="0">
+                  <p:tgtEl>
+                    <p:sldTgt/>
+                  </p:tgtEl>
+                </p:cond>
+              </p:nextCondLst>
+            </p:seq>
+          </p:childTnLst>
+        </p:cTn>
+      </p:par>
+    </p:tnLst>
+  </p:timing>
+</p:sld>
+</file>
+
+<file path=ppt/slides/slide14.xml><?xml version="1.0" encoding="utf-8"?>
+<p:sld xmlns:a="http://schemas.openxmlformats.org/drawingml/2006/main" xmlns:r="http://schemas.openxmlformats.org/officeDocument/2006/relationships" xmlns:p="http://schemas.openxmlformats.org/presentationml/2006/main">
+  <p:cSld>
+    <p:bg>
+      <p:bgPr>
+        <a:blipFill dpi="0" rotWithShape="1">
+          <a:blip r:embed="rId3">
+            <a:lum/>
+          </a:blip>
+          <a:srcRect/>
+          <a:stretch>
+            <a:fillRect/>
+          </a:stretch>
+        </a:blipFill>
+        <a:effectLst/>
+      </p:bgPr>
+    </p:bg>
+    <p:spTree>
+      <p:nvGrpSpPr>
+        <p:cNvPr id="1" name=""/>
+        <p:cNvGrpSpPr/>
+        <p:nvPr/>
+      </p:nvGrpSpPr>
+      <p:grpSpPr>
+        <a:xfrm>
+          <a:off x="0" y="0"/>
+          <a:ext cx="0" cy="0"/>
+          <a:chOff x="0" y="0"/>
+          <a:chExt cx="0" cy="0"/>
+        </a:xfrm>
+      </p:grpSpPr>
+      <p:sp>
+        <p:nvSpPr>
+          <p:cNvPr id="2" name="TextBox 1">
+            <a:extLst>
+              <a:ext uri="{FF2B5EF4-FFF2-40B4-BE49-F238E27FC236}">
+                <a16:creationId xmlns:a16="http://schemas.microsoft.com/office/drawing/2014/main" id="{78B5EC2F-3CF0-A40A-ED3F-7164DDC74817}"/>
+              </a:ext>
+            </a:extLst>
+          </p:cNvPr>
+          <p:cNvSpPr txBox="1"/>
+          <p:nvPr/>
+        </p:nvSpPr>
+        <p:spPr>
+          <a:xfrm>
+            <a:off x="2730843" y="414372"/>
+            <a:ext cx="8718241" cy="1384995"/>
+          </a:xfrm>
+          <a:prstGeom prst="rect">
+            <a:avLst/>
+          </a:prstGeom>
+          <a:noFill/>
+        </p:spPr>
+        <p:txBody>
+          <a:bodyPr wrap="square" rtlCol="1">
+            <a:spAutoFit/>
+          </a:bodyPr>
+          <a:lstStyle/>
+          <a:p>
+            <a:pPr fontAlgn="base">
+              <a:spcBef>
+                <a:spcPct val="0"/>
+              </a:spcBef>
+              <a:spcAft>
+                <a:spcPct val="0"/>
+              </a:spcAft>
+              <a:defRPr/>
+            </a:pPr>
+            <a:r>
+              <a:rPr lang="he-IL" sz="4200" b="1" kern="0" dirty="0">
+                <a:solidFill>
+                  <a:srgbClr val="006633"/>
+                </a:solidFill>
+                <a:latin typeface="Garamond"/>
+                <a:ea typeface="+mj-ea"/>
+                <a:cs typeface="Arial"/>
+              </a:rPr>
+              <a:t>שאלה</a:t>
+            </a:r>
+            <a:r>
+              <a:rPr lang="ru-RU" sz="4200" b="1" kern="0" dirty="0">
+                <a:solidFill>
+                  <a:srgbClr val="006633"/>
+                </a:solidFill>
+                <a:latin typeface="Garamond"/>
+                <a:ea typeface="+mj-ea"/>
+                <a:cs typeface="Arial"/>
+              </a:rPr>
+              <a:t> </a:t>
+            </a:r>
+            <a:r>
+              <a:rPr lang="he-IL" sz="4200" b="1" kern="0" dirty="0">
+                <a:solidFill>
+                  <a:srgbClr val="006633"/>
+                </a:solidFill>
+                <a:latin typeface="Garamond"/>
+                <a:ea typeface="+mj-ea"/>
+                <a:cs typeface="Arial"/>
+              </a:rPr>
+              <a:t> 3 (מעוד א 5.02.2019)</a:t>
+            </a:r>
+            <a:endParaRPr lang="en-IL" sz="4200" b="1" kern="0" dirty="0">
+              <a:solidFill>
+                <a:srgbClr val="006633"/>
+              </a:solidFill>
+              <a:latin typeface="Garamond"/>
+              <a:ea typeface="+mj-ea"/>
+              <a:cs typeface="Arial"/>
+            </a:endParaRPr>
+          </a:p>
+          <a:p>
+            <a:pPr algn="r" fontAlgn="base">
+              <a:spcBef>
+                <a:spcPct val="0"/>
+              </a:spcBef>
+              <a:spcAft>
+                <a:spcPct val="0"/>
+              </a:spcAft>
+              <a:defRPr/>
+            </a:pPr>
+            <a:endParaRPr lang="en-US" sz="4200" b="1" kern="0" dirty="0">
+              <a:solidFill>
+                <a:srgbClr val="006633"/>
+              </a:solidFill>
+              <a:latin typeface="Garamond"/>
+              <a:ea typeface="+mj-ea"/>
+              <a:cs typeface="Arial"/>
+            </a:endParaRPr>
+          </a:p>
+        </p:txBody>
+      </p:sp>
+      <mc:AlternateContent xmlns:mc="http://schemas.openxmlformats.org/markup-compatibility/2006">
+        <mc:Choice xmlns:a14="http://schemas.microsoft.com/office/drawing/2010/main" Requires="a14">
+          <p:sp>
+            <p:nvSpPr>
+              <p:cNvPr id="4" name="TextBox 3">
+                <a:extLst>
+                  <a:ext uri="{FF2B5EF4-FFF2-40B4-BE49-F238E27FC236}">
+                    <a16:creationId xmlns:a16="http://schemas.microsoft.com/office/drawing/2014/main" id="{826472D5-C64A-F9FF-5AFD-2F71DA8E954D}"/>
+                  </a:ext>
+                </a:extLst>
+              </p:cNvPr>
+              <p:cNvSpPr txBox="1"/>
+              <p:nvPr/>
+            </p:nvSpPr>
+            <p:spPr>
+              <a:xfrm>
+                <a:off x="1195002" y="2039517"/>
+                <a:ext cx="9801996" cy="1389483"/>
+              </a:xfrm>
+              <a:prstGeom prst="rect">
+                <a:avLst/>
+              </a:prstGeom>
+              <a:noFill/>
+            </p:spPr>
+            <p:txBody>
+              <a:bodyPr wrap="square">
+                <a:spAutoFit/>
+              </a:bodyPr>
+              <a:lstStyle/>
+              <a:p>
+                <a:pPr algn="just" rtl="1">
+                  <a:lnSpc>
+                    <a:spcPct val="107000"/>
+                  </a:lnSpc>
+                  <a:spcAft>
+                    <a:spcPts val="800"/>
+                  </a:spcAft>
+                </a:pPr>
+                <a:r>
+                  <a:rPr lang="he-IL" sz="2400" dirty="0">
+                    <a:effectLst/>
+                    <a:latin typeface="Calibri" panose="020F0502020204030204" pitchFamily="34" charset="0"/>
+                    <a:ea typeface="Calibri" panose="020F0502020204030204" pitchFamily="34" charset="0"/>
+                  </a:rPr>
+                  <a:t>תהי נתונה </a:t>
+                </a:r>
+                <a:r>
+                  <a:rPr lang="he-IL" sz="2400" dirty="0" err="1">
+                    <a:effectLst/>
+                    <a:latin typeface="Calibri" panose="020F0502020204030204" pitchFamily="34" charset="0"/>
+                    <a:ea typeface="Calibri" panose="020F0502020204030204" pitchFamily="34" charset="0"/>
+                  </a:rPr>
+                  <a:t>ערימת</a:t>
+                </a:r>
+                <a:r>
+                  <a:rPr lang="he-IL" sz="2400" dirty="0">
+                    <a:effectLst/>
+                    <a:latin typeface="Calibri" panose="020F0502020204030204" pitchFamily="34" charset="0"/>
+                    <a:ea typeface="Calibri" panose="020F0502020204030204" pitchFamily="34" charset="0"/>
+                  </a:rPr>
+                  <a:t> בת </a:t>
+                </a:r>
+                <a:r>
+                  <a:rPr lang="ru-RU" sz="2400" dirty="0" err="1">
+                    <a:effectLst/>
+                    <a:latin typeface="Calibri" panose="020F0502020204030204" pitchFamily="34" charset="0"/>
+                    <a:ea typeface="Calibri" panose="020F0502020204030204" pitchFamily="34" charset="0"/>
+                  </a:rPr>
+                  <a:t>n</a:t>
+                </a:r>
+                <a:r>
+                  <a:rPr lang="he-IL" sz="2400" dirty="0">
+                    <a:effectLst/>
+                    <a:latin typeface="Calibri" panose="020F0502020204030204" pitchFamily="34" charset="0"/>
+                    <a:ea typeface="Calibri" panose="020F0502020204030204" pitchFamily="34" charset="0"/>
+                  </a:rPr>
+                  <a:t> איברים. שינו בה </a:t>
+                </a:r>
+                <a14:m>
+                  <m:oMath xmlns:m="http://schemas.openxmlformats.org/officeDocument/2006/math">
+                    <m:r>
+                      <a:rPr lang="ru-RU" sz="2400" i="1">
+                        <a:effectLst/>
+                        <a:latin typeface="Cambria Math" panose="02040503050406030204" pitchFamily="18" charset="0"/>
+                        <a:ea typeface="Calibri" panose="020F0502020204030204" pitchFamily="34" charset="0"/>
+                      </a:rPr>
+                      <m:t>⌊</m:t>
+                    </m:r>
+                    <m:f>
+                      <m:fPr>
+                        <m:ctrlPr>
+                          <a:rPr lang="en-IL" sz="2400" i="1">
+                            <a:effectLst/>
+                            <a:latin typeface="Cambria Math" panose="02040503050406030204" pitchFamily="18" charset="0"/>
+                            <a:ea typeface="Cambria Math" panose="02040503050406030204" pitchFamily="18" charset="0"/>
+                            <a:cs typeface="Cambria Math" panose="02040503050406030204" pitchFamily="18" charset="0"/>
+                          </a:rPr>
+                        </m:ctrlPr>
+                      </m:fPr>
+                      <m:num>
+                        <m:r>
+                          <a:rPr lang="ru-RU" sz="2400" i="1">
+                            <a:effectLst/>
+                            <a:latin typeface="Cambria Math" panose="02040503050406030204" pitchFamily="18" charset="0"/>
+                            <a:ea typeface="Cambria Math" panose="02040503050406030204" pitchFamily="18" charset="0"/>
+                            <a:cs typeface="Cambria Math" panose="02040503050406030204" pitchFamily="18" charset="0"/>
+                          </a:rPr>
+                          <m:t>𝑛</m:t>
+                        </m:r>
+                      </m:num>
+                      <m:den>
+                        <m:r>
+                          <a:rPr lang="ru-RU" sz="2400" i="1">
+                            <a:effectLst/>
+                            <a:latin typeface="Cambria Math" panose="02040503050406030204" pitchFamily="18" charset="0"/>
+                            <a:ea typeface="Cambria Math" panose="02040503050406030204" pitchFamily="18" charset="0"/>
+                            <a:cs typeface="Cambria Math" panose="02040503050406030204" pitchFamily="18" charset="0"/>
+                          </a:rPr>
+                          <m:t>4</m:t>
+                        </m:r>
+                      </m:den>
+                    </m:f>
+                    <m:r>
+                      <a:rPr lang="ru-RU" sz="2400" i="1">
+                        <a:effectLst/>
+                        <a:latin typeface="Cambria Math" panose="02040503050406030204" pitchFamily="18" charset="0"/>
+                        <a:ea typeface="Calibri" panose="020F0502020204030204" pitchFamily="34" charset="0"/>
+                      </a:rPr>
+                      <m:t>⌋</m:t>
+                    </m:r>
+                  </m:oMath>
+                </a14:m>
+                <a:r>
+                  <a:rPr lang="he-IL" sz="2400" dirty="0">
+                    <a:effectLst/>
+                    <a:latin typeface="Calibri" panose="020F0502020204030204" pitchFamily="34" charset="0"/>
+                    <a:ea typeface="Calibri" panose="020F0502020204030204" pitchFamily="34" charset="0"/>
+                  </a:rPr>
+                  <a:t> מהעלים באופן כזה שלאחר השינוי יתכן שהיא איננה ערימה חוקית יותר. הציעו (במילים) אלגוריתם יעיל ככל האפשר במקרה הגרוע לתיקון הערימה. מה סיבוכיות הזמן של האלגוריתם שהצעתם?</a:t>
+                </a:r>
+                <a:endParaRPr lang="en-IL" sz="2400" dirty="0">
+                  <a:effectLst/>
+                  <a:latin typeface="Calibri" panose="020F0502020204030204" pitchFamily="34" charset="0"/>
+                  <a:ea typeface="Calibri" panose="020F0502020204030204" pitchFamily="34" charset="0"/>
+                </a:endParaRPr>
+              </a:p>
+            </p:txBody>
+          </p:sp>
+        </mc:Choice>
+        <mc:Fallback>
+          <p:sp>
+            <p:nvSpPr>
+              <p:cNvPr id="4" name="TextBox 3">
+                <a:extLst>
+                  <a:ext uri="{FF2B5EF4-FFF2-40B4-BE49-F238E27FC236}">
+                    <a16:creationId xmlns:a16="http://schemas.microsoft.com/office/drawing/2014/main" id="{826472D5-C64A-F9FF-5AFD-2F71DA8E954D}"/>
+                  </a:ext>
+                </a:extLst>
+              </p:cNvPr>
+              <p:cNvSpPr txBox="1">
+                <a:spLocks noRot="1" noChangeAspect="1" noMove="1" noResize="1" noEditPoints="1" noAdjustHandles="1" noChangeArrowheads="1" noChangeShapeType="1" noTextEdit="1"/>
+              </p:cNvSpPr>
+              <p:nvPr/>
+            </p:nvSpPr>
+            <p:spPr>
+              <a:xfrm>
+                <a:off x="1195002" y="2039517"/>
+                <a:ext cx="9801996" cy="1389483"/>
+              </a:xfrm>
+              <a:prstGeom prst="rect">
+                <a:avLst/>
+              </a:prstGeom>
+              <a:blipFill>
+                <a:blip r:embed="rId4"/>
+                <a:stretch>
+                  <a:fillRect l="-1943" r="-1036" b="-7207"/>
+                </a:stretch>
+              </a:blipFill>
+            </p:spPr>
+            <p:txBody>
+              <a:bodyPr/>
+              <a:lstStyle/>
+              <a:p>
+                <a:r>
+                  <a:rPr lang="en-IL">
+                    <a:noFill/>
+                  </a:rPr>
+                  <a:t> </a:t>
+                </a:r>
+              </a:p>
+            </p:txBody>
+          </p:sp>
+        </mc:Fallback>
+      </mc:AlternateContent>
+    </p:spTree>
+    <p:extLst>
+      <p:ext uri="{BB962C8B-B14F-4D97-AF65-F5344CB8AC3E}">
+        <p14:creationId xmlns:p14="http://schemas.microsoft.com/office/powerpoint/2010/main" val="903170168"/>
+      </p:ext>
+    </p:extLst>
+  </p:cSld>
+  <p:clrMapOvr>
+    <a:masterClrMapping/>
+  </p:clrMapOvr>
+</p:sld>
+</file>
+
+<file path=ppt/slides/slide15.xml><?xml version="1.0" encoding="utf-8"?>
+<p:sld xmlns:a="http://schemas.openxmlformats.org/drawingml/2006/main" xmlns:r="http://schemas.openxmlformats.org/officeDocument/2006/relationships" xmlns:p="http://schemas.openxmlformats.org/presentationml/2006/main">
+  <p:cSld>
+    <p:bg>
+      <p:bgPr>
+        <a:blipFill dpi="0" rotWithShape="1">
+          <a:blip r:embed="rId3">
+            <a:lum/>
+          </a:blip>
+          <a:srcRect/>
+          <a:stretch>
+            <a:fillRect/>
+          </a:stretch>
+        </a:blipFill>
+        <a:effectLst/>
+      </p:bgPr>
+    </p:bg>
+    <p:spTree>
+      <p:nvGrpSpPr>
+        <p:cNvPr id="1" name=""/>
+        <p:cNvGrpSpPr/>
+        <p:nvPr/>
+      </p:nvGrpSpPr>
+      <p:grpSpPr>
+        <a:xfrm>
+          <a:off x="0" y="0"/>
+          <a:ext cx="0" cy="0"/>
+          <a:chOff x="0" y="0"/>
+          <a:chExt cx="0" cy="0"/>
+        </a:xfrm>
+      </p:grpSpPr>
+      <p:sp>
+        <p:nvSpPr>
+          <p:cNvPr id="2" name="TextBox 1">
+            <a:extLst>
+              <a:ext uri="{FF2B5EF4-FFF2-40B4-BE49-F238E27FC236}">
+                <a16:creationId xmlns:a16="http://schemas.microsoft.com/office/drawing/2014/main" id="{78B5EC2F-3CF0-A40A-ED3F-7164DDC74817}"/>
+              </a:ext>
+            </a:extLst>
+          </p:cNvPr>
+          <p:cNvSpPr txBox="1"/>
+          <p:nvPr/>
+        </p:nvSpPr>
+        <p:spPr>
+          <a:xfrm>
+            <a:off x="2730843" y="414372"/>
+            <a:ext cx="8718241" cy="1384995"/>
+          </a:xfrm>
+          <a:prstGeom prst="rect">
+            <a:avLst/>
+          </a:prstGeom>
+          <a:noFill/>
+        </p:spPr>
+        <p:txBody>
+          <a:bodyPr wrap="square" rtlCol="1">
+            <a:spAutoFit/>
+          </a:bodyPr>
+          <a:lstStyle/>
+          <a:p>
+            <a:pPr fontAlgn="base">
+              <a:spcBef>
+                <a:spcPct val="0"/>
+              </a:spcBef>
+              <a:spcAft>
+                <a:spcPct val="0"/>
+              </a:spcAft>
+              <a:defRPr/>
+            </a:pPr>
+            <a:r>
+              <a:rPr lang="he-IL" sz="4200" b="1" kern="0" dirty="0">
+                <a:solidFill>
+                  <a:srgbClr val="006633"/>
+                </a:solidFill>
+                <a:latin typeface="Garamond"/>
+                <a:ea typeface="+mj-ea"/>
+                <a:cs typeface="Arial"/>
+              </a:rPr>
+              <a:t>פתרון שאלה</a:t>
+            </a:r>
+            <a:r>
+              <a:rPr lang="ru-RU" sz="4200" b="1" kern="0" dirty="0">
+                <a:solidFill>
+                  <a:srgbClr val="006633"/>
+                </a:solidFill>
+                <a:latin typeface="Garamond"/>
+                <a:ea typeface="+mj-ea"/>
+                <a:cs typeface="Arial"/>
+              </a:rPr>
+              <a:t> </a:t>
+            </a:r>
+            <a:r>
+              <a:rPr lang="he-IL" sz="4200" b="1" kern="0" dirty="0">
+                <a:solidFill>
+                  <a:srgbClr val="006633"/>
+                </a:solidFill>
+                <a:latin typeface="Garamond"/>
+                <a:ea typeface="+mj-ea"/>
+                <a:cs typeface="Arial"/>
+              </a:rPr>
+              <a:t> 3 (מעוד א 5.02.2019)</a:t>
+            </a:r>
+            <a:endParaRPr lang="en-IL" sz="4200" b="1" kern="0" dirty="0">
+              <a:solidFill>
+                <a:srgbClr val="006633"/>
+              </a:solidFill>
+              <a:latin typeface="Garamond"/>
+              <a:ea typeface="+mj-ea"/>
+              <a:cs typeface="Arial"/>
+            </a:endParaRPr>
+          </a:p>
+          <a:p>
+            <a:pPr algn="r" fontAlgn="base">
+              <a:spcBef>
+                <a:spcPct val="0"/>
+              </a:spcBef>
+              <a:spcAft>
+                <a:spcPct val="0"/>
+              </a:spcAft>
+              <a:defRPr/>
+            </a:pPr>
+            <a:endParaRPr lang="en-US" sz="4200" b="1" kern="0" dirty="0">
+              <a:solidFill>
+                <a:srgbClr val="006633"/>
+              </a:solidFill>
+              <a:latin typeface="Garamond"/>
+              <a:ea typeface="+mj-ea"/>
+              <a:cs typeface="Arial"/>
+            </a:endParaRPr>
+          </a:p>
+        </p:txBody>
+      </p:sp>
+      <p:pic>
+        <p:nvPicPr>
+          <p:cNvPr id="6" name="image18.png">
+            <a:extLst>
+              <a:ext uri="{FF2B5EF4-FFF2-40B4-BE49-F238E27FC236}">
+                <a16:creationId xmlns:a16="http://schemas.microsoft.com/office/drawing/2014/main" id="{E1D00F9F-543F-97CA-F12B-3FEA1DD76F2D}"/>
+              </a:ext>
+            </a:extLst>
+          </p:cNvPr>
+          <p:cNvPicPr/>
+          <p:nvPr/>
+        </p:nvPicPr>
+        <p:blipFill>
+          <a:blip r:embed="rId4"/>
+          <a:srcRect l="5062" t="60669"/>
+          <a:stretch>
+            <a:fillRect/>
+          </a:stretch>
+        </p:blipFill>
+        <p:spPr>
+          <a:xfrm>
+            <a:off x="1992192" y="1962649"/>
+            <a:ext cx="8718241" cy="1459135"/>
+          </a:xfrm>
+          <a:prstGeom prst="rect">
+            <a:avLst/>
+          </a:prstGeom>
+          <a:ln/>
+        </p:spPr>
+      </p:pic>
+    </p:spTree>
+    <p:extLst>
+      <p:ext uri="{BB962C8B-B14F-4D97-AF65-F5344CB8AC3E}">
+        <p14:creationId xmlns:p14="http://schemas.microsoft.com/office/powerpoint/2010/main" val="2824082693"/>
+      </p:ext>
+    </p:extLst>
+  </p:cSld>
+  <p:clrMapOvr>
+    <a:masterClrMapping/>
+  </p:clrMapOvr>
+</p:sld>
+</file>
+
+<file path=ppt/slides/slide16.xml><?xml version="1.0" encoding="utf-8"?>
+<p:sld xmlns:a="http://schemas.openxmlformats.org/drawingml/2006/main" xmlns:r="http://schemas.openxmlformats.org/officeDocument/2006/relationships" xmlns:p="http://schemas.openxmlformats.org/presentationml/2006/main">
+  <p:cSld>
+    <p:bg>
+      <p:bgPr>
+        <a:blipFill dpi="0" rotWithShape="1">
+          <a:blip r:embed="rId3">
+            <a:lum/>
+          </a:blip>
+          <a:srcRect/>
+          <a:stretch>
+            <a:fillRect/>
+          </a:stretch>
+        </a:blipFill>
+        <a:effectLst/>
+      </p:bgPr>
+    </p:bg>
+    <p:spTree>
+      <p:nvGrpSpPr>
+        <p:cNvPr id="1" name=""/>
+        <p:cNvGrpSpPr/>
+        <p:nvPr/>
+      </p:nvGrpSpPr>
+      <p:grpSpPr>
+        <a:xfrm>
+          <a:off x="0" y="0"/>
+          <a:ext cx="0" cy="0"/>
+          <a:chOff x="0" y="0"/>
+          <a:chExt cx="0" cy="0"/>
+        </a:xfrm>
+      </p:grpSpPr>
+      <p:sp>
+        <p:nvSpPr>
+          <p:cNvPr id="2" name="TextBox 1">
+            <a:extLst>
+              <a:ext uri="{FF2B5EF4-FFF2-40B4-BE49-F238E27FC236}">
+                <a16:creationId xmlns:a16="http://schemas.microsoft.com/office/drawing/2014/main" id="{78B5EC2F-3CF0-A40A-ED3F-7164DDC74817}"/>
+              </a:ext>
+            </a:extLst>
+          </p:cNvPr>
+          <p:cNvSpPr txBox="1"/>
+          <p:nvPr/>
+        </p:nvSpPr>
+        <p:spPr>
+          <a:xfrm>
+            <a:off x="2730843" y="414372"/>
+            <a:ext cx="8718241" cy="1384995"/>
+          </a:xfrm>
+          <a:prstGeom prst="rect">
+            <a:avLst/>
+          </a:prstGeom>
+          <a:noFill/>
+        </p:spPr>
+        <p:txBody>
+          <a:bodyPr wrap="square" rtlCol="1">
+            <a:spAutoFit/>
+          </a:bodyPr>
+          <a:lstStyle/>
+          <a:p>
+            <a:pPr fontAlgn="base">
+              <a:spcBef>
+                <a:spcPct val="0"/>
+              </a:spcBef>
+              <a:spcAft>
+                <a:spcPct val="0"/>
+              </a:spcAft>
+              <a:defRPr/>
+            </a:pPr>
+            <a:r>
+              <a:rPr lang="he-IL" sz="4200" b="1" kern="0" dirty="0">
+                <a:solidFill>
+                  <a:srgbClr val="006633"/>
+                </a:solidFill>
+                <a:latin typeface="Garamond"/>
+                <a:ea typeface="+mj-ea"/>
+                <a:cs typeface="Arial"/>
+              </a:rPr>
+              <a:t>שאלה</a:t>
+            </a:r>
+            <a:r>
+              <a:rPr lang="ru-RU" sz="4200" b="1" kern="0" dirty="0">
+                <a:solidFill>
+                  <a:srgbClr val="006633"/>
+                </a:solidFill>
+                <a:latin typeface="Garamond"/>
+                <a:ea typeface="+mj-ea"/>
+                <a:cs typeface="Arial"/>
+              </a:rPr>
+              <a:t> </a:t>
+            </a:r>
+            <a:r>
+              <a:rPr lang="he-IL" sz="4200" b="1" kern="0" dirty="0">
+                <a:solidFill>
+                  <a:srgbClr val="006633"/>
+                </a:solidFill>
+                <a:latin typeface="Garamond"/>
+                <a:ea typeface="+mj-ea"/>
+                <a:cs typeface="Arial"/>
+              </a:rPr>
+              <a:t> </a:t>
+            </a:r>
+            <a:r>
+              <a:rPr lang="en-US" sz="4200" b="1" kern="0" dirty="0">
+                <a:solidFill>
+                  <a:srgbClr val="006633"/>
+                </a:solidFill>
+                <a:latin typeface="Garamond"/>
+                <a:ea typeface="+mj-ea"/>
+                <a:cs typeface="Arial"/>
+              </a:rPr>
+              <a:t>4</a:t>
+            </a:r>
+            <a:r>
+              <a:rPr lang="he-IL" sz="4200" b="1" kern="0" dirty="0">
+                <a:solidFill>
+                  <a:srgbClr val="006633"/>
+                </a:solidFill>
+                <a:latin typeface="Garamond"/>
+                <a:ea typeface="+mj-ea"/>
+                <a:cs typeface="Arial"/>
+              </a:rPr>
+              <a:t> (מעוד א 5.02.2019)</a:t>
+            </a:r>
+            <a:endParaRPr lang="en-IL" sz="4200" b="1" kern="0" dirty="0">
+              <a:solidFill>
+                <a:srgbClr val="006633"/>
+              </a:solidFill>
+              <a:latin typeface="Garamond"/>
+              <a:ea typeface="+mj-ea"/>
+              <a:cs typeface="Arial"/>
+            </a:endParaRPr>
+          </a:p>
+          <a:p>
+            <a:pPr algn="r" fontAlgn="base">
+              <a:spcBef>
+                <a:spcPct val="0"/>
+              </a:spcBef>
+              <a:spcAft>
+                <a:spcPct val="0"/>
+              </a:spcAft>
+              <a:defRPr/>
+            </a:pPr>
+            <a:endParaRPr lang="en-US" sz="4200" b="1" kern="0" dirty="0">
+              <a:solidFill>
+                <a:srgbClr val="006633"/>
+              </a:solidFill>
+              <a:latin typeface="Garamond"/>
+              <a:ea typeface="+mj-ea"/>
+              <a:cs typeface="Arial"/>
+            </a:endParaRPr>
+          </a:p>
+        </p:txBody>
+      </p:sp>
+      <p:sp>
+        <p:nvSpPr>
+          <p:cNvPr id="4" name="TextBox 3">
+            <a:extLst>
+              <a:ext uri="{FF2B5EF4-FFF2-40B4-BE49-F238E27FC236}">
+                <a16:creationId xmlns:a16="http://schemas.microsoft.com/office/drawing/2014/main" id="{826472D5-C64A-F9FF-5AFD-2F71DA8E954D}"/>
+              </a:ext>
+            </a:extLst>
+          </p:cNvPr>
+          <p:cNvSpPr txBox="1"/>
+          <p:nvPr/>
+        </p:nvSpPr>
+        <p:spPr>
+          <a:xfrm>
+            <a:off x="1099752" y="1632979"/>
+            <a:ext cx="9801996" cy="1200329"/>
+          </a:xfrm>
+          <a:prstGeom prst="rect">
+            <a:avLst/>
+          </a:prstGeom>
+          <a:noFill/>
+        </p:spPr>
+        <p:txBody>
+          <a:bodyPr wrap="square">
+            <a:spAutoFit/>
+          </a:bodyPr>
+          <a:lstStyle/>
+          <a:p>
+            <a:r>
+              <a:rPr lang="he-IL" sz="2400" dirty="0"/>
+              <a:t>נתונה ערימה מינימום הממומשת על ידי מערך. כל האיברים </a:t>
+            </a:r>
+            <a:r>
+              <a:rPr lang="he-IL" sz="2400" dirty="0" err="1"/>
+              <a:t>בערימה</a:t>
+            </a:r>
+            <a:r>
+              <a:rPr lang="he-IL" sz="2400" dirty="0"/>
+              <a:t> שונים זה מזה. נניח שלכל קודקוד </a:t>
+            </a:r>
+            <a:r>
+              <a:rPr lang="he-IL" sz="2400" dirty="0" err="1"/>
+              <a:t>בערימה</a:t>
+            </a:r>
+            <a:r>
+              <a:rPr lang="he-IL" sz="2400" dirty="0"/>
+              <a:t>, בנו השמאלי קטן מבנו הימני. האם המערך בהכרח ממוין? (תנו תשובה בעזרת דוגמה).</a:t>
+            </a:r>
+            <a:endParaRPr lang="en-IL" sz="2400" dirty="0"/>
+          </a:p>
+        </p:txBody>
+      </p:sp>
+    </p:spTree>
+    <p:extLst>
+      <p:ext uri="{BB962C8B-B14F-4D97-AF65-F5344CB8AC3E}">
+        <p14:creationId xmlns:p14="http://schemas.microsoft.com/office/powerpoint/2010/main" val="1692231316"/>
+      </p:ext>
+    </p:extLst>
+  </p:cSld>
+  <p:clrMapOvr>
+    <a:masterClrMapping/>
+  </p:clrMapOvr>
+</p:sld>
+</file>
+
+<file path=ppt/slides/slide17.xml><?xml version="1.0" encoding="utf-8"?>
+<p:sld xmlns:a="http://schemas.openxmlformats.org/drawingml/2006/main" xmlns:r="http://schemas.openxmlformats.org/officeDocument/2006/relationships" xmlns:p="http://schemas.openxmlformats.org/presentationml/2006/main">
+  <p:cSld>
+    <p:bg>
+      <p:bgPr>
+        <a:blipFill dpi="0" rotWithShape="1">
+          <a:blip r:embed="rId3">
+            <a:lum/>
+          </a:blip>
+          <a:srcRect/>
+          <a:stretch>
+            <a:fillRect/>
+          </a:stretch>
+        </a:blipFill>
+        <a:effectLst/>
+      </p:bgPr>
+    </p:bg>
+    <p:spTree>
+      <p:nvGrpSpPr>
+        <p:cNvPr id="1" name=""/>
+        <p:cNvGrpSpPr/>
+        <p:nvPr/>
+      </p:nvGrpSpPr>
+      <p:grpSpPr>
+        <a:xfrm>
+          <a:off x="0" y="0"/>
+          <a:ext cx="0" cy="0"/>
+          <a:chOff x="0" y="0"/>
+          <a:chExt cx="0" cy="0"/>
+        </a:xfrm>
+      </p:grpSpPr>
+      <p:sp>
+        <p:nvSpPr>
+          <p:cNvPr id="2" name="TextBox 1">
+            <a:extLst>
+              <a:ext uri="{FF2B5EF4-FFF2-40B4-BE49-F238E27FC236}">
+                <a16:creationId xmlns:a16="http://schemas.microsoft.com/office/drawing/2014/main" id="{78B5EC2F-3CF0-A40A-ED3F-7164DDC74817}"/>
+              </a:ext>
+            </a:extLst>
+          </p:cNvPr>
+          <p:cNvSpPr txBox="1"/>
+          <p:nvPr/>
+        </p:nvSpPr>
+        <p:spPr>
+          <a:xfrm>
+            <a:off x="2730843" y="414372"/>
+            <a:ext cx="8718241" cy="1384995"/>
+          </a:xfrm>
+          <a:prstGeom prst="rect">
+            <a:avLst/>
+          </a:prstGeom>
+          <a:noFill/>
+        </p:spPr>
+        <p:txBody>
+          <a:bodyPr wrap="square" rtlCol="1">
+            <a:spAutoFit/>
+          </a:bodyPr>
+          <a:lstStyle/>
+          <a:p>
+            <a:pPr fontAlgn="base">
+              <a:spcBef>
+                <a:spcPct val="0"/>
+              </a:spcBef>
+              <a:spcAft>
+                <a:spcPct val="0"/>
+              </a:spcAft>
+              <a:defRPr/>
+            </a:pPr>
+            <a:r>
+              <a:rPr lang="he-IL" sz="4200" b="1" kern="0" dirty="0">
+                <a:solidFill>
+                  <a:srgbClr val="006633"/>
+                </a:solidFill>
+                <a:latin typeface="Garamond"/>
+                <a:ea typeface="+mj-ea"/>
+                <a:cs typeface="Arial"/>
+              </a:rPr>
+              <a:t>פתרון שאלה</a:t>
+            </a:r>
+            <a:r>
+              <a:rPr lang="ru-RU" sz="4200" b="1" kern="0" dirty="0">
+                <a:solidFill>
+                  <a:srgbClr val="006633"/>
+                </a:solidFill>
+                <a:latin typeface="Garamond"/>
+                <a:ea typeface="+mj-ea"/>
+                <a:cs typeface="Arial"/>
+              </a:rPr>
+              <a:t> </a:t>
+            </a:r>
+            <a:r>
+              <a:rPr lang="he-IL" sz="4200" b="1" kern="0" dirty="0">
+                <a:solidFill>
+                  <a:srgbClr val="006633"/>
+                </a:solidFill>
+                <a:latin typeface="Garamond"/>
+                <a:ea typeface="+mj-ea"/>
+                <a:cs typeface="Arial"/>
+              </a:rPr>
+              <a:t> </a:t>
+            </a:r>
+            <a:r>
+              <a:rPr lang="en-US" sz="4200" b="1" kern="0" dirty="0">
+                <a:solidFill>
+                  <a:srgbClr val="006633"/>
+                </a:solidFill>
+                <a:latin typeface="Garamond"/>
+                <a:ea typeface="+mj-ea"/>
+                <a:cs typeface="Arial"/>
+              </a:rPr>
+              <a:t>4</a:t>
+            </a:r>
+            <a:r>
+              <a:rPr lang="he-IL" sz="4200" b="1" kern="0" dirty="0">
+                <a:solidFill>
+                  <a:srgbClr val="006633"/>
+                </a:solidFill>
+                <a:latin typeface="Garamond"/>
+                <a:ea typeface="+mj-ea"/>
+                <a:cs typeface="Arial"/>
+              </a:rPr>
+              <a:t> (מעוד א 5.02.2019)</a:t>
+            </a:r>
+            <a:endParaRPr lang="en-IL" sz="4200" b="1" kern="0" dirty="0">
+              <a:solidFill>
+                <a:srgbClr val="006633"/>
+              </a:solidFill>
+              <a:latin typeface="Garamond"/>
+              <a:ea typeface="+mj-ea"/>
+              <a:cs typeface="Arial"/>
+            </a:endParaRPr>
+          </a:p>
+          <a:p>
+            <a:pPr algn="r" fontAlgn="base">
+              <a:spcBef>
+                <a:spcPct val="0"/>
+              </a:spcBef>
+              <a:spcAft>
+                <a:spcPct val="0"/>
+              </a:spcAft>
+              <a:defRPr/>
+            </a:pPr>
+            <a:endParaRPr lang="en-US" sz="4200" b="1" kern="0" dirty="0">
+              <a:solidFill>
+                <a:srgbClr val="006633"/>
+              </a:solidFill>
+              <a:latin typeface="Garamond"/>
+              <a:ea typeface="+mj-ea"/>
+              <a:cs typeface="Arial"/>
+            </a:endParaRPr>
+          </a:p>
+        </p:txBody>
+      </p:sp>
+      <p:pic>
+        <p:nvPicPr>
+          <p:cNvPr id="3" name="image20.png">
+            <a:extLst>
+              <a:ext uri="{FF2B5EF4-FFF2-40B4-BE49-F238E27FC236}">
+                <a16:creationId xmlns:a16="http://schemas.microsoft.com/office/drawing/2014/main" id="{3FE66B38-054C-3054-4FA7-99B5B0399F00}"/>
+              </a:ext>
+            </a:extLst>
+          </p:cNvPr>
+          <p:cNvPicPr/>
+          <p:nvPr/>
+        </p:nvPicPr>
+        <p:blipFill>
+          <a:blip r:embed="rId4"/>
+          <a:srcRect l="29687" t="42351" r="31368" b="6882"/>
+          <a:stretch>
+            <a:fillRect/>
+          </a:stretch>
+        </p:blipFill>
+        <p:spPr>
+          <a:xfrm>
+            <a:off x="1312862" y="1799367"/>
+            <a:ext cx="6385397" cy="3837219"/>
+          </a:xfrm>
+          <a:prstGeom prst="rect">
+            <a:avLst/>
+          </a:prstGeom>
+          <a:ln/>
+        </p:spPr>
+      </p:pic>
+      <p:sp>
+        <p:nvSpPr>
+          <p:cNvPr id="6" name="TextBox 5">
+            <a:extLst>
+              <a:ext uri="{FF2B5EF4-FFF2-40B4-BE49-F238E27FC236}">
+                <a16:creationId xmlns:a16="http://schemas.microsoft.com/office/drawing/2014/main" id="{3235A2BF-4D64-16F2-4911-3C4719B84611}"/>
+              </a:ext>
+            </a:extLst>
+          </p:cNvPr>
+          <p:cNvSpPr txBox="1"/>
+          <p:nvPr/>
+        </p:nvSpPr>
+        <p:spPr>
+          <a:xfrm>
+            <a:off x="7889789" y="1831718"/>
+            <a:ext cx="3367764" cy="467629"/>
+          </a:xfrm>
+          <a:prstGeom prst="rect">
+            <a:avLst/>
+          </a:prstGeom>
+          <a:noFill/>
+        </p:spPr>
+        <p:txBody>
+          <a:bodyPr wrap="square">
+            <a:spAutoFit/>
+          </a:bodyPr>
+          <a:lstStyle/>
+          <a:p>
+            <a:pPr algn="r" rtl="1">
+              <a:lnSpc>
+                <a:spcPct val="107000"/>
+              </a:lnSpc>
+              <a:spcAft>
+                <a:spcPts val="800"/>
+              </a:spcAft>
+            </a:pPr>
+            <a:r>
+              <a:rPr lang="he-IL" sz="2400" u="sng" dirty="0">
+                <a:effectLst/>
+                <a:latin typeface="Calibri" panose="020F0502020204030204" pitchFamily="34" charset="0"/>
+                <a:ea typeface="Calibri" panose="020F0502020204030204" pitchFamily="34" charset="0"/>
+              </a:rPr>
+              <a:t>פתרון:</a:t>
+            </a:r>
+            <a:r>
+              <a:rPr lang="he-IL" sz="2400" dirty="0">
+                <a:effectLst/>
+                <a:latin typeface="Calibri" panose="020F0502020204030204" pitchFamily="34" charset="0"/>
+                <a:ea typeface="Calibri" panose="020F0502020204030204" pitchFamily="34" charset="0"/>
+              </a:rPr>
+              <a:t> </a:t>
+            </a:r>
+            <a:r>
+              <a:rPr lang="he-IL" sz="2400" dirty="0">
+                <a:effectLst/>
+                <a:highlight>
+                  <a:srgbClr val="FFFF00"/>
+                </a:highlight>
+                <a:latin typeface="Calibri" panose="020F0502020204030204" pitchFamily="34" charset="0"/>
+                <a:ea typeface="Calibri" panose="020F0502020204030204" pitchFamily="34" charset="0"/>
+              </a:rPr>
+              <a:t>המערך לא ממוין</a:t>
+            </a:r>
+            <a:endParaRPr lang="en-IL" dirty="0">
+              <a:effectLst/>
+              <a:latin typeface="Calibri" panose="020F0502020204030204" pitchFamily="34" charset="0"/>
+              <a:ea typeface="Calibri" panose="020F0502020204030204" pitchFamily="34" charset="0"/>
+            </a:endParaRPr>
+          </a:p>
+        </p:txBody>
+      </p:sp>
+    </p:spTree>
+    <p:extLst>
+      <p:ext uri="{BB962C8B-B14F-4D97-AF65-F5344CB8AC3E}">
+        <p14:creationId xmlns:p14="http://schemas.microsoft.com/office/powerpoint/2010/main" val="2020471944"/>
+      </p:ext>
+    </p:extLst>
+  </p:cSld>
+  <p:clrMapOvr>
+    <a:masterClrMapping/>
+  </p:clrMapOvr>
+</p:sld>
+</file>
+
+<file path=ppt/slides/slide18.xml><?xml version="1.0" encoding="utf-8"?>
+<p:sld xmlns:a="http://schemas.openxmlformats.org/drawingml/2006/main" xmlns:r="http://schemas.openxmlformats.org/officeDocument/2006/relationships" xmlns:p="http://schemas.openxmlformats.org/presentationml/2006/main">
+  <p:cSld>
+    <p:bg>
+      <p:bgPr>
+        <a:blipFill dpi="0" rotWithShape="1">
+          <a:blip r:embed="rId2">
+            <a:lum/>
+          </a:blip>
+          <a:srcRect/>
+          <a:stretch>
+            <a:fillRect/>
+          </a:stretch>
+        </a:blipFill>
+        <a:effectLst/>
+      </p:bgPr>
+    </p:bg>
+    <p:spTree>
+      <p:nvGrpSpPr>
+        <p:cNvPr id="1" name=""/>
+        <p:cNvGrpSpPr/>
+        <p:nvPr/>
+      </p:nvGrpSpPr>
+      <p:grpSpPr>
+        <a:xfrm>
+          <a:off x="0" y="0"/>
+          <a:ext cx="0" cy="0"/>
+          <a:chOff x="0" y="0"/>
+          <a:chExt cx="0" cy="0"/>
+        </a:xfrm>
+      </p:grpSpPr>
+    </p:spTree>
+    <p:extLst>
+      <p:ext uri="{BB962C8B-B14F-4D97-AF65-F5344CB8AC3E}">
+        <p14:creationId xmlns:p14="http://schemas.microsoft.com/office/powerpoint/2010/main" val="2099069144"/>
       </p:ext>
     </p:extLst>
   </p:cSld>
@@ -4185,15 +8453,6 @@
               </a:rPr>
               <a:t>Heap</a:t>
             </a:r>
-            <a:endParaRPr lang="en-US" sz="3200" u="sng" dirty="0">
-              <a:solidFill>
-                <a:schemeClr val="accent6">
-                  <a:lumMod val="50000"/>
-                </a:schemeClr>
-              </a:solidFill>
-              <a:latin typeface="Calibri" panose="020F0502020204030204" pitchFamily="34" charset="0"/>
-              <a:ea typeface="Calibri" panose="020F0502020204030204" pitchFamily="34" charset="0"/>
-            </a:endParaRPr>
           </a:p>
         </p:txBody>
       </p:sp>
@@ -4206,7 +8465,7 @@
         <p:spPr>
           <a:xfrm>
             <a:off x="914400" y="1427984"/>
-            <a:ext cx="10168128" cy="1483035"/>
+            <a:ext cx="10168128" cy="1858329"/>
           </a:xfrm>
           <a:prstGeom prst="rect">
             <a:avLst/>
@@ -4238,7 +8497,7 @@
                 <a:latin typeface="Calibri" panose="020F0502020204030204" pitchFamily="34" charset="0"/>
                 <a:ea typeface="Calibri" panose="020F0502020204030204" pitchFamily="34" charset="0"/>
               </a:rPr>
-              <a:t>  - עץ בינארי מלא אשר אלמנטים שנמצאים בו מקיימים את תכונה הבאה: </a:t>
+              <a:t>  - (בינארית) הוא עצם מטיפוס מערך, שניתן לראותו כ שלם. עץ בינארי לכל צומת בעץ מתאים איבר במערך שבו מאוחסן הערך שמכיל הצומת.</a:t>
             </a:r>
             <a:endParaRPr lang="en-US" sz="2400" dirty="0">
               <a:latin typeface="Calibri" panose="020F0502020204030204" pitchFamily="34" charset="0"/>
@@ -4261,7 +8520,7 @@
                 <a:ea typeface="Calibri" panose="020F0502020204030204" pitchFamily="34" charset="0"/>
                 <a:cs typeface="Arial" panose="020B0604020202020204" pitchFamily="34" charset="0"/>
               </a:rPr>
-              <a:t>Max Heap (Max Tree) </a:t>
+              <a:t> Max Heap</a:t>
             </a:r>
             <a:r>
               <a:rPr lang="he-IL" sz="2400" dirty="0">
@@ -4291,14 +8550,14 @@
                 <a:ea typeface="Calibri" panose="020F0502020204030204" pitchFamily="34" charset="0"/>
                 <a:cs typeface="Arial" panose="020B0604020202020204" pitchFamily="34" charset="0"/>
               </a:rPr>
-              <a:t>Min Heap (Min Tree)</a:t>
+              <a:t> Min Heap </a:t>
             </a:r>
             <a:r>
               <a:rPr lang="he-IL" sz="2400" dirty="0">
                 <a:latin typeface="Calibri" panose="020F0502020204030204" pitchFamily="34" charset="0"/>
                 <a:ea typeface="Calibri" panose="020F0502020204030204" pitchFamily="34" charset="0"/>
               </a:rPr>
-              <a:t> - כל מסלול מהשורש אל העלה הוא אינו יורד.</a:t>
+              <a:t>– כל מסלול מהשורש אל העלה הוא אינו יורד.</a:t>
             </a:r>
             <a:endParaRPr lang="en-US" sz="2400" dirty="0">
               <a:effectLst/>
@@ -4379,13 +8638,6 @@
   <p:clrMapOvr>
     <a:masterClrMapping/>
   </p:clrMapOvr>
-  <p:timing>
-    <p:tnLst>
-      <p:par>
-        <p:cTn id="1" dur="indefinite" restart="never" nodeType="tmRoot"/>
-      </p:par>
-    </p:tnLst>
-  </p:timing>
 </p:sld>
 </file>
 
@@ -4472,7 +8724,7 @@
         </p:nvGraphicFramePr>
         <p:xfrm>
           <a:off x="4023362" y="4874273"/>
-          <a:ext cx="7723630" cy="554482"/>
+          <a:ext cx="7723630" cy="529972"/>
         </p:xfrm>
         <a:graphic>
           <a:graphicData uri="http://schemas.openxmlformats.org/drawingml/2006/table">
@@ -5375,7 +9627,7 @@
               </a:spcAft>
             </a:pPr>
             <a:r>
-              <a:rPr lang="he-IL" sz="4200" b="1" kern="0" dirty="0" smtClean="0">
+              <a:rPr lang="he-IL" sz="4200" b="1" kern="0" dirty="0">
                 <a:solidFill>
                   <a:srgbClr val="006633"/>
                 </a:solidFill>
@@ -5424,21 +9676,21 @@
               </a:spcAft>
             </a:pPr>
             <a:r>
-              <a:rPr lang="he-IL" sz="2400" b="1" dirty="0" smtClean="0">
+              <a:rPr lang="he-IL" sz="2400" b="1" dirty="0">
                 <a:latin typeface="Calibri" panose="020F0502020204030204" pitchFamily="34" charset="0"/>
                 <a:ea typeface="Calibri" panose="020F0502020204030204" pitchFamily="34" charset="0"/>
               </a:rPr>
               <a:t>כל עץ </a:t>
             </a:r>
             <a:r>
-              <a:rPr lang="he-IL" sz="2400" b="1" dirty="0" err="1" smtClean="0">
+              <a:rPr lang="he-IL" sz="2400" b="1" dirty="0" err="1">
                 <a:latin typeface="Calibri" panose="020F0502020204030204" pitchFamily="34" charset="0"/>
                 <a:ea typeface="Calibri" panose="020F0502020204030204" pitchFamily="34" charset="0"/>
               </a:rPr>
               <a:t>בינראי</a:t>
             </a:r>
             <a:r>
-              <a:rPr lang="he-IL" sz="2400" b="1" dirty="0" smtClean="0">
+              <a:rPr lang="he-IL" sz="2400" b="1" dirty="0">
                 <a:latin typeface="Calibri" panose="020F0502020204030204" pitchFamily="34" charset="0"/>
                 <a:ea typeface="Calibri" panose="020F0502020204030204" pitchFamily="34" charset="0"/>
               </a:rPr>
@@ -5463,8 +9715,8 @@
             </p:nvSpPr>
             <p:spPr>
               <a:xfrm>
-                <a:off x="315567" y="1856502"/>
-                <a:ext cx="5915210" cy="582788"/>
+                <a:off x="230608" y="1856502"/>
+                <a:ext cx="6000169" cy="582788"/>
               </a:xfrm>
               <a:prstGeom prst="rect">
                 <a:avLst/>
@@ -5513,7 +9765,7 @@
                         <m:begChr m:val="⌊"/>
                         <m:endChr m:val="⌋"/>
                         <m:ctrlPr>
-                          <a:rPr lang="en-US" sz="2000" i="1">
+                          <a:rPr lang="en-US" sz="2000" i="1" smtClean="0">
                             <a:latin typeface="Cambria Math" panose="02040503050406030204" pitchFamily="18" charset="0"/>
                             <a:ea typeface="Calibri" panose="020F0502020204030204" pitchFamily="34" charset="0"/>
                             <a:cs typeface="Arial" panose="020B0604020202020204" pitchFamily="34" charset="0"/>
@@ -5557,15 +9809,55 @@
                   </m:oMath>
                 </a14:m>
                 <a:r>
+                  <a:rPr lang="he-IL" sz="2000" dirty="0">
+                    <a:latin typeface="Calibri" panose="020F0502020204030204" pitchFamily="34" charset="0"/>
+                    <a:ea typeface="Calibri" panose="020F0502020204030204" pitchFamily="34" charset="0"/>
+                  </a:rPr>
+                  <a:t> </a:t>
+                </a:r>
+                <a:r>
                   <a:rPr lang="en-US" sz="2000" dirty="0">
+                    <a:solidFill>
+                      <a:srgbClr val="FF0000"/>
+                    </a:solidFill>
+                    <a:latin typeface="Calibri" panose="020F0502020204030204" pitchFamily="34" charset="0"/>
+                    <a:ea typeface="Calibri" panose="020F0502020204030204" pitchFamily="34" charset="0"/>
+                  </a:rPr>
+                  <a:t>)</a:t>
+                </a:r>
+                <a:r>
+                  <a:rPr lang="he-IL" sz="2000" dirty="0">
+                    <a:latin typeface="Calibri" panose="020F0502020204030204" pitchFamily="34" charset="0"/>
+                    <a:ea typeface="Calibri" panose="020F0502020204030204" pitchFamily="34" charset="0"/>
+                  </a:rPr>
+                  <a:t> </a:t>
+                </a:r>
+                <a:r>
+                  <a:rPr lang="en-US" sz="2000" dirty="0">
+                    <a:solidFill>
+                      <a:srgbClr val="FF0000"/>
+                    </a:solidFill>
                     <a:latin typeface="Arial" panose="020B0604020202020204" pitchFamily="34" charset="0"/>
                     <a:ea typeface="Times New Roman" panose="02020603050405020304" pitchFamily="18" charset="0"/>
                     <a:cs typeface="Arial" panose="020B0604020202020204" pitchFamily="34" charset="0"/>
                   </a:rPr>
-                  <a:t> </a:t>
+                  <a:t>i=5 (60)</a:t>
                 </a:r>
                 <a:r>
                   <a:rPr lang="he-IL" sz="2000" dirty="0">
+                    <a:solidFill>
+                      <a:srgbClr val="FF0000"/>
+                    </a:solidFill>
+                    <a:latin typeface="Calibri" panose="020F0502020204030204" pitchFamily="34" charset="0"/>
+                    <a:ea typeface="Times New Roman" panose="02020603050405020304" pitchFamily="18" charset="0"/>
+                  </a:rPr>
+                  <a:t> , אבא </a:t>
+                </a:r>
+                <a:r>
+                  <a:rPr lang="en-US" sz="2000" dirty="0">
+                    <a:solidFill>
+                      <a:srgbClr val="FF0000"/>
+                    </a:solidFill>
                     <a:latin typeface="Calibri" panose="020F0502020204030204" pitchFamily="34" charset="0"/>
                     <a:ea typeface="Times New Roman" panose="02020603050405020304" pitchFamily="18" charset="0"/>
                   </a:rPr>
@@ -5591,46 +9883,7 @@
                     <a:ea typeface="Times New Roman" panose="02020603050405020304" pitchFamily="18" charset="0"/>
                     <a:cs typeface="Arial" panose="020B0604020202020204" pitchFamily="34" charset="0"/>
                   </a:rPr>
-                  <a:t>=5 (60)</a:t>
-                </a:r>
-                <a:r>
-                  <a:rPr lang="he-IL" sz="2000" dirty="0">
-                    <a:solidFill>
-                      <a:srgbClr val="FF0000"/>
-                    </a:solidFill>
-                    <a:latin typeface="Calibri" panose="020F0502020204030204" pitchFamily="34" charset="0"/>
-                    <a:ea typeface="Times New Roman" panose="02020603050405020304" pitchFamily="18" charset="0"/>
-                  </a:rPr>
-                  <a:t> , אבא </a:t>
-                </a:r>
-                <a:r>
-                  <a:rPr lang="en-US" sz="2000" dirty="0" err="1">
-                    <a:solidFill>
-                      <a:srgbClr val="FF0000"/>
-                    </a:solidFill>
-                    <a:latin typeface="Arial" panose="020B0604020202020204" pitchFamily="34" charset="0"/>
-                    <a:ea typeface="Times New Roman" panose="02020603050405020304" pitchFamily="18" charset="0"/>
-                    <a:cs typeface="Arial" panose="020B0604020202020204" pitchFamily="34" charset="0"/>
-                  </a:rPr>
-                  <a:t>i</a:t>
-                </a:r>
-                <a:r>
-                  <a:rPr lang="en-US" sz="2000" dirty="0">
-                    <a:solidFill>
-                      <a:srgbClr val="FF0000"/>
-                    </a:solidFill>
-                    <a:latin typeface="Arial" panose="020B0604020202020204" pitchFamily="34" charset="0"/>
-                    <a:ea typeface="Times New Roman" panose="02020603050405020304" pitchFamily="18" charset="0"/>
-                    <a:cs typeface="Arial" panose="020B0604020202020204" pitchFamily="34" charset="0"/>
-                  </a:rPr>
                   <a:t>=2 (66)</a:t>
-                </a:r>
-                <a:r>
-                  <a:rPr lang="he-IL" sz="2000" dirty="0">
-                    <a:latin typeface="Calibri" panose="020F0502020204030204" pitchFamily="34" charset="0"/>
-                    <a:ea typeface="Times New Roman" panose="02020603050405020304" pitchFamily="18" charset="0"/>
-                  </a:rPr>
-                  <a:t>)</a:t>
                 </a:r>
                 <a:endParaRPr lang="en-US" sz="1600" dirty="0">
                   <a:effectLst/>
@@ -5653,8 +9906,8 @@
             </p:nvSpPr>
             <p:spPr>
               <a:xfrm>
-                <a:off x="315567" y="1856502"/>
-                <a:ext cx="5915210" cy="582788"/>
+                <a:off x="230608" y="1856502"/>
+                <a:ext cx="6000169" cy="582788"/>
               </a:xfrm>
               <a:prstGeom prst="rect">
                 <a:avLst/>
@@ -5662,7 +9915,7 @@
               <a:blipFill>
                 <a:blip r:embed="rId5"/>
                 <a:stretch>
-                  <a:fillRect l="-206" r="-1031" b="-5263"/>
+                  <a:fillRect r="-1057" b="-6522"/>
                 </a:stretch>
               </a:blipFill>
             </p:spPr>
@@ -5671,7 +9924,7 @@
               <a:lstStyle/>
               <a:p>
                 <a:r>
-                  <a:rPr lang="en-US">
+                  <a:rPr lang="en-IL">
                     <a:noFill/>
                   </a:rPr>
                   <a:t> </a:t>
@@ -5718,7 +9971,7 @@
           <a:p>
             <a:pPr algn="ctr"/>
             <a:r>
-              <a:rPr lang="he-IL" dirty="0" smtClean="0"/>
+              <a:rPr lang="he-IL" dirty="0"/>
               <a:t>1</a:t>
             </a:r>
             <a:endParaRPr lang="en-US" dirty="0"/>
@@ -5762,7 +10015,7 @@
           <a:p>
             <a:pPr algn="ctr"/>
             <a:r>
-              <a:rPr lang="he-IL" dirty="0" smtClean="0"/>
+              <a:rPr lang="he-IL" dirty="0"/>
               <a:t>2</a:t>
             </a:r>
             <a:endParaRPr lang="en-US" dirty="0"/>
@@ -5806,7 +10059,7 @@
           <a:p>
             <a:pPr algn="ctr"/>
             <a:r>
-              <a:rPr lang="he-IL" dirty="0" smtClean="0"/>
+              <a:rPr lang="he-IL" dirty="0"/>
               <a:t>3</a:t>
             </a:r>
             <a:endParaRPr lang="en-US" dirty="0"/>
@@ -5850,10 +10103,9 @@
           <a:p>
             <a:pPr algn="ctr"/>
             <a:r>
-              <a:rPr lang="en-US" dirty="0" smtClean="0"/>
+              <a:rPr lang="en-US" dirty="0"/>
               <a:t>7</a:t>
             </a:r>
-            <a:endParaRPr lang="en-US" dirty="0"/>
           </a:p>
         </p:txBody>
       </p:sp>
@@ -5894,7 +10146,7 @@
           <a:p>
             <a:pPr algn="ctr"/>
             <a:r>
-              <a:rPr lang="he-IL" dirty="0" smtClean="0"/>
+              <a:rPr lang="he-IL" dirty="0"/>
               <a:t>4</a:t>
             </a:r>
             <a:endParaRPr lang="en-US" dirty="0"/>
@@ -5938,7 +10190,7 @@
           <a:p>
             <a:pPr algn="ctr"/>
             <a:r>
-              <a:rPr lang="he-IL" dirty="0" smtClean="0"/>
+              <a:rPr lang="he-IL" dirty="0"/>
               <a:t>5</a:t>
             </a:r>
             <a:endParaRPr lang="en-US" dirty="0"/>
@@ -5982,7 +10234,7 @@
           <a:p>
             <a:pPr algn="ctr"/>
             <a:r>
-              <a:rPr lang="he-IL" dirty="0" smtClean="0"/>
+              <a:rPr lang="he-IL" dirty="0"/>
               <a:t>6</a:t>
             </a:r>
             <a:endParaRPr lang="en-US" dirty="0"/>
@@ -6188,20 +10440,13 @@
             </a:pPr>
             <a:r>
               <a:rPr lang="he-IL" sz="2000" dirty="0">
-                <a:latin typeface="Calibri" panose="020F0502020204030204" pitchFamily="34" charset="0"/>
-                <a:ea typeface="Times New Roman" panose="02020603050405020304" pitchFamily="18" charset="0"/>
-              </a:rPr>
-              <a:t>(</a:t>
-            </a:r>
-            <a:r>
-              <a:rPr lang="he-IL" sz="2000" dirty="0">
                 <a:solidFill>
                   <a:srgbClr val="FF0000"/>
                 </a:solidFill>
                 <a:latin typeface="Calibri" panose="020F0502020204030204" pitchFamily="34" charset="0"/>
                 <a:ea typeface="Times New Roman" panose="02020603050405020304" pitchFamily="18" charset="0"/>
               </a:rPr>
-              <a:t>אבא </a:t>
+              <a:t>(אבא </a:t>
             </a:r>
             <a:r>
               <a:rPr lang="en-US" sz="2000" dirty="0" err="1">
@@ -6291,12 +10536,18 @@
             </a:r>
             <a:r>
               <a:rPr lang="he-IL" sz="2000" dirty="0">
+                <a:solidFill>
+                  <a:srgbClr val="FF0000"/>
+                </a:solidFill>
                 <a:latin typeface="Calibri" panose="020F0502020204030204" pitchFamily="34" charset="0"/>
                 <a:ea typeface="Times New Roman" panose="02020603050405020304" pitchFamily="18" charset="0"/>
               </a:rPr>
               <a:t>)</a:t>
             </a:r>
             <a:endParaRPr lang="en-US" sz="2000" dirty="0">
+              <a:solidFill>
+                <a:srgbClr val="FF0000"/>
+              </a:solidFill>
               <a:effectLst/>
               <a:latin typeface="Calibri" panose="020F0502020204030204" pitchFamily="34" charset="0"/>
               <a:ea typeface="Calibri" panose="020F0502020204030204" pitchFamily="34" charset="0"/>
@@ -6315,17 +10566,802 @@
   <p:clrMapOvr>
     <a:masterClrMapping/>
   </p:clrMapOvr>
-  <p:timing>
-    <p:tnLst>
-      <p:par>
-        <p:cTn id="1" dur="indefinite" restart="never" nodeType="tmRoot"/>
-      </p:par>
-    </p:tnLst>
-  </p:timing>
 </p:sld>
 </file>
 
 <file path=ppt/slides/slide4.xml><?xml version="1.0" encoding="utf-8"?>
+<p:sld xmlns:a="http://schemas.openxmlformats.org/drawingml/2006/main" xmlns:r="http://schemas.openxmlformats.org/officeDocument/2006/relationships" xmlns:p="http://schemas.openxmlformats.org/presentationml/2006/main">
+  <p:cSld>
+    <p:bg>
+      <p:bgPr>
+        <a:blipFill dpi="0" rotWithShape="1">
+          <a:blip r:embed="rId2">
+            <a:lum/>
+          </a:blip>
+          <a:srcRect/>
+          <a:stretch>
+            <a:fillRect/>
+          </a:stretch>
+        </a:blipFill>
+        <a:effectLst/>
+      </p:bgPr>
+    </p:bg>
+    <p:spTree>
+      <p:nvGrpSpPr>
+        <p:cNvPr id="1" name=""/>
+        <p:cNvGrpSpPr/>
+        <p:nvPr/>
+      </p:nvGrpSpPr>
+      <p:grpSpPr>
+        <a:xfrm>
+          <a:off x="0" y="0"/>
+          <a:ext cx="0" cy="0"/>
+          <a:chOff x="0" y="0"/>
+          <a:chExt cx="0" cy="0"/>
+        </a:xfrm>
+      </p:grpSpPr>
+      <p:sp>
+        <p:nvSpPr>
+          <p:cNvPr id="3" name="Rectangle 3">
+            <a:extLst>
+              <a:ext uri="{FF2B5EF4-FFF2-40B4-BE49-F238E27FC236}">
+                <a16:creationId xmlns:a16="http://schemas.microsoft.com/office/drawing/2014/main" id="{5BEB75EE-0B9B-1391-1B55-ADB142E9C6DB}"/>
+              </a:ext>
+            </a:extLst>
+          </p:cNvPr>
+          <p:cNvSpPr>
+            <a:spLocks noGrp="1" noChangeArrowheads="1"/>
+          </p:cNvSpPr>
+          <p:nvPr/>
+        </p:nvSpPr>
+        <p:spPr bwMode="auto">
+          <a:xfrm>
+            <a:off x="2329001" y="322961"/>
+            <a:ext cx="8125121" cy="1139825"/>
+          </a:xfrm>
+          <a:prstGeom prst="rect">
+            <a:avLst/>
+          </a:prstGeom>
+          <a:noFill/>
+          <a:ln>
+            <a:noFill/>
+          </a:ln>
+          <a:effectLst/>
+          <a:extLst>
+            <a:ext uri="{909E8E84-426E-40DD-AFC4-6F175D3DCCD1}">
+              <a14:hiddenFill xmlns:a14="http://schemas.microsoft.com/office/drawing/2010/main">
+                <a:solidFill>
+                  <a:schemeClr val="accent1"/>
+                </a:solidFill>
+              </a14:hiddenFill>
+            </a:ext>
+            <a:ext uri="{91240B29-F687-4F45-9708-019B960494DF}">
+              <a14:hiddenLine xmlns:a14="http://schemas.microsoft.com/office/drawing/2010/main" w="9525">
+                <a:solidFill>
+                  <a:schemeClr val="tx1"/>
+                </a:solidFill>
+                <a:miter lim="800000"/>
+                <a:headEnd/>
+                <a:tailEnd/>
+              </a14:hiddenLine>
+            </a:ext>
+            <a:ext uri="{AF507438-7753-43E0-B8FC-AC1667EBCBE1}">
+              <a14:hiddenEffects xmlns:a14="http://schemas.microsoft.com/office/drawing/2010/main">
+                <a:effectLst>
+                  <a:outerShdw dist="35921" dir="2700000" algn="ctr" rotWithShape="0">
+                    <a:schemeClr val="bg2"/>
+                  </a:outerShdw>
+                </a:effectLst>
+              </a14:hiddenEffects>
+            </a:ext>
+          </a:extLst>
+        </p:spPr>
+        <p:txBody>
+          <a:bodyPr vert="horz" wrap="square" lIns="91440" tIns="45720" rIns="91440" bIns="45720" numCol="1" anchor="t" anchorCtr="0" compatLnSpc="1">
+            <a:prstTxWarp prst="textNoShape">
+              <a:avLst/>
+            </a:prstTxWarp>
+          </a:bodyPr>
+          <a:lstStyle>
+            <a:lvl1pPr algn="l" rtl="1" eaLnBrk="0" fontAlgn="base" hangingPunct="0">
+              <a:spcBef>
+                <a:spcPct val="0"/>
+              </a:spcBef>
+              <a:spcAft>
+                <a:spcPct val="0"/>
+              </a:spcAft>
+              <a:defRPr sz="4200">
+                <a:solidFill>
+                  <a:schemeClr val="tx2"/>
+                </a:solidFill>
+                <a:latin typeface="+mj-lt"/>
+                <a:ea typeface="+mj-ea"/>
+                <a:cs typeface="+mj-cs"/>
+              </a:defRPr>
+            </a:lvl1pPr>
+            <a:lvl2pPr algn="l" rtl="1" eaLnBrk="0" fontAlgn="base" hangingPunct="0">
+              <a:spcBef>
+                <a:spcPct val="0"/>
+              </a:spcBef>
+              <a:spcAft>
+                <a:spcPct val="0"/>
+              </a:spcAft>
+              <a:defRPr sz="4200">
+                <a:solidFill>
+                  <a:schemeClr val="tx2"/>
+                </a:solidFill>
+                <a:latin typeface="Garamond" pitchFamily="18" charset="0"/>
+                <a:cs typeface="Arial" pitchFamily="34" charset="0"/>
+              </a:defRPr>
+            </a:lvl2pPr>
+            <a:lvl3pPr algn="l" rtl="1" eaLnBrk="0" fontAlgn="base" hangingPunct="0">
+              <a:spcBef>
+                <a:spcPct val="0"/>
+              </a:spcBef>
+              <a:spcAft>
+                <a:spcPct val="0"/>
+              </a:spcAft>
+              <a:defRPr sz="4200">
+                <a:solidFill>
+                  <a:schemeClr val="tx2"/>
+                </a:solidFill>
+                <a:latin typeface="Garamond" pitchFamily="18" charset="0"/>
+                <a:cs typeface="Arial" pitchFamily="34" charset="0"/>
+              </a:defRPr>
+            </a:lvl3pPr>
+            <a:lvl4pPr algn="l" rtl="1" eaLnBrk="0" fontAlgn="base" hangingPunct="0">
+              <a:spcBef>
+                <a:spcPct val="0"/>
+              </a:spcBef>
+              <a:spcAft>
+                <a:spcPct val="0"/>
+              </a:spcAft>
+              <a:defRPr sz="4200">
+                <a:solidFill>
+                  <a:schemeClr val="tx2"/>
+                </a:solidFill>
+                <a:latin typeface="Garamond" pitchFamily="18" charset="0"/>
+                <a:cs typeface="Arial" pitchFamily="34" charset="0"/>
+              </a:defRPr>
+            </a:lvl4pPr>
+            <a:lvl5pPr algn="l" rtl="1" eaLnBrk="0" fontAlgn="base" hangingPunct="0">
+              <a:spcBef>
+                <a:spcPct val="0"/>
+              </a:spcBef>
+              <a:spcAft>
+                <a:spcPct val="0"/>
+              </a:spcAft>
+              <a:defRPr sz="4200">
+                <a:solidFill>
+                  <a:schemeClr val="tx2"/>
+                </a:solidFill>
+                <a:latin typeface="Garamond" pitchFamily="18" charset="0"/>
+                <a:cs typeface="Arial" pitchFamily="34" charset="0"/>
+              </a:defRPr>
+            </a:lvl5pPr>
+            <a:lvl6pPr marL="457200" algn="l" rtl="1" fontAlgn="base">
+              <a:spcBef>
+                <a:spcPct val="0"/>
+              </a:spcBef>
+              <a:spcAft>
+                <a:spcPct val="0"/>
+              </a:spcAft>
+              <a:defRPr sz="4200">
+                <a:solidFill>
+                  <a:schemeClr val="tx2"/>
+                </a:solidFill>
+                <a:latin typeface="Garamond" pitchFamily="18" charset="0"/>
+                <a:cs typeface="Arial" pitchFamily="34" charset="0"/>
+              </a:defRPr>
+            </a:lvl6pPr>
+            <a:lvl7pPr marL="914400" algn="l" rtl="1" fontAlgn="base">
+              <a:spcBef>
+                <a:spcPct val="0"/>
+              </a:spcBef>
+              <a:spcAft>
+                <a:spcPct val="0"/>
+              </a:spcAft>
+              <a:defRPr sz="4200">
+                <a:solidFill>
+                  <a:schemeClr val="tx2"/>
+                </a:solidFill>
+                <a:latin typeface="Garamond" pitchFamily="18" charset="0"/>
+                <a:cs typeface="Arial" pitchFamily="34" charset="0"/>
+              </a:defRPr>
+            </a:lvl7pPr>
+            <a:lvl8pPr marL="1371600" algn="l" rtl="1" fontAlgn="base">
+              <a:spcBef>
+                <a:spcPct val="0"/>
+              </a:spcBef>
+              <a:spcAft>
+                <a:spcPct val="0"/>
+              </a:spcAft>
+              <a:defRPr sz="4200">
+                <a:solidFill>
+                  <a:schemeClr val="tx2"/>
+                </a:solidFill>
+                <a:latin typeface="Garamond" pitchFamily="18" charset="0"/>
+                <a:cs typeface="Arial" pitchFamily="34" charset="0"/>
+              </a:defRPr>
+            </a:lvl8pPr>
+            <a:lvl9pPr marL="1828800" algn="l" rtl="1" fontAlgn="base">
+              <a:spcBef>
+                <a:spcPct val="0"/>
+              </a:spcBef>
+              <a:spcAft>
+                <a:spcPct val="0"/>
+              </a:spcAft>
+              <a:defRPr sz="4200">
+                <a:solidFill>
+                  <a:schemeClr val="tx2"/>
+                </a:solidFill>
+                <a:latin typeface="Garamond" pitchFamily="18" charset="0"/>
+                <a:cs typeface="Arial" pitchFamily="34" charset="0"/>
+              </a:defRPr>
+            </a:lvl9pPr>
+          </a:lstStyle>
+          <a:p>
+            <a:pPr algn="ctr" eaLnBrk="1" hangingPunct="1"/>
+            <a:r>
+              <a:rPr lang="en-US" altLang="he-IL" sz="3200" u="sng" dirty="0">
+                <a:solidFill>
+                  <a:schemeClr val="accent6">
+                    <a:lumMod val="50000"/>
+                  </a:schemeClr>
+                </a:solidFill>
+                <a:latin typeface="Calibri" panose="020F0502020204030204" pitchFamily="34" charset="0"/>
+                <a:ea typeface="Calibri" panose="020F0502020204030204" pitchFamily="34" charset="0"/>
+                <a:cs typeface="+mn-cs"/>
+              </a:rPr>
+              <a:t>Time complexities of heap</a:t>
+            </a:r>
+          </a:p>
+        </p:txBody>
+      </p:sp>
+      <p:sp>
+        <p:nvSpPr>
+          <p:cNvPr id="4" name="Rectangle 4">
+            <a:extLst>
+              <a:ext uri="{FF2B5EF4-FFF2-40B4-BE49-F238E27FC236}">
+                <a16:creationId xmlns:a16="http://schemas.microsoft.com/office/drawing/2014/main" id="{3FA352FF-5D78-3670-CDFA-7CF68B7F8904}"/>
+              </a:ext>
+            </a:extLst>
+          </p:cNvPr>
+          <p:cNvSpPr>
+            <a:spLocks noChangeArrowheads="1"/>
+          </p:cNvSpPr>
+          <p:nvPr/>
+        </p:nvSpPr>
+        <p:spPr bwMode="auto">
+          <a:xfrm>
+            <a:off x="1904206" y="1262856"/>
+            <a:ext cx="8229600" cy="5005388"/>
+          </a:xfrm>
+          <a:prstGeom prst="rect">
+            <a:avLst/>
+          </a:prstGeom>
+          <a:noFill/>
+          <a:ln>
+            <a:noFill/>
+          </a:ln>
+          <a:effectLst/>
+          <a:extLst>
+            <a:ext uri="{909E8E84-426E-40DD-AFC4-6F175D3DCCD1}">
+              <a14:hiddenFill xmlns:a14="http://schemas.microsoft.com/office/drawing/2010/main">
+                <a:solidFill>
+                  <a:schemeClr val="accent1"/>
+                </a:solidFill>
+              </a14:hiddenFill>
+            </a:ext>
+            <a:ext uri="{91240B29-F687-4F45-9708-019B960494DF}">
+              <a14:hiddenLine xmlns:a14="http://schemas.microsoft.com/office/drawing/2010/main" w="9525">
+                <a:solidFill>
+                  <a:schemeClr val="tx1"/>
+                </a:solidFill>
+                <a:miter lim="800000"/>
+                <a:headEnd/>
+                <a:tailEnd/>
+              </a14:hiddenLine>
+            </a:ext>
+            <a:ext uri="{AF507438-7753-43E0-B8FC-AC1667EBCBE1}">
+              <a14:hiddenEffects xmlns:a14="http://schemas.microsoft.com/office/drawing/2010/main">
+                <a:effectLst>
+                  <a:outerShdw dist="35921" dir="2700000" algn="ctr" rotWithShape="0">
+                    <a:schemeClr val="bg2"/>
+                  </a:outerShdw>
+                </a:effectLst>
+              </a14:hiddenEffects>
+            </a:ext>
+          </a:extLst>
+        </p:spPr>
+        <p:txBody>
+          <a:bodyPr/>
+          <a:lstStyle>
+            <a:defPPr>
+              <a:defRPr lang="he-IL"/>
+            </a:defPPr>
+            <a:lvl1pPr algn="r" rtl="1" fontAlgn="base">
+              <a:spcBef>
+                <a:spcPct val="0"/>
+              </a:spcBef>
+              <a:spcAft>
+                <a:spcPct val="0"/>
+              </a:spcAft>
+              <a:defRPr kern="1200" baseline="30000">
+                <a:solidFill>
+                  <a:schemeClr val="tx1"/>
+                </a:solidFill>
+                <a:latin typeface="Arial" panose="020B0604020202020204" pitchFamily="34" charset="0"/>
+                <a:ea typeface="+mn-ea"/>
+                <a:cs typeface="Arial" panose="020B0604020202020204" pitchFamily="34" charset="0"/>
+              </a:defRPr>
+            </a:lvl1pPr>
+            <a:lvl2pPr marL="457200" algn="r" rtl="1" fontAlgn="base">
+              <a:spcBef>
+                <a:spcPct val="0"/>
+              </a:spcBef>
+              <a:spcAft>
+                <a:spcPct val="0"/>
+              </a:spcAft>
+              <a:defRPr kern="1200" baseline="30000">
+                <a:solidFill>
+                  <a:schemeClr val="tx1"/>
+                </a:solidFill>
+                <a:latin typeface="Arial" panose="020B0604020202020204" pitchFamily="34" charset="0"/>
+                <a:ea typeface="+mn-ea"/>
+                <a:cs typeface="Arial" panose="020B0604020202020204" pitchFamily="34" charset="0"/>
+              </a:defRPr>
+            </a:lvl2pPr>
+            <a:lvl3pPr marL="914400" algn="r" rtl="1" fontAlgn="base">
+              <a:spcBef>
+                <a:spcPct val="0"/>
+              </a:spcBef>
+              <a:spcAft>
+                <a:spcPct val="0"/>
+              </a:spcAft>
+              <a:defRPr kern="1200" baseline="30000">
+                <a:solidFill>
+                  <a:schemeClr val="tx1"/>
+                </a:solidFill>
+                <a:latin typeface="Arial" panose="020B0604020202020204" pitchFamily="34" charset="0"/>
+                <a:ea typeface="+mn-ea"/>
+                <a:cs typeface="Arial" panose="020B0604020202020204" pitchFamily="34" charset="0"/>
+              </a:defRPr>
+            </a:lvl3pPr>
+            <a:lvl4pPr marL="1371600" algn="r" rtl="1" fontAlgn="base">
+              <a:spcBef>
+                <a:spcPct val="0"/>
+              </a:spcBef>
+              <a:spcAft>
+                <a:spcPct val="0"/>
+              </a:spcAft>
+              <a:defRPr kern="1200" baseline="30000">
+                <a:solidFill>
+                  <a:schemeClr val="tx1"/>
+                </a:solidFill>
+                <a:latin typeface="Arial" panose="020B0604020202020204" pitchFamily="34" charset="0"/>
+                <a:ea typeface="+mn-ea"/>
+                <a:cs typeface="Arial" panose="020B0604020202020204" pitchFamily="34" charset="0"/>
+              </a:defRPr>
+            </a:lvl4pPr>
+            <a:lvl5pPr marL="1828800" algn="r" rtl="1" fontAlgn="base">
+              <a:spcBef>
+                <a:spcPct val="0"/>
+              </a:spcBef>
+              <a:spcAft>
+                <a:spcPct val="0"/>
+              </a:spcAft>
+              <a:defRPr kern="1200" baseline="30000">
+                <a:solidFill>
+                  <a:schemeClr val="tx1"/>
+                </a:solidFill>
+                <a:latin typeface="Arial" panose="020B0604020202020204" pitchFamily="34" charset="0"/>
+                <a:ea typeface="+mn-ea"/>
+                <a:cs typeface="Arial" panose="020B0604020202020204" pitchFamily="34" charset="0"/>
+              </a:defRPr>
+            </a:lvl5pPr>
+            <a:lvl6pPr marL="2286000" algn="l" defTabSz="914400" rtl="0" eaLnBrk="1" latinLnBrk="0" hangingPunct="1">
+              <a:defRPr kern="1200" baseline="30000">
+                <a:solidFill>
+                  <a:schemeClr val="tx1"/>
+                </a:solidFill>
+                <a:latin typeface="Arial" panose="020B0604020202020204" pitchFamily="34" charset="0"/>
+                <a:ea typeface="+mn-ea"/>
+                <a:cs typeface="Arial" panose="020B0604020202020204" pitchFamily="34" charset="0"/>
+              </a:defRPr>
+            </a:lvl6pPr>
+            <a:lvl7pPr marL="2743200" algn="l" defTabSz="914400" rtl="0" eaLnBrk="1" latinLnBrk="0" hangingPunct="1">
+              <a:defRPr kern="1200" baseline="30000">
+                <a:solidFill>
+                  <a:schemeClr val="tx1"/>
+                </a:solidFill>
+                <a:latin typeface="Arial" panose="020B0604020202020204" pitchFamily="34" charset="0"/>
+                <a:ea typeface="+mn-ea"/>
+                <a:cs typeface="Arial" panose="020B0604020202020204" pitchFamily="34" charset="0"/>
+              </a:defRPr>
+            </a:lvl7pPr>
+            <a:lvl8pPr marL="3200400" algn="l" defTabSz="914400" rtl="0" eaLnBrk="1" latinLnBrk="0" hangingPunct="1">
+              <a:defRPr kern="1200" baseline="30000">
+                <a:solidFill>
+                  <a:schemeClr val="tx1"/>
+                </a:solidFill>
+                <a:latin typeface="Arial" panose="020B0604020202020204" pitchFamily="34" charset="0"/>
+                <a:ea typeface="+mn-ea"/>
+                <a:cs typeface="Arial" panose="020B0604020202020204" pitchFamily="34" charset="0"/>
+              </a:defRPr>
+            </a:lvl8pPr>
+            <a:lvl9pPr marL="3657600" algn="l" defTabSz="914400" rtl="0" eaLnBrk="1" latinLnBrk="0" hangingPunct="1">
+              <a:defRPr kern="1200" baseline="30000">
+                <a:solidFill>
+                  <a:schemeClr val="tx1"/>
+                </a:solidFill>
+                <a:latin typeface="Arial" panose="020B0604020202020204" pitchFamily="34" charset="0"/>
+                <a:ea typeface="+mn-ea"/>
+                <a:cs typeface="Arial" panose="020B0604020202020204" pitchFamily="34" charset="0"/>
+              </a:defRPr>
+            </a:lvl9pPr>
+          </a:lstStyle>
+          <a:p>
+            <a:pPr eaLnBrk="1" hangingPunct="1">
+              <a:lnSpc>
+                <a:spcPct val="90000"/>
+              </a:lnSpc>
+              <a:spcBef>
+                <a:spcPct val="20000"/>
+              </a:spcBef>
+              <a:buClr>
+                <a:schemeClr val="accent1"/>
+              </a:buClr>
+              <a:buSzPct val="65000"/>
+              <a:buFont typeface="Wingdings" panose="05000000000000000000" pitchFamily="2" charset="2"/>
+              <a:buChar char="n"/>
+            </a:pPr>
+            <a:endParaRPr lang="en-US" altLang="he-IL" sz="2900" baseline="0" dirty="0"/>
+          </a:p>
+          <a:p>
+            <a:pPr eaLnBrk="1" hangingPunct="1">
+              <a:lnSpc>
+                <a:spcPct val="90000"/>
+              </a:lnSpc>
+              <a:spcBef>
+                <a:spcPct val="20000"/>
+              </a:spcBef>
+              <a:buClr>
+                <a:schemeClr val="accent1"/>
+              </a:buClr>
+              <a:buSzPct val="65000"/>
+              <a:buFont typeface="Wingdings" panose="05000000000000000000" pitchFamily="2" charset="2"/>
+              <a:buChar char="n"/>
+            </a:pPr>
+            <a:endParaRPr lang="he-IL" altLang="he-IL" sz="2900" baseline="0" dirty="0"/>
+          </a:p>
+          <a:p>
+            <a:pPr lvl="1" eaLnBrk="1" hangingPunct="1">
+              <a:lnSpc>
+                <a:spcPct val="90000"/>
+              </a:lnSpc>
+              <a:spcBef>
+                <a:spcPct val="20000"/>
+              </a:spcBef>
+              <a:buClr>
+                <a:schemeClr val="accent2"/>
+              </a:buClr>
+              <a:buSzPct val="60000"/>
+              <a:buFont typeface="Wingdings" panose="05000000000000000000" pitchFamily="2" charset="2"/>
+              <a:buChar char="q"/>
+            </a:pPr>
+            <a:endParaRPr lang="en-US" altLang="he-IL" sz="2200" baseline="0" dirty="0">
+              <a:latin typeface="Courier New" panose="02070309020205020404" pitchFamily="49" charset="0"/>
+              <a:cs typeface="Courier New" panose="02070309020205020404" pitchFamily="49" charset="0"/>
+            </a:endParaRPr>
+          </a:p>
+        </p:txBody>
+      </p:sp>
+      <p:sp>
+        <p:nvSpPr>
+          <p:cNvPr id="10" name="TextBox 9">
+            <a:extLst>
+              <a:ext uri="{FF2B5EF4-FFF2-40B4-BE49-F238E27FC236}">
+                <a16:creationId xmlns:a16="http://schemas.microsoft.com/office/drawing/2014/main" id="{963F2D58-10F5-2AA3-3051-92402AD4789E}"/>
+              </a:ext>
+            </a:extLst>
+          </p:cNvPr>
+          <p:cNvSpPr txBox="1"/>
+          <p:nvPr/>
+        </p:nvSpPr>
+        <p:spPr>
+          <a:xfrm>
+            <a:off x="589034" y="1087894"/>
+            <a:ext cx="10859943" cy="5078313"/>
+          </a:xfrm>
+          <a:prstGeom prst="rect">
+            <a:avLst/>
+          </a:prstGeom>
+          <a:noFill/>
+        </p:spPr>
+        <p:txBody>
+          <a:bodyPr wrap="square">
+            <a:spAutoFit/>
+          </a:bodyPr>
+          <a:lstStyle/>
+          <a:p>
+            <a:pPr algn="just" rtl="0">
+              <a:buFont typeface="+mj-lt"/>
+              <a:buAutoNum type="arabicPeriod"/>
+            </a:pPr>
+            <a:r>
+              <a:rPr lang="en-US" b="1" i="0" dirty="0">
+                <a:effectLst/>
+                <a:latin typeface="Söhne"/>
+              </a:rPr>
+              <a:t>Insertion (</a:t>
+            </a:r>
+            <a:r>
+              <a:rPr lang="en-US" b="1" i="0" dirty="0" err="1">
+                <a:effectLst/>
+                <a:latin typeface="Söhne"/>
+              </a:rPr>
+              <a:t>Heapify</a:t>
+            </a:r>
+            <a:r>
+              <a:rPr lang="en-US" b="1" i="0" dirty="0">
+                <a:effectLst/>
+                <a:latin typeface="Söhne"/>
+              </a:rPr>
+              <a:t> up):</a:t>
+            </a:r>
+            <a:endParaRPr lang="en-US" b="0" i="0" dirty="0">
+              <a:effectLst/>
+              <a:latin typeface="Söhne"/>
+            </a:endParaRPr>
+          </a:p>
+          <a:p>
+            <a:pPr lvl="1" algn="just" rtl="0"/>
+            <a:r>
+              <a:rPr lang="en-US" b="0" i="0" dirty="0">
+                <a:effectLst/>
+                <a:latin typeface="Söhne"/>
+              </a:rPr>
+              <a:t>Time Complexity: O(log n)</a:t>
+            </a:r>
+          </a:p>
+          <a:p>
+            <a:pPr lvl="1" algn="just" rtl="0"/>
+            <a:r>
+              <a:rPr lang="en-US" b="0" i="0" dirty="0">
+                <a:effectLst/>
+                <a:latin typeface="Söhne"/>
+              </a:rPr>
+              <a:t>This is because the insertion operation involves adding an element to the end of the heap and then "bubbling up" or "</a:t>
+            </a:r>
+            <a:r>
+              <a:rPr lang="en-US" b="0" i="0" dirty="0" err="1">
+                <a:effectLst/>
+                <a:latin typeface="Söhne"/>
+              </a:rPr>
+              <a:t>heapifying</a:t>
+            </a:r>
+            <a:r>
+              <a:rPr lang="en-US" b="0" i="0" dirty="0">
+                <a:effectLst/>
+                <a:latin typeface="Söhne"/>
+              </a:rPr>
+              <a:t> up" the element until the heap property is satisfied.</a:t>
+            </a:r>
+          </a:p>
+          <a:p>
+            <a:pPr algn="just" rtl="0">
+              <a:buFont typeface="+mj-lt"/>
+              <a:buAutoNum type="arabicPeriod"/>
+            </a:pPr>
+            <a:r>
+              <a:rPr lang="en-US" b="1" i="0" dirty="0">
+                <a:effectLst/>
+                <a:latin typeface="Söhne"/>
+              </a:rPr>
+              <a:t>Deletion (</a:t>
+            </a:r>
+            <a:r>
+              <a:rPr lang="en-US" b="1" i="0" dirty="0" err="1">
+                <a:effectLst/>
+                <a:latin typeface="Söhne"/>
+              </a:rPr>
+              <a:t>Heapify</a:t>
+            </a:r>
+            <a:r>
+              <a:rPr lang="en-US" b="1" i="0" dirty="0">
+                <a:effectLst/>
+                <a:latin typeface="Söhne"/>
+              </a:rPr>
+              <a:t> down):</a:t>
+            </a:r>
+            <a:endParaRPr lang="en-US" b="0" i="0" dirty="0">
+              <a:effectLst/>
+              <a:latin typeface="Söhne"/>
+            </a:endParaRPr>
+          </a:p>
+          <a:p>
+            <a:pPr lvl="1" algn="just" rtl="0"/>
+            <a:r>
+              <a:rPr lang="en-US" b="0" i="0" dirty="0">
+                <a:effectLst/>
+                <a:latin typeface="Söhne"/>
+              </a:rPr>
+              <a:t>Time Complexity: O(log n)</a:t>
+            </a:r>
+          </a:p>
+          <a:p>
+            <a:pPr lvl="1" algn="just" rtl="0"/>
+            <a:r>
+              <a:rPr lang="en-US" b="0" i="0" dirty="0">
+                <a:effectLst/>
+                <a:latin typeface="Söhne"/>
+              </a:rPr>
+              <a:t>Deletion typically involves removing the root element of the heap and then rearranging the remaining elements to maintain the heap property. This process is known as "</a:t>
+            </a:r>
+            <a:r>
+              <a:rPr lang="en-US" b="0" i="0" dirty="0" err="1">
+                <a:effectLst/>
+                <a:latin typeface="Söhne"/>
+              </a:rPr>
+              <a:t>heapify</a:t>
+            </a:r>
+            <a:r>
+              <a:rPr lang="en-US" b="0" i="0" dirty="0">
+                <a:effectLst/>
+                <a:latin typeface="Söhne"/>
+              </a:rPr>
+              <a:t> down".</a:t>
+            </a:r>
+          </a:p>
+          <a:p>
+            <a:pPr algn="just" rtl="0">
+              <a:buFont typeface="+mj-lt"/>
+              <a:buAutoNum type="arabicPeriod"/>
+            </a:pPr>
+            <a:r>
+              <a:rPr lang="en-US" b="1" i="0" dirty="0">
+                <a:effectLst/>
+                <a:latin typeface="Söhne"/>
+              </a:rPr>
+              <a:t>Finding minimum (or maximum in case of max heap):</a:t>
+            </a:r>
+            <a:endParaRPr lang="en-US" b="0" i="0" dirty="0">
+              <a:effectLst/>
+              <a:latin typeface="Söhne"/>
+            </a:endParaRPr>
+          </a:p>
+          <a:p>
+            <a:pPr lvl="1" algn="just" rtl="0"/>
+            <a:r>
+              <a:rPr lang="en-US" b="0" i="0" dirty="0">
+                <a:effectLst/>
+                <a:latin typeface="Söhne"/>
+              </a:rPr>
+              <a:t>Time Complexity: O(1)</a:t>
+            </a:r>
+          </a:p>
+          <a:p>
+            <a:pPr lvl="1" algn="just" rtl="0"/>
+            <a:r>
+              <a:rPr lang="en-US" b="0" i="0" dirty="0">
+                <a:effectLst/>
+                <a:latin typeface="Söhne"/>
+              </a:rPr>
+              <a:t>The minimum (or maximum) element of a heap is always at the root, so finding it requires only constant time.</a:t>
+            </a:r>
+          </a:p>
+          <a:p>
+            <a:pPr algn="just" rtl="0">
+              <a:buFont typeface="+mj-lt"/>
+              <a:buAutoNum type="arabicPeriod"/>
+            </a:pPr>
+            <a:r>
+              <a:rPr lang="en-US" b="1" i="0" dirty="0">
+                <a:effectLst/>
+                <a:latin typeface="Söhne"/>
+              </a:rPr>
+              <a:t>Extracting minimum (or maximum in case of max heap):</a:t>
+            </a:r>
+            <a:endParaRPr lang="en-US" b="0" i="0" dirty="0">
+              <a:effectLst/>
+              <a:latin typeface="Söhne"/>
+            </a:endParaRPr>
+          </a:p>
+          <a:p>
+            <a:pPr lvl="1" algn="just" rtl="0"/>
+            <a:r>
+              <a:rPr lang="en-US" b="0" i="0" dirty="0">
+                <a:effectLst/>
+                <a:latin typeface="Söhne"/>
+              </a:rPr>
+              <a:t>Time Complexity: O(log n)</a:t>
+            </a:r>
+          </a:p>
+          <a:p>
+            <a:pPr lvl="1" algn="just" rtl="0"/>
+            <a:r>
+              <a:rPr lang="en-US" b="0" i="0" dirty="0">
+                <a:effectLst/>
+                <a:latin typeface="Söhne"/>
+              </a:rPr>
+              <a:t>Extracting the minimum (or maximum) element involves removing the root element and then rearranging the heap to maintain its properties.</a:t>
+            </a:r>
+          </a:p>
+          <a:p>
+            <a:pPr algn="just" rtl="0">
+              <a:buFont typeface="+mj-lt"/>
+              <a:buAutoNum type="arabicPeriod"/>
+            </a:pPr>
+            <a:r>
+              <a:rPr lang="en-US" b="1" i="0" dirty="0" err="1">
+                <a:effectLst/>
+                <a:latin typeface="Söhne"/>
+              </a:rPr>
+              <a:t>Heapify</a:t>
+            </a:r>
+            <a:r>
+              <a:rPr lang="en-US" b="1" i="0" dirty="0">
+                <a:effectLst/>
+                <a:latin typeface="Söhne"/>
+              </a:rPr>
+              <a:t> (Building a heap from an array):</a:t>
+            </a:r>
+            <a:endParaRPr lang="en-US" b="0" i="0" dirty="0">
+              <a:effectLst/>
+              <a:latin typeface="Söhne"/>
+            </a:endParaRPr>
+          </a:p>
+          <a:p>
+            <a:pPr lvl="1" algn="just" rtl="0"/>
+            <a:r>
+              <a:rPr lang="en-US" b="0" i="0" dirty="0">
+                <a:effectLst/>
+                <a:latin typeface="Söhne"/>
+              </a:rPr>
+              <a:t>Time Complexity: O(n)</a:t>
+            </a:r>
+          </a:p>
+          <a:p>
+            <a:pPr lvl="1" algn="just" rtl="0"/>
+            <a:r>
+              <a:rPr lang="en-US" b="0" i="0" dirty="0">
+                <a:effectLst/>
+                <a:latin typeface="Söhne"/>
+              </a:rPr>
+              <a:t>Building a heap from an array of n elements can be done in linear time. This is often called </a:t>
+            </a:r>
+            <a:r>
+              <a:rPr lang="en-US" b="0" i="0" dirty="0" err="1">
+                <a:effectLst/>
+                <a:latin typeface="Söhne"/>
+              </a:rPr>
+              <a:t>heapify</a:t>
+            </a:r>
+            <a:r>
+              <a:rPr lang="en-US" b="0" i="0" dirty="0">
+                <a:effectLst/>
+                <a:latin typeface="Söhne"/>
+              </a:rPr>
+              <a:t>.</a:t>
+            </a:r>
+          </a:p>
+        </p:txBody>
+      </p:sp>
+    </p:spTree>
+    <p:extLst>
+      <p:ext uri="{BB962C8B-B14F-4D97-AF65-F5344CB8AC3E}">
+        <p14:creationId xmlns:p14="http://schemas.microsoft.com/office/powerpoint/2010/main" val="3952466834"/>
+      </p:ext>
+    </p:extLst>
+  </p:cSld>
+  <p:clrMapOvr>
+    <a:masterClrMapping/>
+  </p:clrMapOvr>
+</p:sld>
+</file>
+
+<file path=ppt/slides/slide5.xml><?xml version="1.0" encoding="utf-8"?>
 <p:sld xmlns:a="http://schemas.openxmlformats.org/drawingml/2006/main" xmlns:r="http://schemas.openxmlformats.org/officeDocument/2006/relationships" xmlns:p="http://schemas.openxmlformats.org/presentationml/2006/main">
   <p:cSld>
     <p:bg>
@@ -7032,25 +12068,18 @@
     </p:spTree>
     <p:extLst>
       <p:ext uri="{BB962C8B-B14F-4D97-AF65-F5344CB8AC3E}">
-        <p14:creationId xmlns:p14="http://schemas.microsoft.com/office/powerpoint/2010/main" val="3952466834"/>
+        <p14:creationId xmlns:p14="http://schemas.microsoft.com/office/powerpoint/2010/main" val="2608917834"/>
       </p:ext>
     </p:extLst>
   </p:cSld>
   <p:clrMapOvr>
     <a:masterClrMapping/>
   </p:clrMapOvr>
-  <p:timing>
-    <p:tnLst>
-      <p:par>
-        <p:cTn id="1" dur="indefinite" restart="never" nodeType="tmRoot"/>
-      </p:par>
-    </p:tnLst>
-  </p:timing>
 </p:sld>
 </file>
 
-<file path=ppt/slides/slide5.xml><?xml version="1.0" encoding="utf-8"?>
-<p:sld xmlns:a="http://schemas.openxmlformats.org/drawingml/2006/main" xmlns:r="http://schemas.openxmlformats.org/officeDocument/2006/relationships" xmlns:p="http://schemas.openxmlformats.org/presentationml/2006/main">
+<file path=ppt/slides/slide6.xml><?xml version="1.0" encoding="utf-8"?>
+<p:sld xmlns:a="http://schemas.openxmlformats.org/drawingml/2006/main" xmlns:r="http://schemas.openxmlformats.org/officeDocument/2006/relationships" xmlns:p="http://schemas.openxmlformats.org/presentationml/2006/main" show="0">
   <p:cSld>
     <p:bg>
       <p:bgPr>
@@ -7593,17 +12622,10 @@
   <p:clrMapOvr>
     <a:masterClrMapping/>
   </p:clrMapOvr>
-  <p:timing>
-    <p:tnLst>
-      <p:par>
-        <p:cTn id="1" dur="indefinite" restart="never" nodeType="tmRoot"/>
-      </p:par>
-    </p:tnLst>
-  </p:timing>
 </p:sld>
 </file>
 
-<file path=ppt/slides/slide6.xml><?xml version="1.0" encoding="utf-8"?>
+<file path=ppt/slides/slide7.xml><?xml version="1.0" encoding="utf-8"?>
 <p:sld xmlns:a="http://schemas.openxmlformats.org/drawingml/2006/main" xmlns:r="http://schemas.openxmlformats.org/officeDocument/2006/relationships" xmlns:p="http://schemas.openxmlformats.org/presentationml/2006/main">
   <p:cSld>
     <p:bg>
@@ -7703,7 +12725,7 @@
         </p:nvGraphicFramePr>
         <p:xfrm>
           <a:off x="4980889" y="1981960"/>
-          <a:ext cx="6147306" cy="652272"/>
+          <a:ext cx="6147306" cy="631906"/>
         </p:xfrm>
         <a:graphic>
           <a:graphicData uri="http://schemas.openxmlformats.org/drawingml/2006/table">
@@ -8015,13 +13037,13 @@
                         </a:spcAft>
                       </a:pPr>
                       <a:r>
-                        <a:rPr lang="en-US" sz="2000" b="0">
+                        <a:rPr lang="en-US" sz="2000" b="0" dirty="0">
                           <a:effectLst/>
                           <a:latin typeface="+mn-lt"/>
                         </a:rPr>
                         <a:t>3</a:t>
                       </a:r>
-                      <a:endParaRPr lang="en-US" sz="2000" b="0">
+                      <a:endParaRPr lang="en-US" sz="2000" b="0" dirty="0">
                         <a:effectLst/>
                         <a:latin typeface="+mn-lt"/>
                         <a:ea typeface="Calibri" panose="020F0502020204030204" pitchFamily="34" charset="0"/>
@@ -8105,13 +13127,13 @@
                         </a:spcAft>
                       </a:pPr>
                       <a:r>
-                        <a:rPr lang="en-US" sz="2000" b="0">
+                        <a:rPr lang="en-US" sz="2000" b="0" dirty="0">
                           <a:effectLst/>
                           <a:latin typeface="+mn-lt"/>
                         </a:rPr>
                         <a:t>0</a:t>
                       </a:r>
-                      <a:endParaRPr lang="en-US" sz="2000" b="0">
+                      <a:endParaRPr lang="en-US" sz="2000" b="0" dirty="0">
                         <a:effectLst/>
                         <a:latin typeface="+mn-lt"/>
                         <a:ea typeface="Calibri" panose="020F0502020204030204" pitchFamily="34" charset="0"/>
@@ -8202,7 +13224,7 @@
                         </a:spcAft>
                       </a:pPr>
                       <a:r>
-                        <a:rPr lang="en-US" sz="2000" b="0" dirty="0">
+                        <a:rPr lang="en-US" sz="2000" b="0">
                           <a:effectLst/>
                           <a:latin typeface="+mn-lt"/>
                         </a:rPr>
@@ -8412,13 +13434,13 @@
                         </a:spcAft>
                       </a:pPr>
                       <a:r>
-                        <a:rPr lang="he-IL" sz="2000" b="0">
+                        <a:rPr lang="he-IL" sz="2000" b="0" dirty="0">
                           <a:effectLst/>
                           <a:latin typeface="+mn-lt"/>
                         </a:rPr>
                         <a:t>88</a:t>
                       </a:r>
-                      <a:endParaRPr lang="en-US" sz="2000" b="0">
+                      <a:endParaRPr lang="en-US" sz="2000" b="0" dirty="0">
                         <a:effectLst/>
                         <a:latin typeface="+mn-lt"/>
                         <a:ea typeface="Calibri" panose="020F0502020204030204" pitchFamily="34" charset="0"/>
@@ -8498,14 +13520,14 @@
               </a:spcAft>
             </a:pPr>
             <a:r>
-              <a:rPr lang="he-IL" sz="2200" dirty="0" smtClean="0">
+              <a:rPr lang="he-IL" sz="2200" dirty="0">
                 <a:latin typeface="Calibri" panose="020F0502020204030204" pitchFamily="34" charset="0"/>
                 <a:ea typeface="Times New Roman" panose="02020603050405020304" pitchFamily="18" charset="0"/>
               </a:rPr>
               <a:t>האם המערך הנתון הוא </a:t>
             </a:r>
             <a:r>
-              <a:rPr lang="en-US" sz="2200" dirty="0" smtClean="0">
+              <a:rPr lang="en-US" sz="2200" dirty="0">
                 <a:latin typeface="Arial" panose="020B0604020202020204" pitchFamily="34" charset="0"/>
                 <a:ea typeface="Times New Roman" panose="02020603050405020304" pitchFamily="18" charset="0"/>
                 <a:cs typeface="Arial" panose="020B0604020202020204" pitchFamily="34" charset="0"/>
@@ -8513,7 +13535,7 @@
               <a:t>Max Heap</a:t>
             </a:r>
             <a:r>
-              <a:rPr lang="he-IL" sz="2200" dirty="0" smtClean="0">
+              <a:rPr lang="he-IL" sz="2200" dirty="0">
                 <a:latin typeface="Calibri" panose="020F0502020204030204" pitchFamily="34" charset="0"/>
                 <a:ea typeface="Times New Roman" panose="02020603050405020304" pitchFamily="18" charset="0"/>
               </a:rPr>
@@ -8542,23 +13564,16 @@
   <p:clrMapOvr>
     <a:masterClrMapping/>
   </p:clrMapOvr>
-  <p:timing>
-    <p:tnLst>
-      <p:par>
-        <p:cTn id="1" dur="indefinite" restart="never" nodeType="tmRoot"/>
-      </p:par>
-    </p:tnLst>
-  </p:timing>
 </p:sld>
 </file>
 
-<file path=ppt/slides/slide7.xml><?xml version="1.0" encoding="utf-8"?>
+<file path=ppt/slides/slide8.xml><?xml version="1.0" encoding="utf-8"?>
 <p:sld xmlns:a="http://schemas.openxmlformats.org/drawingml/2006/main" xmlns:r="http://schemas.openxmlformats.org/officeDocument/2006/relationships" xmlns:p="http://schemas.openxmlformats.org/presentationml/2006/main">
   <p:cSld>
     <p:bg>
       <p:bgPr>
         <a:blipFill dpi="0" rotWithShape="1">
-          <a:blip r:embed="rId2">
+          <a:blip r:embed="rId3">
             <a:lum/>
           </a:blip>
           <a:srcRect/>
@@ -8583,23 +13598,573 @@
           <a:chExt cx="0" cy="0"/>
         </a:xfrm>
       </p:grpSpPr>
+      <p:sp>
+        <p:nvSpPr>
+          <p:cNvPr id="25" name="TextBox 24"/>
+          <p:cNvSpPr txBox="1"/>
+          <p:nvPr/>
+        </p:nvSpPr>
+        <p:spPr>
+          <a:xfrm>
+            <a:off x="4053908" y="599723"/>
+            <a:ext cx="4880027" cy="584775"/>
+          </a:xfrm>
+          <a:prstGeom prst="rect">
+            <a:avLst/>
+          </a:prstGeom>
+          <a:noFill/>
+        </p:spPr>
+        <p:txBody>
+          <a:bodyPr wrap="square" rtlCol="1">
+            <a:spAutoFit/>
+          </a:bodyPr>
+          <a:lstStyle/>
+          <a:p>
+            <a:pPr algn="ctr" fontAlgn="base">
+              <a:spcBef>
+                <a:spcPct val="0"/>
+              </a:spcBef>
+              <a:spcAft>
+                <a:spcPct val="0"/>
+              </a:spcAft>
+            </a:pPr>
+            <a:r>
+              <a:rPr lang="en-US" sz="3200" u="sng" dirty="0">
+                <a:solidFill>
+                  <a:schemeClr val="accent6">
+                    <a:lumMod val="50000"/>
+                  </a:schemeClr>
+                </a:solidFill>
+                <a:latin typeface="Calibri" panose="020F0502020204030204" pitchFamily="34" charset="0"/>
+              </a:rPr>
+              <a:t>Deletion in Heap</a:t>
+            </a:r>
+          </a:p>
+        </p:txBody>
+      </p:sp>
+      <p:sp>
+        <p:nvSpPr>
+          <p:cNvPr id="3" name="TextBox 2">
+            <a:extLst>
+              <a:ext uri="{FF2B5EF4-FFF2-40B4-BE49-F238E27FC236}">
+                <a16:creationId xmlns:a16="http://schemas.microsoft.com/office/drawing/2014/main" id="{F040C46A-C0B7-1CBE-753D-AF3041039DF1}"/>
+              </a:ext>
+            </a:extLst>
+          </p:cNvPr>
+          <p:cNvSpPr txBox="1"/>
+          <p:nvPr/>
+        </p:nvSpPr>
+        <p:spPr>
+          <a:xfrm>
+            <a:off x="1161535" y="1720840"/>
+            <a:ext cx="9737124" cy="2862322"/>
+          </a:xfrm>
+          <a:prstGeom prst="rect">
+            <a:avLst/>
+          </a:prstGeom>
+          <a:noFill/>
+        </p:spPr>
+        <p:txBody>
+          <a:bodyPr wrap="square">
+            <a:spAutoFit/>
+          </a:bodyPr>
+          <a:lstStyle/>
+          <a:p>
+            <a:pPr algn="just" rtl="0" fontAlgn="base"/>
+            <a:r>
+              <a:rPr lang="en-US" b="1" i="0" dirty="0">
+                <a:effectLst/>
+                <a:latin typeface="Nunito" pitchFamily="2" charset="77"/>
+              </a:rPr>
+              <a:t>Process of Deletion</a:t>
+            </a:r>
+            <a:r>
+              <a:rPr lang="en-US" b="0" i="0" dirty="0">
+                <a:effectLst/>
+                <a:latin typeface="Nunito" pitchFamily="2" charset="77"/>
+              </a:rPr>
+              <a:t>: </a:t>
+            </a:r>
+          </a:p>
+          <a:p>
+            <a:pPr algn="just" rtl="0" fontAlgn="base"/>
+            <a:br>
+              <a:rPr lang="en-US" b="0" i="0" dirty="0">
+                <a:effectLst/>
+                <a:latin typeface="Nunito" pitchFamily="2" charset="77"/>
+              </a:rPr>
+            </a:br>
+            <a:r>
+              <a:rPr lang="en-US" b="0" i="0" dirty="0">
+                <a:effectLst/>
+                <a:latin typeface="Nunito" pitchFamily="2" charset="77"/>
+              </a:rPr>
+              <a:t>Since deleting an element at any intermediary position in the heap can be costly, </a:t>
+            </a:r>
+            <a:r>
+              <a:rPr lang="en-US" dirty="0">
+                <a:latin typeface="Söhne"/>
+              </a:rPr>
+              <a:t>so</a:t>
+            </a:r>
+            <a:r>
+              <a:rPr lang="en-US" b="0" i="0" dirty="0">
+                <a:effectLst/>
+                <a:latin typeface="Nunito" pitchFamily="2" charset="77"/>
+              </a:rPr>
+              <a:t> we can simply replace the element to be deleted by the last element and delete the last element of the Heap. </a:t>
+            </a:r>
+          </a:p>
+          <a:p>
+            <a:pPr algn="just" rtl="0" fontAlgn="base"/>
+            <a:endParaRPr lang="en-US" b="0" i="0" dirty="0">
+              <a:effectLst/>
+              <a:latin typeface="Nunito" pitchFamily="2" charset="77"/>
+            </a:endParaRPr>
+          </a:p>
+          <a:p>
+            <a:pPr algn="just" rtl="0" fontAlgn="base">
+              <a:buFont typeface="Arial" panose="020B0604020202020204" pitchFamily="34" charset="0"/>
+              <a:buChar char="•"/>
+            </a:pPr>
+            <a:r>
+              <a:rPr lang="en-US" b="0" i="0" dirty="0">
+                <a:effectLst/>
+                <a:latin typeface="Nunito" pitchFamily="2" charset="77"/>
+              </a:rPr>
+              <a:t>Replace the root or element to be deleted by the last element.</a:t>
+            </a:r>
+          </a:p>
+          <a:p>
+            <a:pPr algn="just" rtl="0" fontAlgn="base">
+              <a:buFont typeface="Arial" panose="020B0604020202020204" pitchFamily="34" charset="0"/>
+              <a:buChar char="•"/>
+            </a:pPr>
+            <a:r>
+              <a:rPr lang="en-US" b="0" i="0" dirty="0">
+                <a:effectLst/>
+                <a:latin typeface="Nunito" pitchFamily="2" charset="77"/>
+              </a:rPr>
+              <a:t>Delete the last element from the Heap.</a:t>
+            </a:r>
+          </a:p>
+          <a:p>
+            <a:pPr algn="just" rtl="0" fontAlgn="base">
+              <a:buFont typeface="Arial" panose="020B0604020202020204" pitchFamily="34" charset="0"/>
+              <a:buChar char="•"/>
+            </a:pPr>
+            <a:r>
+              <a:rPr lang="en-US" b="0" i="0" dirty="0">
+                <a:effectLst/>
+                <a:latin typeface="Nunito" pitchFamily="2" charset="77"/>
+              </a:rPr>
+              <a:t>Since, the last element is now placed at the position of the root node. So, it may not follow the heap property. Therefore, </a:t>
+            </a:r>
+            <a:r>
+              <a:rPr lang="en-US" b="1" i="0" dirty="0" err="1">
+                <a:effectLst/>
+                <a:latin typeface="Nunito" pitchFamily="2" charset="77"/>
+              </a:rPr>
+              <a:t>heapify</a:t>
+            </a:r>
+            <a:r>
+              <a:rPr lang="en-US" b="1" i="0" dirty="0">
+                <a:effectLst/>
+                <a:latin typeface="Nunito" pitchFamily="2" charset="77"/>
+              </a:rPr>
+              <a:t> </a:t>
+            </a:r>
+            <a:r>
+              <a:rPr lang="en-US" b="0" i="0" dirty="0">
+                <a:effectLst/>
+                <a:latin typeface="Nunito" pitchFamily="2" charset="77"/>
+              </a:rPr>
+              <a:t>the last node placed at the position of root.</a:t>
+            </a:r>
+          </a:p>
+        </p:txBody>
+      </p:sp>
+      <p:sp>
+        <p:nvSpPr>
+          <p:cNvPr id="5" name="TextBox 4">
+            <a:extLst>
+              <a:ext uri="{FF2B5EF4-FFF2-40B4-BE49-F238E27FC236}">
+                <a16:creationId xmlns:a16="http://schemas.microsoft.com/office/drawing/2014/main" id="{80E3B552-55C4-61B3-0109-0AFA88BDE86E}"/>
+              </a:ext>
+            </a:extLst>
+          </p:cNvPr>
+          <p:cNvSpPr txBox="1"/>
+          <p:nvPr/>
+        </p:nvSpPr>
+        <p:spPr>
+          <a:xfrm>
+            <a:off x="1161535" y="4907345"/>
+            <a:ext cx="6098058" cy="923330"/>
+          </a:xfrm>
+          <a:prstGeom prst="rect">
+            <a:avLst/>
+          </a:prstGeom>
+          <a:noFill/>
+        </p:spPr>
+        <p:txBody>
+          <a:bodyPr wrap="square">
+            <a:spAutoFit/>
+          </a:bodyPr>
+          <a:lstStyle/>
+          <a:p>
+            <a:pPr marL="0" algn="l" defTabSz="914400" rtl="0" eaLnBrk="1" latinLnBrk="0" hangingPunct="1"/>
+            <a:r>
+              <a:rPr lang="en-US" b="1" i="0" dirty="0">
+                <a:effectLst/>
+                <a:latin typeface="Nunito" pitchFamily="2" charset="77"/>
+              </a:rPr>
+              <a:t>Time complexity</a:t>
+            </a:r>
+            <a:r>
+              <a:rPr lang="en-US" b="0" i="0" dirty="0">
+                <a:effectLst/>
+                <a:latin typeface="Nunito" pitchFamily="2" charset="77"/>
+              </a:rPr>
+              <a:t>: O(</a:t>
+            </a:r>
+            <a:r>
+              <a:rPr lang="en-US" b="0" i="0" dirty="0" err="1">
+                <a:effectLst/>
+                <a:latin typeface="Nunito" pitchFamily="2" charset="77"/>
+              </a:rPr>
+              <a:t>logn</a:t>
+            </a:r>
+            <a:r>
+              <a:rPr lang="en-US" b="0" i="0" dirty="0">
+                <a:effectLst/>
+                <a:latin typeface="Nunito" pitchFamily="2" charset="77"/>
+              </a:rPr>
+              <a:t>) where n is no of elements in the heap</a:t>
+            </a:r>
+            <a:br>
+              <a:rPr lang="en-US" dirty="0"/>
+            </a:br>
+            <a:r>
+              <a:rPr lang="en-US" b="1" i="0" dirty="0">
+                <a:effectLst/>
+                <a:latin typeface="Nunito" pitchFamily="2" charset="77"/>
+              </a:rPr>
+              <a:t>Auxiliary Space: </a:t>
+            </a:r>
+            <a:r>
+              <a:rPr lang="en-US" b="0" i="0" dirty="0">
+                <a:effectLst/>
+                <a:latin typeface="Nunito" pitchFamily="2" charset="77"/>
+              </a:rPr>
+              <a:t>O(n)</a:t>
+            </a:r>
+            <a:endParaRPr lang="en-IL" dirty="0"/>
+          </a:p>
+        </p:txBody>
+      </p:sp>
     </p:spTree>
     <p:extLst>
       <p:ext uri="{BB962C8B-B14F-4D97-AF65-F5344CB8AC3E}">
-        <p14:creationId xmlns:p14="http://schemas.microsoft.com/office/powerpoint/2010/main" val="2099069144"/>
+        <p14:creationId xmlns:p14="http://schemas.microsoft.com/office/powerpoint/2010/main" val="3920422898"/>
       </p:ext>
     </p:extLst>
   </p:cSld>
   <p:clrMapOvr>
     <a:masterClrMapping/>
   </p:clrMapOvr>
-  <p:timing>
-    <p:tnLst>
-      <p:par>
-        <p:cTn id="1" dur="indefinite" restart="never" nodeType="tmRoot"/>
-      </p:par>
-    </p:tnLst>
-  </p:timing>
+</p:sld>
+</file>
+
+<file path=ppt/slides/slide9.xml><?xml version="1.0" encoding="utf-8"?>
+<p:sld xmlns:a="http://schemas.openxmlformats.org/drawingml/2006/main" xmlns:r="http://schemas.openxmlformats.org/officeDocument/2006/relationships" xmlns:p="http://schemas.openxmlformats.org/presentationml/2006/main">
+  <p:cSld>
+    <p:bg>
+      <p:bgPr>
+        <a:blipFill dpi="0" rotWithShape="1">
+          <a:blip r:embed="rId3">
+            <a:lum/>
+          </a:blip>
+          <a:srcRect/>
+          <a:stretch>
+            <a:fillRect/>
+          </a:stretch>
+        </a:blipFill>
+        <a:effectLst/>
+      </p:bgPr>
+    </p:bg>
+    <p:spTree>
+      <p:nvGrpSpPr>
+        <p:cNvPr id="1" name=""/>
+        <p:cNvGrpSpPr/>
+        <p:nvPr/>
+      </p:nvGrpSpPr>
+      <p:grpSpPr>
+        <a:xfrm>
+          <a:off x="0" y="0"/>
+          <a:ext cx="0" cy="0"/>
+          <a:chOff x="0" y="0"/>
+          <a:chExt cx="0" cy="0"/>
+        </a:xfrm>
+      </p:grpSpPr>
+      <p:sp>
+        <p:nvSpPr>
+          <p:cNvPr id="25" name="TextBox 24"/>
+          <p:cNvSpPr txBox="1"/>
+          <p:nvPr/>
+        </p:nvSpPr>
+        <p:spPr>
+          <a:xfrm>
+            <a:off x="4053908" y="599723"/>
+            <a:ext cx="4880027" cy="584775"/>
+          </a:xfrm>
+          <a:prstGeom prst="rect">
+            <a:avLst/>
+          </a:prstGeom>
+          <a:noFill/>
+        </p:spPr>
+        <p:txBody>
+          <a:bodyPr wrap="square" rtlCol="1">
+            <a:spAutoFit/>
+          </a:bodyPr>
+          <a:lstStyle/>
+          <a:p>
+            <a:pPr algn="ctr" fontAlgn="base">
+              <a:spcBef>
+                <a:spcPct val="0"/>
+              </a:spcBef>
+              <a:spcAft>
+                <a:spcPct val="0"/>
+              </a:spcAft>
+            </a:pPr>
+            <a:r>
+              <a:rPr lang="en-US" sz="3200" u="sng" dirty="0">
+                <a:solidFill>
+                  <a:schemeClr val="accent6">
+                    <a:lumMod val="50000"/>
+                  </a:schemeClr>
+                </a:solidFill>
+                <a:latin typeface="Calibri" panose="020F0502020204030204" pitchFamily="34" charset="0"/>
+              </a:rPr>
+              <a:t>Insertion in Heap</a:t>
+            </a:r>
+          </a:p>
+        </p:txBody>
+      </p:sp>
+      <p:sp>
+        <p:nvSpPr>
+          <p:cNvPr id="3" name="TextBox 2">
+            <a:extLst>
+              <a:ext uri="{FF2B5EF4-FFF2-40B4-BE49-F238E27FC236}">
+                <a16:creationId xmlns:a16="http://schemas.microsoft.com/office/drawing/2014/main" id="{F040C46A-C0B7-1CBE-753D-AF3041039DF1}"/>
+              </a:ext>
+            </a:extLst>
+          </p:cNvPr>
+          <p:cNvSpPr txBox="1"/>
+          <p:nvPr/>
+        </p:nvSpPr>
+        <p:spPr>
+          <a:xfrm>
+            <a:off x="1161535" y="1720840"/>
+            <a:ext cx="9737124" cy="2585323"/>
+          </a:xfrm>
+          <a:prstGeom prst="rect">
+            <a:avLst/>
+          </a:prstGeom>
+          <a:noFill/>
+        </p:spPr>
+        <p:txBody>
+          <a:bodyPr wrap="square">
+            <a:spAutoFit/>
+          </a:bodyPr>
+          <a:lstStyle/>
+          <a:p>
+            <a:pPr algn="just" rtl="0" fontAlgn="base"/>
+            <a:r>
+              <a:rPr lang="en-US" b="1" i="0" dirty="0">
+                <a:effectLst/>
+                <a:latin typeface="Nunito" pitchFamily="2" charset="77"/>
+              </a:rPr>
+              <a:t>Process of Insertion</a:t>
+            </a:r>
+            <a:r>
+              <a:rPr lang="en-US" b="0" i="0" dirty="0">
+                <a:effectLst/>
+                <a:latin typeface="Nunito" pitchFamily="2" charset="77"/>
+              </a:rPr>
+              <a:t>: </a:t>
+            </a:r>
+          </a:p>
+          <a:p>
+            <a:pPr algn="just" rtl="0" fontAlgn="base"/>
+            <a:r>
+              <a:rPr lang="en-US" b="0" i="0" dirty="0">
+                <a:effectLst/>
+                <a:latin typeface="Nunito" pitchFamily="2" charset="77"/>
+              </a:rPr>
+              <a:t>Elements can be inserted to the heap following a similar approach as discussed above for deletion. The idea is to: </a:t>
+            </a:r>
+          </a:p>
+          <a:p>
+            <a:pPr algn="just" rtl="0" fontAlgn="base"/>
+            <a:endParaRPr lang="en-US" b="0" i="0" dirty="0">
+              <a:effectLst/>
+              <a:latin typeface="Nunito" pitchFamily="2" charset="77"/>
+            </a:endParaRPr>
+          </a:p>
+          <a:p>
+            <a:pPr algn="just" rtl="0" fontAlgn="base">
+              <a:buFont typeface="Arial" panose="020B0604020202020204" pitchFamily="34" charset="0"/>
+              <a:buChar char="•"/>
+            </a:pPr>
+            <a:r>
+              <a:rPr lang="en-US" b="0" i="0" dirty="0">
+                <a:effectLst/>
+                <a:latin typeface="Nunito" pitchFamily="2" charset="77"/>
+              </a:rPr>
+              <a:t>First increase the heap size by 1, so that it can store the new element.</a:t>
+            </a:r>
+          </a:p>
+          <a:p>
+            <a:pPr algn="just" rtl="0" fontAlgn="base">
+              <a:buFont typeface="Arial" panose="020B0604020202020204" pitchFamily="34" charset="0"/>
+              <a:buChar char="•"/>
+            </a:pPr>
+            <a:r>
+              <a:rPr lang="en-US" b="0" i="0" dirty="0">
+                <a:effectLst/>
+                <a:latin typeface="Nunito" pitchFamily="2" charset="77"/>
+              </a:rPr>
+              <a:t>Insert the new element at the end of the Heap.</a:t>
+            </a:r>
+          </a:p>
+          <a:p>
+            <a:pPr algn="just" rtl="0" fontAlgn="base">
+              <a:buFont typeface="Arial" panose="020B0604020202020204" pitchFamily="34" charset="0"/>
+              <a:buChar char="•"/>
+            </a:pPr>
+            <a:r>
+              <a:rPr lang="en-US" b="0" i="0" dirty="0">
+                <a:effectLst/>
+                <a:latin typeface="Nunito" pitchFamily="2" charset="77"/>
+              </a:rPr>
+              <a:t>This newly inserted element may distort the properties of Heap for its parents. So, in order to keep the properties of Heap, </a:t>
+            </a:r>
+            <a:r>
+              <a:rPr lang="en-US" b="1" i="0" dirty="0" err="1">
+                <a:effectLst/>
+                <a:latin typeface="Nunito" pitchFamily="2" charset="77"/>
+              </a:rPr>
+              <a:t>heapify</a:t>
+            </a:r>
+            <a:r>
+              <a:rPr lang="en-US" b="1" i="0" dirty="0">
+                <a:effectLst/>
+                <a:latin typeface="Nunito" pitchFamily="2" charset="77"/>
+              </a:rPr>
+              <a:t> </a:t>
+            </a:r>
+            <a:r>
+              <a:rPr lang="en-US" b="0" i="0" dirty="0">
+                <a:effectLst/>
+                <a:latin typeface="Nunito" pitchFamily="2" charset="77"/>
+              </a:rPr>
+              <a:t>this newly inserted element following a bottom-up </a:t>
+            </a:r>
+            <a:r>
+              <a:rPr lang="en-US" b="0" i="0" dirty="0" err="1">
+                <a:effectLst/>
+                <a:latin typeface="Nunito" pitchFamily="2" charset="77"/>
+              </a:rPr>
+              <a:t>approa</a:t>
+            </a:r>
+            <a:endParaRPr lang="en-US" b="0" i="0" dirty="0">
+              <a:effectLst/>
+              <a:latin typeface="Nunito" pitchFamily="2" charset="77"/>
+            </a:endParaRPr>
+          </a:p>
+        </p:txBody>
+      </p:sp>
+      <p:sp>
+        <p:nvSpPr>
+          <p:cNvPr id="4" name="TextBox 3">
+            <a:extLst>
+              <a:ext uri="{FF2B5EF4-FFF2-40B4-BE49-F238E27FC236}">
+                <a16:creationId xmlns:a16="http://schemas.microsoft.com/office/drawing/2014/main" id="{05F6E92A-E566-B9B5-F2A0-1D22A2512D38}"/>
+              </a:ext>
+            </a:extLst>
+          </p:cNvPr>
+          <p:cNvSpPr txBox="1"/>
+          <p:nvPr/>
+        </p:nvSpPr>
+        <p:spPr>
+          <a:xfrm>
+            <a:off x="1004879" y="4746708"/>
+            <a:ext cx="6098058" cy="923330"/>
+          </a:xfrm>
+          <a:prstGeom prst="rect">
+            <a:avLst/>
+          </a:prstGeom>
+          <a:noFill/>
+        </p:spPr>
+        <p:txBody>
+          <a:bodyPr wrap="square">
+            <a:spAutoFit/>
+          </a:bodyPr>
+          <a:lstStyle/>
+          <a:p>
+            <a:pPr marL="0" algn="l" defTabSz="914400" rtl="0" eaLnBrk="1" latinLnBrk="0" hangingPunct="1"/>
+            <a:r>
+              <a:rPr lang="en-US" b="1" i="0" dirty="0">
+                <a:effectLst/>
+                <a:latin typeface="Nunito" pitchFamily="2" charset="77"/>
+              </a:rPr>
+              <a:t>Time Complexity:  O(log(n)) (</a:t>
+            </a:r>
+            <a:r>
+              <a:rPr lang="en-US" b="0" i="0" dirty="0">
+                <a:effectLst/>
+                <a:latin typeface="Nunito" pitchFamily="2" charset="77"/>
+              </a:rPr>
+              <a:t>where n is no of elements in the heap</a:t>
+            </a:r>
+            <a:r>
+              <a:rPr lang="en-US" b="1" i="0" dirty="0">
+                <a:effectLst/>
+                <a:latin typeface="Nunito" pitchFamily="2" charset="77"/>
+              </a:rPr>
+              <a:t>)</a:t>
+            </a:r>
+            <a:br>
+              <a:rPr lang="en-US" dirty="0"/>
+            </a:br>
+            <a:r>
+              <a:rPr lang="en-US" b="1" i="0" dirty="0">
+                <a:effectLst/>
+                <a:latin typeface="Nunito" pitchFamily="2" charset="77"/>
+              </a:rPr>
+              <a:t>Auxiliary Space: </a:t>
+            </a:r>
+            <a:r>
+              <a:rPr lang="en-US" b="0" i="0" dirty="0">
+                <a:effectLst/>
+                <a:latin typeface="Nunito" pitchFamily="2" charset="77"/>
+              </a:rPr>
+              <a:t>O(n)</a:t>
+            </a:r>
+            <a:endParaRPr lang="en-IL" dirty="0"/>
+          </a:p>
+        </p:txBody>
+      </p:sp>
+    </p:spTree>
+    <p:extLst>
+      <p:ext uri="{BB962C8B-B14F-4D97-AF65-F5344CB8AC3E}">
+        <p14:creationId xmlns:p14="http://schemas.microsoft.com/office/powerpoint/2010/main" val="759772258"/>
+      </p:ext>
+    </p:extLst>
+  </p:cSld>
+  <p:clrMapOvr>
+    <a:masterClrMapping/>
+  </p:clrMapOvr>
 </p:sld>
 </file>
 

--- a/t-08-heap/תרגול 8.pptx
+++ b/t-08-heap/תרגול 8.pptx
@@ -19,8 +19,8 @@
     <p:sldId id="303" r:id="rId10"/>
     <p:sldId id="304" r:id="rId11"/>
     <p:sldId id="305" r:id="rId12"/>
-    <p:sldId id="306" r:id="rId13"/>
-    <p:sldId id="307" r:id="rId14"/>
+    <p:sldId id="307" r:id="rId13"/>
+    <p:sldId id="306" r:id="rId14"/>
     <p:sldId id="308" r:id="rId15"/>
     <p:sldId id="309" r:id="rId16"/>
     <p:sldId id="311" r:id="rId17"/>
@@ -128,6 +128,9 @@
     <p:ext uri="{EFAFB233-063F-42B5-8137-9DF3F51BA10A}">
       <p15:sldGuideLst xmlns:p15="http://schemas.microsoft.com/office/powerpoint/2012/main"/>
     </p:ext>
+    <p:ext uri="{2D200454-40CA-4A62-9FC3-DE9A4176ACB9}">
+      <p15:notesGuideLst xmlns:p15="http://schemas.microsoft.com/office/powerpoint/2012/main"/>
+    </p:ext>
   </p:extLst>
 </p:presentation>
 </file>
@@ -214,7 +217,7 @@
           <a:p>
             <a:fld id="{C267593B-B963-47D8-A2A4-BA759CBCEAC5}" type="datetimeFigureOut">
               <a:rPr lang="en-US" smtClean="0"/>
-              <a:t>3/10/24</a:t>
+              <a:t>3/11/24</a:t>
             </a:fld>
             <a:endParaRPr lang="en-US"/>
           </a:p>
@@ -639,7 +642,7 @@
     </p:spTree>
     <p:extLst>
       <p:ext uri="{BB962C8B-B14F-4D97-AF65-F5344CB8AC3E}">
-        <p14:creationId xmlns:p14="http://schemas.microsoft.com/office/powerpoint/2010/main" val="3089899542"/>
+        <p14:creationId xmlns:p14="http://schemas.microsoft.com/office/powerpoint/2010/main" val="1520305915"/>
       </p:ext>
     </p:extLst>
   </p:cSld>
@@ -1647,7 +1650,7 @@
     </p:spTree>
     <p:extLst>
       <p:ext uri="{BB962C8B-B14F-4D97-AF65-F5344CB8AC3E}">
-        <p14:creationId xmlns:p14="http://schemas.microsoft.com/office/powerpoint/2010/main" val="1520305915"/>
+        <p14:creationId xmlns:p14="http://schemas.microsoft.com/office/powerpoint/2010/main" val="3089899542"/>
       </p:ext>
     </p:extLst>
   </p:cSld>
@@ -1804,7 +1807,7 @@
           <a:p>
             <a:fld id="{9FBD9C55-7868-4FF1-8666-2EC1F88A96B2}" type="datetimeFigureOut">
               <a:rPr lang="he-IL" smtClean="0"/>
-              <a:t>ל'.אדר א.תשפ"ד</a:t>
+              <a:t>א'.אדר ב.תשפ"ד</a:t>
             </a:fld>
             <a:endParaRPr lang="he-IL"/>
           </a:p>
@@ -2002,7 +2005,7 @@
           <a:p>
             <a:fld id="{9FBD9C55-7868-4FF1-8666-2EC1F88A96B2}" type="datetimeFigureOut">
               <a:rPr lang="he-IL" smtClean="0"/>
-              <a:t>ל'.אדר א.תשפ"ד</a:t>
+              <a:t>א'.אדר ב.תשפ"ד</a:t>
             </a:fld>
             <a:endParaRPr lang="he-IL"/>
           </a:p>
@@ -2210,7 +2213,7 @@
           <a:p>
             <a:fld id="{9FBD9C55-7868-4FF1-8666-2EC1F88A96B2}" type="datetimeFigureOut">
               <a:rPr lang="he-IL" smtClean="0"/>
-              <a:t>ל'.אדר א.תשפ"ד</a:t>
+              <a:t>א'.אדר ב.תשפ"ד</a:t>
             </a:fld>
             <a:endParaRPr lang="he-IL"/>
           </a:p>
@@ -2408,7 +2411,7 @@
           <a:p>
             <a:fld id="{9FBD9C55-7868-4FF1-8666-2EC1F88A96B2}" type="datetimeFigureOut">
               <a:rPr lang="he-IL" smtClean="0"/>
-              <a:t>ל'.אדר א.תשפ"ד</a:t>
+              <a:t>א'.אדר ב.תשפ"ד</a:t>
             </a:fld>
             <a:endParaRPr lang="he-IL"/>
           </a:p>
@@ -2683,7 +2686,7 @@
           <a:p>
             <a:fld id="{9FBD9C55-7868-4FF1-8666-2EC1F88A96B2}" type="datetimeFigureOut">
               <a:rPr lang="he-IL" smtClean="0"/>
-              <a:t>ל'.אדר א.תשפ"ד</a:t>
+              <a:t>א'.אדר ב.תשפ"ד</a:t>
             </a:fld>
             <a:endParaRPr lang="he-IL"/>
           </a:p>
@@ -2948,7 +2951,7 @@
           <a:p>
             <a:fld id="{9FBD9C55-7868-4FF1-8666-2EC1F88A96B2}" type="datetimeFigureOut">
               <a:rPr lang="he-IL" smtClean="0"/>
-              <a:t>ל'.אדר א.תשפ"ד</a:t>
+              <a:t>א'.אדר ב.תשפ"ד</a:t>
             </a:fld>
             <a:endParaRPr lang="he-IL"/>
           </a:p>
@@ -3360,7 +3363,7 @@
           <a:p>
             <a:fld id="{9FBD9C55-7868-4FF1-8666-2EC1F88A96B2}" type="datetimeFigureOut">
               <a:rPr lang="he-IL" smtClean="0"/>
-              <a:t>ל'.אדר א.תשפ"ד</a:t>
+              <a:t>א'.אדר ב.תשפ"ד</a:t>
             </a:fld>
             <a:endParaRPr lang="he-IL"/>
           </a:p>
@@ -3501,7 +3504,7 @@
           <a:p>
             <a:fld id="{9FBD9C55-7868-4FF1-8666-2EC1F88A96B2}" type="datetimeFigureOut">
               <a:rPr lang="he-IL" smtClean="0"/>
-              <a:t>ל'.אדר א.תשפ"ד</a:t>
+              <a:t>א'.אדר ב.תשפ"ד</a:t>
             </a:fld>
             <a:endParaRPr lang="he-IL"/>
           </a:p>
@@ -3614,7 +3617,7 @@
           <a:p>
             <a:fld id="{9FBD9C55-7868-4FF1-8666-2EC1F88A96B2}" type="datetimeFigureOut">
               <a:rPr lang="he-IL" smtClean="0"/>
-              <a:t>ל'.אדר א.תשפ"ד</a:t>
+              <a:t>א'.אדר ב.תשפ"ד</a:t>
             </a:fld>
             <a:endParaRPr lang="he-IL"/>
           </a:p>
@@ -3925,7 +3928,7 @@
           <a:p>
             <a:fld id="{9FBD9C55-7868-4FF1-8666-2EC1F88A96B2}" type="datetimeFigureOut">
               <a:rPr lang="he-IL" smtClean="0"/>
-              <a:t>ל'.אדר א.תשפ"ד</a:t>
+              <a:t>א'.אדר ב.תשפ"ד</a:t>
             </a:fld>
             <a:endParaRPr lang="he-IL"/>
           </a:p>
@@ -4213,7 +4216,7 @@
           <a:p>
             <a:fld id="{9FBD9C55-7868-4FF1-8666-2EC1F88A96B2}" type="datetimeFigureOut">
               <a:rPr lang="he-IL" smtClean="0"/>
-              <a:t>ל'.אדר א.תשפ"ד</a:t>
+              <a:t>א'.אדר ב.תשפ"ד</a:t>
             </a:fld>
             <a:endParaRPr lang="he-IL"/>
           </a:p>
@@ -4454,7 +4457,7 @@
           <a:p>
             <a:fld id="{9FBD9C55-7868-4FF1-8666-2EC1F88A96B2}" type="datetimeFigureOut">
               <a:rPr lang="he-IL" smtClean="0"/>
-              <a:t>ל'.אדר א.תשפ"ד</a:t>
+              <a:t>א'.אדר ב.תשפ"ד</a:t>
             </a:fld>
             <a:endParaRPr lang="he-IL"/>
           </a:p>
@@ -5449,994 +5452,19 @@
                 <a:ea typeface="+mj-ea"/>
                 <a:cs typeface="Arial"/>
               </a:rPr>
-              <a:t>פתרון שאלה 2.1.</a:t>
-            </a:r>
-            <a:endParaRPr lang="en-US" sz="4200" b="1" kern="0" dirty="0">
-              <a:solidFill>
-                <a:srgbClr val="006633"/>
-              </a:solidFill>
-              <a:latin typeface="Garamond"/>
-              <a:ea typeface="+mj-ea"/>
-              <a:cs typeface="Arial"/>
-            </a:endParaRPr>
-          </a:p>
-        </p:txBody>
-      </p:sp>
-      <p:sp>
-        <p:nvSpPr>
-          <p:cNvPr id="5" name="TextBox 4">
-            <a:extLst>
-              <a:ext uri="{FF2B5EF4-FFF2-40B4-BE49-F238E27FC236}">
-                <a16:creationId xmlns:a16="http://schemas.microsoft.com/office/drawing/2014/main" id="{E1177E8B-5D62-0CC0-B754-1D3A7AECB913}"/>
-              </a:ext>
-            </a:extLst>
-          </p:cNvPr>
-          <p:cNvSpPr txBox="1"/>
-          <p:nvPr/>
-        </p:nvSpPr>
-        <p:spPr>
-          <a:xfrm>
-            <a:off x="1804087" y="1445044"/>
-            <a:ext cx="6675737" cy="4247317"/>
-          </a:xfrm>
-          <a:prstGeom prst="rect">
-            <a:avLst/>
-          </a:prstGeom>
-          <a:noFill/>
-        </p:spPr>
-        <p:txBody>
-          <a:bodyPr wrap="square">
-            <a:spAutoFit/>
-          </a:bodyPr>
-          <a:lstStyle/>
-          <a:p>
-            <a:pPr algn="l" rtl="0"/>
-            <a:r>
-              <a:rPr lang="en-US" b="0" i="0" dirty="0">
-                <a:effectLst/>
-                <a:latin typeface="Söhne Mono"/>
-              </a:rPr>
-              <a:t>Max-</a:t>
-            </a:r>
-            <a:r>
-              <a:rPr lang="en-US" b="0" i="0" dirty="0" err="1">
-                <a:effectLst/>
-                <a:latin typeface="Söhne Mono"/>
-              </a:rPr>
-              <a:t>Heapify</a:t>
-            </a:r>
-            <a:r>
-              <a:rPr lang="en-US" b="0" i="0" dirty="0">
-                <a:effectLst/>
-                <a:latin typeface="Söhne Mono"/>
-              </a:rPr>
-              <a:t>(A, </a:t>
-            </a:r>
-            <a:r>
-              <a:rPr lang="en-US" b="0" i="0" dirty="0" err="1">
-                <a:effectLst/>
-                <a:latin typeface="Söhne Mono"/>
-              </a:rPr>
-              <a:t>i</a:t>
-            </a:r>
-            <a:r>
-              <a:rPr lang="en-US" b="0" i="0" dirty="0">
-                <a:effectLst/>
-                <a:latin typeface="Söhne Mono"/>
-              </a:rPr>
-              <a:t>):</a:t>
-            </a:r>
-            <a:endParaRPr lang="he-IL" b="0" i="0" dirty="0">
-              <a:effectLst/>
-              <a:latin typeface="Söhne Mono"/>
-            </a:endParaRPr>
-          </a:p>
-          <a:p>
-            <a:pPr algn="l" rtl="0"/>
-            <a:endParaRPr lang="he-IL" b="0" i="0" dirty="0">
-              <a:effectLst/>
-              <a:latin typeface="Söhne Mono"/>
-            </a:endParaRPr>
-          </a:p>
-          <a:p>
-            <a:pPr algn="l" rtl="0"/>
-            <a:r>
-              <a:rPr lang="he-IL" dirty="0">
-                <a:latin typeface="Söhne Mono"/>
-              </a:rPr>
-              <a:t>	</a:t>
-            </a:r>
-            <a:r>
-              <a:rPr lang="en-US" b="0" i="0" dirty="0" err="1">
-                <a:effectLst/>
-                <a:latin typeface="Söhne Mono"/>
-              </a:rPr>
-              <a:t>left_child</a:t>
-            </a:r>
-            <a:r>
-              <a:rPr lang="en-US" b="0" i="0" dirty="0">
-                <a:effectLst/>
-                <a:latin typeface="Söhne Mono"/>
-              </a:rPr>
-              <a:t> = 2 * </a:t>
-            </a:r>
-            <a:r>
-              <a:rPr lang="en-US" b="0" i="0" dirty="0" err="1">
-                <a:effectLst/>
-                <a:latin typeface="Söhne Mono"/>
-              </a:rPr>
-              <a:t>i</a:t>
-            </a:r>
-            <a:r>
-              <a:rPr lang="en-US" b="0" i="0" dirty="0">
-                <a:effectLst/>
-                <a:latin typeface="Söhne Mono"/>
-              </a:rPr>
-              <a:t> + 1 </a:t>
-            </a:r>
-            <a:endParaRPr lang="he-IL" b="0" i="0" dirty="0">
-              <a:effectLst/>
-              <a:latin typeface="Söhne Mono"/>
-            </a:endParaRPr>
-          </a:p>
-          <a:p>
-            <a:pPr algn="l" rtl="0"/>
-            <a:r>
-              <a:rPr lang="he-IL" dirty="0">
-                <a:latin typeface="Söhne Mono"/>
-              </a:rPr>
-              <a:t>	</a:t>
-            </a:r>
-            <a:r>
-              <a:rPr lang="en-US" b="0" i="0" dirty="0" err="1">
-                <a:effectLst/>
-                <a:latin typeface="Söhne Mono"/>
-              </a:rPr>
-              <a:t>right_child</a:t>
-            </a:r>
-            <a:r>
-              <a:rPr lang="en-US" b="0" i="0" dirty="0">
-                <a:effectLst/>
-                <a:latin typeface="Söhne Mono"/>
-              </a:rPr>
-              <a:t> = 2 * </a:t>
-            </a:r>
-            <a:r>
-              <a:rPr lang="en-US" b="0" i="0" dirty="0" err="1">
-                <a:effectLst/>
-                <a:latin typeface="Söhne Mono"/>
-              </a:rPr>
-              <a:t>i</a:t>
-            </a:r>
-            <a:r>
-              <a:rPr lang="en-US" b="0" i="0" dirty="0">
-                <a:effectLst/>
-                <a:latin typeface="Söhne Mono"/>
-              </a:rPr>
-              <a:t> + 2 </a:t>
-            </a:r>
-            <a:endParaRPr lang="he-IL" b="0" i="0" dirty="0">
-              <a:effectLst/>
-              <a:latin typeface="Söhne Mono"/>
-            </a:endParaRPr>
-          </a:p>
-          <a:p>
-            <a:pPr algn="l" rtl="0"/>
-            <a:r>
-              <a:rPr lang="he-IL" dirty="0">
-                <a:latin typeface="Söhne Mono"/>
-              </a:rPr>
-              <a:t>	</a:t>
-            </a:r>
-            <a:r>
-              <a:rPr lang="en-US" b="0" i="0" dirty="0">
-                <a:effectLst/>
-                <a:latin typeface="Söhne Mono"/>
-              </a:rPr>
-              <a:t>largest = </a:t>
-            </a:r>
-            <a:r>
-              <a:rPr lang="en-US" b="0" i="0" dirty="0" err="1">
-                <a:effectLst/>
-                <a:latin typeface="Söhne Mono"/>
-              </a:rPr>
-              <a:t>i</a:t>
-            </a:r>
-            <a:r>
-              <a:rPr lang="en-US" b="0" i="0" dirty="0">
-                <a:effectLst/>
-                <a:latin typeface="Söhne Mono"/>
-              </a:rPr>
-              <a:t> </a:t>
-            </a:r>
-            <a:endParaRPr lang="he-IL" b="0" i="0" dirty="0">
-              <a:effectLst/>
-              <a:latin typeface="Söhne Mono"/>
-            </a:endParaRPr>
-          </a:p>
-          <a:p>
-            <a:pPr algn="l" rtl="0"/>
-            <a:endParaRPr lang="he-IL" b="0" i="0" dirty="0">
-              <a:effectLst/>
-              <a:latin typeface="Söhne Mono"/>
-            </a:endParaRPr>
-          </a:p>
-          <a:p>
-            <a:pPr algn="l" rtl="0"/>
-            <a:r>
-              <a:rPr lang="he-IL" dirty="0">
-                <a:latin typeface="Söhne Mono"/>
-              </a:rPr>
-              <a:t>	</a:t>
-            </a:r>
-            <a:r>
-              <a:rPr lang="en-US" b="0" i="0" dirty="0">
-                <a:effectLst/>
-                <a:latin typeface="Söhne Mono"/>
-              </a:rPr>
-              <a:t>if </a:t>
-            </a:r>
-            <a:r>
-              <a:rPr lang="en-US" b="0" i="0" dirty="0" err="1">
-                <a:effectLst/>
-                <a:latin typeface="Söhne Mono"/>
-              </a:rPr>
-              <a:t>left_child</a:t>
-            </a:r>
-            <a:r>
-              <a:rPr lang="en-US" b="0" i="0" dirty="0">
-                <a:effectLst/>
-                <a:latin typeface="Söhne Mono"/>
-              </a:rPr>
-              <a:t> &lt; </a:t>
-            </a:r>
-            <a:r>
-              <a:rPr lang="en-US" b="0" i="0" dirty="0" err="1">
-                <a:effectLst/>
-                <a:latin typeface="Söhne Mono"/>
-              </a:rPr>
-              <a:t>A.heap_size</a:t>
-            </a:r>
-            <a:r>
-              <a:rPr lang="en-US" b="0" i="0" dirty="0">
-                <a:effectLst/>
-                <a:latin typeface="Söhne Mono"/>
-              </a:rPr>
-              <a:t> and A[</a:t>
-            </a:r>
-            <a:r>
-              <a:rPr lang="en-US" b="0" i="0" dirty="0" err="1">
-                <a:effectLst/>
-                <a:latin typeface="Söhne Mono"/>
-              </a:rPr>
-              <a:t>left_child</a:t>
-            </a:r>
-            <a:r>
-              <a:rPr lang="en-US" b="0" i="0" dirty="0">
-                <a:effectLst/>
-                <a:latin typeface="Söhne Mono"/>
-              </a:rPr>
-              <a:t>] &gt; A[largest]: </a:t>
-            </a:r>
-            <a:r>
-              <a:rPr lang="he-IL" b="0" i="0" dirty="0">
-                <a:effectLst/>
-                <a:latin typeface="Söhne Mono"/>
-              </a:rPr>
-              <a:t>			</a:t>
-            </a:r>
-            <a:r>
-              <a:rPr lang="en-US" b="0" i="0" dirty="0">
-                <a:effectLst/>
-                <a:latin typeface="Söhne Mono"/>
-              </a:rPr>
-              <a:t>largest = </a:t>
-            </a:r>
-            <a:r>
-              <a:rPr lang="en-US" b="0" i="0" dirty="0" err="1">
-                <a:effectLst/>
-                <a:latin typeface="Söhne Mono"/>
-              </a:rPr>
-              <a:t>left_child</a:t>
-            </a:r>
-            <a:r>
-              <a:rPr lang="en-US" b="0" i="0" dirty="0">
-                <a:effectLst/>
-                <a:latin typeface="Söhne Mono"/>
-              </a:rPr>
-              <a:t> </a:t>
-            </a:r>
-            <a:endParaRPr lang="he-IL" b="0" i="0" dirty="0">
-              <a:effectLst/>
-              <a:latin typeface="Söhne Mono"/>
-            </a:endParaRPr>
-          </a:p>
-          <a:p>
-            <a:pPr algn="l" rtl="0"/>
-            <a:endParaRPr lang="he-IL" b="0" i="0" dirty="0">
-              <a:effectLst/>
-              <a:latin typeface="Söhne Mono"/>
-            </a:endParaRPr>
-          </a:p>
-          <a:p>
-            <a:pPr algn="l" rtl="0"/>
-            <a:r>
-              <a:rPr lang="he-IL" b="0" i="0" dirty="0">
-                <a:effectLst/>
-                <a:latin typeface="Söhne Mono"/>
-              </a:rPr>
-              <a:t>	</a:t>
-            </a:r>
-            <a:r>
-              <a:rPr lang="en-US" b="0" i="0" dirty="0">
-                <a:effectLst/>
-                <a:latin typeface="Söhne Mono"/>
-              </a:rPr>
-              <a:t>if </a:t>
-            </a:r>
-            <a:r>
-              <a:rPr lang="en-US" b="0" i="0" dirty="0" err="1">
-                <a:effectLst/>
-                <a:latin typeface="Söhne Mono"/>
-              </a:rPr>
-              <a:t>right_child</a:t>
-            </a:r>
-            <a:r>
-              <a:rPr lang="en-US" b="0" i="0" dirty="0">
-                <a:effectLst/>
-                <a:latin typeface="Söhne Mono"/>
-              </a:rPr>
-              <a:t> &lt; </a:t>
-            </a:r>
-            <a:r>
-              <a:rPr lang="en-US" b="0" i="0" dirty="0" err="1">
-                <a:effectLst/>
-                <a:latin typeface="Söhne Mono"/>
-              </a:rPr>
-              <a:t>A.heap_size</a:t>
-            </a:r>
-            <a:r>
-              <a:rPr lang="en-US" b="0" i="0" dirty="0">
-                <a:effectLst/>
-                <a:latin typeface="Söhne Mono"/>
-              </a:rPr>
-              <a:t> and A[</a:t>
-            </a:r>
-            <a:r>
-              <a:rPr lang="en-US" b="0" i="0" dirty="0" err="1">
-                <a:effectLst/>
-                <a:latin typeface="Söhne Mono"/>
-              </a:rPr>
-              <a:t>right_child</a:t>
-            </a:r>
-            <a:r>
-              <a:rPr lang="en-US" b="0" i="0" dirty="0">
-                <a:effectLst/>
-                <a:latin typeface="Söhne Mono"/>
-              </a:rPr>
-              <a:t>] &gt; A[largest]: </a:t>
-            </a:r>
-            <a:r>
-              <a:rPr lang="he-IL" b="0" i="0" dirty="0">
-                <a:effectLst/>
-                <a:latin typeface="Söhne Mono"/>
-              </a:rPr>
-              <a:t>			</a:t>
-            </a:r>
-            <a:r>
-              <a:rPr lang="en-US" b="0" i="0" dirty="0">
-                <a:effectLst/>
-                <a:latin typeface="Söhne Mono"/>
-              </a:rPr>
-              <a:t>largest = </a:t>
-            </a:r>
-            <a:r>
-              <a:rPr lang="en-US" b="0" i="0" dirty="0" err="1">
-                <a:effectLst/>
-                <a:latin typeface="Söhne Mono"/>
-              </a:rPr>
-              <a:t>right_child</a:t>
-            </a:r>
-            <a:r>
-              <a:rPr lang="en-US" b="0" i="0" dirty="0">
-                <a:effectLst/>
-                <a:latin typeface="Söhne Mono"/>
-              </a:rPr>
-              <a:t> </a:t>
-            </a:r>
-            <a:endParaRPr lang="he-IL" b="0" i="0" dirty="0">
-              <a:effectLst/>
-              <a:latin typeface="Söhne Mono"/>
-            </a:endParaRPr>
-          </a:p>
-          <a:p>
-            <a:pPr algn="l" rtl="0"/>
-            <a:endParaRPr lang="he-IL" b="0" i="0" dirty="0">
-              <a:effectLst/>
-              <a:latin typeface="Söhne Mono"/>
-            </a:endParaRPr>
-          </a:p>
-          <a:p>
-            <a:pPr algn="l" rtl="0"/>
-            <a:r>
-              <a:rPr lang="he-IL" dirty="0">
-                <a:latin typeface="Söhne Mono"/>
-              </a:rPr>
-              <a:t>	</a:t>
-            </a:r>
-            <a:r>
-              <a:rPr lang="en-US" b="0" i="0" dirty="0">
-                <a:effectLst/>
-                <a:latin typeface="Söhne Mono"/>
-              </a:rPr>
-              <a:t>if largest != </a:t>
-            </a:r>
-            <a:r>
-              <a:rPr lang="en-US" b="0" i="0" dirty="0" err="1">
-                <a:effectLst/>
-                <a:latin typeface="Söhne Mono"/>
-              </a:rPr>
-              <a:t>i</a:t>
-            </a:r>
-            <a:r>
-              <a:rPr lang="en-US" b="0" i="0" dirty="0">
-                <a:effectLst/>
-                <a:latin typeface="Söhne Mono"/>
-              </a:rPr>
-              <a:t>: </a:t>
-            </a:r>
-            <a:endParaRPr lang="he-IL" b="0" i="0" dirty="0">
-              <a:effectLst/>
-              <a:latin typeface="Söhne Mono"/>
-            </a:endParaRPr>
-          </a:p>
-          <a:p>
-            <a:pPr algn="l" rtl="0"/>
-            <a:r>
-              <a:rPr lang="he-IL" dirty="0">
-                <a:latin typeface="Söhne Mono"/>
-              </a:rPr>
-              <a:t>		</a:t>
-            </a:r>
-            <a:r>
-              <a:rPr lang="en-US" b="0" i="0" dirty="0">
-                <a:effectLst/>
-                <a:latin typeface="Söhne Mono"/>
-              </a:rPr>
-              <a:t>swap A[</a:t>
-            </a:r>
-            <a:r>
-              <a:rPr lang="en-US" b="0" i="0" dirty="0" err="1">
-                <a:effectLst/>
-                <a:latin typeface="Söhne Mono"/>
-              </a:rPr>
-              <a:t>i</a:t>
-            </a:r>
-            <a:r>
-              <a:rPr lang="en-US" b="0" i="0" dirty="0">
-                <a:effectLst/>
-                <a:latin typeface="Söhne Mono"/>
-              </a:rPr>
-              <a:t>] with A[largest] </a:t>
-            </a:r>
-            <a:endParaRPr lang="he-IL" b="0" i="0" dirty="0">
-              <a:effectLst/>
-              <a:latin typeface="Söhne Mono"/>
-            </a:endParaRPr>
-          </a:p>
-          <a:p>
-            <a:pPr algn="l" rtl="0"/>
-            <a:r>
-              <a:rPr lang="he-IL" dirty="0">
-                <a:latin typeface="Söhne Mono"/>
-              </a:rPr>
-              <a:t>		</a:t>
-            </a:r>
-            <a:r>
-              <a:rPr lang="en-US" b="0" i="0" dirty="0">
-                <a:effectLst/>
-                <a:latin typeface="Söhne Mono"/>
-              </a:rPr>
-              <a:t>Max-</a:t>
-            </a:r>
-            <a:r>
-              <a:rPr lang="en-US" b="0" i="0" dirty="0" err="1">
-                <a:effectLst/>
-                <a:latin typeface="Söhne Mono"/>
-              </a:rPr>
-              <a:t>Heapify</a:t>
-            </a:r>
-            <a:r>
-              <a:rPr lang="en-US" b="0" i="0" dirty="0">
-                <a:effectLst/>
-                <a:latin typeface="Söhne Mono"/>
-              </a:rPr>
-              <a:t>(A, largest)</a:t>
-            </a:r>
-            <a:endParaRPr lang="en-IL" dirty="0"/>
-          </a:p>
-        </p:txBody>
-      </p:sp>
-    </p:spTree>
-    <p:extLst>
-      <p:ext uri="{BB962C8B-B14F-4D97-AF65-F5344CB8AC3E}">
-        <p14:creationId xmlns:p14="http://schemas.microsoft.com/office/powerpoint/2010/main" val="1462860810"/>
-      </p:ext>
-    </p:extLst>
-  </p:cSld>
-  <p:clrMapOvr>
-    <a:masterClrMapping/>
-  </p:clrMapOvr>
-  <p:timing>
-    <p:tnLst>
-      <p:par>
-        <p:cTn id="1" dur="indefinite" restart="never" nodeType="tmRoot">
-          <p:childTnLst>
-            <p:seq concurrent="1" nextAc="seek">
-              <p:cTn id="2" dur="indefinite" nodeType="mainSeq">
-                <p:childTnLst>
-                  <p:par>
-                    <p:cTn id="3" fill="hold">
-                      <p:stCondLst>
-                        <p:cond delay="indefinite"/>
-                      </p:stCondLst>
-                      <p:childTnLst>
-                        <p:par>
-                          <p:cTn id="4" fill="hold">
-                            <p:stCondLst>
-                              <p:cond delay="0"/>
-                            </p:stCondLst>
-                            <p:childTnLst>
-                              <p:par>
-                                <p:cTn id="5" presetID="1" presetClass="entr" presetSubtype="0" fill="hold" nodeType="clickEffect">
-                                  <p:stCondLst>
-                                    <p:cond delay="0"/>
-                                  </p:stCondLst>
-                                  <p:childTnLst>
-                                    <p:set>
-                                      <p:cBhvr>
-                                        <p:cTn id="6" dur="1" fill="hold">
-                                          <p:stCondLst>
-                                            <p:cond delay="0"/>
-                                          </p:stCondLst>
-                                        </p:cTn>
-                                        <p:tgtEl>
-                                          <p:spTgt spid="5">
-                                            <p:txEl>
-                                              <p:pRg st="0" end="0"/>
-                                            </p:txEl>
-                                          </p:spTgt>
-                                        </p:tgtEl>
-                                        <p:attrNameLst>
-                                          <p:attrName>style.visibility</p:attrName>
-                                        </p:attrNameLst>
-                                      </p:cBhvr>
-                                      <p:to>
-                                        <p:strVal val="visible"/>
-                                      </p:to>
-                                    </p:set>
-                                  </p:childTnLst>
-                                </p:cTn>
-                              </p:par>
-                            </p:childTnLst>
-                          </p:cTn>
-                        </p:par>
-                      </p:childTnLst>
-                    </p:cTn>
-                  </p:par>
-                  <p:par>
-                    <p:cTn id="7" fill="hold">
-                      <p:stCondLst>
-                        <p:cond delay="indefinite"/>
-                      </p:stCondLst>
-                      <p:childTnLst>
-                        <p:par>
-                          <p:cTn id="8" fill="hold">
-                            <p:stCondLst>
-                              <p:cond delay="0"/>
-                            </p:stCondLst>
-                            <p:childTnLst>
-                              <p:par>
-                                <p:cTn id="9" presetID="1" presetClass="entr" presetSubtype="0" fill="hold" nodeType="clickEffect">
-                                  <p:stCondLst>
-                                    <p:cond delay="0"/>
-                                  </p:stCondLst>
-                                  <p:childTnLst>
-                                    <p:set>
-                                      <p:cBhvr>
-                                        <p:cTn id="10" dur="1" fill="hold">
-                                          <p:stCondLst>
-                                            <p:cond delay="0"/>
-                                          </p:stCondLst>
-                                        </p:cTn>
-                                        <p:tgtEl>
-                                          <p:spTgt spid="5">
-                                            <p:txEl>
-                                              <p:pRg st="2" end="2"/>
-                                            </p:txEl>
-                                          </p:spTgt>
-                                        </p:tgtEl>
-                                        <p:attrNameLst>
-                                          <p:attrName>style.visibility</p:attrName>
-                                        </p:attrNameLst>
-                                      </p:cBhvr>
-                                      <p:to>
-                                        <p:strVal val="visible"/>
-                                      </p:to>
-                                    </p:set>
-                                  </p:childTnLst>
-                                </p:cTn>
-                              </p:par>
-                              <p:par>
-                                <p:cTn id="11" presetID="1" presetClass="entr" presetSubtype="0" fill="hold" nodeType="withEffect">
-                                  <p:stCondLst>
-                                    <p:cond delay="0"/>
-                                  </p:stCondLst>
-                                  <p:childTnLst>
-                                    <p:set>
-                                      <p:cBhvr>
-                                        <p:cTn id="12" dur="1" fill="hold">
-                                          <p:stCondLst>
-                                            <p:cond delay="0"/>
-                                          </p:stCondLst>
-                                        </p:cTn>
-                                        <p:tgtEl>
-                                          <p:spTgt spid="5">
-                                            <p:txEl>
-                                              <p:pRg st="3" end="3"/>
-                                            </p:txEl>
-                                          </p:spTgt>
-                                        </p:tgtEl>
-                                        <p:attrNameLst>
-                                          <p:attrName>style.visibility</p:attrName>
-                                        </p:attrNameLst>
-                                      </p:cBhvr>
-                                      <p:to>
-                                        <p:strVal val="visible"/>
-                                      </p:to>
-                                    </p:set>
-                                  </p:childTnLst>
-                                </p:cTn>
-                              </p:par>
-                              <p:par>
-                                <p:cTn id="13" presetID="1" presetClass="entr" presetSubtype="0" fill="hold" nodeType="withEffect">
-                                  <p:stCondLst>
-                                    <p:cond delay="0"/>
-                                  </p:stCondLst>
-                                  <p:childTnLst>
-                                    <p:set>
-                                      <p:cBhvr>
-                                        <p:cTn id="14" dur="1" fill="hold">
-                                          <p:stCondLst>
-                                            <p:cond delay="0"/>
-                                          </p:stCondLst>
-                                        </p:cTn>
-                                        <p:tgtEl>
-                                          <p:spTgt spid="5">
-                                            <p:txEl>
-                                              <p:pRg st="4" end="4"/>
-                                            </p:txEl>
-                                          </p:spTgt>
-                                        </p:tgtEl>
-                                        <p:attrNameLst>
-                                          <p:attrName>style.visibility</p:attrName>
-                                        </p:attrNameLst>
-                                      </p:cBhvr>
-                                      <p:to>
-                                        <p:strVal val="visible"/>
-                                      </p:to>
-                                    </p:set>
-                                  </p:childTnLst>
-                                </p:cTn>
-                              </p:par>
-                            </p:childTnLst>
-                          </p:cTn>
-                        </p:par>
-                      </p:childTnLst>
-                    </p:cTn>
-                  </p:par>
-                  <p:par>
-                    <p:cTn id="15" fill="hold">
-                      <p:stCondLst>
-                        <p:cond delay="indefinite"/>
-                      </p:stCondLst>
-                      <p:childTnLst>
-                        <p:par>
-                          <p:cTn id="16" fill="hold">
-                            <p:stCondLst>
-                              <p:cond delay="0"/>
-                            </p:stCondLst>
-                            <p:childTnLst>
-                              <p:par>
-                                <p:cTn id="17" presetID="1" presetClass="entr" presetSubtype="0" fill="hold" nodeType="clickEffect">
-                                  <p:stCondLst>
-                                    <p:cond delay="0"/>
-                                  </p:stCondLst>
-                                  <p:childTnLst>
-                                    <p:set>
-                                      <p:cBhvr>
-                                        <p:cTn id="18" dur="1" fill="hold">
-                                          <p:stCondLst>
-                                            <p:cond delay="0"/>
-                                          </p:stCondLst>
-                                        </p:cTn>
-                                        <p:tgtEl>
-                                          <p:spTgt spid="5">
-                                            <p:txEl>
-                                              <p:pRg st="6" end="6"/>
-                                            </p:txEl>
-                                          </p:spTgt>
-                                        </p:tgtEl>
-                                        <p:attrNameLst>
-                                          <p:attrName>style.visibility</p:attrName>
-                                        </p:attrNameLst>
-                                      </p:cBhvr>
-                                      <p:to>
-                                        <p:strVal val="visible"/>
-                                      </p:to>
-                                    </p:set>
-                                  </p:childTnLst>
-                                </p:cTn>
-                              </p:par>
-                            </p:childTnLst>
-                          </p:cTn>
-                        </p:par>
-                      </p:childTnLst>
-                    </p:cTn>
-                  </p:par>
-                  <p:par>
-                    <p:cTn id="19" fill="hold">
-                      <p:stCondLst>
-                        <p:cond delay="indefinite"/>
-                      </p:stCondLst>
-                      <p:childTnLst>
-                        <p:par>
-                          <p:cTn id="20" fill="hold">
-                            <p:stCondLst>
-                              <p:cond delay="0"/>
-                            </p:stCondLst>
-                            <p:childTnLst>
-                              <p:par>
-                                <p:cTn id="21" presetID="1" presetClass="entr" presetSubtype="0" fill="hold" nodeType="clickEffect">
-                                  <p:stCondLst>
-                                    <p:cond delay="0"/>
-                                  </p:stCondLst>
-                                  <p:childTnLst>
-                                    <p:set>
-                                      <p:cBhvr>
-                                        <p:cTn id="22" dur="1" fill="hold">
-                                          <p:stCondLst>
-                                            <p:cond delay="0"/>
-                                          </p:stCondLst>
-                                        </p:cTn>
-                                        <p:tgtEl>
-                                          <p:spTgt spid="5">
-                                            <p:txEl>
-                                              <p:pRg st="8" end="8"/>
-                                            </p:txEl>
-                                          </p:spTgt>
-                                        </p:tgtEl>
-                                        <p:attrNameLst>
-                                          <p:attrName>style.visibility</p:attrName>
-                                        </p:attrNameLst>
-                                      </p:cBhvr>
-                                      <p:to>
-                                        <p:strVal val="visible"/>
-                                      </p:to>
-                                    </p:set>
-                                  </p:childTnLst>
-                                </p:cTn>
-                              </p:par>
-                            </p:childTnLst>
-                          </p:cTn>
-                        </p:par>
-                      </p:childTnLst>
-                    </p:cTn>
-                  </p:par>
-                  <p:par>
-                    <p:cTn id="23" fill="hold">
-                      <p:stCondLst>
-                        <p:cond delay="indefinite"/>
-                      </p:stCondLst>
-                      <p:childTnLst>
-                        <p:par>
-                          <p:cTn id="24" fill="hold">
-                            <p:stCondLst>
-                              <p:cond delay="0"/>
-                            </p:stCondLst>
-                            <p:childTnLst>
-                              <p:par>
-                                <p:cTn id="25" presetID="1" presetClass="entr" presetSubtype="0" fill="hold" nodeType="clickEffect">
-                                  <p:stCondLst>
-                                    <p:cond delay="0"/>
-                                  </p:stCondLst>
-                                  <p:childTnLst>
-                                    <p:set>
-                                      <p:cBhvr>
-                                        <p:cTn id="26" dur="1" fill="hold">
-                                          <p:stCondLst>
-                                            <p:cond delay="0"/>
-                                          </p:stCondLst>
-                                        </p:cTn>
-                                        <p:tgtEl>
-                                          <p:spTgt spid="5">
-                                            <p:txEl>
-                                              <p:pRg st="10" end="10"/>
-                                            </p:txEl>
-                                          </p:spTgt>
-                                        </p:tgtEl>
-                                        <p:attrNameLst>
-                                          <p:attrName>style.visibility</p:attrName>
-                                        </p:attrNameLst>
-                                      </p:cBhvr>
-                                      <p:to>
-                                        <p:strVal val="visible"/>
-                                      </p:to>
-                                    </p:set>
-                                  </p:childTnLst>
-                                </p:cTn>
-                              </p:par>
-                              <p:par>
-                                <p:cTn id="27" presetID="1" presetClass="entr" presetSubtype="0" fill="hold" nodeType="withEffect">
-                                  <p:stCondLst>
-                                    <p:cond delay="0"/>
-                                  </p:stCondLst>
-                                  <p:childTnLst>
-                                    <p:set>
-                                      <p:cBhvr>
-                                        <p:cTn id="28" dur="1" fill="hold">
-                                          <p:stCondLst>
-                                            <p:cond delay="0"/>
-                                          </p:stCondLst>
-                                        </p:cTn>
-                                        <p:tgtEl>
-                                          <p:spTgt spid="5">
-                                            <p:txEl>
-                                              <p:pRg st="11" end="11"/>
-                                            </p:txEl>
-                                          </p:spTgt>
-                                        </p:tgtEl>
-                                        <p:attrNameLst>
-                                          <p:attrName>style.visibility</p:attrName>
-                                        </p:attrNameLst>
-                                      </p:cBhvr>
-                                      <p:to>
-                                        <p:strVal val="visible"/>
-                                      </p:to>
-                                    </p:set>
-                                  </p:childTnLst>
-                                </p:cTn>
-                              </p:par>
-                              <p:par>
-                                <p:cTn id="29" presetID="1" presetClass="entr" presetSubtype="0" fill="hold" nodeType="withEffect">
-                                  <p:stCondLst>
-                                    <p:cond delay="0"/>
-                                  </p:stCondLst>
-                                  <p:childTnLst>
-                                    <p:set>
-                                      <p:cBhvr>
-                                        <p:cTn id="30" dur="1" fill="hold">
-                                          <p:stCondLst>
-                                            <p:cond delay="0"/>
-                                          </p:stCondLst>
-                                        </p:cTn>
-                                        <p:tgtEl>
-                                          <p:spTgt spid="5">
-                                            <p:txEl>
-                                              <p:pRg st="12" end="12"/>
-                                            </p:txEl>
-                                          </p:spTgt>
-                                        </p:tgtEl>
-                                        <p:attrNameLst>
-                                          <p:attrName>style.visibility</p:attrName>
-                                        </p:attrNameLst>
-                                      </p:cBhvr>
-                                      <p:to>
-                                        <p:strVal val="visible"/>
-                                      </p:to>
-                                    </p:set>
-                                  </p:childTnLst>
-                                </p:cTn>
-                              </p:par>
-                            </p:childTnLst>
-                          </p:cTn>
-                        </p:par>
-                      </p:childTnLst>
-                    </p:cTn>
-                  </p:par>
-                </p:childTnLst>
-              </p:cTn>
-              <p:prevCondLst>
-                <p:cond evt="onPrev" delay="0">
-                  <p:tgtEl>
-                    <p:sldTgt/>
-                  </p:tgtEl>
-                </p:cond>
-              </p:prevCondLst>
-              <p:nextCondLst>
-                <p:cond evt="onNext" delay="0">
-                  <p:tgtEl>
-                    <p:sldTgt/>
-                  </p:tgtEl>
-                </p:cond>
-              </p:nextCondLst>
-            </p:seq>
-          </p:childTnLst>
-        </p:cTn>
-      </p:par>
-    </p:tnLst>
-  </p:timing>
-</p:sld>
-</file>
-
-<file path=ppt/slides/slide13.xml><?xml version="1.0" encoding="utf-8"?>
-<p:sld xmlns:a="http://schemas.openxmlformats.org/drawingml/2006/main" xmlns:r="http://schemas.openxmlformats.org/officeDocument/2006/relationships" xmlns:p="http://schemas.openxmlformats.org/presentationml/2006/main">
-  <p:cSld>
-    <p:bg>
-      <p:bgPr>
-        <a:blipFill dpi="0" rotWithShape="1">
-          <a:blip r:embed="rId3">
-            <a:lum/>
-          </a:blip>
-          <a:srcRect/>
-          <a:stretch>
-            <a:fillRect/>
-          </a:stretch>
-        </a:blipFill>
-        <a:effectLst/>
-      </p:bgPr>
-    </p:bg>
-    <p:spTree>
-      <p:nvGrpSpPr>
-        <p:cNvPr id="1" name=""/>
-        <p:cNvGrpSpPr/>
-        <p:nvPr/>
-      </p:nvGrpSpPr>
-      <p:grpSpPr>
-        <a:xfrm>
-          <a:off x="0" y="0"/>
-          <a:ext cx="0" cy="0"/>
-          <a:chOff x="0" y="0"/>
-          <a:chExt cx="0" cy="0"/>
-        </a:xfrm>
-      </p:grpSpPr>
-      <p:sp>
-        <p:nvSpPr>
-          <p:cNvPr id="2" name="TextBox 1">
-            <a:extLst>
-              <a:ext uri="{FF2B5EF4-FFF2-40B4-BE49-F238E27FC236}">
-                <a16:creationId xmlns:a16="http://schemas.microsoft.com/office/drawing/2014/main" id="{78B5EC2F-3CF0-A40A-ED3F-7164DDC74817}"/>
-              </a:ext>
-            </a:extLst>
-          </p:cNvPr>
-          <p:cNvSpPr txBox="1"/>
-          <p:nvPr/>
-        </p:nvSpPr>
-        <p:spPr>
-          <a:xfrm>
-            <a:off x="7018638" y="488512"/>
-            <a:ext cx="4294522" cy="738664"/>
-          </a:xfrm>
-          <a:prstGeom prst="rect">
-            <a:avLst/>
-          </a:prstGeom>
-          <a:noFill/>
-        </p:spPr>
-        <p:txBody>
-          <a:bodyPr wrap="square" rtlCol="1">
-            <a:spAutoFit/>
-          </a:bodyPr>
-          <a:lstStyle/>
-          <a:p>
-            <a:pPr algn="r" fontAlgn="base">
-              <a:spcBef>
-                <a:spcPct val="0"/>
-              </a:spcBef>
-              <a:spcAft>
-                <a:spcPct val="0"/>
-              </a:spcAft>
-              <a:defRPr/>
-            </a:pPr>
+              <a:t>פתרון שאלה 2.</a:t>
+            </a:r>
+            <a:r>
+              <a:rPr lang="en-US" sz="4200" b="1" kern="0" dirty="0">
+                <a:solidFill>
+                  <a:srgbClr val="006633"/>
+                </a:solidFill>
+                <a:latin typeface="Garamond"/>
+                <a:ea typeface="+mj-ea"/>
+                <a:cs typeface="Arial"/>
+              </a:rPr>
+              <a:t>1</a:t>
+            </a:r>
             <a:r>
               <a:rPr lang="he-IL" sz="4200" b="1" kern="0" dirty="0">
                 <a:solidFill>
@@ -6446,7 +5474,7 @@
                 <a:ea typeface="+mj-ea"/>
                 <a:cs typeface="Arial"/>
               </a:rPr>
-              <a:t>פתרון שאלה 2.2.</a:t>
+              <a:t>.</a:t>
             </a:r>
             <a:endParaRPr lang="en-US" sz="4200" b="1" kern="0" dirty="0">
               <a:solidFill>
@@ -7335,6 +6363,1025 @@
 </p:sld>
 </file>
 
+<file path=ppt/slides/slide13.xml><?xml version="1.0" encoding="utf-8"?>
+<p:sld xmlns:a="http://schemas.openxmlformats.org/drawingml/2006/main" xmlns:r="http://schemas.openxmlformats.org/officeDocument/2006/relationships" xmlns:p="http://schemas.openxmlformats.org/presentationml/2006/main">
+  <p:cSld>
+    <p:bg>
+      <p:bgPr>
+        <a:blipFill dpi="0" rotWithShape="1">
+          <a:blip r:embed="rId3">
+            <a:lum/>
+          </a:blip>
+          <a:srcRect/>
+          <a:stretch>
+            <a:fillRect/>
+          </a:stretch>
+        </a:blipFill>
+        <a:effectLst/>
+      </p:bgPr>
+    </p:bg>
+    <p:spTree>
+      <p:nvGrpSpPr>
+        <p:cNvPr id="1" name=""/>
+        <p:cNvGrpSpPr/>
+        <p:nvPr/>
+      </p:nvGrpSpPr>
+      <p:grpSpPr>
+        <a:xfrm>
+          <a:off x="0" y="0"/>
+          <a:ext cx="0" cy="0"/>
+          <a:chOff x="0" y="0"/>
+          <a:chExt cx="0" cy="0"/>
+        </a:xfrm>
+      </p:grpSpPr>
+      <p:sp>
+        <p:nvSpPr>
+          <p:cNvPr id="2" name="TextBox 1">
+            <a:extLst>
+              <a:ext uri="{FF2B5EF4-FFF2-40B4-BE49-F238E27FC236}">
+                <a16:creationId xmlns:a16="http://schemas.microsoft.com/office/drawing/2014/main" id="{78B5EC2F-3CF0-A40A-ED3F-7164DDC74817}"/>
+              </a:ext>
+            </a:extLst>
+          </p:cNvPr>
+          <p:cNvSpPr txBox="1"/>
+          <p:nvPr/>
+        </p:nvSpPr>
+        <p:spPr>
+          <a:xfrm>
+            <a:off x="7018638" y="488512"/>
+            <a:ext cx="4294522" cy="738664"/>
+          </a:xfrm>
+          <a:prstGeom prst="rect">
+            <a:avLst/>
+          </a:prstGeom>
+          <a:noFill/>
+        </p:spPr>
+        <p:txBody>
+          <a:bodyPr wrap="square" rtlCol="1">
+            <a:spAutoFit/>
+          </a:bodyPr>
+          <a:lstStyle/>
+          <a:p>
+            <a:pPr algn="r" fontAlgn="base">
+              <a:spcBef>
+                <a:spcPct val="0"/>
+              </a:spcBef>
+              <a:spcAft>
+                <a:spcPct val="0"/>
+              </a:spcAft>
+              <a:defRPr/>
+            </a:pPr>
+            <a:r>
+              <a:rPr lang="he-IL" sz="4200" b="1" kern="0" dirty="0">
+                <a:solidFill>
+                  <a:srgbClr val="006633"/>
+                </a:solidFill>
+                <a:latin typeface="Garamond"/>
+                <a:ea typeface="+mj-ea"/>
+                <a:cs typeface="Arial"/>
+              </a:rPr>
+              <a:t>פתרון שאלה 2.</a:t>
+            </a:r>
+            <a:r>
+              <a:rPr lang="en-US" sz="4200" b="1" kern="0">
+                <a:solidFill>
+                  <a:srgbClr val="006633"/>
+                </a:solidFill>
+                <a:latin typeface="Garamond"/>
+                <a:ea typeface="+mj-ea"/>
+                <a:cs typeface="Arial"/>
+              </a:rPr>
+              <a:t>2</a:t>
+            </a:r>
+            <a:r>
+              <a:rPr lang="he-IL" sz="4200" b="1" kern="0">
+                <a:solidFill>
+                  <a:srgbClr val="006633"/>
+                </a:solidFill>
+                <a:latin typeface="Garamond"/>
+                <a:ea typeface="+mj-ea"/>
+                <a:cs typeface="Arial"/>
+              </a:rPr>
+              <a:t>.</a:t>
+            </a:r>
+            <a:endParaRPr lang="en-US" sz="4200" b="1" kern="0" dirty="0">
+              <a:solidFill>
+                <a:srgbClr val="006633"/>
+              </a:solidFill>
+              <a:latin typeface="Garamond"/>
+              <a:ea typeface="+mj-ea"/>
+              <a:cs typeface="Arial"/>
+            </a:endParaRPr>
+          </a:p>
+        </p:txBody>
+      </p:sp>
+      <p:sp>
+        <p:nvSpPr>
+          <p:cNvPr id="5" name="TextBox 4">
+            <a:extLst>
+              <a:ext uri="{FF2B5EF4-FFF2-40B4-BE49-F238E27FC236}">
+                <a16:creationId xmlns:a16="http://schemas.microsoft.com/office/drawing/2014/main" id="{E1177E8B-5D62-0CC0-B754-1D3A7AECB913}"/>
+              </a:ext>
+            </a:extLst>
+          </p:cNvPr>
+          <p:cNvSpPr txBox="1"/>
+          <p:nvPr/>
+        </p:nvSpPr>
+        <p:spPr>
+          <a:xfrm>
+            <a:off x="1804087" y="1445044"/>
+            <a:ext cx="6675737" cy="4247317"/>
+          </a:xfrm>
+          <a:prstGeom prst="rect">
+            <a:avLst/>
+          </a:prstGeom>
+          <a:noFill/>
+        </p:spPr>
+        <p:txBody>
+          <a:bodyPr wrap="square">
+            <a:spAutoFit/>
+          </a:bodyPr>
+          <a:lstStyle/>
+          <a:p>
+            <a:pPr algn="l" rtl="0"/>
+            <a:r>
+              <a:rPr lang="en-US" b="0" i="0" dirty="0">
+                <a:effectLst/>
+                <a:latin typeface="Söhne Mono"/>
+              </a:rPr>
+              <a:t>Max-</a:t>
+            </a:r>
+            <a:r>
+              <a:rPr lang="en-US" b="0" i="0" dirty="0" err="1">
+                <a:effectLst/>
+                <a:latin typeface="Söhne Mono"/>
+              </a:rPr>
+              <a:t>Heapify</a:t>
+            </a:r>
+            <a:r>
+              <a:rPr lang="en-US" b="0" i="0" dirty="0">
+                <a:effectLst/>
+                <a:latin typeface="Söhne Mono"/>
+              </a:rPr>
+              <a:t>(A, </a:t>
+            </a:r>
+            <a:r>
+              <a:rPr lang="en-US" b="0" i="0" dirty="0" err="1">
+                <a:effectLst/>
+                <a:latin typeface="Söhne Mono"/>
+              </a:rPr>
+              <a:t>i</a:t>
+            </a:r>
+            <a:r>
+              <a:rPr lang="en-US" b="0" i="0" dirty="0">
+                <a:effectLst/>
+                <a:latin typeface="Söhne Mono"/>
+              </a:rPr>
+              <a:t>):</a:t>
+            </a:r>
+            <a:endParaRPr lang="he-IL" b="0" i="0" dirty="0">
+              <a:effectLst/>
+              <a:latin typeface="Söhne Mono"/>
+            </a:endParaRPr>
+          </a:p>
+          <a:p>
+            <a:pPr algn="l" rtl="0"/>
+            <a:endParaRPr lang="he-IL" b="0" i="0" dirty="0">
+              <a:effectLst/>
+              <a:latin typeface="Söhne Mono"/>
+            </a:endParaRPr>
+          </a:p>
+          <a:p>
+            <a:pPr algn="l" rtl="0"/>
+            <a:r>
+              <a:rPr lang="he-IL" dirty="0">
+                <a:latin typeface="Söhne Mono"/>
+              </a:rPr>
+              <a:t>	</a:t>
+            </a:r>
+            <a:r>
+              <a:rPr lang="en-US" b="0" i="0" dirty="0" err="1">
+                <a:effectLst/>
+                <a:latin typeface="Söhne Mono"/>
+              </a:rPr>
+              <a:t>left_child</a:t>
+            </a:r>
+            <a:r>
+              <a:rPr lang="en-US" b="0" i="0" dirty="0">
+                <a:effectLst/>
+                <a:latin typeface="Söhne Mono"/>
+              </a:rPr>
+              <a:t> = 2 * </a:t>
+            </a:r>
+            <a:r>
+              <a:rPr lang="en-US" b="0" i="0" dirty="0" err="1">
+                <a:effectLst/>
+                <a:latin typeface="Söhne Mono"/>
+              </a:rPr>
+              <a:t>i</a:t>
+            </a:r>
+            <a:r>
+              <a:rPr lang="en-US" b="0" i="0" dirty="0">
+                <a:effectLst/>
+                <a:latin typeface="Söhne Mono"/>
+              </a:rPr>
+              <a:t> + 1 </a:t>
+            </a:r>
+            <a:endParaRPr lang="he-IL" b="0" i="0" dirty="0">
+              <a:effectLst/>
+              <a:latin typeface="Söhne Mono"/>
+            </a:endParaRPr>
+          </a:p>
+          <a:p>
+            <a:pPr algn="l" rtl="0"/>
+            <a:r>
+              <a:rPr lang="he-IL" dirty="0">
+                <a:latin typeface="Söhne Mono"/>
+              </a:rPr>
+              <a:t>	</a:t>
+            </a:r>
+            <a:r>
+              <a:rPr lang="en-US" b="0" i="0" dirty="0" err="1">
+                <a:effectLst/>
+                <a:latin typeface="Söhne Mono"/>
+              </a:rPr>
+              <a:t>right_child</a:t>
+            </a:r>
+            <a:r>
+              <a:rPr lang="en-US" b="0" i="0" dirty="0">
+                <a:effectLst/>
+                <a:latin typeface="Söhne Mono"/>
+              </a:rPr>
+              <a:t> = 2 * </a:t>
+            </a:r>
+            <a:r>
+              <a:rPr lang="en-US" b="0" i="0" dirty="0" err="1">
+                <a:effectLst/>
+                <a:latin typeface="Söhne Mono"/>
+              </a:rPr>
+              <a:t>i</a:t>
+            </a:r>
+            <a:r>
+              <a:rPr lang="en-US" b="0" i="0" dirty="0">
+                <a:effectLst/>
+                <a:latin typeface="Söhne Mono"/>
+              </a:rPr>
+              <a:t> + 2 </a:t>
+            </a:r>
+            <a:endParaRPr lang="he-IL" b="0" i="0" dirty="0">
+              <a:effectLst/>
+              <a:latin typeface="Söhne Mono"/>
+            </a:endParaRPr>
+          </a:p>
+          <a:p>
+            <a:pPr algn="l" rtl="0"/>
+            <a:r>
+              <a:rPr lang="he-IL" dirty="0">
+                <a:latin typeface="Söhne Mono"/>
+              </a:rPr>
+              <a:t>	</a:t>
+            </a:r>
+            <a:r>
+              <a:rPr lang="en-US" b="0" i="0" dirty="0">
+                <a:effectLst/>
+                <a:latin typeface="Söhne Mono"/>
+              </a:rPr>
+              <a:t>largest = </a:t>
+            </a:r>
+            <a:r>
+              <a:rPr lang="en-US" b="0" i="0" dirty="0" err="1">
+                <a:effectLst/>
+                <a:latin typeface="Söhne Mono"/>
+              </a:rPr>
+              <a:t>i</a:t>
+            </a:r>
+            <a:r>
+              <a:rPr lang="en-US" b="0" i="0" dirty="0">
+                <a:effectLst/>
+                <a:latin typeface="Söhne Mono"/>
+              </a:rPr>
+              <a:t> </a:t>
+            </a:r>
+            <a:endParaRPr lang="he-IL" b="0" i="0" dirty="0">
+              <a:effectLst/>
+              <a:latin typeface="Söhne Mono"/>
+            </a:endParaRPr>
+          </a:p>
+          <a:p>
+            <a:pPr algn="l" rtl="0"/>
+            <a:endParaRPr lang="he-IL" b="0" i="0" dirty="0">
+              <a:effectLst/>
+              <a:latin typeface="Söhne Mono"/>
+            </a:endParaRPr>
+          </a:p>
+          <a:p>
+            <a:pPr algn="l" rtl="0"/>
+            <a:r>
+              <a:rPr lang="he-IL" dirty="0">
+                <a:latin typeface="Söhne Mono"/>
+              </a:rPr>
+              <a:t>	</a:t>
+            </a:r>
+            <a:r>
+              <a:rPr lang="en-US" b="0" i="0" dirty="0">
+                <a:effectLst/>
+                <a:latin typeface="Söhne Mono"/>
+              </a:rPr>
+              <a:t>if </a:t>
+            </a:r>
+            <a:r>
+              <a:rPr lang="en-US" b="0" i="0" dirty="0" err="1">
+                <a:effectLst/>
+                <a:latin typeface="Söhne Mono"/>
+              </a:rPr>
+              <a:t>left_child</a:t>
+            </a:r>
+            <a:r>
+              <a:rPr lang="en-US" b="0" i="0" dirty="0">
+                <a:effectLst/>
+                <a:latin typeface="Söhne Mono"/>
+              </a:rPr>
+              <a:t> &lt; </a:t>
+            </a:r>
+            <a:r>
+              <a:rPr lang="en-US" b="0" i="0" dirty="0" err="1">
+                <a:effectLst/>
+                <a:latin typeface="Söhne Mono"/>
+              </a:rPr>
+              <a:t>A.heap_size</a:t>
+            </a:r>
+            <a:r>
+              <a:rPr lang="en-US" b="0" i="0" dirty="0">
+                <a:effectLst/>
+                <a:latin typeface="Söhne Mono"/>
+              </a:rPr>
+              <a:t> and A[</a:t>
+            </a:r>
+            <a:r>
+              <a:rPr lang="en-US" b="0" i="0" dirty="0" err="1">
+                <a:effectLst/>
+                <a:latin typeface="Söhne Mono"/>
+              </a:rPr>
+              <a:t>left_child</a:t>
+            </a:r>
+            <a:r>
+              <a:rPr lang="en-US" b="0" i="0" dirty="0">
+                <a:effectLst/>
+                <a:latin typeface="Söhne Mono"/>
+              </a:rPr>
+              <a:t>] &gt; A[largest]: </a:t>
+            </a:r>
+            <a:r>
+              <a:rPr lang="he-IL" b="0" i="0" dirty="0">
+                <a:effectLst/>
+                <a:latin typeface="Söhne Mono"/>
+              </a:rPr>
+              <a:t>			</a:t>
+            </a:r>
+            <a:r>
+              <a:rPr lang="en-US" b="0" i="0" dirty="0">
+                <a:effectLst/>
+                <a:latin typeface="Söhne Mono"/>
+              </a:rPr>
+              <a:t>largest = </a:t>
+            </a:r>
+            <a:r>
+              <a:rPr lang="en-US" b="0" i="0" dirty="0" err="1">
+                <a:effectLst/>
+                <a:latin typeface="Söhne Mono"/>
+              </a:rPr>
+              <a:t>left_child</a:t>
+            </a:r>
+            <a:r>
+              <a:rPr lang="en-US" b="0" i="0" dirty="0">
+                <a:effectLst/>
+                <a:latin typeface="Söhne Mono"/>
+              </a:rPr>
+              <a:t> </a:t>
+            </a:r>
+            <a:endParaRPr lang="he-IL" b="0" i="0" dirty="0">
+              <a:effectLst/>
+              <a:latin typeface="Söhne Mono"/>
+            </a:endParaRPr>
+          </a:p>
+          <a:p>
+            <a:pPr algn="l" rtl="0"/>
+            <a:endParaRPr lang="he-IL" b="0" i="0" dirty="0">
+              <a:effectLst/>
+              <a:latin typeface="Söhne Mono"/>
+            </a:endParaRPr>
+          </a:p>
+          <a:p>
+            <a:pPr algn="l" rtl="0"/>
+            <a:r>
+              <a:rPr lang="he-IL" b="0" i="0" dirty="0">
+                <a:effectLst/>
+                <a:latin typeface="Söhne Mono"/>
+              </a:rPr>
+              <a:t>	</a:t>
+            </a:r>
+            <a:r>
+              <a:rPr lang="en-US" b="0" i="0" dirty="0">
+                <a:effectLst/>
+                <a:latin typeface="Söhne Mono"/>
+              </a:rPr>
+              <a:t>if </a:t>
+            </a:r>
+            <a:r>
+              <a:rPr lang="en-US" b="0" i="0" dirty="0" err="1">
+                <a:effectLst/>
+                <a:latin typeface="Söhne Mono"/>
+              </a:rPr>
+              <a:t>right_child</a:t>
+            </a:r>
+            <a:r>
+              <a:rPr lang="en-US" b="0" i="0" dirty="0">
+                <a:effectLst/>
+                <a:latin typeface="Söhne Mono"/>
+              </a:rPr>
+              <a:t> &lt; </a:t>
+            </a:r>
+            <a:r>
+              <a:rPr lang="en-US" b="0" i="0" dirty="0" err="1">
+                <a:effectLst/>
+                <a:latin typeface="Söhne Mono"/>
+              </a:rPr>
+              <a:t>A.heap_size</a:t>
+            </a:r>
+            <a:r>
+              <a:rPr lang="en-US" b="0" i="0" dirty="0">
+                <a:effectLst/>
+                <a:latin typeface="Söhne Mono"/>
+              </a:rPr>
+              <a:t> and A[</a:t>
+            </a:r>
+            <a:r>
+              <a:rPr lang="en-US" b="0" i="0" dirty="0" err="1">
+                <a:effectLst/>
+                <a:latin typeface="Söhne Mono"/>
+              </a:rPr>
+              <a:t>right_child</a:t>
+            </a:r>
+            <a:r>
+              <a:rPr lang="en-US" b="0" i="0" dirty="0">
+                <a:effectLst/>
+                <a:latin typeface="Söhne Mono"/>
+              </a:rPr>
+              <a:t>] &gt; A[largest]: </a:t>
+            </a:r>
+            <a:r>
+              <a:rPr lang="he-IL" b="0" i="0" dirty="0">
+                <a:effectLst/>
+                <a:latin typeface="Söhne Mono"/>
+              </a:rPr>
+              <a:t>			</a:t>
+            </a:r>
+            <a:r>
+              <a:rPr lang="en-US" b="0" i="0" dirty="0">
+                <a:effectLst/>
+                <a:latin typeface="Söhne Mono"/>
+              </a:rPr>
+              <a:t>largest = </a:t>
+            </a:r>
+            <a:r>
+              <a:rPr lang="en-US" b="0" i="0" dirty="0" err="1">
+                <a:effectLst/>
+                <a:latin typeface="Söhne Mono"/>
+              </a:rPr>
+              <a:t>right_child</a:t>
+            </a:r>
+            <a:r>
+              <a:rPr lang="en-US" b="0" i="0" dirty="0">
+                <a:effectLst/>
+                <a:latin typeface="Söhne Mono"/>
+              </a:rPr>
+              <a:t> </a:t>
+            </a:r>
+            <a:endParaRPr lang="he-IL" b="0" i="0" dirty="0">
+              <a:effectLst/>
+              <a:latin typeface="Söhne Mono"/>
+            </a:endParaRPr>
+          </a:p>
+          <a:p>
+            <a:pPr algn="l" rtl="0"/>
+            <a:endParaRPr lang="he-IL" b="0" i="0" dirty="0">
+              <a:effectLst/>
+              <a:latin typeface="Söhne Mono"/>
+            </a:endParaRPr>
+          </a:p>
+          <a:p>
+            <a:pPr algn="l" rtl="0"/>
+            <a:r>
+              <a:rPr lang="he-IL" dirty="0">
+                <a:latin typeface="Söhne Mono"/>
+              </a:rPr>
+              <a:t>	</a:t>
+            </a:r>
+            <a:r>
+              <a:rPr lang="en-US" b="0" i="0" dirty="0">
+                <a:effectLst/>
+                <a:latin typeface="Söhne Mono"/>
+              </a:rPr>
+              <a:t>if largest != </a:t>
+            </a:r>
+            <a:r>
+              <a:rPr lang="en-US" b="0" i="0" dirty="0" err="1">
+                <a:effectLst/>
+                <a:latin typeface="Söhne Mono"/>
+              </a:rPr>
+              <a:t>i</a:t>
+            </a:r>
+            <a:r>
+              <a:rPr lang="en-US" b="0" i="0" dirty="0">
+                <a:effectLst/>
+                <a:latin typeface="Söhne Mono"/>
+              </a:rPr>
+              <a:t>: </a:t>
+            </a:r>
+            <a:endParaRPr lang="he-IL" b="0" i="0" dirty="0">
+              <a:effectLst/>
+              <a:latin typeface="Söhne Mono"/>
+            </a:endParaRPr>
+          </a:p>
+          <a:p>
+            <a:pPr algn="l" rtl="0"/>
+            <a:r>
+              <a:rPr lang="he-IL" dirty="0">
+                <a:latin typeface="Söhne Mono"/>
+              </a:rPr>
+              <a:t>		</a:t>
+            </a:r>
+            <a:r>
+              <a:rPr lang="en-US" b="0" i="0" dirty="0">
+                <a:effectLst/>
+                <a:latin typeface="Söhne Mono"/>
+              </a:rPr>
+              <a:t>swap A[</a:t>
+            </a:r>
+            <a:r>
+              <a:rPr lang="en-US" b="0" i="0" dirty="0" err="1">
+                <a:effectLst/>
+                <a:latin typeface="Söhne Mono"/>
+              </a:rPr>
+              <a:t>i</a:t>
+            </a:r>
+            <a:r>
+              <a:rPr lang="en-US" b="0" i="0" dirty="0">
+                <a:effectLst/>
+                <a:latin typeface="Söhne Mono"/>
+              </a:rPr>
+              <a:t>] with A[largest] </a:t>
+            </a:r>
+            <a:endParaRPr lang="he-IL" b="0" i="0" dirty="0">
+              <a:effectLst/>
+              <a:latin typeface="Söhne Mono"/>
+            </a:endParaRPr>
+          </a:p>
+          <a:p>
+            <a:pPr algn="l" rtl="0"/>
+            <a:r>
+              <a:rPr lang="he-IL" dirty="0">
+                <a:latin typeface="Söhne Mono"/>
+              </a:rPr>
+              <a:t>		</a:t>
+            </a:r>
+            <a:r>
+              <a:rPr lang="en-US" b="0" i="0" dirty="0">
+                <a:effectLst/>
+                <a:latin typeface="Söhne Mono"/>
+              </a:rPr>
+              <a:t>Max-</a:t>
+            </a:r>
+            <a:r>
+              <a:rPr lang="en-US" b="0" i="0" dirty="0" err="1">
+                <a:effectLst/>
+                <a:latin typeface="Söhne Mono"/>
+              </a:rPr>
+              <a:t>Heapify</a:t>
+            </a:r>
+            <a:r>
+              <a:rPr lang="en-US" b="0" i="0" dirty="0">
+                <a:effectLst/>
+                <a:latin typeface="Söhne Mono"/>
+              </a:rPr>
+              <a:t>(A, largest)</a:t>
+            </a:r>
+            <a:endParaRPr lang="en-IL" dirty="0"/>
+          </a:p>
+        </p:txBody>
+      </p:sp>
+    </p:spTree>
+    <p:extLst>
+      <p:ext uri="{BB962C8B-B14F-4D97-AF65-F5344CB8AC3E}">
+        <p14:creationId xmlns:p14="http://schemas.microsoft.com/office/powerpoint/2010/main" val="1462860810"/>
+      </p:ext>
+    </p:extLst>
+  </p:cSld>
+  <p:clrMapOvr>
+    <a:masterClrMapping/>
+  </p:clrMapOvr>
+  <p:timing>
+    <p:tnLst>
+      <p:par>
+        <p:cTn id="1" dur="indefinite" restart="never" nodeType="tmRoot">
+          <p:childTnLst>
+            <p:seq concurrent="1" nextAc="seek">
+              <p:cTn id="2" dur="indefinite" nodeType="mainSeq">
+                <p:childTnLst>
+                  <p:par>
+                    <p:cTn id="3" fill="hold">
+                      <p:stCondLst>
+                        <p:cond delay="indefinite"/>
+                      </p:stCondLst>
+                      <p:childTnLst>
+                        <p:par>
+                          <p:cTn id="4" fill="hold">
+                            <p:stCondLst>
+                              <p:cond delay="0"/>
+                            </p:stCondLst>
+                            <p:childTnLst>
+                              <p:par>
+                                <p:cTn id="5" presetID="1" presetClass="entr" presetSubtype="0" fill="hold" nodeType="clickEffect">
+                                  <p:stCondLst>
+                                    <p:cond delay="0"/>
+                                  </p:stCondLst>
+                                  <p:childTnLst>
+                                    <p:set>
+                                      <p:cBhvr>
+                                        <p:cTn id="6" dur="1" fill="hold">
+                                          <p:stCondLst>
+                                            <p:cond delay="0"/>
+                                          </p:stCondLst>
+                                        </p:cTn>
+                                        <p:tgtEl>
+                                          <p:spTgt spid="5">
+                                            <p:txEl>
+                                              <p:pRg st="0" end="0"/>
+                                            </p:txEl>
+                                          </p:spTgt>
+                                        </p:tgtEl>
+                                        <p:attrNameLst>
+                                          <p:attrName>style.visibility</p:attrName>
+                                        </p:attrNameLst>
+                                      </p:cBhvr>
+                                      <p:to>
+                                        <p:strVal val="visible"/>
+                                      </p:to>
+                                    </p:set>
+                                  </p:childTnLst>
+                                </p:cTn>
+                              </p:par>
+                            </p:childTnLst>
+                          </p:cTn>
+                        </p:par>
+                      </p:childTnLst>
+                    </p:cTn>
+                  </p:par>
+                  <p:par>
+                    <p:cTn id="7" fill="hold">
+                      <p:stCondLst>
+                        <p:cond delay="indefinite"/>
+                      </p:stCondLst>
+                      <p:childTnLst>
+                        <p:par>
+                          <p:cTn id="8" fill="hold">
+                            <p:stCondLst>
+                              <p:cond delay="0"/>
+                            </p:stCondLst>
+                            <p:childTnLst>
+                              <p:par>
+                                <p:cTn id="9" presetID="1" presetClass="entr" presetSubtype="0" fill="hold" nodeType="clickEffect">
+                                  <p:stCondLst>
+                                    <p:cond delay="0"/>
+                                  </p:stCondLst>
+                                  <p:childTnLst>
+                                    <p:set>
+                                      <p:cBhvr>
+                                        <p:cTn id="10" dur="1" fill="hold">
+                                          <p:stCondLst>
+                                            <p:cond delay="0"/>
+                                          </p:stCondLst>
+                                        </p:cTn>
+                                        <p:tgtEl>
+                                          <p:spTgt spid="5">
+                                            <p:txEl>
+                                              <p:pRg st="2" end="2"/>
+                                            </p:txEl>
+                                          </p:spTgt>
+                                        </p:tgtEl>
+                                        <p:attrNameLst>
+                                          <p:attrName>style.visibility</p:attrName>
+                                        </p:attrNameLst>
+                                      </p:cBhvr>
+                                      <p:to>
+                                        <p:strVal val="visible"/>
+                                      </p:to>
+                                    </p:set>
+                                  </p:childTnLst>
+                                </p:cTn>
+                              </p:par>
+                              <p:par>
+                                <p:cTn id="11" presetID="1" presetClass="entr" presetSubtype="0" fill="hold" nodeType="withEffect">
+                                  <p:stCondLst>
+                                    <p:cond delay="0"/>
+                                  </p:stCondLst>
+                                  <p:childTnLst>
+                                    <p:set>
+                                      <p:cBhvr>
+                                        <p:cTn id="12" dur="1" fill="hold">
+                                          <p:stCondLst>
+                                            <p:cond delay="0"/>
+                                          </p:stCondLst>
+                                        </p:cTn>
+                                        <p:tgtEl>
+                                          <p:spTgt spid="5">
+                                            <p:txEl>
+                                              <p:pRg st="3" end="3"/>
+                                            </p:txEl>
+                                          </p:spTgt>
+                                        </p:tgtEl>
+                                        <p:attrNameLst>
+                                          <p:attrName>style.visibility</p:attrName>
+                                        </p:attrNameLst>
+                                      </p:cBhvr>
+                                      <p:to>
+                                        <p:strVal val="visible"/>
+                                      </p:to>
+                                    </p:set>
+                                  </p:childTnLst>
+                                </p:cTn>
+                              </p:par>
+                              <p:par>
+                                <p:cTn id="13" presetID="1" presetClass="entr" presetSubtype="0" fill="hold" nodeType="withEffect">
+                                  <p:stCondLst>
+                                    <p:cond delay="0"/>
+                                  </p:stCondLst>
+                                  <p:childTnLst>
+                                    <p:set>
+                                      <p:cBhvr>
+                                        <p:cTn id="14" dur="1" fill="hold">
+                                          <p:stCondLst>
+                                            <p:cond delay="0"/>
+                                          </p:stCondLst>
+                                        </p:cTn>
+                                        <p:tgtEl>
+                                          <p:spTgt spid="5">
+                                            <p:txEl>
+                                              <p:pRg st="4" end="4"/>
+                                            </p:txEl>
+                                          </p:spTgt>
+                                        </p:tgtEl>
+                                        <p:attrNameLst>
+                                          <p:attrName>style.visibility</p:attrName>
+                                        </p:attrNameLst>
+                                      </p:cBhvr>
+                                      <p:to>
+                                        <p:strVal val="visible"/>
+                                      </p:to>
+                                    </p:set>
+                                  </p:childTnLst>
+                                </p:cTn>
+                              </p:par>
+                            </p:childTnLst>
+                          </p:cTn>
+                        </p:par>
+                      </p:childTnLst>
+                    </p:cTn>
+                  </p:par>
+                  <p:par>
+                    <p:cTn id="15" fill="hold">
+                      <p:stCondLst>
+                        <p:cond delay="indefinite"/>
+                      </p:stCondLst>
+                      <p:childTnLst>
+                        <p:par>
+                          <p:cTn id="16" fill="hold">
+                            <p:stCondLst>
+                              <p:cond delay="0"/>
+                            </p:stCondLst>
+                            <p:childTnLst>
+                              <p:par>
+                                <p:cTn id="17" presetID="1" presetClass="entr" presetSubtype="0" fill="hold" nodeType="clickEffect">
+                                  <p:stCondLst>
+                                    <p:cond delay="0"/>
+                                  </p:stCondLst>
+                                  <p:childTnLst>
+                                    <p:set>
+                                      <p:cBhvr>
+                                        <p:cTn id="18" dur="1" fill="hold">
+                                          <p:stCondLst>
+                                            <p:cond delay="0"/>
+                                          </p:stCondLst>
+                                        </p:cTn>
+                                        <p:tgtEl>
+                                          <p:spTgt spid="5">
+                                            <p:txEl>
+                                              <p:pRg st="6" end="6"/>
+                                            </p:txEl>
+                                          </p:spTgt>
+                                        </p:tgtEl>
+                                        <p:attrNameLst>
+                                          <p:attrName>style.visibility</p:attrName>
+                                        </p:attrNameLst>
+                                      </p:cBhvr>
+                                      <p:to>
+                                        <p:strVal val="visible"/>
+                                      </p:to>
+                                    </p:set>
+                                  </p:childTnLst>
+                                </p:cTn>
+                              </p:par>
+                            </p:childTnLst>
+                          </p:cTn>
+                        </p:par>
+                      </p:childTnLst>
+                    </p:cTn>
+                  </p:par>
+                  <p:par>
+                    <p:cTn id="19" fill="hold">
+                      <p:stCondLst>
+                        <p:cond delay="indefinite"/>
+                      </p:stCondLst>
+                      <p:childTnLst>
+                        <p:par>
+                          <p:cTn id="20" fill="hold">
+                            <p:stCondLst>
+                              <p:cond delay="0"/>
+                            </p:stCondLst>
+                            <p:childTnLst>
+                              <p:par>
+                                <p:cTn id="21" presetID="1" presetClass="entr" presetSubtype="0" fill="hold" nodeType="clickEffect">
+                                  <p:stCondLst>
+                                    <p:cond delay="0"/>
+                                  </p:stCondLst>
+                                  <p:childTnLst>
+                                    <p:set>
+                                      <p:cBhvr>
+                                        <p:cTn id="22" dur="1" fill="hold">
+                                          <p:stCondLst>
+                                            <p:cond delay="0"/>
+                                          </p:stCondLst>
+                                        </p:cTn>
+                                        <p:tgtEl>
+                                          <p:spTgt spid="5">
+                                            <p:txEl>
+                                              <p:pRg st="8" end="8"/>
+                                            </p:txEl>
+                                          </p:spTgt>
+                                        </p:tgtEl>
+                                        <p:attrNameLst>
+                                          <p:attrName>style.visibility</p:attrName>
+                                        </p:attrNameLst>
+                                      </p:cBhvr>
+                                      <p:to>
+                                        <p:strVal val="visible"/>
+                                      </p:to>
+                                    </p:set>
+                                  </p:childTnLst>
+                                </p:cTn>
+                              </p:par>
+                            </p:childTnLst>
+                          </p:cTn>
+                        </p:par>
+                      </p:childTnLst>
+                    </p:cTn>
+                  </p:par>
+                  <p:par>
+                    <p:cTn id="23" fill="hold">
+                      <p:stCondLst>
+                        <p:cond delay="indefinite"/>
+                      </p:stCondLst>
+                      <p:childTnLst>
+                        <p:par>
+                          <p:cTn id="24" fill="hold">
+                            <p:stCondLst>
+                              <p:cond delay="0"/>
+                            </p:stCondLst>
+                            <p:childTnLst>
+                              <p:par>
+                                <p:cTn id="25" presetID="1" presetClass="entr" presetSubtype="0" fill="hold" nodeType="clickEffect">
+                                  <p:stCondLst>
+                                    <p:cond delay="0"/>
+                                  </p:stCondLst>
+                                  <p:childTnLst>
+                                    <p:set>
+                                      <p:cBhvr>
+                                        <p:cTn id="26" dur="1" fill="hold">
+                                          <p:stCondLst>
+                                            <p:cond delay="0"/>
+                                          </p:stCondLst>
+                                        </p:cTn>
+                                        <p:tgtEl>
+                                          <p:spTgt spid="5">
+                                            <p:txEl>
+                                              <p:pRg st="10" end="10"/>
+                                            </p:txEl>
+                                          </p:spTgt>
+                                        </p:tgtEl>
+                                        <p:attrNameLst>
+                                          <p:attrName>style.visibility</p:attrName>
+                                        </p:attrNameLst>
+                                      </p:cBhvr>
+                                      <p:to>
+                                        <p:strVal val="visible"/>
+                                      </p:to>
+                                    </p:set>
+                                  </p:childTnLst>
+                                </p:cTn>
+                              </p:par>
+                              <p:par>
+                                <p:cTn id="27" presetID="1" presetClass="entr" presetSubtype="0" fill="hold" nodeType="withEffect">
+                                  <p:stCondLst>
+                                    <p:cond delay="0"/>
+                                  </p:stCondLst>
+                                  <p:childTnLst>
+                                    <p:set>
+                                      <p:cBhvr>
+                                        <p:cTn id="28" dur="1" fill="hold">
+                                          <p:stCondLst>
+                                            <p:cond delay="0"/>
+                                          </p:stCondLst>
+                                        </p:cTn>
+                                        <p:tgtEl>
+                                          <p:spTgt spid="5">
+                                            <p:txEl>
+                                              <p:pRg st="11" end="11"/>
+                                            </p:txEl>
+                                          </p:spTgt>
+                                        </p:tgtEl>
+                                        <p:attrNameLst>
+                                          <p:attrName>style.visibility</p:attrName>
+                                        </p:attrNameLst>
+                                      </p:cBhvr>
+                                      <p:to>
+                                        <p:strVal val="visible"/>
+                                      </p:to>
+                                    </p:set>
+                                  </p:childTnLst>
+                                </p:cTn>
+                              </p:par>
+                              <p:par>
+                                <p:cTn id="29" presetID="1" presetClass="entr" presetSubtype="0" fill="hold" nodeType="withEffect">
+                                  <p:stCondLst>
+                                    <p:cond delay="0"/>
+                                  </p:stCondLst>
+                                  <p:childTnLst>
+                                    <p:set>
+                                      <p:cBhvr>
+                                        <p:cTn id="30" dur="1" fill="hold">
+                                          <p:stCondLst>
+                                            <p:cond delay="0"/>
+                                          </p:stCondLst>
+                                        </p:cTn>
+                                        <p:tgtEl>
+                                          <p:spTgt spid="5">
+                                            <p:txEl>
+                                              <p:pRg st="12" end="12"/>
+                                            </p:txEl>
+                                          </p:spTgt>
+                                        </p:tgtEl>
+                                        <p:attrNameLst>
+                                          <p:attrName>style.visibility</p:attrName>
+                                        </p:attrNameLst>
+                                      </p:cBhvr>
+                                      <p:to>
+                                        <p:strVal val="visible"/>
+                                      </p:to>
+                                    </p:set>
+                                  </p:childTnLst>
+                                </p:cTn>
+                              </p:par>
+                            </p:childTnLst>
+                          </p:cTn>
+                        </p:par>
+                      </p:childTnLst>
+                    </p:cTn>
+                  </p:par>
+                </p:childTnLst>
+              </p:cTn>
+              <p:prevCondLst>
+                <p:cond evt="onPrev" delay="0">
+                  <p:tgtEl>
+                    <p:sldTgt/>
+                  </p:tgtEl>
+                </p:cond>
+              </p:prevCondLst>
+              <p:nextCondLst>
+                <p:cond evt="onNext" delay="0">
+                  <p:tgtEl>
+                    <p:sldTgt/>
+                  </p:tgtEl>
+                </p:cond>
+              </p:nextCondLst>
+            </p:seq>
+          </p:childTnLst>
+        </p:cTn>
+      </p:par>
+    </p:tnLst>
+  </p:timing>
+</p:sld>
+</file>
+
 <file path=ppt/slides/slide14.xml><?xml version="1.0" encoding="utf-8"?>
 <p:sld xmlns:a="http://schemas.openxmlformats.org/drawingml/2006/main" xmlns:r="http://schemas.openxmlformats.org/officeDocument/2006/relationships" xmlns:p="http://schemas.openxmlformats.org/presentationml/2006/main">
   <p:cSld>
@@ -7466,8 +7513,8 @@
           </a:p>
         </p:txBody>
       </p:sp>
-      <mc:AlternateContent xmlns:mc="http://schemas.openxmlformats.org/markup-compatibility/2006">
-        <mc:Choice xmlns:a14="http://schemas.microsoft.com/office/drawing/2010/main" Requires="a14">
+      <mc:AlternateContent xmlns:mc="http://schemas.openxmlformats.org/markup-compatibility/2006" xmlns:a14="http://schemas.microsoft.com/office/drawing/2010/main">
+        <mc:Choice Requires="a14">
           <p:sp>
             <p:nvSpPr>
               <p:cNvPr id="4" name="TextBox 3">
@@ -7615,7 +7662,7 @@
             </p:txBody>
           </p:sp>
         </mc:Choice>
-        <mc:Fallback>
+        <mc:Fallback xmlns="">
           <p:sp>
             <p:nvSpPr>
               <p:cNvPr id="4" name="TextBox 3">
@@ -9705,8 +9752,8 @@
           </a:p>
         </p:txBody>
       </p:sp>
-      <mc:AlternateContent xmlns:mc="http://schemas.openxmlformats.org/markup-compatibility/2006">
-        <mc:Choice xmlns:a14="http://schemas.microsoft.com/office/drawing/2010/main" Requires="a14">
+      <mc:AlternateContent xmlns:mc="http://schemas.openxmlformats.org/markup-compatibility/2006" xmlns:a14="http://schemas.microsoft.com/office/drawing/2010/main">
+        <mc:Choice Requires="a14">
           <p:sp>
             <p:nvSpPr>
               <p:cNvPr id="26" name="Rectangle 25"/>
@@ -9895,7 +9942,7 @@
             </p:txBody>
           </p:sp>
         </mc:Choice>
-        <mc:Fallback>
+        <mc:Fallback xmlns="">
           <p:sp>
             <p:nvSpPr>
               <p:cNvPr id="26" name="Rectangle 25"/>

--- a/t-08-heap/תרגול 8.pptx
+++ b/t-08-heap/תרגול 8.pptx
@@ -19,8 +19,8 @@
     <p:sldId id="303" r:id="rId10"/>
     <p:sldId id="304" r:id="rId11"/>
     <p:sldId id="305" r:id="rId12"/>
-    <p:sldId id="307" r:id="rId13"/>
-    <p:sldId id="306" r:id="rId14"/>
+    <p:sldId id="306" r:id="rId13"/>
+    <p:sldId id="307" r:id="rId14"/>
     <p:sldId id="308" r:id="rId15"/>
     <p:sldId id="309" r:id="rId16"/>
     <p:sldId id="311" r:id="rId17"/>
@@ -217,7 +217,7 @@
           <a:p>
             <a:fld id="{C267593B-B963-47D8-A2A4-BA759CBCEAC5}" type="datetimeFigureOut">
               <a:rPr lang="en-US" smtClean="0"/>
-              <a:t>3/11/24</a:t>
+              <a:t>4/10/24</a:t>
             </a:fld>
             <a:endParaRPr lang="en-US"/>
           </a:p>
@@ -633,7 +633,7 @@
           <a:p>
             <a:fld id="{72391380-8262-4EC7-BAB8-26F58A320275}" type="slidenum">
               <a:rPr lang="en-US" smtClean="0"/>
-              <a:t>13</a:t>
+              <a:t>12</a:t>
             </a:fld>
             <a:endParaRPr lang="en-US"/>
           </a:p>
@@ -717,7 +717,7 @@
           <a:p>
             <a:fld id="{72391380-8262-4EC7-BAB8-26F58A320275}" type="slidenum">
               <a:rPr lang="en-US" smtClean="0"/>
-              <a:t>14</a:t>
+              <a:t>13</a:t>
             </a:fld>
             <a:endParaRPr lang="en-US"/>
           </a:p>
@@ -726,7 +726,7 @@
     </p:spTree>
     <p:extLst>
       <p:ext uri="{BB962C8B-B14F-4D97-AF65-F5344CB8AC3E}">
-        <p14:creationId xmlns:p14="http://schemas.microsoft.com/office/powerpoint/2010/main" val="926681284"/>
+        <p14:creationId xmlns:p14="http://schemas.microsoft.com/office/powerpoint/2010/main" val="3089899542"/>
       </p:ext>
     </p:extLst>
   </p:cSld>
@@ -801,7 +801,7 @@
           <a:p>
             <a:fld id="{72391380-8262-4EC7-BAB8-26F58A320275}" type="slidenum">
               <a:rPr lang="en-US" smtClean="0"/>
-              <a:t>15</a:t>
+              <a:t>14</a:t>
             </a:fld>
             <a:endParaRPr lang="en-US"/>
           </a:p>
@@ -810,7 +810,7 @@
     </p:spTree>
     <p:extLst>
       <p:ext uri="{BB962C8B-B14F-4D97-AF65-F5344CB8AC3E}">
-        <p14:creationId xmlns:p14="http://schemas.microsoft.com/office/powerpoint/2010/main" val="3404372294"/>
+        <p14:creationId xmlns:p14="http://schemas.microsoft.com/office/powerpoint/2010/main" val="926681284"/>
       </p:ext>
     </p:extLst>
   </p:cSld>
@@ -885,6 +885,90 @@
           <a:p>
             <a:fld id="{72391380-8262-4EC7-BAB8-26F58A320275}" type="slidenum">
               <a:rPr lang="en-US" smtClean="0"/>
+              <a:t>15</a:t>
+            </a:fld>
+            <a:endParaRPr lang="en-US"/>
+          </a:p>
+        </p:txBody>
+      </p:sp>
+    </p:spTree>
+    <p:extLst>
+      <p:ext uri="{BB962C8B-B14F-4D97-AF65-F5344CB8AC3E}">
+        <p14:creationId xmlns:p14="http://schemas.microsoft.com/office/powerpoint/2010/main" val="3404372294"/>
+      </p:ext>
+    </p:extLst>
+  </p:cSld>
+  <p:clrMapOvr>
+    <a:masterClrMapping/>
+  </p:clrMapOvr>
+</p:notes>
+</file>
+
+<file path=ppt/notesSlides/notesSlide14.xml><?xml version="1.0" encoding="utf-8"?>
+<p:notes xmlns:a="http://schemas.openxmlformats.org/drawingml/2006/main" xmlns:r="http://schemas.openxmlformats.org/officeDocument/2006/relationships" xmlns:p="http://schemas.openxmlformats.org/presentationml/2006/main">
+  <p:cSld>
+    <p:spTree>
+      <p:nvGrpSpPr>
+        <p:cNvPr id="1" name=""/>
+        <p:cNvGrpSpPr/>
+        <p:nvPr/>
+      </p:nvGrpSpPr>
+      <p:grpSpPr>
+        <a:xfrm>
+          <a:off x="0" y="0"/>
+          <a:ext cx="0" cy="0"/>
+          <a:chOff x="0" y="0"/>
+          <a:chExt cx="0" cy="0"/>
+        </a:xfrm>
+      </p:grpSpPr>
+      <p:sp>
+        <p:nvSpPr>
+          <p:cNvPr id="2" name="Slide Image Placeholder 1"/>
+          <p:cNvSpPr>
+            <a:spLocks noGrp="1" noRot="1" noChangeAspect="1"/>
+          </p:cNvSpPr>
+          <p:nvPr>
+            <p:ph type="sldImg"/>
+          </p:nvPr>
+        </p:nvSpPr>
+        <p:spPr/>
+      </p:sp>
+      <p:sp>
+        <p:nvSpPr>
+          <p:cNvPr id="3" name="Notes Placeholder 2"/>
+          <p:cNvSpPr>
+            <a:spLocks noGrp="1"/>
+          </p:cNvSpPr>
+          <p:nvPr>
+            <p:ph type="body" idx="1"/>
+          </p:nvPr>
+        </p:nvSpPr>
+        <p:spPr/>
+        <p:txBody>
+          <a:bodyPr/>
+          <a:lstStyle/>
+          <a:p>
+            <a:endParaRPr lang="en-US" dirty="0"/>
+          </a:p>
+        </p:txBody>
+      </p:sp>
+      <p:sp>
+        <p:nvSpPr>
+          <p:cNvPr id="4" name="Slide Number Placeholder 3"/>
+          <p:cNvSpPr>
+            <a:spLocks noGrp="1"/>
+          </p:cNvSpPr>
+          <p:nvPr>
+            <p:ph type="sldNum" sz="quarter" idx="10"/>
+          </p:nvPr>
+        </p:nvSpPr>
+        <p:spPr/>
+        <p:txBody>
+          <a:bodyPr/>
+          <a:lstStyle/>
+          <a:p>
+            <a:fld id="{72391380-8262-4EC7-BAB8-26F58A320275}" type="slidenum">
+              <a:rPr lang="en-US" smtClean="0"/>
               <a:t>16</a:t>
             </a:fld>
             <a:endParaRPr lang="en-US"/>
@@ -904,7 +988,7 @@
 </p:notes>
 </file>
 
-<file path=ppt/notesSlides/notesSlide14.xml><?xml version="1.0" encoding="utf-8"?>
+<file path=ppt/notesSlides/notesSlide15.xml><?xml version="1.0" encoding="utf-8"?>
 <p:notes xmlns:a="http://schemas.openxmlformats.org/drawingml/2006/main" xmlns:r="http://schemas.openxmlformats.org/officeDocument/2006/relationships" xmlns:p="http://schemas.openxmlformats.org/presentationml/2006/main">
   <p:cSld>
     <p:spTree>
@@ -1116,7 +1200,7 @@
           <a:bodyPr/>
           <a:lstStyle/>
           <a:p>
-            <a:endParaRPr lang="en-US" dirty="0"/>
+            <a:endParaRPr lang="en-IL" dirty="0"/>
           </a:p>
         </p:txBody>
       </p:sp>
@@ -1127,7 +1211,7 @@
             <a:spLocks noGrp="1"/>
           </p:cNvSpPr>
           <p:nvPr>
-            <p:ph type="sldNum" sz="quarter" idx="10"/>
+            <p:ph type="sldNum" sz="quarter" idx="5"/>
           </p:nvPr>
         </p:nvSpPr>
         <p:spPr/>
@@ -1137,7 +1221,7 @@
           <a:p>
             <a:fld id="{72391380-8262-4EC7-BAB8-26F58A320275}" type="slidenum">
               <a:rPr lang="en-US" smtClean="0"/>
-              <a:t>6</a:t>
+              <a:t>5</a:t>
             </a:fld>
             <a:endParaRPr lang="en-US"/>
           </a:p>
@@ -1146,7 +1230,7 @@
     </p:spTree>
     <p:extLst>
       <p:ext uri="{BB962C8B-B14F-4D97-AF65-F5344CB8AC3E}">
-        <p14:creationId xmlns:p14="http://schemas.microsoft.com/office/powerpoint/2010/main" val="3574302079"/>
+        <p14:creationId xmlns:p14="http://schemas.microsoft.com/office/powerpoint/2010/main" val="556058660"/>
       </p:ext>
     </p:extLst>
   </p:cSld>
@@ -1221,7 +1305,7 @@
           <a:p>
             <a:fld id="{72391380-8262-4EC7-BAB8-26F58A320275}" type="slidenum">
               <a:rPr lang="en-US" smtClean="0"/>
-              <a:t>7</a:t>
+              <a:t>6</a:t>
             </a:fld>
             <a:endParaRPr lang="en-US"/>
           </a:p>
@@ -1230,7 +1314,7 @@
     </p:spTree>
     <p:extLst>
       <p:ext uri="{BB962C8B-B14F-4D97-AF65-F5344CB8AC3E}">
-        <p14:creationId xmlns:p14="http://schemas.microsoft.com/office/powerpoint/2010/main" val="4103008728"/>
+        <p14:creationId xmlns:p14="http://schemas.microsoft.com/office/powerpoint/2010/main" val="3574302079"/>
       </p:ext>
     </p:extLst>
   </p:cSld>
@@ -1305,7 +1389,7 @@
           <a:p>
             <a:fld id="{72391380-8262-4EC7-BAB8-26F58A320275}" type="slidenum">
               <a:rPr lang="en-US" smtClean="0"/>
-              <a:t>8</a:t>
+              <a:t>7</a:t>
             </a:fld>
             <a:endParaRPr lang="en-US"/>
           </a:p>
@@ -1314,7 +1398,7 @@
     </p:spTree>
     <p:extLst>
       <p:ext uri="{BB962C8B-B14F-4D97-AF65-F5344CB8AC3E}">
-        <p14:creationId xmlns:p14="http://schemas.microsoft.com/office/powerpoint/2010/main" val="1188200847"/>
+        <p14:creationId xmlns:p14="http://schemas.microsoft.com/office/powerpoint/2010/main" val="4103008728"/>
       </p:ext>
     </p:extLst>
   </p:cSld>
@@ -1389,7 +1473,7 @@
           <a:p>
             <a:fld id="{72391380-8262-4EC7-BAB8-26F58A320275}" type="slidenum">
               <a:rPr lang="en-US" smtClean="0"/>
-              <a:t>9</a:t>
+              <a:t>8</a:t>
             </a:fld>
             <a:endParaRPr lang="en-US"/>
           </a:p>
@@ -1398,7 +1482,7 @@
     </p:spTree>
     <p:extLst>
       <p:ext uri="{BB962C8B-B14F-4D97-AF65-F5344CB8AC3E}">
-        <p14:creationId xmlns:p14="http://schemas.microsoft.com/office/powerpoint/2010/main" val="1813117881"/>
+        <p14:creationId xmlns:p14="http://schemas.microsoft.com/office/powerpoint/2010/main" val="1188200847"/>
       </p:ext>
     </p:extLst>
   </p:cSld>
@@ -1473,7 +1557,7 @@
           <a:p>
             <a:fld id="{72391380-8262-4EC7-BAB8-26F58A320275}" type="slidenum">
               <a:rPr lang="en-US" smtClean="0"/>
-              <a:t>10</a:t>
+              <a:t>9</a:t>
             </a:fld>
             <a:endParaRPr lang="en-US"/>
           </a:p>
@@ -1482,7 +1566,7 @@
     </p:spTree>
     <p:extLst>
       <p:ext uri="{BB962C8B-B14F-4D97-AF65-F5344CB8AC3E}">
-        <p14:creationId xmlns:p14="http://schemas.microsoft.com/office/powerpoint/2010/main" val="315821520"/>
+        <p14:creationId xmlns:p14="http://schemas.microsoft.com/office/powerpoint/2010/main" val="1813117881"/>
       </p:ext>
     </p:extLst>
   </p:cSld>
@@ -1557,7 +1641,7 @@
           <a:p>
             <a:fld id="{72391380-8262-4EC7-BAB8-26F58A320275}" type="slidenum">
               <a:rPr lang="en-US" smtClean="0"/>
-              <a:t>11</a:t>
+              <a:t>10</a:t>
             </a:fld>
             <a:endParaRPr lang="en-US"/>
           </a:p>
@@ -1566,7 +1650,7 @@
     </p:spTree>
     <p:extLst>
       <p:ext uri="{BB962C8B-B14F-4D97-AF65-F5344CB8AC3E}">
-        <p14:creationId xmlns:p14="http://schemas.microsoft.com/office/powerpoint/2010/main" val="2711430375"/>
+        <p14:creationId xmlns:p14="http://schemas.microsoft.com/office/powerpoint/2010/main" val="315821520"/>
       </p:ext>
     </p:extLst>
   </p:cSld>
@@ -1641,7 +1725,7 @@
           <a:p>
             <a:fld id="{72391380-8262-4EC7-BAB8-26F58A320275}" type="slidenum">
               <a:rPr lang="en-US" smtClean="0"/>
-              <a:t>12</a:t>
+              <a:t>11</a:t>
             </a:fld>
             <a:endParaRPr lang="en-US"/>
           </a:p>
@@ -1650,7 +1734,7 @@
     </p:spTree>
     <p:extLst>
       <p:ext uri="{BB962C8B-B14F-4D97-AF65-F5344CB8AC3E}">
-        <p14:creationId xmlns:p14="http://schemas.microsoft.com/office/powerpoint/2010/main" val="3089899542"/>
+        <p14:creationId xmlns:p14="http://schemas.microsoft.com/office/powerpoint/2010/main" val="2711430375"/>
       </p:ext>
     </p:extLst>
   </p:cSld>
@@ -1807,7 +1891,7 @@
           <a:p>
             <a:fld id="{9FBD9C55-7868-4FF1-8666-2EC1F88A96B2}" type="datetimeFigureOut">
               <a:rPr lang="he-IL" smtClean="0"/>
-              <a:t>א'.אדר ב.תשפ"ד</a:t>
+              <a:t>ב'.ניסן.תשפ"ד</a:t>
             </a:fld>
             <a:endParaRPr lang="he-IL"/>
           </a:p>
@@ -2005,7 +2089,7 @@
           <a:p>
             <a:fld id="{9FBD9C55-7868-4FF1-8666-2EC1F88A96B2}" type="datetimeFigureOut">
               <a:rPr lang="he-IL" smtClean="0"/>
-              <a:t>א'.אדר ב.תשפ"ד</a:t>
+              <a:t>ב'.ניסן.תשפ"ד</a:t>
             </a:fld>
             <a:endParaRPr lang="he-IL"/>
           </a:p>
@@ -2213,7 +2297,7 @@
           <a:p>
             <a:fld id="{9FBD9C55-7868-4FF1-8666-2EC1F88A96B2}" type="datetimeFigureOut">
               <a:rPr lang="he-IL" smtClean="0"/>
-              <a:t>א'.אדר ב.תשפ"ד</a:t>
+              <a:t>ב'.ניסן.תשפ"ד</a:t>
             </a:fld>
             <a:endParaRPr lang="he-IL"/>
           </a:p>
@@ -2411,7 +2495,7 @@
           <a:p>
             <a:fld id="{9FBD9C55-7868-4FF1-8666-2EC1F88A96B2}" type="datetimeFigureOut">
               <a:rPr lang="he-IL" smtClean="0"/>
-              <a:t>א'.אדר ב.תשפ"ד</a:t>
+              <a:t>ב'.ניסן.תשפ"ד</a:t>
             </a:fld>
             <a:endParaRPr lang="he-IL"/>
           </a:p>
@@ -2686,7 +2770,7 @@
           <a:p>
             <a:fld id="{9FBD9C55-7868-4FF1-8666-2EC1F88A96B2}" type="datetimeFigureOut">
               <a:rPr lang="he-IL" smtClean="0"/>
-              <a:t>א'.אדר ב.תשפ"ד</a:t>
+              <a:t>ב'.ניסן.תשפ"ד</a:t>
             </a:fld>
             <a:endParaRPr lang="he-IL"/>
           </a:p>
@@ -2951,7 +3035,7 @@
           <a:p>
             <a:fld id="{9FBD9C55-7868-4FF1-8666-2EC1F88A96B2}" type="datetimeFigureOut">
               <a:rPr lang="he-IL" smtClean="0"/>
-              <a:t>א'.אדר ב.תשפ"ד</a:t>
+              <a:t>ב'.ניסן.תשפ"ד</a:t>
             </a:fld>
             <a:endParaRPr lang="he-IL"/>
           </a:p>
@@ -3363,7 +3447,7 @@
           <a:p>
             <a:fld id="{9FBD9C55-7868-4FF1-8666-2EC1F88A96B2}" type="datetimeFigureOut">
               <a:rPr lang="he-IL" smtClean="0"/>
-              <a:t>א'.אדר ב.תשפ"ד</a:t>
+              <a:t>ב'.ניסן.תשפ"ד</a:t>
             </a:fld>
             <a:endParaRPr lang="he-IL"/>
           </a:p>
@@ -3504,7 +3588,7 @@
           <a:p>
             <a:fld id="{9FBD9C55-7868-4FF1-8666-2EC1F88A96B2}" type="datetimeFigureOut">
               <a:rPr lang="he-IL" smtClean="0"/>
-              <a:t>א'.אדר ב.תשפ"ד</a:t>
+              <a:t>ב'.ניסן.תשפ"ד</a:t>
             </a:fld>
             <a:endParaRPr lang="he-IL"/>
           </a:p>
@@ -3617,7 +3701,7 @@
           <a:p>
             <a:fld id="{9FBD9C55-7868-4FF1-8666-2EC1F88A96B2}" type="datetimeFigureOut">
               <a:rPr lang="he-IL" smtClean="0"/>
-              <a:t>א'.אדר ב.תשפ"ד</a:t>
+              <a:t>ב'.ניסן.תשפ"ד</a:t>
             </a:fld>
             <a:endParaRPr lang="he-IL"/>
           </a:p>
@@ -3928,7 +4012,7 @@
           <a:p>
             <a:fld id="{9FBD9C55-7868-4FF1-8666-2EC1F88A96B2}" type="datetimeFigureOut">
               <a:rPr lang="he-IL" smtClean="0"/>
-              <a:t>א'.אדר ב.תשפ"ד</a:t>
+              <a:t>ב'.ניסן.תשפ"ד</a:t>
             </a:fld>
             <a:endParaRPr lang="he-IL"/>
           </a:p>
@@ -4216,7 +4300,7 @@
           <a:p>
             <a:fld id="{9FBD9C55-7868-4FF1-8666-2EC1F88A96B2}" type="datetimeFigureOut">
               <a:rPr lang="he-IL" smtClean="0"/>
-              <a:t>א'.אדר ב.תשפ"ד</a:t>
+              <a:t>ב'.ניסן.תשפ"ד</a:t>
             </a:fld>
             <a:endParaRPr lang="he-IL"/>
           </a:p>
@@ -4457,7 +4541,7 @@
           <a:p>
             <a:fld id="{9FBD9C55-7868-4FF1-8666-2EC1F88A96B2}" type="datetimeFigureOut">
               <a:rPr lang="he-IL" smtClean="0"/>
-              <a:t>א'.אדר ב.תשפ"ד</a:t>
+              <a:t>ב'.ניסן.תשפ"ד</a:t>
             </a:fld>
             <a:endParaRPr lang="he-IL"/>
           </a:p>
@@ -5053,7 +5137,7 @@
         </p:nvSpPr>
         <p:spPr>
           <a:xfrm>
-            <a:off x="4019758" y="1614483"/>
+            <a:off x="3743987" y="2332205"/>
             <a:ext cx="6098058" cy="400110"/>
           </a:xfrm>
           <a:prstGeom prst="rect">
@@ -5075,7 +5159,7 @@
                 <a:effectLst/>
                 <a:latin typeface="Arial" panose="020B0604020202020204" pitchFamily="34" charset="0"/>
               </a:rPr>
-              <a:t>2.1.  תכתבו גרסה לא רקורסיבית לאלגוריתם </a:t>
+              <a:t>2.2.  תכתבו גרסה לא רקורסיבית לאלגוריתם </a:t>
             </a:r>
             <a:r>
               <a:rPr lang="en-US" sz="2000" dirty="0">
@@ -5121,7 +5205,7 @@
         </p:nvSpPr>
         <p:spPr>
           <a:xfrm>
-            <a:off x="4019758" y="2371122"/>
+            <a:off x="3743987" y="1527868"/>
             <a:ext cx="6098058" cy="400110"/>
           </a:xfrm>
           <a:prstGeom prst="rect">
@@ -5142,7 +5226,7 @@
                 </a:solidFill>
                 <a:latin typeface="Arial" panose="020B0604020202020204" pitchFamily="34" charset="0"/>
               </a:rPr>
-              <a:t>2.2. </a:t>
+              <a:t>2.1. </a:t>
             </a:r>
             <a:r>
               <a:rPr lang="he-IL" sz="2000" dirty="0">
@@ -5408,10 +5492,1345 @@
       </p:grpSpPr>
       <p:sp>
         <p:nvSpPr>
-          <p:cNvPr id="2" name="TextBox 1">
+          <p:cNvPr id="5" name="TextBox 4">
             <a:extLst>
               <a:ext uri="{FF2B5EF4-FFF2-40B4-BE49-F238E27FC236}">
-                <a16:creationId xmlns:a16="http://schemas.microsoft.com/office/drawing/2014/main" id="{78B5EC2F-3CF0-A40A-ED3F-7164DDC74817}"/>
+                <a16:creationId xmlns:a16="http://schemas.microsoft.com/office/drawing/2014/main" id="{E1177E8B-5D62-0CC0-B754-1D3A7AECB913}"/>
+              </a:ext>
+            </a:extLst>
+          </p:cNvPr>
+          <p:cNvSpPr txBox="1"/>
+          <p:nvPr/>
+        </p:nvSpPr>
+        <p:spPr>
+          <a:xfrm>
+            <a:off x="1804087" y="1445044"/>
+            <a:ext cx="6675737" cy="4247317"/>
+          </a:xfrm>
+          <a:prstGeom prst="rect">
+            <a:avLst/>
+          </a:prstGeom>
+          <a:noFill/>
+        </p:spPr>
+        <p:txBody>
+          <a:bodyPr wrap="square">
+            <a:spAutoFit/>
+          </a:bodyPr>
+          <a:lstStyle/>
+          <a:p>
+            <a:pPr algn="l" rtl="0"/>
+            <a:r>
+              <a:rPr lang="en-US" b="0" i="0" dirty="0">
+                <a:effectLst/>
+                <a:latin typeface="Söhne Mono"/>
+              </a:rPr>
+              <a:t>Max-</a:t>
+            </a:r>
+            <a:r>
+              <a:rPr lang="en-US" b="0" i="0" dirty="0" err="1">
+                <a:effectLst/>
+                <a:latin typeface="Söhne Mono"/>
+              </a:rPr>
+              <a:t>Heapify</a:t>
+            </a:r>
+            <a:r>
+              <a:rPr lang="en-US" b="0" i="0" dirty="0">
+                <a:effectLst/>
+                <a:latin typeface="Söhne Mono"/>
+              </a:rPr>
+              <a:t>(A, </a:t>
+            </a:r>
+            <a:r>
+              <a:rPr lang="en-US" b="0" i="0" dirty="0" err="1">
+                <a:effectLst/>
+                <a:latin typeface="Söhne Mono"/>
+              </a:rPr>
+              <a:t>i</a:t>
+            </a:r>
+            <a:r>
+              <a:rPr lang="en-US" b="0" i="0" dirty="0">
+                <a:effectLst/>
+                <a:latin typeface="Söhne Mono"/>
+              </a:rPr>
+              <a:t>):</a:t>
+            </a:r>
+            <a:endParaRPr lang="he-IL" b="0" i="0" dirty="0">
+              <a:effectLst/>
+              <a:latin typeface="Söhne Mono"/>
+            </a:endParaRPr>
+          </a:p>
+          <a:p>
+            <a:pPr algn="l" rtl="0"/>
+            <a:endParaRPr lang="he-IL" b="0" i="0" dirty="0">
+              <a:effectLst/>
+              <a:latin typeface="Söhne Mono"/>
+            </a:endParaRPr>
+          </a:p>
+          <a:p>
+            <a:pPr algn="l" rtl="0"/>
+            <a:r>
+              <a:rPr lang="he-IL" dirty="0">
+                <a:latin typeface="Söhne Mono"/>
+              </a:rPr>
+              <a:t>	</a:t>
+            </a:r>
+            <a:r>
+              <a:rPr lang="en-US" b="0" i="0" dirty="0" err="1">
+                <a:effectLst/>
+                <a:latin typeface="Söhne Mono"/>
+              </a:rPr>
+              <a:t>left_child</a:t>
+            </a:r>
+            <a:r>
+              <a:rPr lang="en-US" b="0" i="0" dirty="0">
+                <a:effectLst/>
+                <a:latin typeface="Söhne Mono"/>
+              </a:rPr>
+              <a:t> = 2 * </a:t>
+            </a:r>
+            <a:r>
+              <a:rPr lang="en-US" b="0" i="0" dirty="0" err="1">
+                <a:effectLst/>
+                <a:latin typeface="Söhne Mono"/>
+              </a:rPr>
+              <a:t>i</a:t>
+            </a:r>
+            <a:r>
+              <a:rPr lang="en-US" b="0" i="0" dirty="0">
+                <a:effectLst/>
+                <a:latin typeface="Söhne Mono"/>
+              </a:rPr>
+              <a:t> + 1 </a:t>
+            </a:r>
+            <a:endParaRPr lang="he-IL" b="0" i="0" dirty="0">
+              <a:effectLst/>
+              <a:latin typeface="Söhne Mono"/>
+            </a:endParaRPr>
+          </a:p>
+          <a:p>
+            <a:pPr algn="l" rtl="0"/>
+            <a:r>
+              <a:rPr lang="he-IL" dirty="0">
+                <a:latin typeface="Söhne Mono"/>
+              </a:rPr>
+              <a:t>	</a:t>
+            </a:r>
+            <a:r>
+              <a:rPr lang="en-US" b="0" i="0" dirty="0" err="1">
+                <a:effectLst/>
+                <a:latin typeface="Söhne Mono"/>
+              </a:rPr>
+              <a:t>right_child</a:t>
+            </a:r>
+            <a:r>
+              <a:rPr lang="en-US" b="0" i="0" dirty="0">
+                <a:effectLst/>
+                <a:latin typeface="Söhne Mono"/>
+              </a:rPr>
+              <a:t> = 2 * </a:t>
+            </a:r>
+            <a:r>
+              <a:rPr lang="en-US" b="0" i="0" dirty="0" err="1">
+                <a:effectLst/>
+                <a:latin typeface="Söhne Mono"/>
+              </a:rPr>
+              <a:t>i</a:t>
+            </a:r>
+            <a:r>
+              <a:rPr lang="en-US" b="0" i="0" dirty="0">
+                <a:effectLst/>
+                <a:latin typeface="Söhne Mono"/>
+              </a:rPr>
+              <a:t> + 2 </a:t>
+            </a:r>
+            <a:endParaRPr lang="he-IL" b="0" i="0" dirty="0">
+              <a:effectLst/>
+              <a:latin typeface="Söhne Mono"/>
+            </a:endParaRPr>
+          </a:p>
+          <a:p>
+            <a:pPr algn="l" rtl="0"/>
+            <a:r>
+              <a:rPr lang="he-IL" dirty="0">
+                <a:latin typeface="Söhne Mono"/>
+              </a:rPr>
+              <a:t>	</a:t>
+            </a:r>
+            <a:r>
+              <a:rPr lang="en-US" b="0" i="0" dirty="0">
+                <a:effectLst/>
+                <a:latin typeface="Söhne Mono"/>
+              </a:rPr>
+              <a:t>largest = </a:t>
+            </a:r>
+            <a:r>
+              <a:rPr lang="en-US" b="0" i="0" dirty="0" err="1">
+                <a:effectLst/>
+                <a:latin typeface="Söhne Mono"/>
+              </a:rPr>
+              <a:t>i</a:t>
+            </a:r>
+            <a:r>
+              <a:rPr lang="en-US" b="0" i="0" dirty="0">
+                <a:effectLst/>
+                <a:latin typeface="Söhne Mono"/>
+              </a:rPr>
+              <a:t> </a:t>
+            </a:r>
+            <a:endParaRPr lang="he-IL" b="0" i="0" dirty="0">
+              <a:effectLst/>
+              <a:latin typeface="Söhne Mono"/>
+            </a:endParaRPr>
+          </a:p>
+          <a:p>
+            <a:pPr algn="l" rtl="0"/>
+            <a:endParaRPr lang="he-IL" b="0" i="0" dirty="0">
+              <a:effectLst/>
+              <a:latin typeface="Söhne Mono"/>
+            </a:endParaRPr>
+          </a:p>
+          <a:p>
+            <a:pPr algn="l" rtl="0"/>
+            <a:r>
+              <a:rPr lang="he-IL" dirty="0">
+                <a:latin typeface="Söhne Mono"/>
+              </a:rPr>
+              <a:t>	</a:t>
+            </a:r>
+            <a:r>
+              <a:rPr lang="en-US" b="0" i="0" dirty="0">
+                <a:effectLst/>
+                <a:latin typeface="Söhne Mono"/>
+              </a:rPr>
+              <a:t>if </a:t>
+            </a:r>
+            <a:r>
+              <a:rPr lang="en-US" b="0" i="0" dirty="0" err="1">
+                <a:effectLst/>
+                <a:latin typeface="Söhne Mono"/>
+              </a:rPr>
+              <a:t>left_child</a:t>
+            </a:r>
+            <a:r>
+              <a:rPr lang="en-US" b="0" i="0" dirty="0">
+                <a:effectLst/>
+                <a:latin typeface="Söhne Mono"/>
+              </a:rPr>
+              <a:t> &lt; </a:t>
+            </a:r>
+            <a:r>
+              <a:rPr lang="en-US" b="0" i="0" dirty="0" err="1">
+                <a:effectLst/>
+                <a:latin typeface="Söhne Mono"/>
+              </a:rPr>
+              <a:t>A.heap_size</a:t>
+            </a:r>
+            <a:r>
+              <a:rPr lang="en-US" b="0" i="0" dirty="0">
+                <a:effectLst/>
+                <a:latin typeface="Söhne Mono"/>
+              </a:rPr>
+              <a:t> and A[</a:t>
+            </a:r>
+            <a:r>
+              <a:rPr lang="en-US" b="0" i="0" dirty="0" err="1">
+                <a:effectLst/>
+                <a:latin typeface="Söhne Mono"/>
+              </a:rPr>
+              <a:t>left_child</a:t>
+            </a:r>
+            <a:r>
+              <a:rPr lang="en-US" b="0" i="0" dirty="0">
+                <a:effectLst/>
+                <a:latin typeface="Söhne Mono"/>
+              </a:rPr>
+              <a:t>] &gt; A[largest]: </a:t>
+            </a:r>
+            <a:r>
+              <a:rPr lang="he-IL" b="0" i="0" dirty="0">
+                <a:effectLst/>
+                <a:latin typeface="Söhne Mono"/>
+              </a:rPr>
+              <a:t>			</a:t>
+            </a:r>
+            <a:r>
+              <a:rPr lang="en-US" b="0" i="0" dirty="0">
+                <a:effectLst/>
+                <a:latin typeface="Söhne Mono"/>
+              </a:rPr>
+              <a:t>largest = </a:t>
+            </a:r>
+            <a:r>
+              <a:rPr lang="en-US" b="0" i="0" dirty="0" err="1">
+                <a:effectLst/>
+                <a:latin typeface="Söhne Mono"/>
+              </a:rPr>
+              <a:t>left_child</a:t>
+            </a:r>
+            <a:r>
+              <a:rPr lang="en-US" b="0" i="0" dirty="0">
+                <a:effectLst/>
+                <a:latin typeface="Söhne Mono"/>
+              </a:rPr>
+              <a:t> </a:t>
+            </a:r>
+            <a:endParaRPr lang="he-IL" b="0" i="0" dirty="0">
+              <a:effectLst/>
+              <a:latin typeface="Söhne Mono"/>
+            </a:endParaRPr>
+          </a:p>
+          <a:p>
+            <a:pPr algn="l" rtl="0"/>
+            <a:endParaRPr lang="he-IL" b="0" i="0" dirty="0">
+              <a:effectLst/>
+              <a:latin typeface="Söhne Mono"/>
+            </a:endParaRPr>
+          </a:p>
+          <a:p>
+            <a:pPr algn="l" rtl="0"/>
+            <a:r>
+              <a:rPr lang="he-IL" b="0" i="0" dirty="0">
+                <a:effectLst/>
+                <a:latin typeface="Söhne Mono"/>
+              </a:rPr>
+              <a:t>	</a:t>
+            </a:r>
+            <a:r>
+              <a:rPr lang="en-US" b="0" i="0" dirty="0">
+                <a:effectLst/>
+                <a:latin typeface="Söhne Mono"/>
+              </a:rPr>
+              <a:t>if </a:t>
+            </a:r>
+            <a:r>
+              <a:rPr lang="en-US" b="0" i="0" dirty="0" err="1">
+                <a:effectLst/>
+                <a:latin typeface="Söhne Mono"/>
+              </a:rPr>
+              <a:t>right_child</a:t>
+            </a:r>
+            <a:r>
+              <a:rPr lang="en-US" b="0" i="0" dirty="0">
+                <a:effectLst/>
+                <a:latin typeface="Söhne Mono"/>
+              </a:rPr>
+              <a:t> &lt; </a:t>
+            </a:r>
+            <a:r>
+              <a:rPr lang="en-US" b="0" i="0" dirty="0" err="1">
+                <a:effectLst/>
+                <a:latin typeface="Söhne Mono"/>
+              </a:rPr>
+              <a:t>A.heap_size</a:t>
+            </a:r>
+            <a:r>
+              <a:rPr lang="en-US" b="0" i="0" dirty="0">
+                <a:effectLst/>
+                <a:latin typeface="Söhne Mono"/>
+              </a:rPr>
+              <a:t> and A[</a:t>
+            </a:r>
+            <a:r>
+              <a:rPr lang="en-US" b="0" i="0" dirty="0" err="1">
+                <a:effectLst/>
+                <a:latin typeface="Söhne Mono"/>
+              </a:rPr>
+              <a:t>right_child</a:t>
+            </a:r>
+            <a:r>
+              <a:rPr lang="en-US" b="0" i="0" dirty="0">
+                <a:effectLst/>
+                <a:latin typeface="Söhne Mono"/>
+              </a:rPr>
+              <a:t>] &gt; A[largest]: </a:t>
+            </a:r>
+            <a:r>
+              <a:rPr lang="he-IL" b="0" i="0" dirty="0">
+                <a:effectLst/>
+                <a:latin typeface="Söhne Mono"/>
+              </a:rPr>
+              <a:t>			</a:t>
+            </a:r>
+            <a:r>
+              <a:rPr lang="en-US" b="0" i="0" dirty="0">
+                <a:effectLst/>
+                <a:latin typeface="Söhne Mono"/>
+              </a:rPr>
+              <a:t>largest = </a:t>
+            </a:r>
+            <a:r>
+              <a:rPr lang="en-US" b="0" i="0" dirty="0" err="1">
+                <a:effectLst/>
+                <a:latin typeface="Söhne Mono"/>
+              </a:rPr>
+              <a:t>right_child</a:t>
+            </a:r>
+            <a:r>
+              <a:rPr lang="en-US" b="0" i="0" dirty="0">
+                <a:effectLst/>
+                <a:latin typeface="Söhne Mono"/>
+              </a:rPr>
+              <a:t> </a:t>
+            </a:r>
+            <a:endParaRPr lang="he-IL" b="0" i="0" dirty="0">
+              <a:effectLst/>
+              <a:latin typeface="Söhne Mono"/>
+            </a:endParaRPr>
+          </a:p>
+          <a:p>
+            <a:pPr algn="l" rtl="0"/>
+            <a:endParaRPr lang="he-IL" b="0" i="0" dirty="0">
+              <a:effectLst/>
+              <a:latin typeface="Söhne Mono"/>
+            </a:endParaRPr>
+          </a:p>
+          <a:p>
+            <a:pPr algn="l" rtl="0"/>
+            <a:r>
+              <a:rPr lang="he-IL" dirty="0">
+                <a:latin typeface="Söhne Mono"/>
+              </a:rPr>
+              <a:t>	</a:t>
+            </a:r>
+            <a:r>
+              <a:rPr lang="en-US" b="0" i="0" dirty="0">
+                <a:effectLst/>
+                <a:latin typeface="Söhne Mono"/>
+              </a:rPr>
+              <a:t>if largest != </a:t>
+            </a:r>
+            <a:r>
+              <a:rPr lang="en-US" b="0" i="0" dirty="0" err="1">
+                <a:effectLst/>
+                <a:latin typeface="Söhne Mono"/>
+              </a:rPr>
+              <a:t>i</a:t>
+            </a:r>
+            <a:r>
+              <a:rPr lang="en-US" b="0" i="0" dirty="0">
+                <a:effectLst/>
+                <a:latin typeface="Söhne Mono"/>
+              </a:rPr>
+              <a:t>: </a:t>
+            </a:r>
+            <a:endParaRPr lang="he-IL" b="0" i="0" dirty="0">
+              <a:effectLst/>
+              <a:latin typeface="Söhne Mono"/>
+            </a:endParaRPr>
+          </a:p>
+          <a:p>
+            <a:pPr algn="l" rtl="0"/>
+            <a:r>
+              <a:rPr lang="he-IL" dirty="0">
+                <a:latin typeface="Söhne Mono"/>
+              </a:rPr>
+              <a:t>		</a:t>
+            </a:r>
+            <a:r>
+              <a:rPr lang="en-US" b="0" i="0" dirty="0">
+                <a:effectLst/>
+                <a:latin typeface="Söhne Mono"/>
+              </a:rPr>
+              <a:t>swap A[</a:t>
+            </a:r>
+            <a:r>
+              <a:rPr lang="en-US" b="0" i="0" dirty="0" err="1">
+                <a:effectLst/>
+                <a:latin typeface="Söhne Mono"/>
+              </a:rPr>
+              <a:t>i</a:t>
+            </a:r>
+            <a:r>
+              <a:rPr lang="en-US" b="0" i="0" dirty="0">
+                <a:effectLst/>
+                <a:latin typeface="Söhne Mono"/>
+              </a:rPr>
+              <a:t>] with A[largest] </a:t>
+            </a:r>
+            <a:endParaRPr lang="he-IL" b="0" i="0" dirty="0">
+              <a:effectLst/>
+              <a:latin typeface="Söhne Mono"/>
+            </a:endParaRPr>
+          </a:p>
+          <a:p>
+            <a:pPr algn="l" rtl="0"/>
+            <a:r>
+              <a:rPr lang="he-IL" dirty="0">
+                <a:latin typeface="Söhne Mono"/>
+              </a:rPr>
+              <a:t>		</a:t>
+            </a:r>
+            <a:r>
+              <a:rPr lang="en-US" b="0" i="0" dirty="0">
+                <a:effectLst/>
+                <a:latin typeface="Söhne Mono"/>
+              </a:rPr>
+              <a:t>Max-</a:t>
+            </a:r>
+            <a:r>
+              <a:rPr lang="en-US" b="0" i="0" dirty="0" err="1">
+                <a:effectLst/>
+                <a:latin typeface="Söhne Mono"/>
+              </a:rPr>
+              <a:t>Heapify</a:t>
+            </a:r>
+            <a:r>
+              <a:rPr lang="en-US" b="0" i="0" dirty="0">
+                <a:effectLst/>
+                <a:latin typeface="Söhne Mono"/>
+              </a:rPr>
+              <a:t>(A, largest)</a:t>
+            </a:r>
+            <a:endParaRPr lang="en-IL" dirty="0"/>
+          </a:p>
+        </p:txBody>
+      </p:sp>
+      <p:sp>
+        <p:nvSpPr>
+          <p:cNvPr id="3" name="TextBox 2">
+            <a:extLst>
+              <a:ext uri="{FF2B5EF4-FFF2-40B4-BE49-F238E27FC236}">
+                <a16:creationId xmlns:a16="http://schemas.microsoft.com/office/drawing/2014/main" id="{A2CF5EF3-AFB6-E3BE-5011-BE1BBBCC6CA5}"/>
+              </a:ext>
+            </a:extLst>
+          </p:cNvPr>
+          <p:cNvSpPr txBox="1"/>
+          <p:nvPr/>
+        </p:nvSpPr>
+        <p:spPr>
+          <a:xfrm>
+            <a:off x="7171038" y="640912"/>
+            <a:ext cx="4294522" cy="738664"/>
+          </a:xfrm>
+          <a:prstGeom prst="rect">
+            <a:avLst/>
+          </a:prstGeom>
+          <a:noFill/>
+        </p:spPr>
+        <p:txBody>
+          <a:bodyPr wrap="square" rtlCol="1">
+            <a:spAutoFit/>
+          </a:bodyPr>
+          <a:lstStyle/>
+          <a:p>
+            <a:pPr algn="r" fontAlgn="base">
+              <a:spcBef>
+                <a:spcPct val="0"/>
+              </a:spcBef>
+              <a:spcAft>
+                <a:spcPct val="0"/>
+              </a:spcAft>
+              <a:defRPr/>
+            </a:pPr>
+            <a:r>
+              <a:rPr lang="he-IL" sz="4200" b="1" kern="0" dirty="0">
+                <a:solidFill>
+                  <a:srgbClr val="006633"/>
+                </a:solidFill>
+                <a:latin typeface="Garamond"/>
+                <a:ea typeface="+mj-ea"/>
+                <a:cs typeface="Arial"/>
+              </a:rPr>
+              <a:t>פתרון שאלה </a:t>
+            </a:r>
+            <a:r>
+              <a:rPr lang="en-US" sz="4200" b="1" kern="0" dirty="0">
+                <a:solidFill>
+                  <a:srgbClr val="006633"/>
+                </a:solidFill>
+                <a:latin typeface="Garamond"/>
+                <a:ea typeface="+mj-ea"/>
+                <a:cs typeface="Arial"/>
+              </a:rPr>
+              <a:t>2.1.</a:t>
+            </a:r>
+          </a:p>
+        </p:txBody>
+      </p:sp>
+    </p:spTree>
+    <p:extLst>
+      <p:ext uri="{BB962C8B-B14F-4D97-AF65-F5344CB8AC3E}">
+        <p14:creationId xmlns:p14="http://schemas.microsoft.com/office/powerpoint/2010/main" val="1462860810"/>
+      </p:ext>
+    </p:extLst>
+  </p:cSld>
+  <p:clrMapOvr>
+    <a:masterClrMapping/>
+  </p:clrMapOvr>
+  <p:timing>
+    <p:tnLst>
+      <p:par>
+        <p:cTn id="1" dur="indefinite" restart="never" nodeType="tmRoot">
+          <p:childTnLst>
+            <p:seq concurrent="1" nextAc="seek">
+              <p:cTn id="2" dur="indefinite" nodeType="mainSeq">
+                <p:childTnLst>
+                  <p:par>
+                    <p:cTn id="3" fill="hold">
+                      <p:stCondLst>
+                        <p:cond delay="indefinite"/>
+                      </p:stCondLst>
+                      <p:childTnLst>
+                        <p:par>
+                          <p:cTn id="4" fill="hold">
+                            <p:stCondLst>
+                              <p:cond delay="0"/>
+                            </p:stCondLst>
+                            <p:childTnLst>
+                              <p:par>
+                                <p:cTn id="5" presetID="1" presetClass="entr" presetSubtype="0" fill="hold" nodeType="clickEffect">
+                                  <p:stCondLst>
+                                    <p:cond delay="0"/>
+                                  </p:stCondLst>
+                                  <p:childTnLst>
+                                    <p:set>
+                                      <p:cBhvr>
+                                        <p:cTn id="6" dur="1" fill="hold">
+                                          <p:stCondLst>
+                                            <p:cond delay="0"/>
+                                          </p:stCondLst>
+                                        </p:cTn>
+                                        <p:tgtEl>
+                                          <p:spTgt spid="5">
+                                            <p:txEl>
+                                              <p:pRg st="0" end="0"/>
+                                            </p:txEl>
+                                          </p:spTgt>
+                                        </p:tgtEl>
+                                        <p:attrNameLst>
+                                          <p:attrName>style.visibility</p:attrName>
+                                        </p:attrNameLst>
+                                      </p:cBhvr>
+                                      <p:to>
+                                        <p:strVal val="visible"/>
+                                      </p:to>
+                                    </p:set>
+                                  </p:childTnLst>
+                                </p:cTn>
+                              </p:par>
+                            </p:childTnLst>
+                          </p:cTn>
+                        </p:par>
+                      </p:childTnLst>
+                    </p:cTn>
+                  </p:par>
+                  <p:par>
+                    <p:cTn id="7" fill="hold">
+                      <p:stCondLst>
+                        <p:cond delay="indefinite"/>
+                      </p:stCondLst>
+                      <p:childTnLst>
+                        <p:par>
+                          <p:cTn id="8" fill="hold">
+                            <p:stCondLst>
+                              <p:cond delay="0"/>
+                            </p:stCondLst>
+                            <p:childTnLst>
+                              <p:par>
+                                <p:cTn id="9" presetID="1" presetClass="entr" presetSubtype="0" fill="hold" nodeType="clickEffect">
+                                  <p:stCondLst>
+                                    <p:cond delay="0"/>
+                                  </p:stCondLst>
+                                  <p:childTnLst>
+                                    <p:set>
+                                      <p:cBhvr>
+                                        <p:cTn id="10" dur="1" fill="hold">
+                                          <p:stCondLst>
+                                            <p:cond delay="0"/>
+                                          </p:stCondLst>
+                                        </p:cTn>
+                                        <p:tgtEl>
+                                          <p:spTgt spid="5">
+                                            <p:txEl>
+                                              <p:pRg st="2" end="2"/>
+                                            </p:txEl>
+                                          </p:spTgt>
+                                        </p:tgtEl>
+                                        <p:attrNameLst>
+                                          <p:attrName>style.visibility</p:attrName>
+                                        </p:attrNameLst>
+                                      </p:cBhvr>
+                                      <p:to>
+                                        <p:strVal val="visible"/>
+                                      </p:to>
+                                    </p:set>
+                                  </p:childTnLst>
+                                </p:cTn>
+                              </p:par>
+                              <p:par>
+                                <p:cTn id="11" presetID="1" presetClass="entr" presetSubtype="0" fill="hold" nodeType="withEffect">
+                                  <p:stCondLst>
+                                    <p:cond delay="0"/>
+                                  </p:stCondLst>
+                                  <p:childTnLst>
+                                    <p:set>
+                                      <p:cBhvr>
+                                        <p:cTn id="12" dur="1" fill="hold">
+                                          <p:stCondLst>
+                                            <p:cond delay="0"/>
+                                          </p:stCondLst>
+                                        </p:cTn>
+                                        <p:tgtEl>
+                                          <p:spTgt spid="5">
+                                            <p:txEl>
+                                              <p:pRg st="3" end="3"/>
+                                            </p:txEl>
+                                          </p:spTgt>
+                                        </p:tgtEl>
+                                        <p:attrNameLst>
+                                          <p:attrName>style.visibility</p:attrName>
+                                        </p:attrNameLst>
+                                      </p:cBhvr>
+                                      <p:to>
+                                        <p:strVal val="visible"/>
+                                      </p:to>
+                                    </p:set>
+                                  </p:childTnLst>
+                                </p:cTn>
+                              </p:par>
+                              <p:par>
+                                <p:cTn id="13" presetID="1" presetClass="entr" presetSubtype="0" fill="hold" nodeType="withEffect">
+                                  <p:stCondLst>
+                                    <p:cond delay="0"/>
+                                  </p:stCondLst>
+                                  <p:childTnLst>
+                                    <p:set>
+                                      <p:cBhvr>
+                                        <p:cTn id="14" dur="1" fill="hold">
+                                          <p:stCondLst>
+                                            <p:cond delay="0"/>
+                                          </p:stCondLst>
+                                        </p:cTn>
+                                        <p:tgtEl>
+                                          <p:spTgt spid="5">
+                                            <p:txEl>
+                                              <p:pRg st="4" end="4"/>
+                                            </p:txEl>
+                                          </p:spTgt>
+                                        </p:tgtEl>
+                                        <p:attrNameLst>
+                                          <p:attrName>style.visibility</p:attrName>
+                                        </p:attrNameLst>
+                                      </p:cBhvr>
+                                      <p:to>
+                                        <p:strVal val="visible"/>
+                                      </p:to>
+                                    </p:set>
+                                  </p:childTnLst>
+                                </p:cTn>
+                              </p:par>
+                            </p:childTnLst>
+                          </p:cTn>
+                        </p:par>
+                      </p:childTnLst>
+                    </p:cTn>
+                  </p:par>
+                  <p:par>
+                    <p:cTn id="15" fill="hold">
+                      <p:stCondLst>
+                        <p:cond delay="indefinite"/>
+                      </p:stCondLst>
+                      <p:childTnLst>
+                        <p:par>
+                          <p:cTn id="16" fill="hold">
+                            <p:stCondLst>
+                              <p:cond delay="0"/>
+                            </p:stCondLst>
+                            <p:childTnLst>
+                              <p:par>
+                                <p:cTn id="17" presetID="1" presetClass="entr" presetSubtype="0" fill="hold" nodeType="clickEffect">
+                                  <p:stCondLst>
+                                    <p:cond delay="0"/>
+                                  </p:stCondLst>
+                                  <p:childTnLst>
+                                    <p:set>
+                                      <p:cBhvr>
+                                        <p:cTn id="18" dur="1" fill="hold">
+                                          <p:stCondLst>
+                                            <p:cond delay="0"/>
+                                          </p:stCondLst>
+                                        </p:cTn>
+                                        <p:tgtEl>
+                                          <p:spTgt spid="5">
+                                            <p:txEl>
+                                              <p:pRg st="6" end="6"/>
+                                            </p:txEl>
+                                          </p:spTgt>
+                                        </p:tgtEl>
+                                        <p:attrNameLst>
+                                          <p:attrName>style.visibility</p:attrName>
+                                        </p:attrNameLst>
+                                      </p:cBhvr>
+                                      <p:to>
+                                        <p:strVal val="visible"/>
+                                      </p:to>
+                                    </p:set>
+                                  </p:childTnLst>
+                                </p:cTn>
+                              </p:par>
+                            </p:childTnLst>
+                          </p:cTn>
+                        </p:par>
+                      </p:childTnLst>
+                    </p:cTn>
+                  </p:par>
+                  <p:par>
+                    <p:cTn id="19" fill="hold">
+                      <p:stCondLst>
+                        <p:cond delay="indefinite"/>
+                      </p:stCondLst>
+                      <p:childTnLst>
+                        <p:par>
+                          <p:cTn id="20" fill="hold">
+                            <p:stCondLst>
+                              <p:cond delay="0"/>
+                            </p:stCondLst>
+                            <p:childTnLst>
+                              <p:par>
+                                <p:cTn id="21" presetID="1" presetClass="entr" presetSubtype="0" fill="hold" nodeType="clickEffect">
+                                  <p:stCondLst>
+                                    <p:cond delay="0"/>
+                                  </p:stCondLst>
+                                  <p:childTnLst>
+                                    <p:set>
+                                      <p:cBhvr>
+                                        <p:cTn id="22" dur="1" fill="hold">
+                                          <p:stCondLst>
+                                            <p:cond delay="0"/>
+                                          </p:stCondLst>
+                                        </p:cTn>
+                                        <p:tgtEl>
+                                          <p:spTgt spid="5">
+                                            <p:txEl>
+                                              <p:pRg st="8" end="8"/>
+                                            </p:txEl>
+                                          </p:spTgt>
+                                        </p:tgtEl>
+                                        <p:attrNameLst>
+                                          <p:attrName>style.visibility</p:attrName>
+                                        </p:attrNameLst>
+                                      </p:cBhvr>
+                                      <p:to>
+                                        <p:strVal val="visible"/>
+                                      </p:to>
+                                    </p:set>
+                                  </p:childTnLst>
+                                </p:cTn>
+                              </p:par>
+                            </p:childTnLst>
+                          </p:cTn>
+                        </p:par>
+                      </p:childTnLst>
+                    </p:cTn>
+                  </p:par>
+                  <p:par>
+                    <p:cTn id="23" fill="hold">
+                      <p:stCondLst>
+                        <p:cond delay="indefinite"/>
+                      </p:stCondLst>
+                      <p:childTnLst>
+                        <p:par>
+                          <p:cTn id="24" fill="hold">
+                            <p:stCondLst>
+                              <p:cond delay="0"/>
+                            </p:stCondLst>
+                            <p:childTnLst>
+                              <p:par>
+                                <p:cTn id="25" presetID="1" presetClass="entr" presetSubtype="0" fill="hold" nodeType="clickEffect">
+                                  <p:stCondLst>
+                                    <p:cond delay="0"/>
+                                  </p:stCondLst>
+                                  <p:childTnLst>
+                                    <p:set>
+                                      <p:cBhvr>
+                                        <p:cTn id="26" dur="1" fill="hold">
+                                          <p:stCondLst>
+                                            <p:cond delay="0"/>
+                                          </p:stCondLst>
+                                        </p:cTn>
+                                        <p:tgtEl>
+                                          <p:spTgt spid="5">
+                                            <p:txEl>
+                                              <p:pRg st="10" end="10"/>
+                                            </p:txEl>
+                                          </p:spTgt>
+                                        </p:tgtEl>
+                                        <p:attrNameLst>
+                                          <p:attrName>style.visibility</p:attrName>
+                                        </p:attrNameLst>
+                                      </p:cBhvr>
+                                      <p:to>
+                                        <p:strVal val="visible"/>
+                                      </p:to>
+                                    </p:set>
+                                  </p:childTnLst>
+                                </p:cTn>
+                              </p:par>
+                              <p:par>
+                                <p:cTn id="27" presetID="1" presetClass="entr" presetSubtype="0" fill="hold" nodeType="withEffect">
+                                  <p:stCondLst>
+                                    <p:cond delay="0"/>
+                                  </p:stCondLst>
+                                  <p:childTnLst>
+                                    <p:set>
+                                      <p:cBhvr>
+                                        <p:cTn id="28" dur="1" fill="hold">
+                                          <p:stCondLst>
+                                            <p:cond delay="0"/>
+                                          </p:stCondLst>
+                                        </p:cTn>
+                                        <p:tgtEl>
+                                          <p:spTgt spid="5">
+                                            <p:txEl>
+                                              <p:pRg st="11" end="11"/>
+                                            </p:txEl>
+                                          </p:spTgt>
+                                        </p:tgtEl>
+                                        <p:attrNameLst>
+                                          <p:attrName>style.visibility</p:attrName>
+                                        </p:attrNameLst>
+                                      </p:cBhvr>
+                                      <p:to>
+                                        <p:strVal val="visible"/>
+                                      </p:to>
+                                    </p:set>
+                                  </p:childTnLst>
+                                </p:cTn>
+                              </p:par>
+                              <p:par>
+                                <p:cTn id="29" presetID="1" presetClass="entr" presetSubtype="0" fill="hold" nodeType="withEffect">
+                                  <p:stCondLst>
+                                    <p:cond delay="0"/>
+                                  </p:stCondLst>
+                                  <p:childTnLst>
+                                    <p:set>
+                                      <p:cBhvr>
+                                        <p:cTn id="30" dur="1" fill="hold">
+                                          <p:stCondLst>
+                                            <p:cond delay="0"/>
+                                          </p:stCondLst>
+                                        </p:cTn>
+                                        <p:tgtEl>
+                                          <p:spTgt spid="5">
+                                            <p:txEl>
+                                              <p:pRg st="12" end="12"/>
+                                            </p:txEl>
+                                          </p:spTgt>
+                                        </p:tgtEl>
+                                        <p:attrNameLst>
+                                          <p:attrName>style.visibility</p:attrName>
+                                        </p:attrNameLst>
+                                      </p:cBhvr>
+                                      <p:to>
+                                        <p:strVal val="visible"/>
+                                      </p:to>
+                                    </p:set>
+                                  </p:childTnLst>
+                                </p:cTn>
+                              </p:par>
+                            </p:childTnLst>
+                          </p:cTn>
+                        </p:par>
+                      </p:childTnLst>
+                    </p:cTn>
+                  </p:par>
+                </p:childTnLst>
+              </p:cTn>
+              <p:prevCondLst>
+                <p:cond evt="onPrev" delay="0">
+                  <p:tgtEl>
+                    <p:sldTgt/>
+                  </p:tgtEl>
+                </p:cond>
+              </p:prevCondLst>
+              <p:nextCondLst>
+                <p:cond evt="onNext" delay="0">
+                  <p:tgtEl>
+                    <p:sldTgt/>
+                  </p:tgtEl>
+                </p:cond>
+              </p:nextCondLst>
+            </p:seq>
+          </p:childTnLst>
+        </p:cTn>
+      </p:par>
+    </p:tnLst>
+  </p:timing>
+</p:sld>
+</file>
+
+<file path=ppt/slides/slide13.xml><?xml version="1.0" encoding="utf-8"?>
+<p:sld xmlns:a="http://schemas.openxmlformats.org/drawingml/2006/main" xmlns:r="http://schemas.openxmlformats.org/officeDocument/2006/relationships" xmlns:p="http://schemas.openxmlformats.org/presentationml/2006/main">
+  <p:cSld>
+    <p:bg>
+      <p:bgPr>
+        <a:blipFill dpi="0" rotWithShape="1">
+          <a:blip r:embed="rId3">
+            <a:lum/>
+          </a:blip>
+          <a:srcRect/>
+          <a:stretch>
+            <a:fillRect/>
+          </a:stretch>
+        </a:blipFill>
+        <a:effectLst/>
+      </p:bgPr>
+    </p:bg>
+    <p:spTree>
+      <p:nvGrpSpPr>
+        <p:cNvPr id="1" name=""/>
+        <p:cNvGrpSpPr/>
+        <p:nvPr/>
+      </p:nvGrpSpPr>
+      <p:grpSpPr>
+        <a:xfrm>
+          <a:off x="0" y="0"/>
+          <a:ext cx="0" cy="0"/>
+          <a:chOff x="0" y="0"/>
+          <a:chExt cx="0" cy="0"/>
+        </a:xfrm>
+      </p:grpSpPr>
+      <p:sp>
+        <p:nvSpPr>
+          <p:cNvPr id="5" name="TextBox 4">
+            <a:extLst>
+              <a:ext uri="{FF2B5EF4-FFF2-40B4-BE49-F238E27FC236}">
+                <a16:creationId xmlns:a16="http://schemas.microsoft.com/office/drawing/2014/main" id="{E1177E8B-5D62-0CC0-B754-1D3A7AECB913}"/>
+              </a:ext>
+            </a:extLst>
+          </p:cNvPr>
+          <p:cNvSpPr txBox="1"/>
+          <p:nvPr/>
+        </p:nvSpPr>
+        <p:spPr>
+          <a:xfrm>
+            <a:off x="1804087" y="1445044"/>
+            <a:ext cx="7957751" cy="4801314"/>
+          </a:xfrm>
+          <a:prstGeom prst="rect">
+            <a:avLst/>
+          </a:prstGeom>
+          <a:noFill/>
+        </p:spPr>
+        <p:txBody>
+          <a:bodyPr wrap="square">
+            <a:spAutoFit/>
+          </a:bodyPr>
+          <a:lstStyle/>
+          <a:p>
+            <a:pPr algn="l" rtl="0"/>
+            <a:r>
+              <a:rPr lang="en-US" dirty="0"/>
+              <a:t>Max-</a:t>
+            </a:r>
+            <a:r>
+              <a:rPr lang="en-US" dirty="0" err="1"/>
+              <a:t>Heapify</a:t>
+            </a:r>
+            <a:r>
+              <a:rPr lang="en-US" dirty="0"/>
+              <a:t>(A, </a:t>
+            </a:r>
+            <a:r>
+              <a:rPr lang="en-US" dirty="0" err="1"/>
+              <a:t>i</a:t>
+            </a:r>
+            <a:r>
+              <a:rPr lang="en-US" dirty="0"/>
+              <a:t>):</a:t>
+            </a:r>
+            <a:endParaRPr lang="he-IL" dirty="0"/>
+          </a:p>
+          <a:p>
+            <a:pPr algn="l" rtl="0"/>
+            <a:r>
+              <a:rPr lang="he-IL" dirty="0"/>
+              <a:t>	</a:t>
+            </a:r>
+            <a:r>
+              <a:rPr lang="en-US" dirty="0"/>
+              <a:t>while true:</a:t>
+            </a:r>
+            <a:endParaRPr lang="he-IL" dirty="0"/>
+          </a:p>
+          <a:p>
+            <a:pPr algn="l" rtl="0"/>
+            <a:r>
+              <a:rPr lang="he-IL" dirty="0"/>
+              <a:t>		</a:t>
+            </a:r>
+            <a:r>
+              <a:rPr lang="en-US" dirty="0" err="1"/>
+              <a:t>left_child</a:t>
+            </a:r>
+            <a:r>
+              <a:rPr lang="en-US" dirty="0"/>
+              <a:t> = 2 * </a:t>
+            </a:r>
+            <a:r>
+              <a:rPr lang="en-US" dirty="0" err="1"/>
+              <a:t>i</a:t>
+            </a:r>
+            <a:r>
+              <a:rPr lang="en-US" dirty="0"/>
+              <a:t> + 1 </a:t>
+            </a:r>
+            <a:endParaRPr lang="he-IL" dirty="0"/>
+          </a:p>
+          <a:p>
+            <a:pPr algn="l" rtl="0"/>
+            <a:r>
+              <a:rPr lang="he-IL" dirty="0"/>
+              <a:t>		</a:t>
+            </a:r>
+            <a:r>
+              <a:rPr lang="en-US" dirty="0" err="1"/>
+              <a:t>right_child</a:t>
+            </a:r>
+            <a:r>
+              <a:rPr lang="en-US" dirty="0"/>
+              <a:t> = 2 * </a:t>
+            </a:r>
+            <a:r>
+              <a:rPr lang="en-US" dirty="0" err="1"/>
+              <a:t>i</a:t>
+            </a:r>
+            <a:r>
+              <a:rPr lang="en-US" dirty="0"/>
+              <a:t> + 2 </a:t>
+            </a:r>
+            <a:endParaRPr lang="he-IL" dirty="0"/>
+          </a:p>
+          <a:p>
+            <a:pPr algn="l" rtl="0"/>
+            <a:r>
+              <a:rPr lang="he-IL" dirty="0"/>
+              <a:t>		</a:t>
+            </a:r>
+            <a:r>
+              <a:rPr lang="en-US" dirty="0"/>
+              <a:t>largest = </a:t>
+            </a:r>
+            <a:r>
+              <a:rPr lang="en-US" dirty="0" err="1"/>
+              <a:t>i</a:t>
+            </a:r>
+            <a:r>
+              <a:rPr lang="en-US" dirty="0"/>
+              <a:t> </a:t>
+            </a:r>
+            <a:endParaRPr lang="he-IL" dirty="0"/>
+          </a:p>
+          <a:p>
+            <a:pPr algn="l" rtl="0"/>
+            <a:endParaRPr lang="he-IL" dirty="0"/>
+          </a:p>
+          <a:p>
+            <a:pPr algn="l" rtl="0"/>
+            <a:r>
+              <a:rPr lang="he-IL" dirty="0"/>
+              <a:t>		</a:t>
+            </a:r>
+            <a:r>
+              <a:rPr lang="en-US" dirty="0"/>
+              <a:t>if </a:t>
+            </a:r>
+            <a:r>
+              <a:rPr lang="en-US" dirty="0" err="1"/>
+              <a:t>left_child</a:t>
+            </a:r>
+            <a:r>
+              <a:rPr lang="en-US" dirty="0"/>
+              <a:t> &lt; </a:t>
+            </a:r>
+            <a:r>
+              <a:rPr lang="en-US" dirty="0" err="1"/>
+              <a:t>A.heap_size</a:t>
+            </a:r>
+            <a:r>
+              <a:rPr lang="en-US" dirty="0"/>
+              <a:t> and A[</a:t>
+            </a:r>
+            <a:r>
+              <a:rPr lang="en-US" dirty="0" err="1"/>
+              <a:t>left_child</a:t>
+            </a:r>
+            <a:r>
+              <a:rPr lang="en-US" dirty="0"/>
+              <a:t>] &gt; A[largest]: </a:t>
+            </a:r>
+            <a:endParaRPr lang="he-IL" dirty="0"/>
+          </a:p>
+          <a:p>
+            <a:pPr algn="l" rtl="0"/>
+            <a:r>
+              <a:rPr lang="he-IL" dirty="0"/>
+              <a:t>			</a:t>
+            </a:r>
+            <a:r>
+              <a:rPr lang="en-US" dirty="0"/>
+              <a:t>largest = </a:t>
+            </a:r>
+            <a:r>
+              <a:rPr lang="en-US" dirty="0" err="1"/>
+              <a:t>left_child</a:t>
+            </a:r>
+            <a:r>
+              <a:rPr lang="en-US" dirty="0"/>
+              <a:t> </a:t>
+            </a:r>
+            <a:endParaRPr lang="he-IL" dirty="0"/>
+          </a:p>
+          <a:p>
+            <a:pPr algn="l" rtl="0"/>
+            <a:endParaRPr lang="he-IL" dirty="0"/>
+          </a:p>
+          <a:p>
+            <a:pPr algn="l" rtl="0"/>
+            <a:r>
+              <a:rPr lang="he-IL" dirty="0"/>
+              <a:t>		</a:t>
+            </a:r>
+            <a:r>
+              <a:rPr lang="en-US" dirty="0"/>
+              <a:t>if </a:t>
+            </a:r>
+            <a:r>
+              <a:rPr lang="en-US" dirty="0" err="1"/>
+              <a:t>right_child</a:t>
+            </a:r>
+            <a:r>
+              <a:rPr lang="en-US" dirty="0"/>
+              <a:t> &lt; </a:t>
+            </a:r>
+            <a:r>
+              <a:rPr lang="en-US" dirty="0" err="1"/>
+              <a:t>A.heap_size</a:t>
+            </a:r>
+            <a:r>
+              <a:rPr lang="en-US" dirty="0"/>
+              <a:t> and A[</a:t>
+            </a:r>
+            <a:r>
+              <a:rPr lang="en-US" dirty="0" err="1"/>
+              <a:t>right_child</a:t>
+            </a:r>
+            <a:r>
+              <a:rPr lang="en-US" dirty="0"/>
+              <a:t>] &gt; A[largest]:</a:t>
+            </a:r>
+            <a:r>
+              <a:rPr lang="he-IL" dirty="0"/>
+              <a:t>				</a:t>
+            </a:r>
+            <a:r>
+              <a:rPr lang="en-US" dirty="0"/>
+              <a:t>largest = </a:t>
+            </a:r>
+            <a:r>
+              <a:rPr lang="en-US" dirty="0" err="1"/>
+              <a:t>right_child</a:t>
+            </a:r>
+            <a:r>
+              <a:rPr lang="en-US" dirty="0"/>
+              <a:t> </a:t>
+            </a:r>
+            <a:endParaRPr lang="he-IL" dirty="0"/>
+          </a:p>
+          <a:p>
+            <a:pPr algn="l" rtl="0"/>
+            <a:r>
+              <a:rPr lang="he-IL" dirty="0"/>
+              <a:t>	</a:t>
+            </a:r>
+          </a:p>
+          <a:p>
+            <a:pPr algn="l" rtl="0"/>
+            <a:r>
+              <a:rPr lang="he-IL" dirty="0"/>
+              <a:t>		</a:t>
+            </a:r>
+            <a:r>
+              <a:rPr lang="en-US" dirty="0"/>
+              <a:t>if largest == </a:t>
+            </a:r>
+            <a:r>
+              <a:rPr lang="en-US" dirty="0" err="1"/>
+              <a:t>i</a:t>
+            </a:r>
+            <a:r>
+              <a:rPr lang="en-US" dirty="0"/>
+              <a:t>:</a:t>
+            </a:r>
+            <a:endParaRPr lang="he-IL" dirty="0"/>
+          </a:p>
+          <a:p>
+            <a:pPr algn="l" rtl="0"/>
+            <a:r>
+              <a:rPr lang="he-IL" dirty="0"/>
+              <a:t>			</a:t>
+            </a:r>
+            <a:r>
+              <a:rPr lang="en-US" dirty="0"/>
+              <a:t>break </a:t>
+            </a:r>
+            <a:endParaRPr lang="he-IL" dirty="0"/>
+          </a:p>
+          <a:p>
+            <a:pPr algn="l" rtl="0"/>
+            <a:r>
+              <a:rPr lang="he-IL" dirty="0"/>
+              <a:t>		</a:t>
+            </a:r>
+          </a:p>
+          <a:p>
+            <a:pPr algn="l" rtl="0"/>
+            <a:r>
+              <a:rPr lang="he-IL" dirty="0"/>
+              <a:t>		</a:t>
+            </a:r>
+            <a:r>
+              <a:rPr lang="en-US" dirty="0"/>
+              <a:t>swap A[</a:t>
+            </a:r>
+            <a:r>
+              <a:rPr lang="en-US" dirty="0" err="1"/>
+              <a:t>i</a:t>
+            </a:r>
+            <a:r>
+              <a:rPr lang="en-US" dirty="0"/>
+              <a:t>] with A[largest]</a:t>
+            </a:r>
+            <a:endParaRPr lang="he-IL" dirty="0"/>
+          </a:p>
+          <a:p>
+            <a:pPr algn="l" rtl="0"/>
+            <a:r>
+              <a:rPr lang="he-IL" dirty="0"/>
+              <a:t>		</a:t>
+            </a:r>
+            <a:r>
+              <a:rPr lang="en-US" dirty="0"/>
+              <a:t> </a:t>
+            </a:r>
+            <a:r>
+              <a:rPr lang="en-US" dirty="0" err="1"/>
+              <a:t>i</a:t>
+            </a:r>
+            <a:r>
+              <a:rPr lang="en-US" dirty="0"/>
+              <a:t> = largest</a:t>
+            </a:r>
+            <a:endParaRPr lang="en-IL" dirty="0"/>
+          </a:p>
+        </p:txBody>
+      </p:sp>
+      <p:sp>
+        <p:nvSpPr>
+          <p:cNvPr id="3" name="TextBox 2">
+            <a:extLst>
+              <a:ext uri="{FF2B5EF4-FFF2-40B4-BE49-F238E27FC236}">
+                <a16:creationId xmlns:a16="http://schemas.microsoft.com/office/drawing/2014/main" id="{318BC29B-31F8-F2A8-259E-5E5FCAB2E602}"/>
               </a:ext>
             </a:extLst>
           </p:cNvPr>
@@ -5452,7 +6871,7 @@
                 <a:ea typeface="+mj-ea"/>
                 <a:cs typeface="Arial"/>
               </a:rPr>
-              <a:t>פתרון שאלה 2.</a:t>
+              <a:t>פתרון שאלה </a:t>
             </a:r>
             <a:r>
               <a:rPr lang="en-US" sz="4200" b="1" kern="0" dirty="0">
@@ -5463,362 +6882,8 @@
                 <a:ea typeface="+mj-ea"/>
                 <a:cs typeface="Arial"/>
               </a:rPr>
-              <a:t>1</a:t>
-            </a:r>
-            <a:r>
-              <a:rPr lang="he-IL" sz="4200" b="1" kern="0" dirty="0">
-                <a:solidFill>
-                  <a:srgbClr val="006633"/>
-                </a:solidFill>
-                <a:latin typeface="Garamond"/>
-                <a:ea typeface="+mj-ea"/>
-                <a:cs typeface="Arial"/>
-              </a:rPr>
-              <a:t>.</a:t>
-            </a:r>
-            <a:endParaRPr lang="en-US" sz="4200" b="1" kern="0" dirty="0">
-              <a:solidFill>
-                <a:srgbClr val="006633"/>
-              </a:solidFill>
-              <a:latin typeface="Garamond"/>
-              <a:ea typeface="+mj-ea"/>
-              <a:cs typeface="Arial"/>
-            </a:endParaRPr>
-          </a:p>
-        </p:txBody>
-      </p:sp>
-      <p:sp>
-        <p:nvSpPr>
-          <p:cNvPr id="5" name="TextBox 4">
-            <a:extLst>
-              <a:ext uri="{FF2B5EF4-FFF2-40B4-BE49-F238E27FC236}">
-                <a16:creationId xmlns:a16="http://schemas.microsoft.com/office/drawing/2014/main" id="{E1177E8B-5D62-0CC0-B754-1D3A7AECB913}"/>
-              </a:ext>
-            </a:extLst>
-          </p:cNvPr>
-          <p:cNvSpPr txBox="1"/>
-          <p:nvPr/>
-        </p:nvSpPr>
-        <p:spPr>
-          <a:xfrm>
-            <a:off x="1804087" y="1445044"/>
-            <a:ext cx="7957751" cy="4801314"/>
-          </a:xfrm>
-          <a:prstGeom prst="rect">
-            <a:avLst/>
-          </a:prstGeom>
-          <a:noFill/>
-        </p:spPr>
-        <p:txBody>
-          <a:bodyPr wrap="square">
-            <a:spAutoFit/>
-          </a:bodyPr>
-          <a:lstStyle/>
-          <a:p>
-            <a:pPr algn="l" rtl="0"/>
-            <a:r>
-              <a:rPr lang="en-US" dirty="0"/>
-              <a:t>Max-</a:t>
-            </a:r>
-            <a:r>
-              <a:rPr lang="en-US" dirty="0" err="1"/>
-              <a:t>Heapify</a:t>
-            </a:r>
-            <a:r>
-              <a:rPr lang="en-US" dirty="0"/>
-              <a:t>(A, </a:t>
-            </a:r>
-            <a:r>
-              <a:rPr lang="en-US" dirty="0" err="1"/>
-              <a:t>i</a:t>
-            </a:r>
-            <a:r>
-              <a:rPr lang="en-US" dirty="0"/>
-              <a:t>):</a:t>
-            </a:r>
-            <a:endParaRPr lang="he-IL" dirty="0"/>
-          </a:p>
-          <a:p>
-            <a:pPr algn="l" rtl="0"/>
-            <a:r>
-              <a:rPr lang="he-IL" dirty="0"/>
-              <a:t>	</a:t>
-            </a:r>
-            <a:r>
-              <a:rPr lang="en-US" dirty="0"/>
-              <a:t>while true:</a:t>
-            </a:r>
-            <a:endParaRPr lang="he-IL" dirty="0"/>
-          </a:p>
-          <a:p>
-            <a:pPr algn="l" rtl="0"/>
-            <a:r>
-              <a:rPr lang="he-IL" dirty="0"/>
-              <a:t>		</a:t>
-            </a:r>
-            <a:r>
-              <a:rPr lang="en-US" dirty="0" err="1"/>
-              <a:t>left_child</a:t>
-            </a:r>
-            <a:r>
-              <a:rPr lang="en-US" dirty="0"/>
-              <a:t> = 2 * </a:t>
-            </a:r>
-            <a:r>
-              <a:rPr lang="en-US" dirty="0" err="1"/>
-              <a:t>i</a:t>
-            </a:r>
-            <a:r>
-              <a:rPr lang="en-US" dirty="0"/>
-              <a:t> + 1 </a:t>
-            </a:r>
-            <a:endParaRPr lang="he-IL" dirty="0"/>
-          </a:p>
-          <a:p>
-            <a:pPr algn="l" rtl="0"/>
-            <a:r>
-              <a:rPr lang="he-IL" dirty="0"/>
-              <a:t>		</a:t>
-            </a:r>
-            <a:r>
-              <a:rPr lang="en-US" dirty="0" err="1"/>
-              <a:t>right_child</a:t>
-            </a:r>
-            <a:r>
-              <a:rPr lang="en-US" dirty="0"/>
-              <a:t> = 2 * </a:t>
-            </a:r>
-            <a:r>
-              <a:rPr lang="en-US" dirty="0" err="1"/>
-              <a:t>i</a:t>
-            </a:r>
-            <a:r>
-              <a:rPr lang="en-US" dirty="0"/>
-              <a:t> + 2 </a:t>
-            </a:r>
-            <a:endParaRPr lang="he-IL" dirty="0"/>
-          </a:p>
-          <a:p>
-            <a:pPr algn="l" rtl="0"/>
-            <a:r>
-              <a:rPr lang="he-IL" dirty="0"/>
-              <a:t>		</a:t>
-            </a:r>
-            <a:r>
-              <a:rPr lang="en-US" dirty="0"/>
-              <a:t>largest = </a:t>
-            </a:r>
-            <a:r>
-              <a:rPr lang="en-US" dirty="0" err="1"/>
-              <a:t>i</a:t>
-            </a:r>
-            <a:r>
-              <a:rPr lang="en-US" dirty="0"/>
-              <a:t> </a:t>
-            </a:r>
-            <a:endParaRPr lang="he-IL" dirty="0"/>
-          </a:p>
-          <a:p>
-            <a:pPr algn="l" rtl="0"/>
-            <a:endParaRPr lang="he-IL" dirty="0"/>
-          </a:p>
-          <a:p>
-            <a:pPr algn="l" rtl="0"/>
-            <a:r>
-              <a:rPr lang="he-IL" dirty="0"/>
-              <a:t>		</a:t>
-            </a:r>
-            <a:r>
-              <a:rPr lang="en-US" dirty="0"/>
-              <a:t>if </a:t>
-            </a:r>
-            <a:r>
-              <a:rPr lang="en-US" dirty="0" err="1"/>
-              <a:t>left_child</a:t>
-            </a:r>
-            <a:r>
-              <a:rPr lang="en-US" dirty="0"/>
-              <a:t> &lt; </a:t>
-            </a:r>
-            <a:r>
-              <a:rPr lang="en-US" dirty="0" err="1"/>
-              <a:t>A.heap_size</a:t>
-            </a:r>
-            <a:r>
-              <a:rPr lang="en-US" dirty="0"/>
-              <a:t> and A[</a:t>
-            </a:r>
-            <a:r>
-              <a:rPr lang="en-US" dirty="0" err="1"/>
-              <a:t>left_child</a:t>
-            </a:r>
-            <a:r>
-              <a:rPr lang="en-US" dirty="0"/>
-              <a:t>] &gt; A[largest]: </a:t>
-            </a:r>
-            <a:endParaRPr lang="he-IL" dirty="0"/>
-          </a:p>
-          <a:p>
-            <a:pPr algn="l" rtl="0"/>
-            <a:r>
-              <a:rPr lang="he-IL" dirty="0"/>
-              <a:t>			</a:t>
-            </a:r>
-            <a:r>
-              <a:rPr lang="en-US" dirty="0"/>
-              <a:t>largest = </a:t>
-            </a:r>
-            <a:r>
-              <a:rPr lang="en-US" dirty="0" err="1"/>
-              <a:t>left_child</a:t>
-            </a:r>
-            <a:r>
-              <a:rPr lang="en-US" dirty="0"/>
-              <a:t> </a:t>
-            </a:r>
-            <a:endParaRPr lang="he-IL" dirty="0"/>
-          </a:p>
-          <a:p>
-            <a:pPr algn="l" rtl="0"/>
-            <a:endParaRPr lang="he-IL" dirty="0"/>
-          </a:p>
-          <a:p>
-            <a:pPr algn="l" rtl="0"/>
-            <a:r>
-              <a:rPr lang="he-IL" dirty="0"/>
-              <a:t>		</a:t>
-            </a:r>
-            <a:r>
-              <a:rPr lang="en-US" dirty="0"/>
-              <a:t>if </a:t>
-            </a:r>
-            <a:r>
-              <a:rPr lang="en-US" dirty="0" err="1"/>
-              <a:t>right_child</a:t>
-            </a:r>
-            <a:r>
-              <a:rPr lang="en-US" dirty="0"/>
-              <a:t> &lt; </a:t>
-            </a:r>
-            <a:r>
-              <a:rPr lang="en-US" dirty="0" err="1"/>
-              <a:t>A.heap_size</a:t>
-            </a:r>
-            <a:r>
-              <a:rPr lang="en-US" dirty="0"/>
-              <a:t> and A[</a:t>
-            </a:r>
-            <a:r>
-              <a:rPr lang="en-US" dirty="0" err="1"/>
-              <a:t>right_child</a:t>
-            </a:r>
-            <a:r>
-              <a:rPr lang="en-US" dirty="0"/>
-              <a:t>] &gt; A[largest]:</a:t>
-            </a:r>
-            <a:r>
-              <a:rPr lang="he-IL" dirty="0"/>
-              <a:t>				</a:t>
-            </a:r>
-            <a:r>
-              <a:rPr lang="en-US" dirty="0"/>
-              <a:t>largest = </a:t>
-            </a:r>
-            <a:r>
-              <a:rPr lang="en-US" dirty="0" err="1"/>
-              <a:t>right_child</a:t>
-            </a:r>
-            <a:r>
-              <a:rPr lang="en-US" dirty="0"/>
-              <a:t> </a:t>
-            </a:r>
-            <a:endParaRPr lang="he-IL" dirty="0"/>
-          </a:p>
-          <a:p>
-            <a:pPr algn="l" rtl="0"/>
-            <a:r>
-              <a:rPr lang="he-IL" dirty="0"/>
-              <a:t>	</a:t>
-            </a:r>
-          </a:p>
-          <a:p>
-            <a:pPr algn="l" rtl="0"/>
-            <a:r>
-              <a:rPr lang="he-IL" dirty="0"/>
-              <a:t>		</a:t>
-            </a:r>
-            <a:r>
-              <a:rPr lang="en-US" dirty="0"/>
-              <a:t>if largest == </a:t>
-            </a:r>
-            <a:r>
-              <a:rPr lang="en-US" dirty="0" err="1"/>
-              <a:t>i</a:t>
-            </a:r>
-            <a:r>
-              <a:rPr lang="en-US" dirty="0"/>
-              <a:t>:</a:t>
-            </a:r>
-            <a:endParaRPr lang="he-IL" dirty="0"/>
-          </a:p>
-          <a:p>
-            <a:pPr algn="l" rtl="0"/>
-            <a:r>
-              <a:rPr lang="he-IL" dirty="0"/>
-              <a:t>			</a:t>
-            </a:r>
-            <a:r>
-              <a:rPr lang="en-US" dirty="0"/>
-              <a:t>break </a:t>
-            </a:r>
-            <a:endParaRPr lang="he-IL" dirty="0"/>
-          </a:p>
-          <a:p>
-            <a:pPr algn="l" rtl="0"/>
-            <a:r>
-              <a:rPr lang="he-IL" dirty="0"/>
-              <a:t>		</a:t>
-            </a:r>
-          </a:p>
-          <a:p>
-            <a:pPr algn="l" rtl="0"/>
-            <a:r>
-              <a:rPr lang="he-IL" dirty="0"/>
-              <a:t>		</a:t>
-            </a:r>
-            <a:r>
-              <a:rPr lang="en-US" dirty="0"/>
-              <a:t>swap A[</a:t>
-            </a:r>
-            <a:r>
-              <a:rPr lang="en-US" dirty="0" err="1"/>
-              <a:t>i</a:t>
-            </a:r>
-            <a:r>
-              <a:rPr lang="en-US" dirty="0"/>
-              <a:t>] with A[largest]</a:t>
-            </a:r>
-            <a:endParaRPr lang="he-IL" dirty="0"/>
-          </a:p>
-          <a:p>
-            <a:pPr algn="l" rtl="0"/>
-            <a:r>
-              <a:rPr lang="he-IL" dirty="0"/>
-              <a:t>		</a:t>
-            </a:r>
-            <a:r>
-              <a:rPr lang="en-US" dirty="0"/>
-              <a:t> </a:t>
-            </a:r>
-            <a:r>
-              <a:rPr lang="en-US" dirty="0" err="1"/>
-              <a:t>i</a:t>
-            </a:r>
-            <a:r>
-              <a:rPr lang="en-US" dirty="0"/>
-              <a:t> = largest</a:t>
-            </a:r>
-            <a:endParaRPr lang="en-IL" dirty="0"/>
+              <a:t>2.2.</a:t>
+            </a:r>
           </a:p>
         </p:txBody>
       </p:sp>
@@ -6318,1025 +7383,6 @@
                                           <p:spTgt spid="5">
                                             <p:txEl>
                                               <p:pRg st="15" end="15"/>
-                                            </p:txEl>
-                                          </p:spTgt>
-                                        </p:tgtEl>
-                                        <p:attrNameLst>
-                                          <p:attrName>style.visibility</p:attrName>
-                                        </p:attrNameLst>
-                                      </p:cBhvr>
-                                      <p:to>
-                                        <p:strVal val="visible"/>
-                                      </p:to>
-                                    </p:set>
-                                  </p:childTnLst>
-                                </p:cTn>
-                              </p:par>
-                            </p:childTnLst>
-                          </p:cTn>
-                        </p:par>
-                      </p:childTnLst>
-                    </p:cTn>
-                  </p:par>
-                </p:childTnLst>
-              </p:cTn>
-              <p:prevCondLst>
-                <p:cond evt="onPrev" delay="0">
-                  <p:tgtEl>
-                    <p:sldTgt/>
-                  </p:tgtEl>
-                </p:cond>
-              </p:prevCondLst>
-              <p:nextCondLst>
-                <p:cond evt="onNext" delay="0">
-                  <p:tgtEl>
-                    <p:sldTgt/>
-                  </p:tgtEl>
-                </p:cond>
-              </p:nextCondLst>
-            </p:seq>
-          </p:childTnLst>
-        </p:cTn>
-      </p:par>
-    </p:tnLst>
-  </p:timing>
-</p:sld>
-</file>
-
-<file path=ppt/slides/slide13.xml><?xml version="1.0" encoding="utf-8"?>
-<p:sld xmlns:a="http://schemas.openxmlformats.org/drawingml/2006/main" xmlns:r="http://schemas.openxmlformats.org/officeDocument/2006/relationships" xmlns:p="http://schemas.openxmlformats.org/presentationml/2006/main">
-  <p:cSld>
-    <p:bg>
-      <p:bgPr>
-        <a:blipFill dpi="0" rotWithShape="1">
-          <a:blip r:embed="rId3">
-            <a:lum/>
-          </a:blip>
-          <a:srcRect/>
-          <a:stretch>
-            <a:fillRect/>
-          </a:stretch>
-        </a:blipFill>
-        <a:effectLst/>
-      </p:bgPr>
-    </p:bg>
-    <p:spTree>
-      <p:nvGrpSpPr>
-        <p:cNvPr id="1" name=""/>
-        <p:cNvGrpSpPr/>
-        <p:nvPr/>
-      </p:nvGrpSpPr>
-      <p:grpSpPr>
-        <a:xfrm>
-          <a:off x="0" y="0"/>
-          <a:ext cx="0" cy="0"/>
-          <a:chOff x="0" y="0"/>
-          <a:chExt cx="0" cy="0"/>
-        </a:xfrm>
-      </p:grpSpPr>
-      <p:sp>
-        <p:nvSpPr>
-          <p:cNvPr id="2" name="TextBox 1">
-            <a:extLst>
-              <a:ext uri="{FF2B5EF4-FFF2-40B4-BE49-F238E27FC236}">
-                <a16:creationId xmlns:a16="http://schemas.microsoft.com/office/drawing/2014/main" id="{78B5EC2F-3CF0-A40A-ED3F-7164DDC74817}"/>
-              </a:ext>
-            </a:extLst>
-          </p:cNvPr>
-          <p:cNvSpPr txBox="1"/>
-          <p:nvPr/>
-        </p:nvSpPr>
-        <p:spPr>
-          <a:xfrm>
-            <a:off x="7018638" y="488512"/>
-            <a:ext cx="4294522" cy="738664"/>
-          </a:xfrm>
-          <a:prstGeom prst="rect">
-            <a:avLst/>
-          </a:prstGeom>
-          <a:noFill/>
-        </p:spPr>
-        <p:txBody>
-          <a:bodyPr wrap="square" rtlCol="1">
-            <a:spAutoFit/>
-          </a:bodyPr>
-          <a:lstStyle/>
-          <a:p>
-            <a:pPr algn="r" fontAlgn="base">
-              <a:spcBef>
-                <a:spcPct val="0"/>
-              </a:spcBef>
-              <a:spcAft>
-                <a:spcPct val="0"/>
-              </a:spcAft>
-              <a:defRPr/>
-            </a:pPr>
-            <a:r>
-              <a:rPr lang="he-IL" sz="4200" b="1" kern="0" dirty="0">
-                <a:solidFill>
-                  <a:srgbClr val="006633"/>
-                </a:solidFill>
-                <a:latin typeface="Garamond"/>
-                <a:ea typeface="+mj-ea"/>
-                <a:cs typeface="Arial"/>
-              </a:rPr>
-              <a:t>פתרון שאלה 2.</a:t>
-            </a:r>
-            <a:r>
-              <a:rPr lang="en-US" sz="4200" b="1" kern="0">
-                <a:solidFill>
-                  <a:srgbClr val="006633"/>
-                </a:solidFill>
-                <a:latin typeface="Garamond"/>
-                <a:ea typeface="+mj-ea"/>
-                <a:cs typeface="Arial"/>
-              </a:rPr>
-              <a:t>2</a:t>
-            </a:r>
-            <a:r>
-              <a:rPr lang="he-IL" sz="4200" b="1" kern="0">
-                <a:solidFill>
-                  <a:srgbClr val="006633"/>
-                </a:solidFill>
-                <a:latin typeface="Garamond"/>
-                <a:ea typeface="+mj-ea"/>
-                <a:cs typeface="Arial"/>
-              </a:rPr>
-              <a:t>.</a:t>
-            </a:r>
-            <a:endParaRPr lang="en-US" sz="4200" b="1" kern="0" dirty="0">
-              <a:solidFill>
-                <a:srgbClr val="006633"/>
-              </a:solidFill>
-              <a:latin typeface="Garamond"/>
-              <a:ea typeface="+mj-ea"/>
-              <a:cs typeface="Arial"/>
-            </a:endParaRPr>
-          </a:p>
-        </p:txBody>
-      </p:sp>
-      <p:sp>
-        <p:nvSpPr>
-          <p:cNvPr id="5" name="TextBox 4">
-            <a:extLst>
-              <a:ext uri="{FF2B5EF4-FFF2-40B4-BE49-F238E27FC236}">
-                <a16:creationId xmlns:a16="http://schemas.microsoft.com/office/drawing/2014/main" id="{E1177E8B-5D62-0CC0-B754-1D3A7AECB913}"/>
-              </a:ext>
-            </a:extLst>
-          </p:cNvPr>
-          <p:cNvSpPr txBox="1"/>
-          <p:nvPr/>
-        </p:nvSpPr>
-        <p:spPr>
-          <a:xfrm>
-            <a:off x="1804087" y="1445044"/>
-            <a:ext cx="6675737" cy="4247317"/>
-          </a:xfrm>
-          <a:prstGeom prst="rect">
-            <a:avLst/>
-          </a:prstGeom>
-          <a:noFill/>
-        </p:spPr>
-        <p:txBody>
-          <a:bodyPr wrap="square">
-            <a:spAutoFit/>
-          </a:bodyPr>
-          <a:lstStyle/>
-          <a:p>
-            <a:pPr algn="l" rtl="0"/>
-            <a:r>
-              <a:rPr lang="en-US" b="0" i="0" dirty="0">
-                <a:effectLst/>
-                <a:latin typeface="Söhne Mono"/>
-              </a:rPr>
-              <a:t>Max-</a:t>
-            </a:r>
-            <a:r>
-              <a:rPr lang="en-US" b="0" i="0" dirty="0" err="1">
-                <a:effectLst/>
-                <a:latin typeface="Söhne Mono"/>
-              </a:rPr>
-              <a:t>Heapify</a:t>
-            </a:r>
-            <a:r>
-              <a:rPr lang="en-US" b="0" i="0" dirty="0">
-                <a:effectLst/>
-                <a:latin typeface="Söhne Mono"/>
-              </a:rPr>
-              <a:t>(A, </a:t>
-            </a:r>
-            <a:r>
-              <a:rPr lang="en-US" b="0" i="0" dirty="0" err="1">
-                <a:effectLst/>
-                <a:latin typeface="Söhne Mono"/>
-              </a:rPr>
-              <a:t>i</a:t>
-            </a:r>
-            <a:r>
-              <a:rPr lang="en-US" b="0" i="0" dirty="0">
-                <a:effectLst/>
-                <a:latin typeface="Söhne Mono"/>
-              </a:rPr>
-              <a:t>):</a:t>
-            </a:r>
-            <a:endParaRPr lang="he-IL" b="0" i="0" dirty="0">
-              <a:effectLst/>
-              <a:latin typeface="Söhne Mono"/>
-            </a:endParaRPr>
-          </a:p>
-          <a:p>
-            <a:pPr algn="l" rtl="0"/>
-            <a:endParaRPr lang="he-IL" b="0" i="0" dirty="0">
-              <a:effectLst/>
-              <a:latin typeface="Söhne Mono"/>
-            </a:endParaRPr>
-          </a:p>
-          <a:p>
-            <a:pPr algn="l" rtl="0"/>
-            <a:r>
-              <a:rPr lang="he-IL" dirty="0">
-                <a:latin typeface="Söhne Mono"/>
-              </a:rPr>
-              <a:t>	</a:t>
-            </a:r>
-            <a:r>
-              <a:rPr lang="en-US" b="0" i="0" dirty="0" err="1">
-                <a:effectLst/>
-                <a:latin typeface="Söhne Mono"/>
-              </a:rPr>
-              <a:t>left_child</a:t>
-            </a:r>
-            <a:r>
-              <a:rPr lang="en-US" b="0" i="0" dirty="0">
-                <a:effectLst/>
-                <a:latin typeface="Söhne Mono"/>
-              </a:rPr>
-              <a:t> = 2 * </a:t>
-            </a:r>
-            <a:r>
-              <a:rPr lang="en-US" b="0" i="0" dirty="0" err="1">
-                <a:effectLst/>
-                <a:latin typeface="Söhne Mono"/>
-              </a:rPr>
-              <a:t>i</a:t>
-            </a:r>
-            <a:r>
-              <a:rPr lang="en-US" b="0" i="0" dirty="0">
-                <a:effectLst/>
-                <a:latin typeface="Söhne Mono"/>
-              </a:rPr>
-              <a:t> + 1 </a:t>
-            </a:r>
-            <a:endParaRPr lang="he-IL" b="0" i="0" dirty="0">
-              <a:effectLst/>
-              <a:latin typeface="Söhne Mono"/>
-            </a:endParaRPr>
-          </a:p>
-          <a:p>
-            <a:pPr algn="l" rtl="0"/>
-            <a:r>
-              <a:rPr lang="he-IL" dirty="0">
-                <a:latin typeface="Söhne Mono"/>
-              </a:rPr>
-              <a:t>	</a:t>
-            </a:r>
-            <a:r>
-              <a:rPr lang="en-US" b="0" i="0" dirty="0" err="1">
-                <a:effectLst/>
-                <a:latin typeface="Söhne Mono"/>
-              </a:rPr>
-              <a:t>right_child</a:t>
-            </a:r>
-            <a:r>
-              <a:rPr lang="en-US" b="0" i="0" dirty="0">
-                <a:effectLst/>
-                <a:latin typeface="Söhne Mono"/>
-              </a:rPr>
-              <a:t> = 2 * </a:t>
-            </a:r>
-            <a:r>
-              <a:rPr lang="en-US" b="0" i="0" dirty="0" err="1">
-                <a:effectLst/>
-                <a:latin typeface="Söhne Mono"/>
-              </a:rPr>
-              <a:t>i</a:t>
-            </a:r>
-            <a:r>
-              <a:rPr lang="en-US" b="0" i="0" dirty="0">
-                <a:effectLst/>
-                <a:latin typeface="Söhne Mono"/>
-              </a:rPr>
-              <a:t> + 2 </a:t>
-            </a:r>
-            <a:endParaRPr lang="he-IL" b="0" i="0" dirty="0">
-              <a:effectLst/>
-              <a:latin typeface="Söhne Mono"/>
-            </a:endParaRPr>
-          </a:p>
-          <a:p>
-            <a:pPr algn="l" rtl="0"/>
-            <a:r>
-              <a:rPr lang="he-IL" dirty="0">
-                <a:latin typeface="Söhne Mono"/>
-              </a:rPr>
-              <a:t>	</a:t>
-            </a:r>
-            <a:r>
-              <a:rPr lang="en-US" b="0" i="0" dirty="0">
-                <a:effectLst/>
-                <a:latin typeface="Söhne Mono"/>
-              </a:rPr>
-              <a:t>largest = </a:t>
-            </a:r>
-            <a:r>
-              <a:rPr lang="en-US" b="0" i="0" dirty="0" err="1">
-                <a:effectLst/>
-                <a:latin typeface="Söhne Mono"/>
-              </a:rPr>
-              <a:t>i</a:t>
-            </a:r>
-            <a:r>
-              <a:rPr lang="en-US" b="0" i="0" dirty="0">
-                <a:effectLst/>
-                <a:latin typeface="Söhne Mono"/>
-              </a:rPr>
-              <a:t> </a:t>
-            </a:r>
-            <a:endParaRPr lang="he-IL" b="0" i="0" dirty="0">
-              <a:effectLst/>
-              <a:latin typeface="Söhne Mono"/>
-            </a:endParaRPr>
-          </a:p>
-          <a:p>
-            <a:pPr algn="l" rtl="0"/>
-            <a:endParaRPr lang="he-IL" b="0" i="0" dirty="0">
-              <a:effectLst/>
-              <a:latin typeface="Söhne Mono"/>
-            </a:endParaRPr>
-          </a:p>
-          <a:p>
-            <a:pPr algn="l" rtl="0"/>
-            <a:r>
-              <a:rPr lang="he-IL" dirty="0">
-                <a:latin typeface="Söhne Mono"/>
-              </a:rPr>
-              <a:t>	</a:t>
-            </a:r>
-            <a:r>
-              <a:rPr lang="en-US" b="0" i="0" dirty="0">
-                <a:effectLst/>
-                <a:latin typeface="Söhne Mono"/>
-              </a:rPr>
-              <a:t>if </a:t>
-            </a:r>
-            <a:r>
-              <a:rPr lang="en-US" b="0" i="0" dirty="0" err="1">
-                <a:effectLst/>
-                <a:latin typeface="Söhne Mono"/>
-              </a:rPr>
-              <a:t>left_child</a:t>
-            </a:r>
-            <a:r>
-              <a:rPr lang="en-US" b="0" i="0" dirty="0">
-                <a:effectLst/>
-                <a:latin typeface="Söhne Mono"/>
-              </a:rPr>
-              <a:t> &lt; </a:t>
-            </a:r>
-            <a:r>
-              <a:rPr lang="en-US" b="0" i="0" dirty="0" err="1">
-                <a:effectLst/>
-                <a:latin typeface="Söhne Mono"/>
-              </a:rPr>
-              <a:t>A.heap_size</a:t>
-            </a:r>
-            <a:r>
-              <a:rPr lang="en-US" b="0" i="0" dirty="0">
-                <a:effectLst/>
-                <a:latin typeface="Söhne Mono"/>
-              </a:rPr>
-              <a:t> and A[</a:t>
-            </a:r>
-            <a:r>
-              <a:rPr lang="en-US" b="0" i="0" dirty="0" err="1">
-                <a:effectLst/>
-                <a:latin typeface="Söhne Mono"/>
-              </a:rPr>
-              <a:t>left_child</a:t>
-            </a:r>
-            <a:r>
-              <a:rPr lang="en-US" b="0" i="0" dirty="0">
-                <a:effectLst/>
-                <a:latin typeface="Söhne Mono"/>
-              </a:rPr>
-              <a:t>] &gt; A[largest]: </a:t>
-            </a:r>
-            <a:r>
-              <a:rPr lang="he-IL" b="0" i="0" dirty="0">
-                <a:effectLst/>
-                <a:latin typeface="Söhne Mono"/>
-              </a:rPr>
-              <a:t>			</a:t>
-            </a:r>
-            <a:r>
-              <a:rPr lang="en-US" b="0" i="0" dirty="0">
-                <a:effectLst/>
-                <a:latin typeface="Söhne Mono"/>
-              </a:rPr>
-              <a:t>largest = </a:t>
-            </a:r>
-            <a:r>
-              <a:rPr lang="en-US" b="0" i="0" dirty="0" err="1">
-                <a:effectLst/>
-                <a:latin typeface="Söhne Mono"/>
-              </a:rPr>
-              <a:t>left_child</a:t>
-            </a:r>
-            <a:r>
-              <a:rPr lang="en-US" b="0" i="0" dirty="0">
-                <a:effectLst/>
-                <a:latin typeface="Söhne Mono"/>
-              </a:rPr>
-              <a:t> </a:t>
-            </a:r>
-            <a:endParaRPr lang="he-IL" b="0" i="0" dirty="0">
-              <a:effectLst/>
-              <a:latin typeface="Söhne Mono"/>
-            </a:endParaRPr>
-          </a:p>
-          <a:p>
-            <a:pPr algn="l" rtl="0"/>
-            <a:endParaRPr lang="he-IL" b="0" i="0" dirty="0">
-              <a:effectLst/>
-              <a:latin typeface="Söhne Mono"/>
-            </a:endParaRPr>
-          </a:p>
-          <a:p>
-            <a:pPr algn="l" rtl="0"/>
-            <a:r>
-              <a:rPr lang="he-IL" b="0" i="0" dirty="0">
-                <a:effectLst/>
-                <a:latin typeface="Söhne Mono"/>
-              </a:rPr>
-              <a:t>	</a:t>
-            </a:r>
-            <a:r>
-              <a:rPr lang="en-US" b="0" i="0" dirty="0">
-                <a:effectLst/>
-                <a:latin typeface="Söhne Mono"/>
-              </a:rPr>
-              <a:t>if </a:t>
-            </a:r>
-            <a:r>
-              <a:rPr lang="en-US" b="0" i="0" dirty="0" err="1">
-                <a:effectLst/>
-                <a:latin typeface="Söhne Mono"/>
-              </a:rPr>
-              <a:t>right_child</a:t>
-            </a:r>
-            <a:r>
-              <a:rPr lang="en-US" b="0" i="0" dirty="0">
-                <a:effectLst/>
-                <a:latin typeface="Söhne Mono"/>
-              </a:rPr>
-              <a:t> &lt; </a:t>
-            </a:r>
-            <a:r>
-              <a:rPr lang="en-US" b="0" i="0" dirty="0" err="1">
-                <a:effectLst/>
-                <a:latin typeface="Söhne Mono"/>
-              </a:rPr>
-              <a:t>A.heap_size</a:t>
-            </a:r>
-            <a:r>
-              <a:rPr lang="en-US" b="0" i="0" dirty="0">
-                <a:effectLst/>
-                <a:latin typeface="Söhne Mono"/>
-              </a:rPr>
-              <a:t> and A[</a:t>
-            </a:r>
-            <a:r>
-              <a:rPr lang="en-US" b="0" i="0" dirty="0" err="1">
-                <a:effectLst/>
-                <a:latin typeface="Söhne Mono"/>
-              </a:rPr>
-              <a:t>right_child</a:t>
-            </a:r>
-            <a:r>
-              <a:rPr lang="en-US" b="0" i="0" dirty="0">
-                <a:effectLst/>
-                <a:latin typeface="Söhne Mono"/>
-              </a:rPr>
-              <a:t>] &gt; A[largest]: </a:t>
-            </a:r>
-            <a:r>
-              <a:rPr lang="he-IL" b="0" i="0" dirty="0">
-                <a:effectLst/>
-                <a:latin typeface="Söhne Mono"/>
-              </a:rPr>
-              <a:t>			</a:t>
-            </a:r>
-            <a:r>
-              <a:rPr lang="en-US" b="0" i="0" dirty="0">
-                <a:effectLst/>
-                <a:latin typeface="Söhne Mono"/>
-              </a:rPr>
-              <a:t>largest = </a:t>
-            </a:r>
-            <a:r>
-              <a:rPr lang="en-US" b="0" i="0" dirty="0" err="1">
-                <a:effectLst/>
-                <a:latin typeface="Söhne Mono"/>
-              </a:rPr>
-              <a:t>right_child</a:t>
-            </a:r>
-            <a:r>
-              <a:rPr lang="en-US" b="0" i="0" dirty="0">
-                <a:effectLst/>
-                <a:latin typeface="Söhne Mono"/>
-              </a:rPr>
-              <a:t> </a:t>
-            </a:r>
-            <a:endParaRPr lang="he-IL" b="0" i="0" dirty="0">
-              <a:effectLst/>
-              <a:latin typeface="Söhne Mono"/>
-            </a:endParaRPr>
-          </a:p>
-          <a:p>
-            <a:pPr algn="l" rtl="0"/>
-            <a:endParaRPr lang="he-IL" b="0" i="0" dirty="0">
-              <a:effectLst/>
-              <a:latin typeface="Söhne Mono"/>
-            </a:endParaRPr>
-          </a:p>
-          <a:p>
-            <a:pPr algn="l" rtl="0"/>
-            <a:r>
-              <a:rPr lang="he-IL" dirty="0">
-                <a:latin typeface="Söhne Mono"/>
-              </a:rPr>
-              <a:t>	</a:t>
-            </a:r>
-            <a:r>
-              <a:rPr lang="en-US" b="0" i="0" dirty="0">
-                <a:effectLst/>
-                <a:latin typeface="Söhne Mono"/>
-              </a:rPr>
-              <a:t>if largest != </a:t>
-            </a:r>
-            <a:r>
-              <a:rPr lang="en-US" b="0" i="0" dirty="0" err="1">
-                <a:effectLst/>
-                <a:latin typeface="Söhne Mono"/>
-              </a:rPr>
-              <a:t>i</a:t>
-            </a:r>
-            <a:r>
-              <a:rPr lang="en-US" b="0" i="0" dirty="0">
-                <a:effectLst/>
-                <a:latin typeface="Söhne Mono"/>
-              </a:rPr>
-              <a:t>: </a:t>
-            </a:r>
-            <a:endParaRPr lang="he-IL" b="0" i="0" dirty="0">
-              <a:effectLst/>
-              <a:latin typeface="Söhne Mono"/>
-            </a:endParaRPr>
-          </a:p>
-          <a:p>
-            <a:pPr algn="l" rtl="0"/>
-            <a:r>
-              <a:rPr lang="he-IL" dirty="0">
-                <a:latin typeface="Söhne Mono"/>
-              </a:rPr>
-              <a:t>		</a:t>
-            </a:r>
-            <a:r>
-              <a:rPr lang="en-US" b="0" i="0" dirty="0">
-                <a:effectLst/>
-                <a:latin typeface="Söhne Mono"/>
-              </a:rPr>
-              <a:t>swap A[</a:t>
-            </a:r>
-            <a:r>
-              <a:rPr lang="en-US" b="0" i="0" dirty="0" err="1">
-                <a:effectLst/>
-                <a:latin typeface="Söhne Mono"/>
-              </a:rPr>
-              <a:t>i</a:t>
-            </a:r>
-            <a:r>
-              <a:rPr lang="en-US" b="0" i="0" dirty="0">
-                <a:effectLst/>
-                <a:latin typeface="Söhne Mono"/>
-              </a:rPr>
-              <a:t>] with A[largest] </a:t>
-            </a:r>
-            <a:endParaRPr lang="he-IL" b="0" i="0" dirty="0">
-              <a:effectLst/>
-              <a:latin typeface="Söhne Mono"/>
-            </a:endParaRPr>
-          </a:p>
-          <a:p>
-            <a:pPr algn="l" rtl="0"/>
-            <a:r>
-              <a:rPr lang="he-IL" dirty="0">
-                <a:latin typeface="Söhne Mono"/>
-              </a:rPr>
-              <a:t>		</a:t>
-            </a:r>
-            <a:r>
-              <a:rPr lang="en-US" b="0" i="0" dirty="0">
-                <a:effectLst/>
-                <a:latin typeface="Söhne Mono"/>
-              </a:rPr>
-              <a:t>Max-</a:t>
-            </a:r>
-            <a:r>
-              <a:rPr lang="en-US" b="0" i="0" dirty="0" err="1">
-                <a:effectLst/>
-                <a:latin typeface="Söhne Mono"/>
-              </a:rPr>
-              <a:t>Heapify</a:t>
-            </a:r>
-            <a:r>
-              <a:rPr lang="en-US" b="0" i="0" dirty="0">
-                <a:effectLst/>
-                <a:latin typeface="Söhne Mono"/>
-              </a:rPr>
-              <a:t>(A, largest)</a:t>
-            </a:r>
-            <a:endParaRPr lang="en-IL" dirty="0"/>
-          </a:p>
-        </p:txBody>
-      </p:sp>
-    </p:spTree>
-    <p:extLst>
-      <p:ext uri="{BB962C8B-B14F-4D97-AF65-F5344CB8AC3E}">
-        <p14:creationId xmlns:p14="http://schemas.microsoft.com/office/powerpoint/2010/main" val="1462860810"/>
-      </p:ext>
-    </p:extLst>
-  </p:cSld>
-  <p:clrMapOvr>
-    <a:masterClrMapping/>
-  </p:clrMapOvr>
-  <p:timing>
-    <p:tnLst>
-      <p:par>
-        <p:cTn id="1" dur="indefinite" restart="never" nodeType="tmRoot">
-          <p:childTnLst>
-            <p:seq concurrent="1" nextAc="seek">
-              <p:cTn id="2" dur="indefinite" nodeType="mainSeq">
-                <p:childTnLst>
-                  <p:par>
-                    <p:cTn id="3" fill="hold">
-                      <p:stCondLst>
-                        <p:cond delay="indefinite"/>
-                      </p:stCondLst>
-                      <p:childTnLst>
-                        <p:par>
-                          <p:cTn id="4" fill="hold">
-                            <p:stCondLst>
-                              <p:cond delay="0"/>
-                            </p:stCondLst>
-                            <p:childTnLst>
-                              <p:par>
-                                <p:cTn id="5" presetID="1" presetClass="entr" presetSubtype="0" fill="hold" nodeType="clickEffect">
-                                  <p:stCondLst>
-                                    <p:cond delay="0"/>
-                                  </p:stCondLst>
-                                  <p:childTnLst>
-                                    <p:set>
-                                      <p:cBhvr>
-                                        <p:cTn id="6" dur="1" fill="hold">
-                                          <p:stCondLst>
-                                            <p:cond delay="0"/>
-                                          </p:stCondLst>
-                                        </p:cTn>
-                                        <p:tgtEl>
-                                          <p:spTgt spid="5">
-                                            <p:txEl>
-                                              <p:pRg st="0" end="0"/>
-                                            </p:txEl>
-                                          </p:spTgt>
-                                        </p:tgtEl>
-                                        <p:attrNameLst>
-                                          <p:attrName>style.visibility</p:attrName>
-                                        </p:attrNameLst>
-                                      </p:cBhvr>
-                                      <p:to>
-                                        <p:strVal val="visible"/>
-                                      </p:to>
-                                    </p:set>
-                                  </p:childTnLst>
-                                </p:cTn>
-                              </p:par>
-                            </p:childTnLst>
-                          </p:cTn>
-                        </p:par>
-                      </p:childTnLst>
-                    </p:cTn>
-                  </p:par>
-                  <p:par>
-                    <p:cTn id="7" fill="hold">
-                      <p:stCondLst>
-                        <p:cond delay="indefinite"/>
-                      </p:stCondLst>
-                      <p:childTnLst>
-                        <p:par>
-                          <p:cTn id="8" fill="hold">
-                            <p:stCondLst>
-                              <p:cond delay="0"/>
-                            </p:stCondLst>
-                            <p:childTnLst>
-                              <p:par>
-                                <p:cTn id="9" presetID="1" presetClass="entr" presetSubtype="0" fill="hold" nodeType="clickEffect">
-                                  <p:stCondLst>
-                                    <p:cond delay="0"/>
-                                  </p:stCondLst>
-                                  <p:childTnLst>
-                                    <p:set>
-                                      <p:cBhvr>
-                                        <p:cTn id="10" dur="1" fill="hold">
-                                          <p:stCondLst>
-                                            <p:cond delay="0"/>
-                                          </p:stCondLst>
-                                        </p:cTn>
-                                        <p:tgtEl>
-                                          <p:spTgt spid="5">
-                                            <p:txEl>
-                                              <p:pRg st="2" end="2"/>
-                                            </p:txEl>
-                                          </p:spTgt>
-                                        </p:tgtEl>
-                                        <p:attrNameLst>
-                                          <p:attrName>style.visibility</p:attrName>
-                                        </p:attrNameLst>
-                                      </p:cBhvr>
-                                      <p:to>
-                                        <p:strVal val="visible"/>
-                                      </p:to>
-                                    </p:set>
-                                  </p:childTnLst>
-                                </p:cTn>
-                              </p:par>
-                              <p:par>
-                                <p:cTn id="11" presetID="1" presetClass="entr" presetSubtype="0" fill="hold" nodeType="withEffect">
-                                  <p:stCondLst>
-                                    <p:cond delay="0"/>
-                                  </p:stCondLst>
-                                  <p:childTnLst>
-                                    <p:set>
-                                      <p:cBhvr>
-                                        <p:cTn id="12" dur="1" fill="hold">
-                                          <p:stCondLst>
-                                            <p:cond delay="0"/>
-                                          </p:stCondLst>
-                                        </p:cTn>
-                                        <p:tgtEl>
-                                          <p:spTgt spid="5">
-                                            <p:txEl>
-                                              <p:pRg st="3" end="3"/>
-                                            </p:txEl>
-                                          </p:spTgt>
-                                        </p:tgtEl>
-                                        <p:attrNameLst>
-                                          <p:attrName>style.visibility</p:attrName>
-                                        </p:attrNameLst>
-                                      </p:cBhvr>
-                                      <p:to>
-                                        <p:strVal val="visible"/>
-                                      </p:to>
-                                    </p:set>
-                                  </p:childTnLst>
-                                </p:cTn>
-                              </p:par>
-                              <p:par>
-                                <p:cTn id="13" presetID="1" presetClass="entr" presetSubtype="0" fill="hold" nodeType="withEffect">
-                                  <p:stCondLst>
-                                    <p:cond delay="0"/>
-                                  </p:stCondLst>
-                                  <p:childTnLst>
-                                    <p:set>
-                                      <p:cBhvr>
-                                        <p:cTn id="14" dur="1" fill="hold">
-                                          <p:stCondLst>
-                                            <p:cond delay="0"/>
-                                          </p:stCondLst>
-                                        </p:cTn>
-                                        <p:tgtEl>
-                                          <p:spTgt spid="5">
-                                            <p:txEl>
-                                              <p:pRg st="4" end="4"/>
-                                            </p:txEl>
-                                          </p:spTgt>
-                                        </p:tgtEl>
-                                        <p:attrNameLst>
-                                          <p:attrName>style.visibility</p:attrName>
-                                        </p:attrNameLst>
-                                      </p:cBhvr>
-                                      <p:to>
-                                        <p:strVal val="visible"/>
-                                      </p:to>
-                                    </p:set>
-                                  </p:childTnLst>
-                                </p:cTn>
-                              </p:par>
-                            </p:childTnLst>
-                          </p:cTn>
-                        </p:par>
-                      </p:childTnLst>
-                    </p:cTn>
-                  </p:par>
-                  <p:par>
-                    <p:cTn id="15" fill="hold">
-                      <p:stCondLst>
-                        <p:cond delay="indefinite"/>
-                      </p:stCondLst>
-                      <p:childTnLst>
-                        <p:par>
-                          <p:cTn id="16" fill="hold">
-                            <p:stCondLst>
-                              <p:cond delay="0"/>
-                            </p:stCondLst>
-                            <p:childTnLst>
-                              <p:par>
-                                <p:cTn id="17" presetID="1" presetClass="entr" presetSubtype="0" fill="hold" nodeType="clickEffect">
-                                  <p:stCondLst>
-                                    <p:cond delay="0"/>
-                                  </p:stCondLst>
-                                  <p:childTnLst>
-                                    <p:set>
-                                      <p:cBhvr>
-                                        <p:cTn id="18" dur="1" fill="hold">
-                                          <p:stCondLst>
-                                            <p:cond delay="0"/>
-                                          </p:stCondLst>
-                                        </p:cTn>
-                                        <p:tgtEl>
-                                          <p:spTgt spid="5">
-                                            <p:txEl>
-                                              <p:pRg st="6" end="6"/>
-                                            </p:txEl>
-                                          </p:spTgt>
-                                        </p:tgtEl>
-                                        <p:attrNameLst>
-                                          <p:attrName>style.visibility</p:attrName>
-                                        </p:attrNameLst>
-                                      </p:cBhvr>
-                                      <p:to>
-                                        <p:strVal val="visible"/>
-                                      </p:to>
-                                    </p:set>
-                                  </p:childTnLst>
-                                </p:cTn>
-                              </p:par>
-                            </p:childTnLst>
-                          </p:cTn>
-                        </p:par>
-                      </p:childTnLst>
-                    </p:cTn>
-                  </p:par>
-                  <p:par>
-                    <p:cTn id="19" fill="hold">
-                      <p:stCondLst>
-                        <p:cond delay="indefinite"/>
-                      </p:stCondLst>
-                      <p:childTnLst>
-                        <p:par>
-                          <p:cTn id="20" fill="hold">
-                            <p:stCondLst>
-                              <p:cond delay="0"/>
-                            </p:stCondLst>
-                            <p:childTnLst>
-                              <p:par>
-                                <p:cTn id="21" presetID="1" presetClass="entr" presetSubtype="0" fill="hold" nodeType="clickEffect">
-                                  <p:stCondLst>
-                                    <p:cond delay="0"/>
-                                  </p:stCondLst>
-                                  <p:childTnLst>
-                                    <p:set>
-                                      <p:cBhvr>
-                                        <p:cTn id="22" dur="1" fill="hold">
-                                          <p:stCondLst>
-                                            <p:cond delay="0"/>
-                                          </p:stCondLst>
-                                        </p:cTn>
-                                        <p:tgtEl>
-                                          <p:spTgt spid="5">
-                                            <p:txEl>
-                                              <p:pRg st="8" end="8"/>
-                                            </p:txEl>
-                                          </p:spTgt>
-                                        </p:tgtEl>
-                                        <p:attrNameLst>
-                                          <p:attrName>style.visibility</p:attrName>
-                                        </p:attrNameLst>
-                                      </p:cBhvr>
-                                      <p:to>
-                                        <p:strVal val="visible"/>
-                                      </p:to>
-                                    </p:set>
-                                  </p:childTnLst>
-                                </p:cTn>
-                              </p:par>
-                            </p:childTnLst>
-                          </p:cTn>
-                        </p:par>
-                      </p:childTnLst>
-                    </p:cTn>
-                  </p:par>
-                  <p:par>
-                    <p:cTn id="23" fill="hold">
-                      <p:stCondLst>
-                        <p:cond delay="indefinite"/>
-                      </p:stCondLst>
-                      <p:childTnLst>
-                        <p:par>
-                          <p:cTn id="24" fill="hold">
-                            <p:stCondLst>
-                              <p:cond delay="0"/>
-                            </p:stCondLst>
-                            <p:childTnLst>
-                              <p:par>
-                                <p:cTn id="25" presetID="1" presetClass="entr" presetSubtype="0" fill="hold" nodeType="clickEffect">
-                                  <p:stCondLst>
-                                    <p:cond delay="0"/>
-                                  </p:stCondLst>
-                                  <p:childTnLst>
-                                    <p:set>
-                                      <p:cBhvr>
-                                        <p:cTn id="26" dur="1" fill="hold">
-                                          <p:stCondLst>
-                                            <p:cond delay="0"/>
-                                          </p:stCondLst>
-                                        </p:cTn>
-                                        <p:tgtEl>
-                                          <p:spTgt spid="5">
-                                            <p:txEl>
-                                              <p:pRg st="10" end="10"/>
-                                            </p:txEl>
-                                          </p:spTgt>
-                                        </p:tgtEl>
-                                        <p:attrNameLst>
-                                          <p:attrName>style.visibility</p:attrName>
-                                        </p:attrNameLst>
-                                      </p:cBhvr>
-                                      <p:to>
-                                        <p:strVal val="visible"/>
-                                      </p:to>
-                                    </p:set>
-                                  </p:childTnLst>
-                                </p:cTn>
-                              </p:par>
-                              <p:par>
-                                <p:cTn id="27" presetID="1" presetClass="entr" presetSubtype="0" fill="hold" nodeType="withEffect">
-                                  <p:stCondLst>
-                                    <p:cond delay="0"/>
-                                  </p:stCondLst>
-                                  <p:childTnLst>
-                                    <p:set>
-                                      <p:cBhvr>
-                                        <p:cTn id="28" dur="1" fill="hold">
-                                          <p:stCondLst>
-                                            <p:cond delay="0"/>
-                                          </p:stCondLst>
-                                        </p:cTn>
-                                        <p:tgtEl>
-                                          <p:spTgt spid="5">
-                                            <p:txEl>
-                                              <p:pRg st="11" end="11"/>
-                                            </p:txEl>
-                                          </p:spTgt>
-                                        </p:tgtEl>
-                                        <p:attrNameLst>
-                                          <p:attrName>style.visibility</p:attrName>
-                                        </p:attrNameLst>
-                                      </p:cBhvr>
-                                      <p:to>
-                                        <p:strVal val="visible"/>
-                                      </p:to>
-                                    </p:set>
-                                  </p:childTnLst>
-                                </p:cTn>
-                              </p:par>
-                              <p:par>
-                                <p:cTn id="29" presetID="1" presetClass="entr" presetSubtype="0" fill="hold" nodeType="withEffect">
-                                  <p:stCondLst>
-                                    <p:cond delay="0"/>
-                                  </p:stCondLst>
-                                  <p:childTnLst>
-                                    <p:set>
-                                      <p:cBhvr>
-                                        <p:cTn id="30" dur="1" fill="hold">
-                                          <p:stCondLst>
-                                            <p:cond delay="0"/>
-                                          </p:stCondLst>
-                                        </p:cTn>
-                                        <p:tgtEl>
-                                          <p:spTgt spid="5">
-                                            <p:txEl>
-                                              <p:pRg st="12" end="12"/>
                                             </p:txEl>
                                           </p:spTgt>
                                         </p:tgtEl>
@@ -11414,7 +11460,7 @@
     <p:bg>
       <p:bgPr>
         <a:blipFill dpi="0" rotWithShape="1">
-          <a:blip r:embed="rId2">
+          <a:blip r:embed="rId3">
             <a:lum/>
           </a:blip>
           <a:srcRect/>
@@ -11911,7 +11957,7 @@
           <p:nvPr/>
         </p:nvPicPr>
         <p:blipFill>
-          <a:blip r:embed="rId3">
+          <a:blip r:embed="rId4">
             <a:extLst>
               <a:ext uri="{28A0092B-C50C-407E-A947-70E740481C1C}">
                 <a14:useLocalDpi xmlns:a14="http://schemas.microsoft.com/office/drawing/2010/main" val="0"/>
@@ -12019,7 +12065,7 @@
           <p:nvPr/>
         </p:nvPicPr>
         <p:blipFill>
-          <a:blip r:embed="rId4">
+          <a:blip r:embed="rId5">
             <a:extLst>
               <a:ext uri="{28A0092B-C50C-407E-A947-70E740481C1C}">
                 <a14:useLocalDpi xmlns:a14="http://schemas.microsoft.com/office/drawing/2010/main" val="0"/>
@@ -12091,7 +12137,7 @@
           <p:nvPr/>
         </p:nvPicPr>
         <p:blipFill>
-          <a:blip r:embed="rId5">
+          <a:blip r:embed="rId6">
             <a:extLst>
               <a:ext uri="{28A0092B-C50C-407E-A947-70E740481C1C}">
                 <a14:useLocalDpi xmlns:a14="http://schemas.microsoft.com/office/drawing/2010/main" val="0"/>
